--- a/doc/Presentation.pptx
+++ b/doc/Presentation.pptx
@@ -13,38 +13,39 @@
     <p:sldMasterId id="2147483752" r:id="rId10"/>
     <p:sldMasterId id="2147483765" r:id="rId11"/>
     <p:sldMasterId id="2147483778" r:id="rId12"/>
+    <p:sldMasterId id="2147483791" r:id="rId13"/>
   </p:sldMasterIdLst>
   <p:notesMasterIdLst>
-    <p:notesMasterId r:id="rId13"/>
+    <p:notesMasterId r:id="rId14"/>
   </p:notesMasterIdLst>
   <p:sldIdLst>
-    <p:sldId id="256" r:id="rId14"/>
-    <p:sldId id="257" r:id="rId15"/>
-    <p:sldId id="258" r:id="rId16"/>
-    <p:sldId id="259" r:id="rId17"/>
-    <p:sldId id="260" r:id="rId18"/>
-    <p:sldId id="261" r:id="rId19"/>
-    <p:sldId id="262" r:id="rId20"/>
-    <p:sldId id="263" r:id="rId21"/>
-    <p:sldId id="264" r:id="rId22"/>
-    <p:sldId id="265" r:id="rId23"/>
-    <p:sldId id="266" r:id="rId24"/>
-    <p:sldId id="267" r:id="rId25"/>
-    <p:sldId id="268" r:id="rId26"/>
-    <p:sldId id="269" r:id="rId27"/>
-    <p:sldId id="270" r:id="rId28"/>
-    <p:sldId id="271" r:id="rId29"/>
-    <p:sldId id="272" r:id="rId30"/>
-    <p:sldId id="273" r:id="rId31"/>
-    <p:sldId id="274" r:id="rId32"/>
-    <p:sldId id="275" r:id="rId33"/>
-    <p:sldId id="276" r:id="rId34"/>
-    <p:sldId id="277" r:id="rId35"/>
-    <p:sldId id="278" r:id="rId36"/>
-    <p:sldId id="279" r:id="rId37"/>
-    <p:sldId id="280" r:id="rId38"/>
-    <p:sldId id="281" r:id="rId39"/>
-    <p:sldId id="282" r:id="rId40"/>
+    <p:sldId id="256" r:id="rId15"/>
+    <p:sldId id="257" r:id="rId16"/>
+    <p:sldId id="258" r:id="rId17"/>
+    <p:sldId id="259" r:id="rId18"/>
+    <p:sldId id="260" r:id="rId19"/>
+    <p:sldId id="261" r:id="rId20"/>
+    <p:sldId id="262" r:id="rId21"/>
+    <p:sldId id="263" r:id="rId22"/>
+    <p:sldId id="264" r:id="rId23"/>
+    <p:sldId id="265" r:id="rId24"/>
+    <p:sldId id="266" r:id="rId25"/>
+    <p:sldId id="267" r:id="rId26"/>
+    <p:sldId id="268" r:id="rId27"/>
+    <p:sldId id="269" r:id="rId28"/>
+    <p:sldId id="270" r:id="rId29"/>
+    <p:sldId id="271" r:id="rId30"/>
+    <p:sldId id="272" r:id="rId31"/>
+    <p:sldId id="273" r:id="rId32"/>
+    <p:sldId id="274" r:id="rId33"/>
+    <p:sldId id="275" r:id="rId34"/>
+    <p:sldId id="276" r:id="rId35"/>
+    <p:sldId id="277" r:id="rId36"/>
+    <p:sldId id="278" r:id="rId37"/>
+    <p:sldId id="279" r:id="rId38"/>
+    <p:sldId id="280" r:id="rId39"/>
+    <p:sldId id="281" r:id="rId40"/>
+    <p:sldId id="282" r:id="rId41"/>
   </p:sldIdLst>
   <p:sldSz cx="10080625" cy="5670550"/>
   <p:notesSz cx="7559675" cy="10691812"/>
@@ -70,7 +71,7 @@
       </p:grpSpPr>
       <p:sp>
         <p:nvSpPr>
-          <p:cNvPr id="418" name="PlaceHolder 1"/>
+          <p:cNvPr id="456" name="PlaceHolder 1"/>
           <p:cNvSpPr>
             <a:spLocks noGrp="1"/>
           </p:cNvSpPr>
@@ -107,7 +108,7 @@
       </p:sp>
       <p:sp>
         <p:nvSpPr>
-          <p:cNvPr id="419" name="PlaceHolder 2"/>
+          <p:cNvPr id="457" name="PlaceHolder 2"/>
           <p:cNvSpPr>
             <a:spLocks noGrp="1"/>
           </p:cNvSpPr>
@@ -143,7 +144,7 @@
       </p:sp>
       <p:sp>
         <p:nvSpPr>
-          <p:cNvPr id="420" name="PlaceHolder 3"/>
+          <p:cNvPr id="458" name="PlaceHolder 3"/>
           <p:cNvSpPr>
             <a:spLocks noGrp="1"/>
           </p:cNvSpPr>
@@ -179,7 +180,7 @@
       </p:sp>
       <p:sp>
         <p:nvSpPr>
-          <p:cNvPr id="421" name="PlaceHolder 4"/>
+          <p:cNvPr id="459" name="PlaceHolder 4"/>
           <p:cNvSpPr>
             <a:spLocks noGrp="1"/>
           </p:cNvSpPr>
@@ -216,7 +217,7 @@
       </p:sp>
       <p:sp>
         <p:nvSpPr>
-          <p:cNvPr id="422" name="PlaceHolder 5"/>
+          <p:cNvPr id="460" name="PlaceHolder 5"/>
           <p:cNvSpPr>
             <a:spLocks noGrp="1"/>
           </p:cNvSpPr>
@@ -252,7 +253,7 @@
       </p:sp>
       <p:sp>
         <p:nvSpPr>
-          <p:cNvPr id="423" name="PlaceHolder 6"/>
+          <p:cNvPr id="461" name="PlaceHolder 6"/>
           <p:cNvSpPr>
             <a:spLocks noGrp="1"/>
           </p:cNvSpPr>
@@ -275,7 +276,7 @@
           </a:bodyPr>
           <a:p>
             <a:pPr algn="r"/>
-            <a:fld id="{DC35C6FE-542F-4ACB-A408-35ED378C369D}" type="slidenum">
+            <a:fld id="{AA5A0CFD-E83D-438E-B72C-75CE19A782FF}" type="slidenum">
               <a:rPr b="0" lang="en-GB" sz="1400" spc="-1" strike="noStrike">
                 <a:latin typeface="Times New Roman"/>
               </a:rPr>
@@ -312,7 +313,7 @@
       </p:grpSpPr>
       <p:sp>
         <p:nvSpPr>
-          <p:cNvPr id="489" name="PlaceHolder 1"/>
+          <p:cNvPr id="529" name="PlaceHolder 1"/>
           <p:cNvSpPr>
             <a:spLocks noGrp="1"/>
           </p:cNvSpPr>
@@ -323,16 +324,16 @@
         <p:spPr>
           <a:xfrm>
             <a:off x="216000" y="812520"/>
-            <a:ext cx="7123680" cy="4005360"/>
-          </a:xfrm>
-          <a:prstGeom prst="rect">
-            <a:avLst/>
-          </a:prstGeom>
-        </p:spPr>
-      </p:sp>
-      <p:sp>
-        <p:nvSpPr>
-          <p:cNvPr id="490" name="PlaceHolder 2"/>
+            <a:ext cx="7122960" cy="4004640"/>
+          </a:xfrm>
+          <a:prstGeom prst="rect">
+            <a:avLst/>
+          </a:prstGeom>
+        </p:spPr>
+      </p:sp>
+      <p:sp>
+        <p:nvSpPr>
+          <p:cNvPr id="530" name="PlaceHolder 2"/>
           <p:cNvSpPr>
             <a:spLocks noGrp="1"/>
           </p:cNvSpPr>
@@ -343,7 +344,7 @@
         <p:spPr>
           <a:xfrm>
             <a:off x="756000" y="5078520"/>
-            <a:ext cx="6044040" cy="4807440"/>
+            <a:ext cx="6043320" cy="4806720"/>
           </a:xfrm>
           <a:prstGeom prst="rect">
             <a:avLst/>
@@ -354,7 +355,7 @@
             <a:noAutofit/>
           </a:bodyPr>
           <a:p>
-            <a:pPr marL="216000" indent="-212760">
+            <a:pPr marL="216000" indent="-212040">
               <a:lnSpc>
                 <a:spcPct val="100000"/>
               </a:lnSpc>
@@ -373,7 +374,7 @@
             </a:endParaRPr>
           </a:p>
           <a:p>
-            <a:pPr marL="216000" indent="-212760">
+            <a:pPr marL="216000" indent="-212040">
               <a:lnSpc>
                 <a:spcPct val="100000"/>
               </a:lnSpc>
@@ -392,7 +393,7 @@
             </a:endParaRPr>
           </a:p>
           <a:p>
-            <a:pPr marL="216000" indent="-212760">
+            <a:pPr marL="216000" indent="-212040">
               <a:lnSpc>
                 <a:spcPct val="100000"/>
               </a:lnSpc>
@@ -411,7 +412,7 @@
             </a:endParaRPr>
           </a:p>
           <a:p>
-            <a:pPr marL="216000" indent="-212760">
+            <a:pPr marL="216000" indent="-212040">
               <a:lnSpc>
                 <a:spcPct val="100000"/>
               </a:lnSpc>
@@ -430,7 +431,7 @@
             </a:endParaRPr>
           </a:p>
           <a:p>
-            <a:pPr marL="216000" indent="-212760">
+            <a:pPr marL="216000" indent="-212040">
               <a:lnSpc>
                 <a:spcPct val="100000"/>
               </a:lnSpc>
@@ -449,7 +450,7 @@
             </a:endParaRPr>
           </a:p>
           <a:p>
-            <a:pPr marL="216000" indent="-212760">
+            <a:pPr marL="216000" indent="-212040">
               <a:lnSpc>
                 <a:spcPct val="100000"/>
               </a:lnSpc>
@@ -487,7 +488,7 @@
       </p:grpSpPr>
       <p:sp>
         <p:nvSpPr>
-          <p:cNvPr id="507" name="PlaceHolder 1"/>
+          <p:cNvPr id="545" name="PlaceHolder 1"/>
           <p:cNvSpPr>
             <a:spLocks noGrp="1"/>
           </p:cNvSpPr>
@@ -498,16 +499,16 @@
         <p:spPr>
           <a:xfrm>
             <a:off x="216360" y="812520"/>
-            <a:ext cx="7123320" cy="4005360"/>
-          </a:xfrm>
-          <a:prstGeom prst="rect">
-            <a:avLst/>
-          </a:prstGeom>
-        </p:spPr>
-      </p:sp>
-      <p:sp>
-        <p:nvSpPr>
-          <p:cNvPr id="508" name="PlaceHolder 2"/>
+            <a:ext cx="7122600" cy="4004640"/>
+          </a:xfrm>
+          <a:prstGeom prst="rect">
+            <a:avLst/>
+          </a:prstGeom>
+        </p:spPr>
+      </p:sp>
+      <p:sp>
+        <p:nvSpPr>
+          <p:cNvPr id="546" name="PlaceHolder 2"/>
           <p:cNvSpPr>
             <a:spLocks noGrp="1"/>
           </p:cNvSpPr>
@@ -518,7 +519,7 @@
         <p:spPr>
           <a:xfrm>
             <a:off x="756000" y="5078520"/>
-            <a:ext cx="6044040" cy="4807440"/>
+            <a:ext cx="6043320" cy="4806720"/>
           </a:xfrm>
           <a:prstGeom prst="rect">
             <a:avLst/>
@@ -529,7 +530,7 @@
             <a:noAutofit/>
           </a:bodyPr>
           <a:p>
-            <a:pPr marL="216000" indent="-212760">
+            <a:pPr marL="216000" indent="-212040">
               <a:lnSpc>
                 <a:spcPct val="100000"/>
               </a:lnSpc>
@@ -548,7 +549,7 @@
             </a:endParaRPr>
           </a:p>
           <a:p>
-            <a:pPr marL="216000" indent="-212760">
+            <a:pPr marL="216000" indent="-212040">
               <a:lnSpc>
                 <a:spcPct val="100000"/>
               </a:lnSpc>
@@ -567,7 +568,7 @@
             </a:endParaRPr>
           </a:p>
           <a:p>
-            <a:pPr marL="216000" indent="-212760">
+            <a:pPr marL="216000" indent="-212040">
               <a:lnSpc>
                 <a:spcPct val="100000"/>
               </a:lnSpc>
@@ -579,14 +580,14 @@
               <a:rPr b="0" lang="en-GB" sz="2000" spc="-1" strike="noStrike">
                 <a:latin typeface="Arial"/>
               </a:rPr>
-              <a:t>Quite high resistance on indicator LEDs because I didn’t want to affect the high output of the Wemos</a:t>
+              <a:t>N channel MOSFET gate voltage min: 2V, max: 4V</a:t>
             </a:r>
             <a:endParaRPr b="0" lang="en-GB" sz="2000" spc="-1" strike="noStrike">
               <a:latin typeface="Arial"/>
             </a:endParaRPr>
           </a:p>
           <a:p>
-            <a:pPr marL="216000" indent="-212760">
+            <a:pPr marL="216000" indent="-212040">
               <a:lnSpc>
                 <a:spcPct val="100000"/>
               </a:lnSpc>
@@ -598,14 +599,14 @@
               <a:rPr b="0" lang="en-GB" sz="2000" spc="-1" strike="noStrike">
                 <a:latin typeface="Arial"/>
               </a:rPr>
-              <a:t>N channel MOSFET gate voltage min: 2V, max: 4V</a:t>
+              <a:t>ESP8266 high output measured at 3.3V</a:t>
             </a:r>
             <a:endParaRPr b="0" lang="en-GB" sz="2000" spc="-1" strike="noStrike">
               <a:latin typeface="Arial"/>
             </a:endParaRPr>
           </a:p>
           <a:p>
-            <a:pPr marL="216000" indent="-212760">
+            <a:pPr marL="216000" indent="-212040">
               <a:lnSpc>
                 <a:spcPct val="100000"/>
               </a:lnSpc>
@@ -617,14 +618,14 @@
               <a:rPr b="0" lang="en-GB" sz="2000" spc="-1" strike="noStrike">
                 <a:latin typeface="Arial"/>
               </a:rPr>
-              <a:t>ESP8266 high output measured at 3.3V</a:t>
+              <a:t>With hindsight: could have used P channel MOSFETs rather than N type, but driver circuit more complicated and also this way I can isolate both sides of LEDs</a:t>
             </a:r>
             <a:endParaRPr b="0" lang="en-GB" sz="2000" spc="-1" strike="noStrike">
               <a:latin typeface="Arial"/>
             </a:endParaRPr>
           </a:p>
           <a:p>
-            <a:pPr marL="216000" indent="-212760">
+            <a:pPr marL="216000" indent="-212040">
               <a:lnSpc>
                 <a:spcPct val="100000"/>
               </a:lnSpc>
@@ -632,18 +633,12 @@
                 <a:tab algn="l" pos="0"/>
               </a:tabLst>
             </a:pPr>
-            <a:r>
-              <a:rPr b="0" lang="en-GB" sz="2000" spc="-1" strike="noStrike">
-                <a:latin typeface="Arial"/>
-              </a:rPr>
-              <a:t>With hindsight: could have used P channel MOSFETs rather than N type, but driver circuit more complicated and also this way I can isolate both sides of LEDs</a:t>
-            </a:r>
             <a:endParaRPr b="0" lang="en-GB" sz="2000" spc="-1" strike="noStrike">
               <a:latin typeface="Arial"/>
             </a:endParaRPr>
           </a:p>
           <a:p>
-            <a:pPr marL="216000" indent="-212760">
+            <a:pPr marL="216000" indent="-212040">
               <a:lnSpc>
                 <a:spcPct val="100000"/>
               </a:lnSpc>
@@ -651,31 +646,12 @@
                 <a:tab algn="l" pos="0"/>
               </a:tabLst>
             </a:pPr>
-            <a:r>
-              <a:rPr b="0" lang="en-GB" sz="2000" spc="-1" strike="noStrike">
-                <a:latin typeface="Arial"/>
-              </a:rPr>
-              <a:t>Show video</a:t>
-            </a:r>
             <a:endParaRPr b="0" lang="en-GB" sz="2000" spc="-1" strike="noStrike">
               <a:latin typeface="Arial"/>
             </a:endParaRPr>
           </a:p>
           <a:p>
-            <a:pPr marL="216000" indent="-212760">
-              <a:lnSpc>
-                <a:spcPct val="100000"/>
-              </a:lnSpc>
-              <a:tabLst>
-                <a:tab algn="l" pos="0"/>
-              </a:tabLst>
-            </a:pPr>
-            <a:endParaRPr b="0" lang="en-GB" sz="2000" spc="-1" strike="noStrike">
-              <a:latin typeface="Arial"/>
-            </a:endParaRPr>
-          </a:p>
-          <a:p>
-            <a:pPr marL="216000" indent="-212760">
+            <a:pPr marL="216000" indent="-212040">
               <a:lnSpc>
                 <a:spcPct val="100000"/>
               </a:lnSpc>
@@ -713,7 +689,7 @@
       </p:grpSpPr>
       <p:sp>
         <p:nvSpPr>
-          <p:cNvPr id="509" name="PlaceHolder 1"/>
+          <p:cNvPr id="547" name="PlaceHolder 1"/>
           <p:cNvSpPr>
             <a:spLocks noGrp="1"/>
           </p:cNvSpPr>
@@ -724,16 +700,16 @@
         <p:spPr>
           <a:xfrm>
             <a:off x="216360" y="812520"/>
-            <a:ext cx="7123320" cy="4005360"/>
-          </a:xfrm>
-          <a:prstGeom prst="rect">
-            <a:avLst/>
-          </a:prstGeom>
-        </p:spPr>
-      </p:sp>
-      <p:sp>
-        <p:nvSpPr>
-          <p:cNvPr id="510" name="PlaceHolder 2"/>
+            <a:ext cx="7122600" cy="4004640"/>
+          </a:xfrm>
+          <a:prstGeom prst="rect">
+            <a:avLst/>
+          </a:prstGeom>
+        </p:spPr>
+      </p:sp>
+      <p:sp>
+        <p:nvSpPr>
+          <p:cNvPr id="548" name="PlaceHolder 2"/>
           <p:cNvSpPr>
             <a:spLocks noGrp="1"/>
           </p:cNvSpPr>
@@ -744,7 +720,7 @@
         <p:spPr>
           <a:xfrm>
             <a:off x="756000" y="5078520"/>
-            <a:ext cx="6044040" cy="4807440"/>
+            <a:ext cx="6043320" cy="4806720"/>
           </a:xfrm>
           <a:prstGeom prst="rect">
             <a:avLst/>
@@ -755,7 +731,7 @@
             <a:noAutofit/>
           </a:bodyPr>
           <a:p>
-            <a:pPr marL="216000" indent="-212760">
+            <a:pPr marL="216000" indent="-212040">
               <a:lnSpc>
                 <a:spcPct val="100000"/>
               </a:lnSpc>
@@ -774,7 +750,7 @@
             </a:endParaRPr>
           </a:p>
           <a:p>
-            <a:pPr marL="216000" indent="-212760">
+            <a:pPr marL="216000" indent="-212040">
               <a:lnSpc>
                 <a:spcPct val="100000"/>
               </a:lnSpc>
@@ -793,7 +769,7 @@
             </a:endParaRPr>
           </a:p>
           <a:p>
-            <a:pPr marL="216000" indent="-212760">
+            <a:pPr marL="216000" indent="-212040">
               <a:lnSpc>
                 <a:spcPct val="100000"/>
               </a:lnSpc>
@@ -812,7 +788,7 @@
             </a:endParaRPr>
           </a:p>
           <a:p>
-            <a:pPr marL="216000" indent="-212760">
+            <a:pPr marL="216000" indent="-212040">
               <a:lnSpc>
                 <a:spcPct val="100000"/>
               </a:lnSpc>
@@ -850,7 +826,7 @@
       </p:grpSpPr>
       <p:sp>
         <p:nvSpPr>
-          <p:cNvPr id="511" name="PlaceHolder 1"/>
+          <p:cNvPr id="549" name="PlaceHolder 1"/>
           <p:cNvSpPr>
             <a:spLocks noGrp="1"/>
           </p:cNvSpPr>
@@ -861,16 +837,16 @@
         <p:spPr>
           <a:xfrm>
             <a:off x="216360" y="812520"/>
-            <a:ext cx="7123320" cy="4005360"/>
-          </a:xfrm>
-          <a:prstGeom prst="rect">
-            <a:avLst/>
-          </a:prstGeom>
-        </p:spPr>
-      </p:sp>
-      <p:sp>
-        <p:nvSpPr>
-          <p:cNvPr id="512" name="PlaceHolder 2"/>
+            <a:ext cx="7122600" cy="4004640"/>
+          </a:xfrm>
+          <a:prstGeom prst="rect">
+            <a:avLst/>
+          </a:prstGeom>
+        </p:spPr>
+      </p:sp>
+      <p:sp>
+        <p:nvSpPr>
+          <p:cNvPr id="550" name="PlaceHolder 2"/>
           <p:cNvSpPr>
             <a:spLocks noGrp="1"/>
           </p:cNvSpPr>
@@ -881,7 +857,7 @@
         <p:spPr>
           <a:xfrm>
             <a:off x="756000" y="5078520"/>
-            <a:ext cx="6044040" cy="4807440"/>
+            <a:ext cx="6043320" cy="4806720"/>
           </a:xfrm>
           <a:prstGeom prst="rect">
             <a:avLst/>
@@ -892,7 +868,7 @@
             <a:noAutofit/>
           </a:bodyPr>
           <a:p>
-            <a:pPr marL="216000" indent="-212760">
+            <a:pPr marL="216000" indent="-212040">
               <a:lnSpc>
                 <a:spcPct val="100000"/>
               </a:lnSpc>
@@ -911,7 +887,7 @@
             </a:endParaRPr>
           </a:p>
           <a:p>
-            <a:pPr marL="216000" indent="-212760">
+            <a:pPr marL="216000" indent="-212040">
               <a:lnSpc>
                 <a:spcPct val="100000"/>
               </a:lnSpc>
@@ -930,7 +906,7 @@
             </a:endParaRPr>
           </a:p>
           <a:p>
-            <a:pPr marL="216000" indent="-212760">
+            <a:pPr marL="216000" indent="-212040">
               <a:lnSpc>
                 <a:spcPct val="100000"/>
               </a:lnSpc>
@@ -949,7 +925,7 @@
             </a:endParaRPr>
           </a:p>
           <a:p>
-            <a:pPr marL="216000" indent="-212760">
+            <a:pPr marL="216000" indent="-212040">
               <a:lnSpc>
                 <a:spcPct val="100000"/>
               </a:lnSpc>
@@ -968,7 +944,7 @@
             </a:endParaRPr>
           </a:p>
           <a:p>
-            <a:pPr marL="216000" indent="-212760">
+            <a:pPr marL="216000" indent="-212040">
               <a:lnSpc>
                 <a:spcPct val="100000"/>
               </a:lnSpc>
@@ -987,7 +963,7 @@
             </a:endParaRPr>
           </a:p>
           <a:p>
-            <a:pPr marL="216000" indent="-212760">
+            <a:pPr marL="216000" indent="-212040">
               <a:lnSpc>
                 <a:spcPct val="100000"/>
               </a:lnSpc>
@@ -1031,7 +1007,7 @@
       </p:grpSpPr>
       <p:sp>
         <p:nvSpPr>
-          <p:cNvPr id="513" name="PlaceHolder 1"/>
+          <p:cNvPr id="551" name="PlaceHolder 1"/>
           <p:cNvSpPr>
             <a:spLocks noGrp="1"/>
           </p:cNvSpPr>
@@ -1042,16 +1018,16 @@
         <p:spPr>
           <a:xfrm>
             <a:off x="216360" y="812520"/>
-            <a:ext cx="7123320" cy="4005360"/>
-          </a:xfrm>
-          <a:prstGeom prst="rect">
-            <a:avLst/>
-          </a:prstGeom>
-        </p:spPr>
-      </p:sp>
-      <p:sp>
-        <p:nvSpPr>
-          <p:cNvPr id="514" name="PlaceHolder 2"/>
+            <a:ext cx="7122600" cy="4004640"/>
+          </a:xfrm>
+          <a:prstGeom prst="rect">
+            <a:avLst/>
+          </a:prstGeom>
+        </p:spPr>
+      </p:sp>
+      <p:sp>
+        <p:nvSpPr>
+          <p:cNvPr id="552" name="PlaceHolder 2"/>
           <p:cNvSpPr>
             <a:spLocks noGrp="1"/>
           </p:cNvSpPr>
@@ -1062,7 +1038,7 @@
         <p:spPr>
           <a:xfrm>
             <a:off x="756000" y="5078520"/>
-            <a:ext cx="6044040" cy="4807440"/>
+            <a:ext cx="6043320" cy="4806720"/>
           </a:xfrm>
           <a:prstGeom prst="rect">
             <a:avLst/>
@@ -1073,7 +1049,7 @@
             <a:noAutofit/>
           </a:bodyPr>
           <a:p>
-            <a:pPr marL="216000" indent="-212760">
+            <a:pPr marL="216000" indent="-212040">
               <a:lnSpc>
                 <a:spcPct val="100000"/>
               </a:lnSpc>
@@ -1092,7 +1068,7 @@
             </a:endParaRPr>
           </a:p>
           <a:p>
-            <a:pPr marL="216000" indent="-212760">
+            <a:pPr marL="216000" indent="-212040">
               <a:lnSpc>
                 <a:spcPct val="100000"/>
               </a:lnSpc>
@@ -1111,7 +1087,7 @@
             </a:endParaRPr>
           </a:p>
           <a:p>
-            <a:pPr marL="216000" indent="-212760">
+            <a:pPr marL="216000" indent="-212040">
               <a:lnSpc>
                 <a:spcPct val="100000"/>
               </a:lnSpc>
@@ -1130,7 +1106,7 @@
             </a:endParaRPr>
           </a:p>
           <a:p>
-            <a:pPr marL="216000" indent="-212760">
+            <a:pPr marL="216000" indent="-212040">
               <a:lnSpc>
                 <a:spcPct val="100000"/>
               </a:lnSpc>
@@ -1149,7 +1125,7 @@
             </a:endParaRPr>
           </a:p>
           <a:p>
-            <a:pPr marL="216000" indent="-212760">
+            <a:pPr marL="216000" indent="-212040">
               <a:lnSpc>
                 <a:spcPct val="100000"/>
               </a:lnSpc>
@@ -1168,7 +1144,7 @@
             </a:endParaRPr>
           </a:p>
           <a:p>
-            <a:pPr marL="216000" indent="-212760">
+            <a:pPr marL="216000" indent="-212040">
               <a:lnSpc>
                 <a:spcPct val="100000"/>
               </a:lnSpc>
@@ -1181,7 +1157,7 @@
             </a:endParaRPr>
           </a:p>
           <a:p>
-            <a:pPr marL="216000" indent="-212760">
+            <a:pPr marL="216000" indent="-212040">
               <a:lnSpc>
                 <a:spcPct val="100000"/>
               </a:lnSpc>
@@ -1219,7 +1195,7 @@
       </p:grpSpPr>
       <p:sp>
         <p:nvSpPr>
-          <p:cNvPr id="515" name="PlaceHolder 1"/>
+          <p:cNvPr id="553" name="PlaceHolder 1"/>
           <p:cNvSpPr>
             <a:spLocks noGrp="1"/>
           </p:cNvSpPr>
@@ -1230,16 +1206,16 @@
         <p:spPr>
           <a:xfrm>
             <a:off x="216000" y="812520"/>
-            <a:ext cx="7126200" cy="4008240"/>
-          </a:xfrm>
-          <a:prstGeom prst="rect">
-            <a:avLst/>
-          </a:prstGeom>
-        </p:spPr>
-      </p:sp>
-      <p:sp>
-        <p:nvSpPr>
-          <p:cNvPr id="516" name="PlaceHolder 2"/>
+            <a:ext cx="7125480" cy="4007520"/>
+          </a:xfrm>
+          <a:prstGeom prst="rect">
+            <a:avLst/>
+          </a:prstGeom>
+        </p:spPr>
+      </p:sp>
+      <p:sp>
+        <p:nvSpPr>
+          <p:cNvPr id="554" name="PlaceHolder 2"/>
           <p:cNvSpPr>
             <a:spLocks noGrp="1"/>
           </p:cNvSpPr>
@@ -1250,7 +1226,7 @@
         <p:spPr>
           <a:xfrm>
             <a:off x="755640" y="5078520"/>
-            <a:ext cx="6046560" cy="4809960"/>
+            <a:ext cx="6045840" cy="4809240"/>
           </a:xfrm>
           <a:prstGeom prst="rect">
             <a:avLst/>
@@ -1261,7 +1237,7 @@
             <a:noAutofit/>
           </a:bodyPr>
           <a:p>
-            <a:pPr marL="216000" indent="-215640">
+            <a:pPr marL="216000" indent="-214920">
               <a:lnSpc>
                 <a:spcPct val="100000"/>
               </a:lnSpc>
@@ -1280,7 +1256,7 @@
             </a:endParaRPr>
           </a:p>
           <a:p>
-            <a:pPr marL="216000" indent="-215640">
+            <a:pPr marL="216000" indent="-214920">
               <a:lnSpc>
                 <a:spcPct val="100000"/>
               </a:lnSpc>
@@ -1299,7 +1275,7 @@
             </a:endParaRPr>
           </a:p>
           <a:p>
-            <a:pPr marL="216000" indent="-215640">
+            <a:pPr marL="216000" indent="-214920">
               <a:lnSpc>
                 <a:spcPct val="100000"/>
               </a:lnSpc>
@@ -1318,7 +1294,7 @@
             </a:endParaRPr>
           </a:p>
           <a:p>
-            <a:pPr marL="216000" indent="-215640">
+            <a:pPr marL="216000" indent="-214920">
               <a:lnSpc>
                 <a:spcPct val="100000"/>
               </a:lnSpc>
@@ -1337,7 +1313,7 @@
             </a:endParaRPr>
           </a:p>
           <a:p>
-            <a:pPr marL="216000" indent="-215640">
+            <a:pPr marL="216000" indent="-214920">
               <a:lnSpc>
                 <a:spcPct val="100000"/>
               </a:lnSpc>
@@ -1356,7 +1332,7 @@
             </a:endParaRPr>
           </a:p>
           <a:p>
-            <a:pPr marL="216000" indent="-215640">
+            <a:pPr marL="216000" indent="-214920">
               <a:lnSpc>
                 <a:spcPct val="100000"/>
               </a:lnSpc>
@@ -1368,20 +1344,165 @@
               <a:rPr b="0" lang="en-GB" sz="2000" spc="-1" strike="noStrike">
                 <a:latin typeface="Arial"/>
               </a:rPr>
-              <a:t>Tempted to use heatsinks, but for now will probably limit current to 3A</a:t>
+              <a:t>Tempted to use heatsink, or could limit current to 3A</a:t>
             </a:r>
             <a:endParaRPr b="0" lang="en-GB" sz="2000" spc="-1" strike="noStrike">
               <a:latin typeface="Arial"/>
             </a:endParaRPr>
           </a:p>
           <a:p>
-            <a:pPr marL="216000" indent="-215640">
+            <a:pPr marL="216000" indent="-214920">
               <a:lnSpc>
                 <a:spcPct val="100000"/>
               </a:lnSpc>
               <a:tabLst>
                 <a:tab algn="l" pos="0"/>
               </a:tabLst>
+            </a:pPr>
+            <a:endParaRPr b="0" lang="en-GB" sz="2000" spc="-1" strike="noStrike">
+              <a:latin typeface="Arial"/>
+            </a:endParaRPr>
+          </a:p>
+        </p:txBody>
+      </p:sp>
+    </p:spTree>
+  </p:cSld>
+</p:notes>
+</file>
+
+<file path=ppt/notesSlides/notesSlide15.xml><?xml version="1.0" encoding="utf-8"?>
+<p:notes xmlns:a="http://schemas.openxmlformats.org/drawingml/2006/main" xmlns:p="http://schemas.openxmlformats.org/presentationml/2006/main" xmlns:r="http://schemas.openxmlformats.org/officeDocument/2006/relationships" xmlns:p14="http://schemas.microsoft.com/office/powerpoint/2010/main" xmlns:p15="http://schemas.microsoft.com/office/powerpoint/2012/main" xmlns:mc="http://schemas.openxmlformats.org/markup-compatibility/2006">
+  <p:cSld>
+    <p:spTree>
+      <p:nvGrpSpPr>
+        <p:cNvPr id="1" name=""/>
+        <p:cNvGrpSpPr/>
+        <p:nvPr/>
+      </p:nvGrpSpPr>
+      <p:grpSpPr>
+        <a:xfrm>
+          <a:off x="0" y="0"/>
+          <a:ext cx="0" cy="0"/>
+          <a:chOff x="0" y="0"/>
+          <a:chExt cx="0" cy="0"/>
+        </a:xfrm>
+      </p:grpSpPr>
+      <p:sp>
+        <p:nvSpPr>
+          <p:cNvPr id="555" name="PlaceHolder 1"/>
+          <p:cNvSpPr>
+            <a:spLocks noGrp="1"/>
+          </p:cNvSpPr>
+          <p:nvPr>
+            <p:ph type="sldImg"/>
+          </p:nvPr>
+        </p:nvSpPr>
+        <p:spPr>
+          <a:xfrm>
+            <a:off x="216000" y="812520"/>
+            <a:ext cx="7126560" cy="4008600"/>
+          </a:xfrm>
+          <a:prstGeom prst="rect">
+            <a:avLst/>
+          </a:prstGeom>
+        </p:spPr>
+      </p:sp>
+      <p:sp>
+        <p:nvSpPr>
+          <p:cNvPr id="556" name="PlaceHolder 2"/>
+          <p:cNvSpPr>
+            <a:spLocks noGrp="1"/>
+          </p:cNvSpPr>
+          <p:nvPr>
+            <p:ph type="body"/>
+          </p:nvPr>
+        </p:nvSpPr>
+        <p:spPr>
+          <a:xfrm>
+            <a:off x="755640" y="5078520"/>
+            <a:ext cx="6046920" cy="4810320"/>
+          </a:xfrm>
+          <a:prstGeom prst="rect">
+            <a:avLst/>
+          </a:prstGeom>
+        </p:spPr>
+        <p:txBody>
+          <a:bodyPr lIns="0" rIns="0" tIns="0" bIns="0">
+            <a:noAutofit/>
+          </a:bodyPr>
+          <a:p>
+            <a:pPr marL="216000" indent="-216000">
+              <a:lnSpc>
+                <a:spcPct val="100000"/>
+              </a:lnSpc>
+            </a:pPr>
+            <a:r>
+              <a:rPr b="0" lang="en-GB" sz="2000" spc="-1" strike="noStrike">
+                <a:latin typeface="Arial"/>
+              </a:rPr>
+              <a:t>Veroboard tests</a:t>
+            </a:r>
+            <a:endParaRPr b="0" lang="en-GB" sz="2000" spc="-1" strike="noStrike">
+              <a:latin typeface="Arial"/>
+            </a:endParaRPr>
+          </a:p>
+          <a:p>
+            <a:pPr marL="216000" indent="-216000">
+              <a:lnSpc>
+                <a:spcPct val="100000"/>
+              </a:lnSpc>
+            </a:pPr>
+            <a:r>
+              <a:rPr b="0" lang="en-GB" sz="2000" spc="-1" strike="noStrike">
+                <a:latin typeface="Arial"/>
+              </a:rPr>
+              <a:t>Wanted to test with high currents</a:t>
+            </a:r>
+            <a:endParaRPr b="0" lang="en-GB" sz="2000" spc="-1" strike="noStrike">
+              <a:latin typeface="Arial"/>
+            </a:endParaRPr>
+          </a:p>
+          <a:p>
+            <a:pPr marL="216000" indent="-216000">
+              <a:lnSpc>
+                <a:spcPct val="100000"/>
+              </a:lnSpc>
+            </a:pPr>
+            <a:endParaRPr b="0" lang="en-GB" sz="2000" spc="-1" strike="noStrike">
+              <a:latin typeface="Arial"/>
+            </a:endParaRPr>
+          </a:p>
+          <a:p>
+            <a:pPr marL="216000" indent="-216000">
+              <a:lnSpc>
+                <a:spcPct val="100000"/>
+              </a:lnSpc>
+            </a:pPr>
+            <a:r>
+              <a:rPr b="0" lang="en-GB" sz="2000" spc="-1" strike="noStrike">
+                <a:latin typeface="Arial"/>
+              </a:rPr>
+              <a:t>Show LTSpice demo</a:t>
+            </a:r>
+            <a:endParaRPr b="0" lang="en-GB" sz="2000" spc="-1" strike="noStrike">
+              <a:latin typeface="Arial"/>
+            </a:endParaRPr>
+          </a:p>
+          <a:p>
+            <a:pPr marL="216000" indent="-216000">
+              <a:lnSpc>
+                <a:spcPct val="100000"/>
+              </a:lnSpc>
+            </a:pPr>
+            <a:endParaRPr b="0" lang="en-GB" sz="2000" spc="-1" strike="noStrike">
+              <a:latin typeface="Arial"/>
+            </a:endParaRPr>
+          </a:p>
+          <a:p>
+            <a:pPr marL="216000" indent="-216000">
+              <a:lnSpc>
+                <a:spcPct val="100000"/>
+              </a:lnSpc>
             </a:pPr>
             <a:endParaRPr b="0" lang="en-GB" sz="2000" spc="-1" strike="noStrike">
               <a:latin typeface="Arial"/>
@@ -1413,7 +1534,7 @@
       </p:grpSpPr>
       <p:sp>
         <p:nvSpPr>
-          <p:cNvPr id="517" name="PlaceHolder 1"/>
+          <p:cNvPr id="557" name="PlaceHolder 1"/>
           <p:cNvSpPr>
             <a:spLocks noGrp="1"/>
           </p:cNvSpPr>
@@ -1424,16 +1545,16 @@
         <p:spPr>
           <a:xfrm>
             <a:off x="216000" y="812520"/>
-            <a:ext cx="7124760" cy="4006800"/>
-          </a:xfrm>
-          <a:prstGeom prst="rect">
-            <a:avLst/>
-          </a:prstGeom>
-        </p:spPr>
-      </p:sp>
-      <p:sp>
-        <p:nvSpPr>
-          <p:cNvPr id="518" name="PlaceHolder 2"/>
+            <a:ext cx="7124040" cy="4006080"/>
+          </a:xfrm>
+          <a:prstGeom prst="rect">
+            <a:avLst/>
+          </a:prstGeom>
+        </p:spPr>
+      </p:sp>
+      <p:sp>
+        <p:nvSpPr>
+          <p:cNvPr id="558" name="PlaceHolder 2"/>
           <p:cNvSpPr>
             <a:spLocks noGrp="1"/>
           </p:cNvSpPr>
@@ -1444,7 +1565,7 @@
         <p:spPr>
           <a:xfrm>
             <a:off x="755640" y="5078520"/>
-            <a:ext cx="6045120" cy="4808520"/>
+            <a:ext cx="6044400" cy="4807800"/>
           </a:xfrm>
           <a:prstGeom prst="rect">
             <a:avLst/>
@@ -1455,7 +1576,7 @@
             <a:noAutofit/>
           </a:bodyPr>
           <a:p>
-            <a:pPr marL="216000" indent="-214200">
+            <a:pPr marL="216000" indent="-213480">
               <a:lnSpc>
                 <a:spcPct val="100000"/>
               </a:lnSpc>
@@ -1467,14 +1588,14 @@
               <a:rPr b="0" lang="en-GB" sz="2000" spc="-1" strike="noStrike">
                 <a:latin typeface="Arial"/>
               </a:rPr>
-              <a:t>Better than normal terminal blocks because they have clips rather than screws</a:t>
+              <a:t>Spring loaded clips, lift up, insert wire, put clip down</a:t>
             </a:r>
             <a:endParaRPr b="0" lang="en-GB" sz="2000" spc="-1" strike="noStrike">
               <a:latin typeface="Arial"/>
             </a:endParaRPr>
           </a:p>
           <a:p>
-            <a:pPr marL="216000" indent="-214200">
+            <a:pPr marL="216000" indent="-213480">
               <a:lnSpc>
                 <a:spcPct val="100000"/>
               </a:lnSpc>
@@ -1486,14 +1607,14 @@
               <a:rPr b="0" lang="en-GB" sz="2000" spc="-1" strike="noStrike">
                 <a:latin typeface="Arial"/>
               </a:rPr>
-              <a:t>Less stress on wire</a:t>
+              <a:t>Better than normal terminal blocks because they don’t have screws</a:t>
             </a:r>
             <a:endParaRPr b="0" lang="en-GB" sz="2000" spc="-1" strike="noStrike">
               <a:latin typeface="Arial"/>
             </a:endParaRPr>
           </a:p>
           <a:p>
-            <a:pPr marL="216000" indent="-214200">
+            <a:pPr marL="216000" indent="-213480">
               <a:lnSpc>
                 <a:spcPct val="100000"/>
               </a:lnSpc>
@@ -1505,14 +1626,14 @@
               <a:rPr b="0" lang="en-GB" sz="2000" spc="-1" strike="noStrike">
                 <a:latin typeface="Arial"/>
               </a:rPr>
-              <a:t>Lots of different types – here 1 to 1 and 1 to 3</a:t>
+              <a:t>Less stress on wire</a:t>
             </a:r>
             <a:endParaRPr b="0" lang="en-GB" sz="2000" spc="-1" strike="noStrike">
               <a:latin typeface="Arial"/>
             </a:endParaRPr>
           </a:p>
           <a:p>
-            <a:pPr marL="216000" indent="-214200">
+            <a:pPr marL="216000" indent="-213480">
               <a:lnSpc>
                 <a:spcPct val="100000"/>
               </a:lnSpc>
@@ -1524,14 +1645,14 @@
               <a:rPr b="0" lang="en-GB" sz="2000" spc="-1" strike="noStrike">
                 <a:latin typeface="Arial"/>
               </a:rPr>
-              <a:t>Search for “cable connector”</a:t>
+              <a:t>Lots of different types – here 1 to 1 and 1 to 3</a:t>
             </a:r>
             <a:endParaRPr b="0" lang="en-GB" sz="2000" spc="-1" strike="noStrike">
               <a:latin typeface="Arial"/>
             </a:endParaRPr>
           </a:p>
           <a:p>
-            <a:pPr marL="216000" indent="-214200">
+            <a:pPr marL="216000" indent="-213480">
               <a:lnSpc>
                 <a:spcPct val="100000"/>
               </a:lnSpc>
@@ -1539,12 +1660,31 @@
                 <a:tab algn="l" pos="0"/>
               </a:tabLst>
             </a:pPr>
+            <a:r>
+              <a:rPr b="0" lang="en-GB" sz="2000" spc="-1" strike="noStrike">
+                <a:latin typeface="Arial"/>
+              </a:rPr>
+              <a:t>Search for “cable connector”</a:t>
+            </a:r>
             <a:endParaRPr b="0" lang="en-GB" sz="2000" spc="-1" strike="noStrike">
               <a:latin typeface="Arial"/>
             </a:endParaRPr>
           </a:p>
           <a:p>
-            <a:pPr marL="216000" indent="-214200">
+            <a:pPr marL="216000" indent="-213480">
+              <a:lnSpc>
+                <a:spcPct val="100000"/>
+              </a:lnSpc>
+              <a:tabLst>
+                <a:tab algn="l" pos="0"/>
+              </a:tabLst>
+            </a:pPr>
+            <a:endParaRPr b="0" lang="en-GB" sz="2000" spc="-1" strike="noStrike">
+              <a:latin typeface="Arial"/>
+            </a:endParaRPr>
+          </a:p>
+          <a:p>
+            <a:pPr marL="216000" indent="-213480">
               <a:lnSpc>
                 <a:spcPct val="100000"/>
               </a:lnSpc>
@@ -1582,7 +1722,7 @@
       </p:grpSpPr>
       <p:sp>
         <p:nvSpPr>
-          <p:cNvPr id="519" name="PlaceHolder 1"/>
+          <p:cNvPr id="559" name="PlaceHolder 1"/>
           <p:cNvSpPr>
             <a:spLocks noGrp="1"/>
           </p:cNvSpPr>
@@ -1593,16 +1733,16 @@
         <p:spPr>
           <a:xfrm>
             <a:off x="216000" y="812520"/>
-            <a:ext cx="7126200" cy="4008240"/>
-          </a:xfrm>
-          <a:prstGeom prst="rect">
-            <a:avLst/>
-          </a:prstGeom>
-        </p:spPr>
-      </p:sp>
-      <p:sp>
-        <p:nvSpPr>
-          <p:cNvPr id="520" name="PlaceHolder 2"/>
+            <a:ext cx="7125480" cy="4007520"/>
+          </a:xfrm>
+          <a:prstGeom prst="rect">
+            <a:avLst/>
+          </a:prstGeom>
+        </p:spPr>
+      </p:sp>
+      <p:sp>
+        <p:nvSpPr>
+          <p:cNvPr id="560" name="PlaceHolder 2"/>
           <p:cNvSpPr>
             <a:spLocks noGrp="1"/>
           </p:cNvSpPr>
@@ -1613,7 +1753,7 @@
         <p:spPr>
           <a:xfrm>
             <a:off x="755640" y="5078520"/>
-            <a:ext cx="6046560" cy="4809960"/>
+            <a:ext cx="6045840" cy="4809240"/>
           </a:xfrm>
           <a:prstGeom prst="rect">
             <a:avLst/>
@@ -1624,7 +1764,7 @@
             <a:noAutofit/>
           </a:bodyPr>
           <a:p>
-            <a:pPr marL="216000" indent="-215640">
+            <a:pPr marL="216000" indent="-214920">
               <a:lnSpc>
                 <a:spcPct val="100000"/>
               </a:lnSpc>
@@ -1643,7 +1783,7 @@
             </a:endParaRPr>
           </a:p>
           <a:p>
-            <a:pPr marL="216000" indent="-215640">
+            <a:pPr marL="216000" indent="-214920">
               <a:lnSpc>
                 <a:spcPct val="100000"/>
               </a:lnSpc>
@@ -1651,18 +1791,12 @@
                 <a:tab algn="l" pos="0"/>
               </a:tabLst>
             </a:pPr>
-            <a:r>
-              <a:rPr b="0" lang="en-GB" sz="2000" spc="-1" strike="noStrike">
-                <a:latin typeface="Arial"/>
-              </a:rPr>
-              <a:t>Wires =&gt; you get what you pay for</a:t>
-            </a:r>
             <a:endParaRPr b="0" lang="en-GB" sz="2000" spc="-1" strike="noStrike">
               <a:latin typeface="Arial"/>
             </a:endParaRPr>
           </a:p>
           <a:p>
-            <a:pPr marL="216000" indent="-215640">
+            <a:pPr marL="216000" indent="-214920">
               <a:lnSpc>
                 <a:spcPct val="100000"/>
               </a:lnSpc>
@@ -1674,14 +1808,14 @@
               <a:rPr b="0" lang="en-GB" sz="2000" spc="-1" strike="noStrike">
                 <a:latin typeface="Arial"/>
               </a:rPr>
-              <a:t>Could get expensive to wire it all up with 10 gauge wire</a:t>
+              <a:t>Wires =&gt; you get what you pay for</a:t>
             </a:r>
             <a:endParaRPr b="0" lang="en-GB" sz="2000" spc="-1" strike="noStrike">
               <a:latin typeface="Arial"/>
             </a:endParaRPr>
           </a:p>
           <a:p>
-            <a:pPr marL="216000" indent="-215640">
+            <a:pPr marL="216000" indent="-214920">
               <a:lnSpc>
                 <a:spcPct val="100000"/>
               </a:lnSpc>
@@ -1693,6 +1827,25 @@
               <a:rPr b="0" lang="en-GB" sz="2000" spc="-1" strike="noStrike">
                 <a:latin typeface="Arial"/>
               </a:rPr>
+              <a:t>Could get expensive to wire it all up with 10 gauge wire</a:t>
+            </a:r>
+            <a:endParaRPr b="0" lang="en-GB" sz="2000" spc="-1" strike="noStrike">
+              <a:latin typeface="Arial"/>
+            </a:endParaRPr>
+          </a:p>
+          <a:p>
+            <a:pPr marL="216000" indent="-214920">
+              <a:lnSpc>
+                <a:spcPct val="100000"/>
+              </a:lnSpc>
+              <a:tabLst>
+                <a:tab algn="l" pos="0"/>
+              </a:tabLst>
+            </a:pPr>
+            <a:r>
+              <a:rPr b="0" lang="en-GB" sz="2000" spc="-1" strike="noStrike">
+                <a:latin typeface="Arial"/>
+              </a:rPr>
               <a:t>10m 30 gauge wire shorted across 12V =&gt; current 2.6A</a:t>
             </a:r>
             <a:endParaRPr b="0" lang="en-GB" sz="2000" spc="-1" strike="noStrike">
@@ -1700,7 +1853,7 @@
             </a:endParaRPr>
           </a:p>
           <a:p>
-            <a:pPr marL="216000" indent="-215640">
+            <a:pPr marL="216000" indent="-214920">
               <a:lnSpc>
                 <a:spcPct val="100000"/>
               </a:lnSpc>
@@ -1738,7 +1891,7 @@
       </p:grpSpPr>
       <p:sp>
         <p:nvSpPr>
-          <p:cNvPr id="521" name="PlaceHolder 1"/>
+          <p:cNvPr id="561" name="PlaceHolder 1"/>
           <p:cNvSpPr>
             <a:spLocks noGrp="1"/>
           </p:cNvSpPr>
@@ -1749,16 +1902,16 @@
         <p:spPr>
           <a:xfrm>
             <a:off x="216000" y="812520"/>
-            <a:ext cx="7124400" cy="4006440"/>
-          </a:xfrm>
-          <a:prstGeom prst="rect">
-            <a:avLst/>
-          </a:prstGeom>
-        </p:spPr>
-      </p:sp>
-      <p:sp>
-        <p:nvSpPr>
-          <p:cNvPr id="522" name="PlaceHolder 2"/>
+            <a:ext cx="7123680" cy="4005720"/>
+          </a:xfrm>
+          <a:prstGeom prst="rect">
+            <a:avLst/>
+          </a:prstGeom>
+        </p:spPr>
+      </p:sp>
+      <p:sp>
+        <p:nvSpPr>
+          <p:cNvPr id="562" name="PlaceHolder 2"/>
           <p:cNvSpPr>
             <a:spLocks noGrp="1"/>
           </p:cNvSpPr>
@@ -1769,7 +1922,7 @@
         <p:spPr>
           <a:xfrm>
             <a:off x="755640" y="5078520"/>
-            <a:ext cx="6044760" cy="4808160"/>
+            <a:ext cx="6044040" cy="4807440"/>
           </a:xfrm>
           <a:prstGeom prst="rect">
             <a:avLst/>
@@ -1780,7 +1933,7 @@
             <a:noAutofit/>
           </a:bodyPr>
           <a:p>
-            <a:pPr marL="216000" indent="-213840">
+            <a:pPr marL="216000" indent="-213120">
               <a:lnSpc>
                 <a:spcPct val="100000"/>
               </a:lnSpc>
@@ -1792,14 +1945,14 @@
               <a:rPr b="0" lang="en-GB" sz="2000" spc="-1" strike="noStrike">
                 <a:latin typeface="Arial"/>
               </a:rPr>
-              <a:t>Used Arduino IDE</a:t>
+              <a:t>Used Arduino IDE – could have used platfomio and VS code – but sometimes think it’s just as easy to use Arduino IDE</a:t>
             </a:r>
             <a:endParaRPr b="0" lang="en-GB" sz="2000" spc="-1" strike="noStrike">
               <a:latin typeface="Arial"/>
             </a:endParaRPr>
           </a:p>
           <a:p>
-            <a:pPr marL="216000" indent="-213840">
+            <a:pPr marL="216000" indent="-213120">
               <a:lnSpc>
                 <a:spcPct val="100000"/>
               </a:lnSpc>
@@ -1811,14 +1964,40 @@
               <a:rPr b="0" lang="en-GB" sz="2000" spc="-1" strike="noStrike">
                 <a:latin typeface="Arial"/>
               </a:rPr>
-              <a:t>Modified existing example</a:t>
+              <a:t>Modified existing examples</a:t>
             </a:r>
             <a:endParaRPr b="0" lang="en-GB" sz="2000" spc="-1" strike="noStrike">
               <a:latin typeface="Arial"/>
             </a:endParaRPr>
           </a:p>
           <a:p>
-            <a:pPr marL="216000" indent="-213840">
+            <a:pPr marL="216000" indent="-213120">
+              <a:lnSpc>
+                <a:spcPct val="100000"/>
+              </a:lnSpc>
+              <a:tabLst>
+                <a:tab algn="l" pos="0"/>
+              </a:tabLst>
+            </a:pPr>
+            <a:endParaRPr b="0" lang="en-GB" sz="2000" spc="-1" strike="noStrike">
+              <a:latin typeface="Arial"/>
+            </a:endParaRPr>
+          </a:p>
+          <a:p>
+            <a:pPr marL="216000" indent="-213120">
+              <a:lnSpc>
+                <a:spcPct val="100000"/>
+              </a:lnSpc>
+              <a:tabLst>
+                <a:tab algn="l" pos="0"/>
+              </a:tabLst>
+            </a:pPr>
+            <a:endParaRPr b="0" lang="en-GB" sz="2000" spc="-1" strike="noStrike">
+              <a:latin typeface="Arial"/>
+            </a:endParaRPr>
+          </a:p>
+          <a:p>
+            <a:pPr marL="216000" indent="-213120">
               <a:lnSpc>
                 <a:spcPct val="100000"/>
               </a:lnSpc>
@@ -1856,7 +2035,7 @@
       </p:grpSpPr>
       <p:sp>
         <p:nvSpPr>
-          <p:cNvPr id="523" name="PlaceHolder 1"/>
+          <p:cNvPr id="563" name="PlaceHolder 1"/>
           <p:cNvSpPr>
             <a:spLocks noGrp="1"/>
           </p:cNvSpPr>
@@ -1867,16 +2046,16 @@
         <p:spPr>
           <a:xfrm>
             <a:off x="216000" y="812520"/>
-            <a:ext cx="7124400" cy="4006440"/>
-          </a:xfrm>
-          <a:prstGeom prst="rect">
-            <a:avLst/>
-          </a:prstGeom>
-        </p:spPr>
-      </p:sp>
-      <p:sp>
-        <p:nvSpPr>
-          <p:cNvPr id="524" name="PlaceHolder 2"/>
+            <a:ext cx="7123680" cy="4005720"/>
+          </a:xfrm>
+          <a:prstGeom prst="rect">
+            <a:avLst/>
+          </a:prstGeom>
+        </p:spPr>
+      </p:sp>
+      <p:sp>
+        <p:nvSpPr>
+          <p:cNvPr id="564" name="PlaceHolder 2"/>
           <p:cNvSpPr>
             <a:spLocks noGrp="1"/>
           </p:cNvSpPr>
@@ -1887,7 +2066,7 @@
         <p:spPr>
           <a:xfrm>
             <a:off x="755640" y="5078520"/>
-            <a:ext cx="6044760" cy="4808160"/>
+            <a:ext cx="6044040" cy="4807440"/>
           </a:xfrm>
           <a:prstGeom prst="rect">
             <a:avLst/>
@@ -1898,7 +2077,7 @@
             <a:noAutofit/>
           </a:bodyPr>
           <a:p>
-            <a:pPr marL="216000" indent="-213840">
+            <a:pPr marL="216000" indent="-213120">
               <a:lnSpc>
                 <a:spcPct val="100000"/>
               </a:lnSpc>
@@ -1917,7 +2096,7 @@
             </a:endParaRPr>
           </a:p>
           <a:p>
-            <a:pPr marL="216000" indent="-213840">
+            <a:pPr marL="216000" indent="-213120">
               <a:lnSpc>
                 <a:spcPct val="100000"/>
               </a:lnSpc>
@@ -1936,7 +2115,7 @@
             </a:endParaRPr>
           </a:p>
           <a:p>
-            <a:pPr marL="216000" indent="-213840">
+            <a:pPr marL="216000" indent="-213120">
               <a:lnSpc>
                 <a:spcPct val="100000"/>
               </a:lnSpc>
@@ -1955,7 +2134,7 @@
             </a:endParaRPr>
           </a:p>
           <a:p>
-            <a:pPr marL="216000" indent="-213840">
+            <a:pPr marL="216000" indent="-213120">
               <a:lnSpc>
                 <a:spcPct val="100000"/>
               </a:lnSpc>
@@ -1999,7 +2178,7 @@
       </p:grpSpPr>
       <p:sp>
         <p:nvSpPr>
-          <p:cNvPr id="491" name="PlaceHolder 1"/>
+          <p:cNvPr id="531" name="PlaceHolder 1"/>
           <p:cNvSpPr>
             <a:spLocks noGrp="1"/>
           </p:cNvSpPr>
@@ -2010,16 +2189,16 @@
         <p:spPr>
           <a:xfrm>
             <a:off x="216000" y="812520"/>
-            <a:ext cx="7123680" cy="4005360"/>
-          </a:xfrm>
-          <a:prstGeom prst="rect">
-            <a:avLst/>
-          </a:prstGeom>
-        </p:spPr>
-      </p:sp>
-      <p:sp>
-        <p:nvSpPr>
-          <p:cNvPr id="492" name="PlaceHolder 2"/>
+            <a:ext cx="7122960" cy="4004640"/>
+          </a:xfrm>
+          <a:prstGeom prst="rect">
+            <a:avLst/>
+          </a:prstGeom>
+        </p:spPr>
+      </p:sp>
+      <p:sp>
+        <p:nvSpPr>
+          <p:cNvPr id="532" name="PlaceHolder 2"/>
           <p:cNvSpPr>
             <a:spLocks noGrp="1"/>
           </p:cNvSpPr>
@@ -2030,7 +2209,7 @@
         <p:spPr>
           <a:xfrm>
             <a:off x="756000" y="5078520"/>
-            <a:ext cx="6044040" cy="4807440"/>
+            <a:ext cx="6043320" cy="4806720"/>
           </a:xfrm>
           <a:prstGeom prst="rect">
             <a:avLst/>
@@ -2041,7 +2220,7 @@
             <a:noAutofit/>
           </a:bodyPr>
           <a:p>
-            <a:pPr marL="216000" indent="-212760">
+            <a:pPr marL="216000" indent="-212040">
               <a:lnSpc>
                 <a:spcPct val="100000"/>
               </a:lnSpc>
@@ -2060,7 +2239,7 @@
             </a:endParaRPr>
           </a:p>
           <a:p>
-            <a:pPr marL="216000" indent="-212760">
+            <a:pPr marL="216000" indent="-212040">
               <a:lnSpc>
                 <a:spcPct val="100000"/>
               </a:lnSpc>
@@ -2079,7 +2258,7 @@
             </a:endParaRPr>
           </a:p>
           <a:p>
-            <a:pPr marL="216000" indent="-212760">
+            <a:pPr marL="216000" indent="-212040">
               <a:lnSpc>
                 <a:spcPct val="100000"/>
               </a:lnSpc>
@@ -2098,7 +2277,7 @@
             </a:endParaRPr>
           </a:p>
           <a:p>
-            <a:pPr marL="216000" indent="-212760">
+            <a:pPr marL="216000" indent="-212040">
               <a:lnSpc>
                 <a:spcPct val="100000"/>
               </a:lnSpc>
@@ -2136,7 +2315,7 @@
       </p:grpSpPr>
       <p:sp>
         <p:nvSpPr>
-          <p:cNvPr id="525" name="PlaceHolder 1"/>
+          <p:cNvPr id="565" name="PlaceHolder 1"/>
           <p:cNvSpPr>
             <a:spLocks noGrp="1"/>
           </p:cNvSpPr>
@@ -2147,16 +2326,16 @@
         <p:spPr>
           <a:xfrm>
             <a:off x="216000" y="812520"/>
-            <a:ext cx="7124400" cy="4006440"/>
-          </a:xfrm>
-          <a:prstGeom prst="rect">
-            <a:avLst/>
-          </a:prstGeom>
-        </p:spPr>
-      </p:sp>
-      <p:sp>
-        <p:nvSpPr>
-          <p:cNvPr id="526" name="PlaceHolder 2"/>
+            <a:ext cx="7123680" cy="4005720"/>
+          </a:xfrm>
+          <a:prstGeom prst="rect">
+            <a:avLst/>
+          </a:prstGeom>
+        </p:spPr>
+      </p:sp>
+      <p:sp>
+        <p:nvSpPr>
+          <p:cNvPr id="566" name="PlaceHolder 2"/>
           <p:cNvSpPr>
             <a:spLocks noGrp="1"/>
           </p:cNvSpPr>
@@ -2167,7 +2346,7 @@
         <p:spPr>
           <a:xfrm>
             <a:off x="755640" y="5078520"/>
-            <a:ext cx="6044760" cy="4808160"/>
+            <a:ext cx="6044040" cy="4807440"/>
           </a:xfrm>
           <a:prstGeom prst="rect">
             <a:avLst/>
@@ -2178,7 +2357,7 @@
             <a:noAutofit/>
           </a:bodyPr>
           <a:p>
-            <a:pPr marL="216000" indent="-213840">
+            <a:pPr marL="216000" indent="-213120">
               <a:lnSpc>
                 <a:spcPct val="100000"/>
               </a:lnSpc>
@@ -2197,7 +2376,7 @@
             </a:endParaRPr>
           </a:p>
           <a:p>
-            <a:pPr marL="216000" indent="-213840">
+            <a:pPr marL="216000" indent="-213120">
               <a:lnSpc>
                 <a:spcPct val="100000"/>
               </a:lnSpc>
@@ -2216,7 +2395,7 @@
             </a:endParaRPr>
           </a:p>
           <a:p>
-            <a:pPr marL="216000" indent="-213840">
+            <a:pPr marL="216000" indent="-213120">
               <a:lnSpc>
                 <a:spcPct val="100000"/>
               </a:lnSpc>
@@ -2260,7 +2439,7 @@
       </p:grpSpPr>
       <p:sp>
         <p:nvSpPr>
-          <p:cNvPr id="527" name="PlaceHolder 1"/>
+          <p:cNvPr id="567" name="PlaceHolder 1"/>
           <p:cNvSpPr>
             <a:spLocks noGrp="1"/>
           </p:cNvSpPr>
@@ -2271,16 +2450,16 @@
         <p:spPr>
           <a:xfrm>
             <a:off x="216000" y="812520"/>
-            <a:ext cx="7124400" cy="4006440"/>
-          </a:xfrm>
-          <a:prstGeom prst="rect">
-            <a:avLst/>
-          </a:prstGeom>
-        </p:spPr>
-      </p:sp>
-      <p:sp>
-        <p:nvSpPr>
-          <p:cNvPr id="528" name="PlaceHolder 2"/>
+            <a:ext cx="7123680" cy="4005720"/>
+          </a:xfrm>
+          <a:prstGeom prst="rect">
+            <a:avLst/>
+          </a:prstGeom>
+        </p:spPr>
+      </p:sp>
+      <p:sp>
+        <p:nvSpPr>
+          <p:cNvPr id="568" name="PlaceHolder 2"/>
           <p:cNvSpPr>
             <a:spLocks noGrp="1"/>
           </p:cNvSpPr>
@@ -2291,7 +2470,7 @@
         <p:spPr>
           <a:xfrm>
             <a:off x="755640" y="5078520"/>
-            <a:ext cx="6044760" cy="4808160"/>
+            <a:ext cx="6044040" cy="4807440"/>
           </a:xfrm>
           <a:prstGeom prst="rect">
             <a:avLst/>
@@ -2302,7 +2481,7 @@
             <a:noAutofit/>
           </a:bodyPr>
           <a:p>
-            <a:pPr marL="216000" indent="-213840">
+            <a:pPr marL="216000" indent="-213120">
               <a:lnSpc>
                 <a:spcPct val="100000"/>
               </a:lnSpc>
@@ -2346,7 +2525,7 @@
       </p:grpSpPr>
       <p:sp>
         <p:nvSpPr>
-          <p:cNvPr id="529" name="PlaceHolder 1"/>
+          <p:cNvPr id="569" name="PlaceHolder 1"/>
           <p:cNvSpPr>
             <a:spLocks noGrp="1"/>
           </p:cNvSpPr>
@@ -2357,16 +2536,16 @@
         <p:spPr>
           <a:xfrm>
             <a:off x="216000" y="812520"/>
-            <a:ext cx="7124400" cy="4006440"/>
-          </a:xfrm>
-          <a:prstGeom prst="rect">
-            <a:avLst/>
-          </a:prstGeom>
-        </p:spPr>
-      </p:sp>
-      <p:sp>
-        <p:nvSpPr>
-          <p:cNvPr id="530" name="PlaceHolder 2"/>
+            <a:ext cx="7123680" cy="4005720"/>
+          </a:xfrm>
+          <a:prstGeom prst="rect">
+            <a:avLst/>
+          </a:prstGeom>
+        </p:spPr>
+      </p:sp>
+      <p:sp>
+        <p:nvSpPr>
+          <p:cNvPr id="570" name="PlaceHolder 2"/>
           <p:cNvSpPr>
             <a:spLocks noGrp="1"/>
           </p:cNvSpPr>
@@ -2377,7 +2556,7 @@
         <p:spPr>
           <a:xfrm>
             <a:off x="755640" y="5078520"/>
-            <a:ext cx="6044760" cy="4808160"/>
+            <a:ext cx="6044040" cy="4807440"/>
           </a:xfrm>
           <a:prstGeom prst="rect">
             <a:avLst/>
@@ -2388,7 +2567,7 @@
             <a:noAutofit/>
           </a:bodyPr>
           <a:p>
-            <a:pPr marL="216000" indent="-213840">
+            <a:pPr marL="216000" indent="-213120">
               <a:lnSpc>
                 <a:spcPct val="100000"/>
               </a:lnSpc>
@@ -2432,7 +2611,7 @@
       </p:grpSpPr>
       <p:sp>
         <p:nvSpPr>
-          <p:cNvPr id="531" name="PlaceHolder 1"/>
+          <p:cNvPr id="571" name="PlaceHolder 1"/>
           <p:cNvSpPr>
             <a:spLocks noGrp="1"/>
           </p:cNvSpPr>
@@ -2443,16 +2622,16 @@
         <p:spPr>
           <a:xfrm>
             <a:off x="216000" y="812520"/>
-            <a:ext cx="7124400" cy="4006440"/>
-          </a:xfrm>
-          <a:prstGeom prst="rect">
-            <a:avLst/>
-          </a:prstGeom>
-        </p:spPr>
-      </p:sp>
-      <p:sp>
-        <p:nvSpPr>
-          <p:cNvPr id="532" name="PlaceHolder 2"/>
+            <a:ext cx="7123680" cy="4005720"/>
+          </a:xfrm>
+          <a:prstGeom prst="rect">
+            <a:avLst/>
+          </a:prstGeom>
+        </p:spPr>
+      </p:sp>
+      <p:sp>
+        <p:nvSpPr>
+          <p:cNvPr id="572" name="PlaceHolder 2"/>
           <p:cNvSpPr>
             <a:spLocks noGrp="1"/>
           </p:cNvSpPr>
@@ -2463,7 +2642,7 @@
         <p:spPr>
           <a:xfrm>
             <a:off x="755640" y="5078520"/>
-            <a:ext cx="6044760" cy="4808160"/>
+            <a:ext cx="6044040" cy="4807440"/>
           </a:xfrm>
           <a:prstGeom prst="rect">
             <a:avLst/>
@@ -2474,7 +2653,7 @@
             <a:noAutofit/>
           </a:bodyPr>
           <a:p>
-            <a:pPr marL="216000" indent="-213840">
+            <a:pPr marL="216000" indent="-213120">
               <a:lnSpc>
                 <a:spcPct val="100000"/>
               </a:lnSpc>
@@ -2493,7 +2672,7 @@
             </a:endParaRPr>
           </a:p>
           <a:p>
-            <a:pPr marL="216000" indent="-213840">
+            <a:pPr marL="216000" indent="-213120">
               <a:lnSpc>
                 <a:spcPct val="100000"/>
               </a:lnSpc>
@@ -2512,7 +2691,39 @@
             </a:endParaRPr>
           </a:p>
           <a:p>
-            <a:pPr marL="216000" indent="-213840">
+            <a:pPr marL="216000" indent="-213120">
+              <a:lnSpc>
+                <a:spcPct val="100000"/>
+              </a:lnSpc>
+              <a:tabLst>
+                <a:tab algn="l" pos="0"/>
+              </a:tabLst>
+            </a:pPr>
+            <a:endParaRPr b="0" lang="en-GB" sz="2000" spc="-1" strike="noStrike">
+              <a:latin typeface="Arial"/>
+            </a:endParaRPr>
+          </a:p>
+          <a:p>
+            <a:pPr marL="216000" indent="-213120">
+              <a:lnSpc>
+                <a:spcPct val="100000"/>
+              </a:lnSpc>
+              <a:tabLst>
+                <a:tab algn="l" pos="0"/>
+              </a:tabLst>
+            </a:pPr>
+            <a:r>
+              <a:rPr b="0" lang="en-GB" sz="2000" spc="-1" strike="noStrike">
+                <a:latin typeface="Arial"/>
+              </a:rPr>
+              <a:t>Show Demo</a:t>
+            </a:r>
+            <a:endParaRPr b="0" lang="en-GB" sz="2000" spc="-1" strike="noStrike">
+              <a:latin typeface="Arial"/>
+            </a:endParaRPr>
+          </a:p>
+          <a:p>
+            <a:pPr marL="216000" indent="-213120">
               <a:lnSpc>
                 <a:spcPct val="100000"/>
               </a:lnSpc>
@@ -2550,7 +2761,7 @@
       </p:grpSpPr>
       <p:sp>
         <p:nvSpPr>
-          <p:cNvPr id="533" name="PlaceHolder 1"/>
+          <p:cNvPr id="573" name="PlaceHolder 1"/>
           <p:cNvSpPr>
             <a:spLocks noGrp="1"/>
           </p:cNvSpPr>
@@ -2561,16 +2772,16 @@
         <p:spPr>
           <a:xfrm>
             <a:off x="216000" y="812520"/>
-            <a:ext cx="7126200" cy="4008240"/>
-          </a:xfrm>
-          <a:prstGeom prst="rect">
-            <a:avLst/>
-          </a:prstGeom>
-        </p:spPr>
-      </p:sp>
-      <p:sp>
-        <p:nvSpPr>
-          <p:cNvPr id="534" name="PlaceHolder 2"/>
+            <a:ext cx="7125480" cy="4007520"/>
+          </a:xfrm>
+          <a:prstGeom prst="rect">
+            <a:avLst/>
+          </a:prstGeom>
+        </p:spPr>
+      </p:sp>
+      <p:sp>
+        <p:nvSpPr>
+          <p:cNvPr id="574" name="PlaceHolder 2"/>
           <p:cNvSpPr>
             <a:spLocks noGrp="1"/>
           </p:cNvSpPr>
@@ -2581,7 +2792,7 @@
         <p:spPr>
           <a:xfrm>
             <a:off x="755640" y="5078520"/>
-            <a:ext cx="6046560" cy="4809960"/>
+            <a:ext cx="6045840" cy="4809240"/>
           </a:xfrm>
           <a:prstGeom prst="rect">
             <a:avLst/>
@@ -2592,7 +2803,7 @@
             <a:noAutofit/>
           </a:bodyPr>
           <a:p>
-            <a:pPr marL="216000" indent="-215640">
+            <a:pPr marL="216000" indent="-214920">
               <a:lnSpc>
                 <a:spcPct val="100000"/>
               </a:lnSpc>
@@ -2611,7 +2822,7 @@
             </a:endParaRPr>
           </a:p>
           <a:p>
-            <a:pPr marL="216000" indent="-215640">
+            <a:pPr marL="216000" indent="-214920">
               <a:lnSpc>
                 <a:spcPct val="100000"/>
               </a:lnSpc>
@@ -2630,7 +2841,7 @@
             </a:endParaRPr>
           </a:p>
           <a:p>
-            <a:pPr marL="216000" indent="-215640">
+            <a:pPr marL="216000" indent="-214920">
               <a:lnSpc>
                 <a:spcPct val="100000"/>
               </a:lnSpc>
@@ -2638,24 +2849,150 @@
                 <a:tab algn="l" pos="0"/>
               </a:tabLst>
             </a:pPr>
-            <a:r>
-              <a:rPr b="0" lang="en-GB" sz="2000" spc="-1" strike="noStrike">
-                <a:latin typeface="Arial"/>
-              </a:rPr>
-              <a:t>Show code</a:t>
-            </a:r>
             <a:endParaRPr b="0" lang="en-GB" sz="2000" spc="-1" strike="noStrike">
               <a:latin typeface="Arial"/>
             </a:endParaRPr>
           </a:p>
           <a:p>
-            <a:pPr marL="216000" indent="-215640">
+            <a:pPr marL="216000" indent="-214920">
               <a:lnSpc>
                 <a:spcPct val="100000"/>
               </a:lnSpc>
               <a:tabLst>
                 <a:tab algn="l" pos="0"/>
               </a:tabLst>
+            </a:pPr>
+            <a:r>
+              <a:rPr b="0" lang="en-GB" sz="2000" spc="-1" strike="noStrike">
+                <a:latin typeface="Arial"/>
+              </a:rPr>
+              <a:t>Show code</a:t>
+            </a:r>
+            <a:endParaRPr b="0" lang="en-GB" sz="2000" spc="-1" strike="noStrike">
+              <a:latin typeface="Arial"/>
+            </a:endParaRPr>
+          </a:p>
+          <a:p>
+            <a:pPr marL="216000" indent="-214920">
+              <a:lnSpc>
+                <a:spcPct val="100000"/>
+              </a:lnSpc>
+              <a:tabLst>
+                <a:tab algn="l" pos="0"/>
+              </a:tabLst>
+            </a:pPr>
+            <a:endParaRPr b="0" lang="en-GB" sz="2000" spc="-1" strike="noStrike">
+              <a:latin typeface="Arial"/>
+            </a:endParaRPr>
+          </a:p>
+        </p:txBody>
+      </p:sp>
+    </p:spTree>
+  </p:cSld>
+</p:notes>
+</file>
+
+<file path=ppt/notesSlides/notesSlide25.xml><?xml version="1.0" encoding="utf-8"?>
+<p:notes xmlns:a="http://schemas.openxmlformats.org/drawingml/2006/main" xmlns:p="http://schemas.openxmlformats.org/presentationml/2006/main" xmlns:r="http://schemas.openxmlformats.org/officeDocument/2006/relationships" xmlns:p14="http://schemas.microsoft.com/office/powerpoint/2010/main" xmlns:p15="http://schemas.microsoft.com/office/powerpoint/2012/main" xmlns:mc="http://schemas.openxmlformats.org/markup-compatibility/2006">
+  <p:cSld>
+    <p:spTree>
+      <p:nvGrpSpPr>
+        <p:cNvPr id="1" name=""/>
+        <p:cNvGrpSpPr/>
+        <p:nvPr/>
+      </p:nvGrpSpPr>
+      <p:grpSpPr>
+        <a:xfrm>
+          <a:off x="0" y="0"/>
+          <a:ext cx="0" cy="0"/>
+          <a:chOff x="0" y="0"/>
+          <a:chExt cx="0" cy="0"/>
+        </a:xfrm>
+      </p:grpSpPr>
+      <p:sp>
+        <p:nvSpPr>
+          <p:cNvPr id="575" name="PlaceHolder 1"/>
+          <p:cNvSpPr>
+            <a:spLocks noGrp="1"/>
+          </p:cNvSpPr>
+          <p:nvPr>
+            <p:ph type="sldImg"/>
+          </p:nvPr>
+        </p:nvSpPr>
+        <p:spPr>
+          <a:xfrm>
+            <a:off x="216000" y="812520"/>
+            <a:ext cx="7126560" cy="4008600"/>
+          </a:xfrm>
+          <a:prstGeom prst="rect">
+            <a:avLst/>
+          </a:prstGeom>
+        </p:spPr>
+      </p:sp>
+      <p:sp>
+        <p:nvSpPr>
+          <p:cNvPr id="576" name="PlaceHolder 2"/>
+          <p:cNvSpPr>
+            <a:spLocks noGrp="1"/>
+          </p:cNvSpPr>
+          <p:nvPr>
+            <p:ph type="body"/>
+          </p:nvPr>
+        </p:nvSpPr>
+        <p:spPr>
+          <a:xfrm>
+            <a:off x="755640" y="5078520"/>
+            <a:ext cx="6046920" cy="4810320"/>
+          </a:xfrm>
+          <a:prstGeom prst="rect">
+            <a:avLst/>
+          </a:prstGeom>
+        </p:spPr>
+        <p:txBody>
+          <a:bodyPr lIns="0" rIns="0" tIns="0" bIns="0">
+            <a:noAutofit/>
+          </a:bodyPr>
+          <a:p>
+            <a:pPr marL="216000" indent="-216000">
+              <a:lnSpc>
+                <a:spcPct val="100000"/>
+              </a:lnSpc>
+            </a:pPr>
+            <a:r>
+              <a:rPr b="0" lang="en-GB" sz="2000" spc="-1" strike="noStrike">
+                <a:latin typeface="Arial"/>
+              </a:rPr>
+              <a:t>For Android: Used static IP addresses</a:t>
+            </a:r>
+            <a:endParaRPr b="0" lang="en-GB" sz="2000" spc="-1" strike="noStrike">
+              <a:latin typeface="Arial"/>
+            </a:endParaRPr>
+          </a:p>
+          <a:p>
+            <a:pPr marL="216000" indent="-216000">
+              <a:lnSpc>
+                <a:spcPct val="100000"/>
+              </a:lnSpc>
+            </a:pPr>
+            <a:endParaRPr b="0" lang="en-GB" sz="2000" spc="-1" strike="noStrike">
+              <a:latin typeface="Arial"/>
+            </a:endParaRPr>
+          </a:p>
+          <a:p>
+            <a:pPr marL="216000" indent="-216000">
+              <a:lnSpc>
+                <a:spcPct val="100000"/>
+              </a:lnSpc>
+            </a:pPr>
+            <a:endParaRPr b="0" lang="en-GB" sz="2000" spc="-1" strike="noStrike">
+              <a:latin typeface="Arial"/>
+            </a:endParaRPr>
+          </a:p>
+          <a:p>
+            <a:pPr marL="216000" indent="-216000">
+              <a:lnSpc>
+                <a:spcPct val="100000"/>
+              </a:lnSpc>
             </a:pPr>
             <a:endParaRPr b="0" lang="en-GB" sz="2000" spc="-1" strike="noStrike">
               <a:latin typeface="Arial"/>
@@ -2687,7 +3024,7 @@
       </p:grpSpPr>
       <p:sp>
         <p:nvSpPr>
-          <p:cNvPr id="535" name="PlaceHolder 1"/>
+          <p:cNvPr id="577" name="PlaceHolder 1"/>
           <p:cNvSpPr>
             <a:spLocks noGrp="1"/>
           </p:cNvSpPr>
@@ -2698,16 +3035,16 @@
         <p:spPr>
           <a:xfrm>
             <a:off x="216000" y="812520"/>
-            <a:ext cx="7125120" cy="4007160"/>
-          </a:xfrm>
-          <a:prstGeom prst="rect">
-            <a:avLst/>
-          </a:prstGeom>
-        </p:spPr>
-      </p:sp>
-      <p:sp>
-        <p:nvSpPr>
-          <p:cNvPr id="536" name="PlaceHolder 2"/>
+            <a:ext cx="7124400" cy="4006440"/>
+          </a:xfrm>
+          <a:prstGeom prst="rect">
+            <a:avLst/>
+          </a:prstGeom>
+        </p:spPr>
+      </p:sp>
+      <p:sp>
+        <p:nvSpPr>
+          <p:cNvPr id="578" name="PlaceHolder 2"/>
           <p:cNvSpPr>
             <a:spLocks noGrp="1"/>
           </p:cNvSpPr>
@@ -2718,7 +3055,7 @@
         <p:spPr>
           <a:xfrm>
             <a:off x="755640" y="5078520"/>
-            <a:ext cx="6045480" cy="4808880"/>
+            <a:ext cx="6044760" cy="4808160"/>
           </a:xfrm>
           <a:prstGeom prst="rect">
             <a:avLst/>
@@ -2729,7 +3066,7 @@
             <a:noAutofit/>
           </a:bodyPr>
           <a:p>
-            <a:pPr marL="216000" indent="-214560">
+            <a:pPr marL="216000" indent="-213840">
               <a:lnSpc>
                 <a:spcPct val="100000"/>
               </a:lnSpc>
@@ -2748,7 +3085,7 @@
             </a:endParaRPr>
           </a:p>
           <a:p>
-            <a:pPr marL="216000" indent="-214560">
+            <a:pPr marL="216000" indent="-213840">
               <a:lnSpc>
                 <a:spcPct val="100000"/>
               </a:lnSpc>
@@ -2767,7 +3104,7 @@
             </a:endParaRPr>
           </a:p>
           <a:p>
-            <a:pPr marL="216000" indent="-214560">
+            <a:pPr marL="216000" indent="-213840">
               <a:lnSpc>
                 <a:spcPct val="100000"/>
               </a:lnSpc>
@@ -2786,7 +3123,7 @@
             </a:endParaRPr>
           </a:p>
           <a:p>
-            <a:pPr marL="216000" indent="-214560">
+            <a:pPr marL="216000" indent="-213840">
               <a:lnSpc>
                 <a:spcPct val="100000"/>
               </a:lnSpc>
@@ -2805,7 +3142,7 @@
             </a:endParaRPr>
           </a:p>
           <a:p>
-            <a:pPr marL="216000" indent="-214560">
+            <a:pPr marL="216000" indent="-213840">
               <a:lnSpc>
                 <a:spcPct val="100000"/>
               </a:lnSpc>
@@ -2843,7 +3180,7 @@
       </p:grpSpPr>
       <p:sp>
         <p:nvSpPr>
-          <p:cNvPr id="493" name="PlaceHolder 1"/>
+          <p:cNvPr id="533" name="PlaceHolder 1"/>
           <p:cNvSpPr>
             <a:spLocks noGrp="1"/>
           </p:cNvSpPr>
@@ -2854,16 +3191,16 @@
         <p:spPr>
           <a:xfrm>
             <a:off x="216360" y="812520"/>
-            <a:ext cx="7123320" cy="4005360"/>
-          </a:xfrm>
-          <a:prstGeom prst="rect">
-            <a:avLst/>
-          </a:prstGeom>
-        </p:spPr>
-      </p:sp>
-      <p:sp>
-        <p:nvSpPr>
-          <p:cNvPr id="494" name="PlaceHolder 2"/>
+            <a:ext cx="7122600" cy="4004640"/>
+          </a:xfrm>
+          <a:prstGeom prst="rect">
+            <a:avLst/>
+          </a:prstGeom>
+        </p:spPr>
+      </p:sp>
+      <p:sp>
+        <p:nvSpPr>
+          <p:cNvPr id="534" name="PlaceHolder 2"/>
           <p:cNvSpPr>
             <a:spLocks noGrp="1"/>
           </p:cNvSpPr>
@@ -2874,7 +3211,7 @@
         <p:spPr>
           <a:xfrm>
             <a:off x="756000" y="5078520"/>
-            <a:ext cx="6044040" cy="5096520"/>
+            <a:ext cx="6043320" cy="5095800"/>
           </a:xfrm>
           <a:prstGeom prst="rect">
             <a:avLst/>
@@ -2885,7 +3222,7 @@
             <a:noAutofit/>
           </a:bodyPr>
           <a:p>
-            <a:pPr marL="216000" indent="-212760">
+            <a:pPr marL="216000" indent="-212040">
               <a:lnSpc>
                 <a:spcPct val="100000"/>
               </a:lnSpc>
@@ -2904,7 +3241,7 @@
             </a:endParaRPr>
           </a:p>
           <a:p>
-            <a:pPr marL="216000" indent="-212760">
+            <a:pPr marL="216000" indent="-212040">
               <a:lnSpc>
                 <a:spcPct val="100000"/>
               </a:lnSpc>
@@ -2916,14 +3253,14 @@
               <a:rPr b="0" lang="en-GB" sz="2000" spc="-1" strike="noStrike">
                 <a:latin typeface="Arial"/>
               </a:rPr>
-              <a:t>Ordered</a:t>
+              <a:t>Very inexpensive =&gt; Ordered</a:t>
             </a:r>
             <a:endParaRPr b="0" lang="en-GB" sz="2000" spc="-1" strike="noStrike">
               <a:latin typeface="Arial"/>
             </a:endParaRPr>
           </a:p>
           <a:p>
-            <a:pPr marL="216000" indent="-212760">
+            <a:pPr marL="216000" indent="-212040">
               <a:lnSpc>
                 <a:spcPct val="100000"/>
               </a:lnSpc>
@@ -2935,14 +3272,14 @@
               <a:rPr b="0" lang="en-GB" sz="2000" spc="-1" strike="noStrike">
                 <a:latin typeface="Arial"/>
               </a:rPr>
-              <a:t>Very bright, very inexpensive</a:t>
+              <a:t>Tested from 8V to 12V. OK @ 10V. Car voltage is 14V (not tried)...</a:t>
             </a:r>
             <a:endParaRPr b="0" lang="en-GB" sz="2000" spc="-1" strike="noStrike">
               <a:latin typeface="Arial"/>
             </a:endParaRPr>
           </a:p>
           <a:p>
-            <a:pPr marL="216000" indent="-212760">
+            <a:pPr marL="216000" indent="-212040">
               <a:lnSpc>
                 <a:spcPct val="100000"/>
               </a:lnSpc>
@@ -2954,14 +3291,14 @@
               <a:rPr b="0" lang="en-GB" sz="2000" spc="-1" strike="noStrike">
                 <a:latin typeface="Arial"/>
               </a:rPr>
-              <a:t>Tested from 8V to 12V. OK @ 10V. Car voltage is 14V (not tried)...</a:t>
+              <a:t>Very bright</a:t>
             </a:r>
             <a:endParaRPr b="0" lang="en-GB" sz="2000" spc="-1" strike="noStrike">
               <a:latin typeface="Arial"/>
             </a:endParaRPr>
           </a:p>
           <a:p>
-            <a:pPr marL="216000" indent="-212760">
+            <a:pPr marL="216000" indent="-212040">
               <a:lnSpc>
                 <a:spcPct val="100000"/>
               </a:lnSpc>
@@ -2973,14 +3310,14 @@
               <a:rPr b="0" lang="en-GB" sz="2000" spc="-1" strike="noStrike">
                 <a:latin typeface="Arial"/>
               </a:rPr>
-              <a:t>Use blue LEDs with phosphor coating – convert to white light</a:t>
+              <a:t>Get hot @ 12V: about 100degC</a:t>
             </a:r>
             <a:endParaRPr b="0" lang="en-GB" sz="2000" spc="-1" strike="noStrike">
               <a:latin typeface="Arial"/>
             </a:endParaRPr>
           </a:p>
           <a:p>
-            <a:pPr marL="216000" indent="-212760">
+            <a:pPr marL="216000" indent="-212040">
               <a:lnSpc>
                 <a:spcPct val="100000"/>
               </a:lnSpc>
@@ -2992,14 +3329,14 @@
               <a:rPr b="0" lang="en-GB" sz="2000" spc="-1" strike="noStrike">
                 <a:latin typeface="Arial"/>
               </a:rPr>
-              <a:t>15 LEDs, 5 parallel sets of 3 in series</a:t>
+              <a:t>Use blue LEDs with phosphor coating – convert to white light</a:t>
             </a:r>
             <a:endParaRPr b="0" lang="en-GB" sz="2000" spc="-1" strike="noStrike">
               <a:latin typeface="Arial"/>
             </a:endParaRPr>
           </a:p>
           <a:p>
-            <a:pPr marL="216000" indent="-212760">
+            <a:pPr marL="216000" indent="-212040">
               <a:lnSpc>
                 <a:spcPct val="100000"/>
               </a:lnSpc>
@@ -3011,14 +3348,14 @@
               <a:rPr b="0" lang="en-GB" sz="2000" spc="-1" strike="noStrike">
                 <a:latin typeface="Arial"/>
               </a:rPr>
-              <a:t>Single series resistor to limit current – cuts efficiency down by 75%</a:t>
+              <a:t>15 LEDs, 5 parallel sets of 3 in series</a:t>
             </a:r>
             <a:endParaRPr b="0" lang="en-GB" sz="2000" spc="-1" strike="noStrike">
               <a:latin typeface="Arial"/>
             </a:endParaRPr>
           </a:p>
           <a:p>
-            <a:pPr marL="216000" indent="-212760">
+            <a:pPr marL="216000" indent="-212040">
               <a:lnSpc>
                 <a:spcPct val="100000"/>
               </a:lnSpc>
@@ -3030,14 +3367,14 @@
               <a:rPr b="0" lang="en-GB" sz="2000" spc="-1" strike="noStrike">
                 <a:latin typeface="Arial"/>
               </a:rPr>
-              <a:t>25% becomes about 18%</a:t>
+              <a:t>Single series resistor to limit current – cuts efficiency down by 75%</a:t>
             </a:r>
             <a:endParaRPr b="0" lang="en-GB" sz="2000" spc="-1" strike="noStrike">
               <a:latin typeface="Arial"/>
             </a:endParaRPr>
           </a:p>
           <a:p>
-            <a:pPr marL="216000" indent="-212760">
+            <a:pPr marL="216000" indent="-212040">
               <a:lnSpc>
                 <a:spcPct val="100000"/>
               </a:lnSpc>
@@ -3049,14 +3386,14 @@
               <a:rPr b="0" lang="en-GB" sz="2000" spc="-1" strike="noStrike">
                 <a:latin typeface="Arial"/>
               </a:rPr>
-              <a:t>Get hot @ 12V: about 100degC</a:t>
+              <a:t>25% becomes about 18%</a:t>
             </a:r>
             <a:endParaRPr b="0" lang="en-GB" sz="2000" spc="-1" strike="noStrike">
               <a:latin typeface="Arial"/>
             </a:endParaRPr>
           </a:p>
           <a:p>
-            <a:pPr marL="216000" indent="-212760">
+            <a:pPr marL="216000" indent="-212040">
               <a:lnSpc>
                 <a:spcPct val="100000"/>
               </a:lnSpc>
@@ -3069,7 +3406,7 @@
             </a:endParaRPr>
           </a:p>
           <a:p>
-            <a:pPr marL="216000" indent="-212760">
+            <a:pPr marL="216000" indent="-212040">
               <a:lnSpc>
                 <a:spcPct val="100000"/>
               </a:lnSpc>
@@ -3082,7 +3419,7 @@
             </a:endParaRPr>
           </a:p>
           <a:p>
-            <a:pPr marL="216000" indent="-212760">
+            <a:pPr marL="216000" indent="-212040">
               <a:lnSpc>
                 <a:spcPct val="100000"/>
               </a:lnSpc>
@@ -3095,7 +3432,7 @@
             </a:endParaRPr>
           </a:p>
           <a:p>
-            <a:pPr marL="216000" indent="-212760">
+            <a:pPr marL="216000" indent="-212040">
               <a:lnSpc>
                 <a:spcPct val="100000"/>
               </a:lnSpc>
@@ -3133,7 +3470,7 @@
       </p:grpSpPr>
       <p:sp>
         <p:nvSpPr>
-          <p:cNvPr id="495" name="PlaceHolder 1"/>
+          <p:cNvPr id="535" name="PlaceHolder 1"/>
           <p:cNvSpPr>
             <a:spLocks noGrp="1"/>
           </p:cNvSpPr>
@@ -3144,16 +3481,16 @@
         <p:spPr>
           <a:xfrm>
             <a:off x="216360" y="812520"/>
-            <a:ext cx="7123320" cy="4005360"/>
-          </a:xfrm>
-          <a:prstGeom prst="rect">
-            <a:avLst/>
-          </a:prstGeom>
-        </p:spPr>
-      </p:sp>
-      <p:sp>
-        <p:nvSpPr>
-          <p:cNvPr id="496" name="PlaceHolder 2"/>
+            <a:ext cx="7122600" cy="4004640"/>
+          </a:xfrm>
+          <a:prstGeom prst="rect">
+            <a:avLst/>
+          </a:prstGeom>
+        </p:spPr>
+      </p:sp>
+      <p:sp>
+        <p:nvSpPr>
+          <p:cNvPr id="536" name="PlaceHolder 2"/>
           <p:cNvSpPr>
             <a:spLocks noGrp="1"/>
           </p:cNvSpPr>
@@ -3164,7 +3501,7 @@
         <p:spPr>
           <a:xfrm>
             <a:off x="756000" y="5078520"/>
-            <a:ext cx="6044040" cy="4807440"/>
+            <a:ext cx="6043320" cy="4806720"/>
           </a:xfrm>
           <a:prstGeom prst="rect">
             <a:avLst/>
@@ -3175,7 +3512,7 @@
             <a:noAutofit/>
           </a:bodyPr>
           <a:p>
-            <a:pPr marL="216000" indent="-212760">
+            <a:pPr marL="216000" indent="-212040">
               <a:lnSpc>
                 <a:spcPct val="100000"/>
               </a:lnSpc>
@@ -3194,7 +3531,7 @@
             </a:endParaRPr>
           </a:p>
           <a:p>
-            <a:pPr marL="216000" indent="-212760">
+            <a:pPr marL="216000" indent="-212040">
               <a:lnSpc>
                 <a:spcPct val="100000"/>
               </a:lnSpc>
@@ -3213,7 +3550,7 @@
             </a:endParaRPr>
           </a:p>
           <a:p>
-            <a:pPr marL="216000" indent="-212760">
+            <a:pPr marL="216000" indent="-212040">
               <a:lnSpc>
                 <a:spcPct val="100000"/>
               </a:lnSpc>
@@ -3232,7 +3569,7 @@
             </a:endParaRPr>
           </a:p>
           <a:p>
-            <a:pPr marL="216000" indent="-212760">
+            <a:pPr marL="216000" indent="-212040">
               <a:lnSpc>
                 <a:spcPct val="100000"/>
               </a:lnSpc>
@@ -3251,125 +3588,7 @@
             </a:endParaRPr>
           </a:p>
           <a:p>
-            <a:pPr marL="216000" indent="-212760">
-              <a:lnSpc>
-                <a:spcPct val="100000"/>
-              </a:lnSpc>
-              <a:tabLst>
-                <a:tab algn="l" pos="0"/>
-              </a:tabLst>
-            </a:pPr>
-            <a:endParaRPr b="0" lang="en-GB" sz="2000" spc="-1" strike="noStrike">
-              <a:latin typeface="Arial"/>
-            </a:endParaRPr>
-          </a:p>
-        </p:txBody>
-      </p:sp>
-    </p:spTree>
-  </p:cSld>
-</p:notes>
-</file>
-
-<file path=ppt/notesSlides/notesSlide5.xml><?xml version="1.0" encoding="utf-8"?>
-<p:notes xmlns:a="http://schemas.openxmlformats.org/drawingml/2006/main" xmlns:p="http://schemas.openxmlformats.org/presentationml/2006/main" xmlns:r="http://schemas.openxmlformats.org/officeDocument/2006/relationships" xmlns:p14="http://schemas.microsoft.com/office/powerpoint/2010/main" xmlns:p15="http://schemas.microsoft.com/office/powerpoint/2012/main" xmlns:mc="http://schemas.openxmlformats.org/markup-compatibility/2006">
-  <p:cSld>
-    <p:spTree>
-      <p:nvGrpSpPr>
-        <p:cNvPr id="1" name=""/>
-        <p:cNvGrpSpPr/>
-        <p:nvPr/>
-      </p:nvGrpSpPr>
-      <p:grpSpPr>
-        <a:xfrm>
-          <a:off x="0" y="0"/>
-          <a:ext cx="0" cy="0"/>
-          <a:chOff x="0" y="0"/>
-          <a:chExt cx="0" cy="0"/>
-        </a:xfrm>
-      </p:grpSpPr>
-      <p:sp>
-        <p:nvSpPr>
-          <p:cNvPr id="497" name="PlaceHolder 1"/>
-          <p:cNvSpPr>
-            <a:spLocks noGrp="1"/>
-          </p:cNvSpPr>
-          <p:nvPr>
-            <p:ph type="sldImg"/>
-          </p:nvPr>
-        </p:nvSpPr>
-        <p:spPr>
-          <a:xfrm>
-            <a:off x="216360" y="776520"/>
-            <a:ext cx="7123320" cy="4005360"/>
-          </a:xfrm>
-          <a:prstGeom prst="rect">
-            <a:avLst/>
-          </a:prstGeom>
-        </p:spPr>
-      </p:sp>
-      <p:sp>
-        <p:nvSpPr>
-          <p:cNvPr id="498" name="PlaceHolder 2"/>
-          <p:cNvSpPr>
-            <a:spLocks noGrp="1"/>
-          </p:cNvSpPr>
-          <p:nvPr>
-            <p:ph type="body"/>
-          </p:nvPr>
-        </p:nvSpPr>
-        <p:spPr>
-          <a:xfrm>
-            <a:off x="756000" y="5078520"/>
-            <a:ext cx="6044040" cy="4807440"/>
-          </a:xfrm>
-          <a:prstGeom prst="rect">
-            <a:avLst/>
-          </a:prstGeom>
-        </p:spPr>
-        <p:txBody>
-          <a:bodyPr lIns="0" rIns="0" tIns="0" bIns="0">
-            <a:noAutofit/>
-          </a:bodyPr>
-          <a:p>
-            <a:pPr marL="216000" indent="-212760">
-              <a:lnSpc>
-                <a:spcPct val="100000"/>
-              </a:lnSpc>
-              <a:tabLst>
-                <a:tab algn="l" pos="0"/>
-              </a:tabLst>
-            </a:pPr>
-            <a:r>
-              <a:rPr b="0" lang="en-GB" sz="2000" spc="-1" strike="noStrike">
-                <a:latin typeface="Arial"/>
-              </a:rPr>
-              <a:t>Smart control</a:t>
-            </a:r>
-            <a:endParaRPr b="0" lang="en-GB" sz="2000" spc="-1" strike="noStrike">
-              <a:latin typeface="Arial"/>
-            </a:endParaRPr>
-          </a:p>
-          <a:p>
-            <a:pPr marL="216000" indent="-212760">
-              <a:lnSpc>
-                <a:spcPct val="100000"/>
-              </a:lnSpc>
-              <a:tabLst>
-                <a:tab algn="l" pos="0"/>
-              </a:tabLst>
-            </a:pPr>
-            <a:r>
-              <a:rPr b="0" lang="en-GB" sz="2000" spc="-1" strike="noStrike">
-                <a:latin typeface="Arial"/>
-              </a:rPr>
-              <a:t>Safety</a:t>
-            </a:r>
-            <a:endParaRPr b="0" lang="en-GB" sz="2000" spc="-1" strike="noStrike">
-              <a:latin typeface="Arial"/>
-            </a:endParaRPr>
-          </a:p>
-          <a:p>
-            <a:pPr marL="216000" indent="-212760">
+            <a:pPr marL="216000" indent="-212040">
               <a:lnSpc>
                 <a:spcPct val="100000"/>
               </a:lnSpc>
@@ -3407,7 +3626,7 @@
       </p:grpSpPr>
       <p:sp>
         <p:nvSpPr>
-          <p:cNvPr id="499" name="PlaceHolder 1"/>
+          <p:cNvPr id="537" name="PlaceHolder 1"/>
           <p:cNvSpPr>
             <a:spLocks noGrp="1"/>
           </p:cNvSpPr>
@@ -3418,16 +3637,16 @@
         <p:spPr>
           <a:xfrm>
             <a:off x="216000" y="812520"/>
-            <a:ext cx="7123680" cy="4005720"/>
-          </a:xfrm>
-          <a:prstGeom prst="rect">
-            <a:avLst/>
-          </a:prstGeom>
-        </p:spPr>
-      </p:sp>
-      <p:sp>
-        <p:nvSpPr>
-          <p:cNvPr id="500" name="PlaceHolder 2"/>
+            <a:ext cx="7122960" cy="4005000"/>
+          </a:xfrm>
+          <a:prstGeom prst="rect">
+            <a:avLst/>
+          </a:prstGeom>
+        </p:spPr>
+      </p:sp>
+      <p:sp>
+        <p:nvSpPr>
+          <p:cNvPr id="538" name="PlaceHolder 2"/>
           <p:cNvSpPr>
             <a:spLocks noGrp="1"/>
           </p:cNvSpPr>
@@ -3438,7 +3657,7 @@
         <p:spPr>
           <a:xfrm>
             <a:off x="755640" y="5078520"/>
-            <a:ext cx="6044040" cy="4807440"/>
+            <a:ext cx="6043320" cy="4806720"/>
           </a:xfrm>
           <a:prstGeom prst="rect">
             <a:avLst/>
@@ -3449,7 +3668,7 @@
             <a:noAutofit/>
           </a:bodyPr>
           <a:p>
-            <a:pPr marL="216000" indent="-213120">
+            <a:pPr marL="216000" indent="-212400">
               <a:lnSpc>
                 <a:spcPct val="100000"/>
               </a:lnSpc>
@@ -3468,7 +3687,7 @@
             </a:endParaRPr>
           </a:p>
           <a:p>
-            <a:pPr marL="216000" indent="-213120">
+            <a:pPr marL="216000" indent="-212400">
               <a:lnSpc>
                 <a:spcPct val="100000"/>
               </a:lnSpc>
@@ -3487,7 +3706,7 @@
             </a:endParaRPr>
           </a:p>
           <a:p>
-            <a:pPr marL="216000" indent="-213120">
+            <a:pPr marL="216000" indent="-212400">
               <a:lnSpc>
                 <a:spcPct val="100000"/>
               </a:lnSpc>
@@ -3506,7 +3725,7 @@
             </a:endParaRPr>
           </a:p>
           <a:p>
-            <a:pPr marL="216000" indent="-213120">
+            <a:pPr marL="216000" indent="-212400">
               <a:lnSpc>
                 <a:spcPct val="100000"/>
               </a:lnSpc>
@@ -3525,7 +3744,7 @@
             </a:endParaRPr>
           </a:p>
           <a:p>
-            <a:pPr marL="216000" indent="-213120">
+            <a:pPr marL="216000" indent="-212400">
               <a:lnSpc>
                 <a:spcPct val="100000"/>
               </a:lnSpc>
@@ -3544,7 +3763,7 @@
             </a:endParaRPr>
           </a:p>
           <a:p>
-            <a:pPr marL="216000" indent="-213120">
+            <a:pPr marL="216000" indent="-212400">
               <a:lnSpc>
                 <a:spcPct val="100000"/>
               </a:lnSpc>
@@ -3563,7 +3782,7 @@
             </a:endParaRPr>
           </a:p>
           <a:p>
-            <a:pPr marL="216000" indent="-213120">
+            <a:pPr marL="216000" indent="-212400">
               <a:lnSpc>
                 <a:spcPct val="100000"/>
               </a:lnSpc>
@@ -3576,7 +3795,7 @@
             </a:endParaRPr>
           </a:p>
           <a:p>
-            <a:pPr marL="216000" indent="-213120">
+            <a:pPr marL="216000" indent="-212400">
               <a:lnSpc>
                 <a:spcPct val="100000"/>
               </a:lnSpc>
@@ -3614,7 +3833,7 @@
       </p:grpSpPr>
       <p:sp>
         <p:nvSpPr>
-          <p:cNvPr id="501" name="PlaceHolder 1"/>
+          <p:cNvPr id="539" name="PlaceHolder 1"/>
           <p:cNvSpPr>
             <a:spLocks noGrp="1"/>
           </p:cNvSpPr>
@@ -3625,16 +3844,16 @@
         <p:spPr>
           <a:xfrm>
             <a:off x="216000" y="812520"/>
-            <a:ext cx="7125480" cy="4007520"/>
-          </a:xfrm>
-          <a:prstGeom prst="rect">
-            <a:avLst/>
-          </a:prstGeom>
-        </p:spPr>
-      </p:sp>
-      <p:sp>
-        <p:nvSpPr>
-          <p:cNvPr id="502" name="PlaceHolder 2"/>
+            <a:ext cx="7124760" cy="4006800"/>
+          </a:xfrm>
+          <a:prstGeom prst="rect">
+            <a:avLst/>
+          </a:prstGeom>
+        </p:spPr>
+      </p:sp>
+      <p:sp>
+        <p:nvSpPr>
+          <p:cNvPr id="540" name="PlaceHolder 2"/>
           <p:cNvSpPr>
             <a:spLocks noGrp="1"/>
           </p:cNvSpPr>
@@ -3645,7 +3864,7 @@
         <p:spPr>
           <a:xfrm>
             <a:off x="755640" y="5078520"/>
-            <a:ext cx="6045840" cy="4809240"/>
+            <a:ext cx="6045120" cy="4808520"/>
           </a:xfrm>
           <a:prstGeom prst="rect">
             <a:avLst/>
@@ -3656,7 +3875,7 @@
             <a:noAutofit/>
           </a:bodyPr>
           <a:p>
-            <a:pPr marL="216000" indent="-214920">
+            <a:pPr marL="216000" indent="-214200">
               <a:lnSpc>
                 <a:spcPct val="100000"/>
               </a:lnSpc>
@@ -3675,7 +3894,7 @@
             </a:endParaRPr>
           </a:p>
           <a:p>
-            <a:pPr marL="216000" indent="-214920">
+            <a:pPr marL="216000" indent="-214200">
               <a:lnSpc>
                 <a:spcPct val="100000"/>
               </a:lnSpc>
@@ -3694,7 +3913,7 @@
             </a:endParaRPr>
           </a:p>
           <a:p>
-            <a:pPr marL="216000" indent="-214920">
+            <a:pPr marL="216000" indent="-214200">
               <a:lnSpc>
                 <a:spcPct val="100000"/>
               </a:lnSpc>
@@ -3719,7 +3938,7 @@
             </a:endParaRPr>
           </a:p>
           <a:p>
-            <a:pPr marL="216000" indent="-214920">
+            <a:pPr marL="216000" indent="-214200">
               <a:lnSpc>
                 <a:spcPct val="100000"/>
               </a:lnSpc>
@@ -3744,7 +3963,7 @@
             </a:endParaRPr>
           </a:p>
           <a:p>
-            <a:pPr marL="216000" indent="-214920">
+            <a:pPr marL="216000" indent="-214200">
               <a:lnSpc>
                 <a:spcPct val="100000"/>
               </a:lnSpc>
@@ -3782,7 +4001,7 @@
       </p:grpSpPr>
       <p:sp>
         <p:nvSpPr>
-          <p:cNvPr id="503" name="PlaceHolder 1"/>
+          <p:cNvPr id="541" name="PlaceHolder 1"/>
           <p:cNvSpPr>
             <a:spLocks noGrp="1"/>
           </p:cNvSpPr>
@@ -3793,16 +4012,16 @@
         <p:spPr>
           <a:xfrm>
             <a:off x="216360" y="812520"/>
-            <a:ext cx="7123320" cy="4005360"/>
-          </a:xfrm>
-          <a:prstGeom prst="rect">
-            <a:avLst/>
-          </a:prstGeom>
-        </p:spPr>
-      </p:sp>
-      <p:sp>
-        <p:nvSpPr>
-          <p:cNvPr id="504" name="PlaceHolder 2"/>
+            <a:ext cx="7122600" cy="4004640"/>
+          </a:xfrm>
+          <a:prstGeom prst="rect">
+            <a:avLst/>
+          </a:prstGeom>
+        </p:spPr>
+      </p:sp>
+      <p:sp>
+        <p:nvSpPr>
+          <p:cNvPr id="542" name="PlaceHolder 2"/>
           <p:cNvSpPr>
             <a:spLocks noGrp="1"/>
           </p:cNvSpPr>
@@ -3813,7 +4032,7 @@
         <p:spPr>
           <a:xfrm>
             <a:off x="756000" y="5078520"/>
-            <a:ext cx="6044040" cy="4807440"/>
+            <a:ext cx="6043320" cy="4806720"/>
           </a:xfrm>
           <a:prstGeom prst="rect">
             <a:avLst/>
@@ -3824,7 +4043,7 @@
             <a:noAutofit/>
           </a:bodyPr>
           <a:p>
-            <a:pPr marL="216000" indent="-212760">
+            <a:pPr marL="216000" indent="-212040">
               <a:lnSpc>
                 <a:spcPct val="100000"/>
               </a:lnSpc>
@@ -3843,7 +4062,7 @@
             </a:endParaRPr>
           </a:p>
           <a:p>
-            <a:pPr marL="216000" indent="-212760">
+            <a:pPr marL="216000" indent="-212040">
               <a:lnSpc>
                 <a:spcPct val="100000"/>
               </a:lnSpc>
@@ -3862,7 +4081,7 @@
             </a:endParaRPr>
           </a:p>
           <a:p>
-            <a:pPr marL="216000" indent="-212760">
+            <a:pPr marL="216000" indent="-212040">
               <a:lnSpc>
                 <a:spcPct val="100000"/>
               </a:lnSpc>
@@ -3881,7 +4100,7 @@
             </a:endParaRPr>
           </a:p>
           <a:p>
-            <a:pPr marL="216000" indent="-212760">
+            <a:pPr marL="216000" indent="-212040">
               <a:lnSpc>
                 <a:spcPct val="100000"/>
               </a:lnSpc>
@@ -3900,7 +4119,7 @@
             </a:endParaRPr>
           </a:p>
           <a:p>
-            <a:pPr marL="216000" indent="-212760">
+            <a:pPr marL="216000" indent="-212040">
               <a:lnSpc>
                 <a:spcPct val="100000"/>
               </a:lnSpc>
@@ -3912,14 +4131,14 @@
               <a:rPr b="0" lang="en-GB" sz="2000" spc="-1" strike="noStrike">
                 <a:latin typeface="Arial"/>
               </a:rPr>
-              <a:t>Basic authentication over a secure TLS connection</a:t>
+              <a:t>Modified Arduino examples</a:t>
             </a:r>
             <a:endParaRPr b="0" lang="en-GB" sz="2000" spc="-1" strike="noStrike">
               <a:latin typeface="Arial"/>
             </a:endParaRPr>
           </a:p>
           <a:p>
-            <a:pPr marL="216000" indent="-212760">
+            <a:pPr marL="216000" indent="-212040">
               <a:lnSpc>
                 <a:spcPct val="100000"/>
               </a:lnSpc>
@@ -3931,14 +4150,14 @@
               <a:rPr b="0" lang="en-GB" sz="2000" spc="-1" strike="noStrike">
                 <a:latin typeface="Arial"/>
               </a:rPr>
-              <a:t>Request takes just under a second on ESP8266 board</a:t>
+              <a:t>Basic authentication over a secure TLS connection</a:t>
             </a:r>
             <a:endParaRPr b="0" lang="en-GB" sz="2000" spc="-1" strike="noStrike">
               <a:latin typeface="Arial"/>
             </a:endParaRPr>
           </a:p>
           <a:p>
-            <a:pPr marL="216000" indent="-212760">
+            <a:pPr marL="216000" indent="-212040">
               <a:lnSpc>
                 <a:spcPct val="100000"/>
               </a:lnSpc>
@@ -3950,14 +4169,14 @@
               <a:rPr b="0" lang="en-GB" sz="2000" spc="-1" strike="noStrike">
                 <a:latin typeface="Arial"/>
               </a:rPr>
-              <a:t>Code based on Arduino examples</a:t>
+              <a:t>Request takes just under a second on ESP8266 (crypto in ssoftware not hharware like esp32)</a:t>
             </a:r>
             <a:endParaRPr b="0" lang="en-GB" sz="2000" spc="-1" strike="noStrike">
               <a:latin typeface="Arial"/>
             </a:endParaRPr>
           </a:p>
           <a:p>
-            <a:pPr marL="216000" indent="-212760">
+            <a:pPr marL="216000" indent="-212040">
               <a:lnSpc>
                 <a:spcPct val="100000"/>
               </a:lnSpc>
@@ -3965,18 +4184,12 @@
                 <a:tab algn="l" pos="0"/>
               </a:tabLst>
             </a:pPr>
-            <a:r>
-              <a:rPr b="0" lang="en-GB" sz="2000" spc="-1" strike="noStrike">
-                <a:latin typeface="Arial"/>
-              </a:rPr>
-              <a:t>Raspberry Pi to provide web interface and then pass commands onto Wemos API</a:t>
-            </a:r>
             <a:endParaRPr b="0" lang="en-GB" sz="2000" spc="-1" strike="noStrike">
               <a:latin typeface="Arial"/>
             </a:endParaRPr>
           </a:p>
           <a:p>
-            <a:pPr marL="216000" indent="-212760">
+            <a:pPr marL="216000" indent="-212040">
               <a:lnSpc>
                 <a:spcPct val="100000"/>
               </a:lnSpc>
@@ -3989,7 +4202,7 @@
             </a:endParaRPr>
           </a:p>
           <a:p>
-            <a:pPr marL="216000" indent="-212760">
+            <a:pPr marL="216000" indent="-212040">
               <a:lnSpc>
                 <a:spcPct val="100000"/>
               </a:lnSpc>
@@ -4027,7 +4240,7 @@
       </p:grpSpPr>
       <p:sp>
         <p:nvSpPr>
-          <p:cNvPr id="505" name="PlaceHolder 1"/>
+          <p:cNvPr id="543" name="PlaceHolder 1"/>
           <p:cNvSpPr>
             <a:spLocks noGrp="1"/>
           </p:cNvSpPr>
@@ -4038,16 +4251,16 @@
         <p:spPr>
           <a:xfrm>
             <a:off x="216360" y="812520"/>
-            <a:ext cx="7123320" cy="4005360"/>
-          </a:xfrm>
-          <a:prstGeom prst="rect">
-            <a:avLst/>
-          </a:prstGeom>
-        </p:spPr>
-      </p:sp>
-      <p:sp>
-        <p:nvSpPr>
-          <p:cNvPr id="506" name="PlaceHolder 2"/>
+            <a:ext cx="7122600" cy="4004640"/>
+          </a:xfrm>
+          <a:prstGeom prst="rect">
+            <a:avLst/>
+          </a:prstGeom>
+        </p:spPr>
+      </p:sp>
+      <p:sp>
+        <p:nvSpPr>
+          <p:cNvPr id="544" name="PlaceHolder 2"/>
           <p:cNvSpPr>
             <a:spLocks noGrp="1"/>
           </p:cNvSpPr>
@@ -4058,7 +4271,7 @@
         <p:spPr>
           <a:xfrm>
             <a:off x="756000" y="5078520"/>
-            <a:ext cx="6044040" cy="4807440"/>
+            <a:ext cx="6043320" cy="4806720"/>
           </a:xfrm>
           <a:prstGeom prst="rect">
             <a:avLst/>
@@ -4069,7 +4282,7 @@
             <a:noAutofit/>
           </a:bodyPr>
           <a:p>
-            <a:pPr marL="216000" indent="-212760">
+            <a:pPr marL="216000" indent="-212040">
               <a:lnSpc>
                 <a:spcPct val="100000"/>
               </a:lnSpc>
@@ -4088,7 +4301,7 @@
             </a:endParaRPr>
           </a:p>
           <a:p>
-            <a:pPr marL="216000" indent="-212760">
+            <a:pPr marL="216000" indent="-212040">
               <a:lnSpc>
                 <a:spcPct val="100000"/>
               </a:lnSpc>
@@ -4100,14 +4313,14 @@
               <a:rPr b="0" lang="en-GB" sz="2000" spc="-1" strike="noStrike">
                 <a:latin typeface="Arial"/>
               </a:rPr>
-              <a:t>First thought was 7805 regulator to drop 12V to 5V – but tried this and regulator got hot even though D1 board was only using about 80mA</a:t>
+              <a:t>To drop 12V to 5V: First thought was 7805 regulator – but tried this and regulator got hot even though D1 board was only using about 80mA</a:t>
             </a:r>
             <a:endParaRPr b="0" lang="en-GB" sz="2000" spc="-1" strike="noStrike">
               <a:latin typeface="Arial"/>
             </a:endParaRPr>
           </a:p>
           <a:p>
-            <a:pPr marL="216000" indent="-212760">
+            <a:pPr marL="216000" indent="-212040">
               <a:lnSpc>
                 <a:spcPct val="100000"/>
               </a:lnSpc>
@@ -4126,7 +4339,7 @@
             </a:endParaRPr>
           </a:p>
           <a:p>
-            <a:pPr marL="216000" indent="-212760">
+            <a:pPr marL="216000" indent="-212040">
               <a:lnSpc>
                 <a:spcPct val="100000"/>
               </a:lnSpc>
@@ -4138,14 +4351,14 @@
               <a:rPr b="0" lang="en-GB" sz="2000" spc="-1" strike="noStrike">
                 <a:latin typeface="Arial"/>
               </a:rPr>
-              <a:t>N channel MOSFET between LED and ground – allows on/off and PWM</a:t>
+              <a:t>N channel MOSFET between LED and ground – allows on/off and brightness via PWM</a:t>
             </a:r>
             <a:endParaRPr b="0" lang="en-GB" sz="2000" spc="-1" strike="noStrike">
               <a:latin typeface="Arial"/>
             </a:endParaRPr>
           </a:p>
           <a:p>
-            <a:pPr marL="216000" indent="-212760">
+            <a:pPr marL="216000" indent="-212040">
               <a:lnSpc>
                 <a:spcPct val="100000"/>
               </a:lnSpc>
@@ -4164,7 +4377,7 @@
             </a:endParaRPr>
           </a:p>
           <a:p>
-            <a:pPr marL="216000" indent="-212760">
+            <a:pPr marL="216000" indent="-212040">
               <a:lnSpc>
                 <a:spcPct val="100000"/>
               </a:lnSpc>
@@ -4183,7 +4396,7 @@
             </a:endParaRPr>
           </a:p>
           <a:p>
-            <a:pPr marL="216000" indent="-212760">
+            <a:pPr marL="216000" indent="-212040">
               <a:lnSpc>
                 <a:spcPct val="100000"/>
               </a:lnSpc>
@@ -4196,7 +4409,7 @@
             </a:endParaRPr>
           </a:p>
           <a:p>
-            <a:pPr marL="216000" indent="-212760">
+            <a:pPr marL="216000" indent="-212040">
               <a:lnSpc>
                 <a:spcPct val="100000"/>
               </a:lnSpc>
@@ -8657,6 +8870,557 @@
 </p:sldLayout>
 </file>
 
+<file path=ppt/slideLayouts/slideLayout133.xml><?xml version="1.0" encoding="utf-8"?>
+<p:sldLayout xmlns:a="http://schemas.openxmlformats.org/drawingml/2006/main" xmlns:p="http://schemas.openxmlformats.org/presentationml/2006/main" xmlns:r="http://schemas.openxmlformats.org/officeDocument/2006/relationships" xmlns:p14="http://schemas.microsoft.com/office/powerpoint/2010/main" xmlns:p15="http://schemas.microsoft.com/office/powerpoint/2012/main" xmlns:mc="http://schemas.openxmlformats.org/markup-compatibility/2006" type="blank" preserve="1">
+  <p:cSld name="Blank Slide">
+    <p:spTree>
+      <p:nvGrpSpPr>
+        <p:cNvPr id="1" name=""/>
+        <p:cNvGrpSpPr/>
+        <p:nvPr/>
+      </p:nvGrpSpPr>
+      <p:grpSpPr>
+        <a:xfrm>
+          <a:off x="0" y="0"/>
+          <a:ext cx="0" cy="0"/>
+          <a:chOff x="0" y="0"/>
+          <a:chExt cx="0" cy="0"/>
+        </a:xfrm>
+      </p:grpSpPr>
+    </p:spTree>
+  </p:cSld>
+</p:sldLayout>
+</file>
+
+<file path=ppt/slideLayouts/slideLayout134.xml><?xml version="1.0" encoding="utf-8"?>
+<p:sldLayout xmlns:a="http://schemas.openxmlformats.org/drawingml/2006/main" xmlns:p="http://schemas.openxmlformats.org/presentationml/2006/main" xmlns:r="http://schemas.openxmlformats.org/officeDocument/2006/relationships" xmlns:p14="http://schemas.microsoft.com/office/powerpoint/2010/main" xmlns:p15="http://schemas.microsoft.com/office/powerpoint/2012/main" xmlns:mc="http://schemas.openxmlformats.org/markup-compatibility/2006" type="tx" preserve="1">
+  <p:cSld name="Title Slide">
+    <p:spTree>
+      <p:nvGrpSpPr>
+        <p:cNvPr id="1" name=""/>
+        <p:cNvGrpSpPr/>
+        <p:nvPr/>
+      </p:nvGrpSpPr>
+      <p:grpSpPr>
+        <a:xfrm>
+          <a:off x="0" y="0"/>
+          <a:ext cx="0" cy="0"/>
+          <a:chOff x="0" y="0"/>
+          <a:chExt cx="0" cy="0"/>
+        </a:xfrm>
+      </p:grpSpPr>
+      <p:sp>
+        <p:nvSpPr>
+          <p:cNvPr id="420" name="PlaceHolder 1"/>
+          <p:cNvSpPr>
+            <a:spLocks noGrp="1"/>
+          </p:cNvSpPr>
+          <p:nvPr>
+            <p:ph type="title"/>
+          </p:nvPr>
+        </p:nvSpPr>
+        <p:spPr>
+          <a:xfrm>
+            <a:off x="504000" y="226080"/>
+            <a:ext cx="9072000" cy="946440"/>
+          </a:xfrm>
+          <a:prstGeom prst="rect">
+            <a:avLst/>
+          </a:prstGeom>
+        </p:spPr>
+        <p:txBody>
+          <a:bodyPr lIns="0" rIns="0" tIns="0" bIns="0" anchor="ctr">
+            <a:noAutofit/>
+          </a:bodyPr>
+          <a:p>
+            <a:pPr algn="ctr"/>
+            <a:endParaRPr b="0" lang="en-GB" sz="4400" spc="-1" strike="noStrike">
+              <a:latin typeface="Arial"/>
+            </a:endParaRPr>
+          </a:p>
+        </p:txBody>
+      </p:sp>
+      <p:sp>
+        <p:nvSpPr>
+          <p:cNvPr id="421" name="PlaceHolder 2"/>
+          <p:cNvSpPr>
+            <a:spLocks noGrp="1"/>
+          </p:cNvSpPr>
+          <p:nvPr>
+            <p:ph type="subTitle"/>
+          </p:nvPr>
+        </p:nvSpPr>
+        <p:spPr>
+          <a:xfrm>
+            <a:off x="504000" y="1326600"/>
+            <a:ext cx="9072000" cy="3288600"/>
+          </a:xfrm>
+          <a:prstGeom prst="rect">
+            <a:avLst/>
+          </a:prstGeom>
+        </p:spPr>
+        <p:txBody>
+          <a:bodyPr lIns="0" rIns="0" tIns="0" bIns="0" anchor="ctr">
+            <a:noAutofit/>
+          </a:bodyPr>
+          <a:p>
+            <a:pPr algn="ctr"/>
+            <a:endParaRPr b="0" lang="en-GB" sz="3200" spc="-1" strike="noStrike">
+              <a:latin typeface="Arial"/>
+            </a:endParaRPr>
+          </a:p>
+        </p:txBody>
+      </p:sp>
+    </p:spTree>
+  </p:cSld>
+</p:sldLayout>
+</file>
+
+<file path=ppt/slideLayouts/slideLayout135.xml><?xml version="1.0" encoding="utf-8"?>
+<p:sldLayout xmlns:a="http://schemas.openxmlformats.org/drawingml/2006/main" xmlns:p="http://schemas.openxmlformats.org/presentationml/2006/main" xmlns:r="http://schemas.openxmlformats.org/officeDocument/2006/relationships" xmlns:p14="http://schemas.microsoft.com/office/powerpoint/2010/main" xmlns:p15="http://schemas.microsoft.com/office/powerpoint/2012/main" xmlns:mc="http://schemas.openxmlformats.org/markup-compatibility/2006" type="obj" preserve="1">
+  <p:cSld name="Title, Content">
+    <p:spTree>
+      <p:nvGrpSpPr>
+        <p:cNvPr id="1" name=""/>
+        <p:cNvGrpSpPr/>
+        <p:nvPr/>
+      </p:nvGrpSpPr>
+      <p:grpSpPr>
+        <a:xfrm>
+          <a:off x="0" y="0"/>
+          <a:ext cx="0" cy="0"/>
+          <a:chOff x="0" y="0"/>
+          <a:chExt cx="0" cy="0"/>
+        </a:xfrm>
+      </p:grpSpPr>
+      <p:sp>
+        <p:nvSpPr>
+          <p:cNvPr id="422" name="PlaceHolder 1"/>
+          <p:cNvSpPr>
+            <a:spLocks noGrp="1"/>
+          </p:cNvSpPr>
+          <p:nvPr>
+            <p:ph type="title"/>
+          </p:nvPr>
+        </p:nvSpPr>
+        <p:spPr>
+          <a:xfrm>
+            <a:off x="504000" y="226080"/>
+            <a:ext cx="9072000" cy="946440"/>
+          </a:xfrm>
+          <a:prstGeom prst="rect">
+            <a:avLst/>
+          </a:prstGeom>
+        </p:spPr>
+        <p:txBody>
+          <a:bodyPr lIns="0" rIns="0" tIns="0" bIns="0" anchor="ctr">
+            <a:noAutofit/>
+          </a:bodyPr>
+          <a:p>
+            <a:pPr algn="ctr"/>
+            <a:endParaRPr b="0" lang="en-GB" sz="4400" spc="-1" strike="noStrike">
+              <a:latin typeface="Arial"/>
+            </a:endParaRPr>
+          </a:p>
+        </p:txBody>
+      </p:sp>
+      <p:sp>
+        <p:nvSpPr>
+          <p:cNvPr id="423" name="PlaceHolder 2"/>
+          <p:cNvSpPr>
+            <a:spLocks noGrp="1"/>
+          </p:cNvSpPr>
+          <p:nvPr>
+            <p:ph type="body"/>
+          </p:nvPr>
+        </p:nvSpPr>
+        <p:spPr>
+          <a:xfrm>
+            <a:off x="504000" y="1326600"/>
+            <a:ext cx="9072000" cy="3288600"/>
+          </a:xfrm>
+          <a:prstGeom prst="rect">
+            <a:avLst/>
+          </a:prstGeom>
+        </p:spPr>
+        <p:txBody>
+          <a:bodyPr lIns="0" rIns="0" tIns="0" bIns="0">
+            <a:normAutofit/>
+          </a:bodyPr>
+          <a:p>
+            <a:endParaRPr b="0" lang="en-GB" sz="3200" spc="-1" strike="noStrike">
+              <a:latin typeface="Arial"/>
+            </a:endParaRPr>
+          </a:p>
+        </p:txBody>
+      </p:sp>
+    </p:spTree>
+  </p:cSld>
+</p:sldLayout>
+</file>
+
+<file path=ppt/slideLayouts/slideLayout136.xml><?xml version="1.0" encoding="utf-8"?>
+<p:sldLayout xmlns:a="http://schemas.openxmlformats.org/drawingml/2006/main" xmlns:p="http://schemas.openxmlformats.org/presentationml/2006/main" xmlns:r="http://schemas.openxmlformats.org/officeDocument/2006/relationships" xmlns:p14="http://schemas.microsoft.com/office/powerpoint/2010/main" xmlns:p15="http://schemas.microsoft.com/office/powerpoint/2012/main" xmlns:mc="http://schemas.openxmlformats.org/markup-compatibility/2006" type="twoObj" preserve="1">
+  <p:cSld name="Title, 2 Content">
+    <p:spTree>
+      <p:nvGrpSpPr>
+        <p:cNvPr id="1" name=""/>
+        <p:cNvGrpSpPr/>
+        <p:nvPr/>
+      </p:nvGrpSpPr>
+      <p:grpSpPr>
+        <a:xfrm>
+          <a:off x="0" y="0"/>
+          <a:ext cx="0" cy="0"/>
+          <a:chOff x="0" y="0"/>
+          <a:chExt cx="0" cy="0"/>
+        </a:xfrm>
+      </p:grpSpPr>
+      <p:sp>
+        <p:nvSpPr>
+          <p:cNvPr id="424" name="PlaceHolder 1"/>
+          <p:cNvSpPr>
+            <a:spLocks noGrp="1"/>
+          </p:cNvSpPr>
+          <p:nvPr>
+            <p:ph type="title"/>
+          </p:nvPr>
+        </p:nvSpPr>
+        <p:spPr>
+          <a:xfrm>
+            <a:off x="504000" y="226080"/>
+            <a:ext cx="9072000" cy="946440"/>
+          </a:xfrm>
+          <a:prstGeom prst="rect">
+            <a:avLst/>
+          </a:prstGeom>
+        </p:spPr>
+        <p:txBody>
+          <a:bodyPr lIns="0" rIns="0" tIns="0" bIns="0" anchor="ctr">
+            <a:noAutofit/>
+          </a:bodyPr>
+          <a:p>
+            <a:pPr algn="ctr"/>
+            <a:endParaRPr b="0" lang="en-GB" sz="4400" spc="-1" strike="noStrike">
+              <a:latin typeface="Arial"/>
+            </a:endParaRPr>
+          </a:p>
+        </p:txBody>
+      </p:sp>
+      <p:sp>
+        <p:nvSpPr>
+          <p:cNvPr id="425" name="PlaceHolder 2"/>
+          <p:cNvSpPr>
+            <a:spLocks noGrp="1"/>
+          </p:cNvSpPr>
+          <p:nvPr>
+            <p:ph type="body"/>
+          </p:nvPr>
+        </p:nvSpPr>
+        <p:spPr>
+          <a:xfrm>
+            <a:off x="504000" y="1326600"/>
+            <a:ext cx="4426920" cy="3288600"/>
+          </a:xfrm>
+          <a:prstGeom prst="rect">
+            <a:avLst/>
+          </a:prstGeom>
+        </p:spPr>
+        <p:txBody>
+          <a:bodyPr lIns="0" rIns="0" tIns="0" bIns="0">
+            <a:normAutofit/>
+          </a:bodyPr>
+          <a:p>
+            <a:endParaRPr b="0" lang="en-GB" sz="3200" spc="-1" strike="noStrike">
+              <a:latin typeface="Arial"/>
+            </a:endParaRPr>
+          </a:p>
+        </p:txBody>
+      </p:sp>
+      <p:sp>
+        <p:nvSpPr>
+          <p:cNvPr id="426" name="PlaceHolder 3"/>
+          <p:cNvSpPr>
+            <a:spLocks noGrp="1"/>
+          </p:cNvSpPr>
+          <p:nvPr>
+            <p:ph type="body"/>
+          </p:nvPr>
+        </p:nvSpPr>
+        <p:spPr>
+          <a:xfrm>
+            <a:off x="5152680" y="1326600"/>
+            <a:ext cx="4426920" cy="3288600"/>
+          </a:xfrm>
+          <a:prstGeom prst="rect">
+            <a:avLst/>
+          </a:prstGeom>
+        </p:spPr>
+        <p:txBody>
+          <a:bodyPr lIns="0" rIns="0" tIns="0" bIns="0">
+            <a:normAutofit/>
+          </a:bodyPr>
+          <a:p>
+            <a:endParaRPr b="0" lang="en-GB" sz="3200" spc="-1" strike="noStrike">
+              <a:latin typeface="Arial"/>
+            </a:endParaRPr>
+          </a:p>
+        </p:txBody>
+      </p:sp>
+    </p:spTree>
+  </p:cSld>
+</p:sldLayout>
+</file>
+
+<file path=ppt/slideLayouts/slideLayout137.xml><?xml version="1.0" encoding="utf-8"?>
+<p:sldLayout xmlns:a="http://schemas.openxmlformats.org/drawingml/2006/main" xmlns:p="http://schemas.openxmlformats.org/presentationml/2006/main" xmlns:r="http://schemas.openxmlformats.org/officeDocument/2006/relationships" xmlns:p14="http://schemas.microsoft.com/office/powerpoint/2010/main" xmlns:p15="http://schemas.microsoft.com/office/powerpoint/2012/main" xmlns:mc="http://schemas.openxmlformats.org/markup-compatibility/2006" type="titleOnly" preserve="1">
+  <p:cSld name="Title Only">
+    <p:spTree>
+      <p:nvGrpSpPr>
+        <p:cNvPr id="1" name=""/>
+        <p:cNvGrpSpPr/>
+        <p:nvPr/>
+      </p:nvGrpSpPr>
+      <p:grpSpPr>
+        <a:xfrm>
+          <a:off x="0" y="0"/>
+          <a:ext cx="0" cy="0"/>
+          <a:chOff x="0" y="0"/>
+          <a:chExt cx="0" cy="0"/>
+        </a:xfrm>
+      </p:grpSpPr>
+      <p:sp>
+        <p:nvSpPr>
+          <p:cNvPr id="427" name="PlaceHolder 1"/>
+          <p:cNvSpPr>
+            <a:spLocks noGrp="1"/>
+          </p:cNvSpPr>
+          <p:nvPr>
+            <p:ph type="title"/>
+          </p:nvPr>
+        </p:nvSpPr>
+        <p:spPr>
+          <a:xfrm>
+            <a:off x="504000" y="226080"/>
+            <a:ext cx="9072000" cy="946440"/>
+          </a:xfrm>
+          <a:prstGeom prst="rect">
+            <a:avLst/>
+          </a:prstGeom>
+        </p:spPr>
+        <p:txBody>
+          <a:bodyPr lIns="0" rIns="0" tIns="0" bIns="0" anchor="ctr">
+            <a:noAutofit/>
+          </a:bodyPr>
+          <a:p>
+            <a:pPr algn="ctr"/>
+            <a:endParaRPr b="0" lang="en-GB" sz="4400" spc="-1" strike="noStrike">
+              <a:latin typeface="Arial"/>
+            </a:endParaRPr>
+          </a:p>
+        </p:txBody>
+      </p:sp>
+    </p:spTree>
+  </p:cSld>
+</p:sldLayout>
+</file>
+
+<file path=ppt/slideLayouts/slideLayout138.xml><?xml version="1.0" encoding="utf-8"?>
+<p:sldLayout xmlns:a="http://schemas.openxmlformats.org/drawingml/2006/main" xmlns:p="http://schemas.openxmlformats.org/presentationml/2006/main" xmlns:r="http://schemas.openxmlformats.org/officeDocument/2006/relationships" xmlns:p14="http://schemas.microsoft.com/office/powerpoint/2010/main" xmlns:p15="http://schemas.microsoft.com/office/powerpoint/2012/main" xmlns:mc="http://schemas.openxmlformats.org/markup-compatibility/2006" type="objOnly" preserve="1">
+  <p:cSld name="Centered Text">
+    <p:spTree>
+      <p:nvGrpSpPr>
+        <p:cNvPr id="1" name=""/>
+        <p:cNvGrpSpPr/>
+        <p:nvPr/>
+      </p:nvGrpSpPr>
+      <p:grpSpPr>
+        <a:xfrm>
+          <a:off x="0" y="0"/>
+          <a:ext cx="0" cy="0"/>
+          <a:chOff x="0" y="0"/>
+          <a:chExt cx="0" cy="0"/>
+        </a:xfrm>
+      </p:grpSpPr>
+      <p:sp>
+        <p:nvSpPr>
+          <p:cNvPr id="428" name="PlaceHolder 1"/>
+          <p:cNvSpPr>
+            <a:spLocks noGrp="1"/>
+          </p:cNvSpPr>
+          <p:nvPr>
+            <p:ph type="subTitle"/>
+          </p:nvPr>
+        </p:nvSpPr>
+        <p:spPr>
+          <a:xfrm>
+            <a:off x="504000" y="226080"/>
+            <a:ext cx="9072000" cy="4388400"/>
+          </a:xfrm>
+          <a:prstGeom prst="rect">
+            <a:avLst/>
+          </a:prstGeom>
+        </p:spPr>
+        <p:txBody>
+          <a:bodyPr lIns="0" rIns="0" tIns="0" bIns="0" anchor="ctr">
+            <a:noAutofit/>
+          </a:bodyPr>
+          <a:p>
+            <a:pPr algn="ctr"/>
+            <a:endParaRPr b="0" lang="en-GB" sz="3200" spc="-1" strike="noStrike">
+              <a:latin typeface="Arial"/>
+            </a:endParaRPr>
+          </a:p>
+        </p:txBody>
+      </p:sp>
+    </p:spTree>
+  </p:cSld>
+</p:sldLayout>
+</file>
+
+<file path=ppt/slideLayouts/slideLayout139.xml><?xml version="1.0" encoding="utf-8"?>
+<p:sldLayout xmlns:a="http://schemas.openxmlformats.org/drawingml/2006/main" xmlns:p="http://schemas.openxmlformats.org/presentationml/2006/main" xmlns:r="http://schemas.openxmlformats.org/officeDocument/2006/relationships" xmlns:p14="http://schemas.microsoft.com/office/powerpoint/2010/main" xmlns:p15="http://schemas.microsoft.com/office/powerpoint/2012/main" xmlns:mc="http://schemas.openxmlformats.org/markup-compatibility/2006" type="twoObjAndObj" preserve="1">
+  <p:cSld name="Title, 2 Content and Content">
+    <p:spTree>
+      <p:nvGrpSpPr>
+        <p:cNvPr id="1" name=""/>
+        <p:cNvGrpSpPr/>
+        <p:nvPr/>
+      </p:nvGrpSpPr>
+      <p:grpSpPr>
+        <a:xfrm>
+          <a:off x="0" y="0"/>
+          <a:ext cx="0" cy="0"/>
+          <a:chOff x="0" y="0"/>
+          <a:chExt cx="0" cy="0"/>
+        </a:xfrm>
+      </p:grpSpPr>
+      <p:sp>
+        <p:nvSpPr>
+          <p:cNvPr id="429" name="PlaceHolder 1"/>
+          <p:cNvSpPr>
+            <a:spLocks noGrp="1"/>
+          </p:cNvSpPr>
+          <p:nvPr>
+            <p:ph type="title"/>
+          </p:nvPr>
+        </p:nvSpPr>
+        <p:spPr>
+          <a:xfrm>
+            <a:off x="504000" y="226080"/>
+            <a:ext cx="9072000" cy="946440"/>
+          </a:xfrm>
+          <a:prstGeom prst="rect">
+            <a:avLst/>
+          </a:prstGeom>
+        </p:spPr>
+        <p:txBody>
+          <a:bodyPr lIns="0" rIns="0" tIns="0" bIns="0" anchor="ctr">
+            <a:noAutofit/>
+          </a:bodyPr>
+          <a:p>
+            <a:pPr algn="ctr"/>
+            <a:endParaRPr b="0" lang="en-GB" sz="4400" spc="-1" strike="noStrike">
+              <a:latin typeface="Arial"/>
+            </a:endParaRPr>
+          </a:p>
+        </p:txBody>
+      </p:sp>
+      <p:sp>
+        <p:nvSpPr>
+          <p:cNvPr id="430" name="PlaceHolder 2"/>
+          <p:cNvSpPr>
+            <a:spLocks noGrp="1"/>
+          </p:cNvSpPr>
+          <p:nvPr>
+            <p:ph type="body"/>
+          </p:nvPr>
+        </p:nvSpPr>
+        <p:spPr>
+          <a:xfrm>
+            <a:off x="504000" y="1326600"/>
+            <a:ext cx="4426920" cy="1568520"/>
+          </a:xfrm>
+          <a:prstGeom prst="rect">
+            <a:avLst/>
+          </a:prstGeom>
+        </p:spPr>
+        <p:txBody>
+          <a:bodyPr lIns="0" rIns="0" tIns="0" bIns="0">
+            <a:normAutofit/>
+          </a:bodyPr>
+          <a:p>
+            <a:endParaRPr b="0" lang="en-GB" sz="3200" spc="-1" strike="noStrike">
+              <a:latin typeface="Arial"/>
+            </a:endParaRPr>
+          </a:p>
+        </p:txBody>
+      </p:sp>
+      <p:sp>
+        <p:nvSpPr>
+          <p:cNvPr id="431" name="PlaceHolder 3"/>
+          <p:cNvSpPr>
+            <a:spLocks noGrp="1"/>
+          </p:cNvSpPr>
+          <p:nvPr>
+            <p:ph type="body"/>
+          </p:nvPr>
+        </p:nvSpPr>
+        <p:spPr>
+          <a:xfrm>
+            <a:off x="5152680" y="1326600"/>
+            <a:ext cx="4426920" cy="3288600"/>
+          </a:xfrm>
+          <a:prstGeom prst="rect">
+            <a:avLst/>
+          </a:prstGeom>
+        </p:spPr>
+        <p:txBody>
+          <a:bodyPr lIns="0" rIns="0" tIns="0" bIns="0">
+            <a:normAutofit/>
+          </a:bodyPr>
+          <a:p>
+            <a:endParaRPr b="0" lang="en-GB" sz="3200" spc="-1" strike="noStrike">
+              <a:latin typeface="Arial"/>
+            </a:endParaRPr>
+          </a:p>
+        </p:txBody>
+      </p:sp>
+      <p:sp>
+        <p:nvSpPr>
+          <p:cNvPr id="432" name="PlaceHolder 4"/>
+          <p:cNvSpPr>
+            <a:spLocks noGrp="1"/>
+          </p:cNvSpPr>
+          <p:nvPr>
+            <p:ph type="body"/>
+          </p:nvPr>
+        </p:nvSpPr>
+        <p:spPr>
+          <a:xfrm>
+            <a:off x="504000" y="3044520"/>
+            <a:ext cx="4426920" cy="1568520"/>
+          </a:xfrm>
+          <a:prstGeom prst="rect">
+            <a:avLst/>
+          </a:prstGeom>
+        </p:spPr>
+        <p:txBody>
+          <a:bodyPr lIns="0" rIns="0" tIns="0" bIns="0">
+            <a:normAutofit/>
+          </a:bodyPr>
+          <a:p>
+            <a:endParaRPr b="0" lang="en-GB" sz="3200" spc="-1" strike="noStrike">
+              <a:latin typeface="Arial"/>
+            </a:endParaRPr>
+          </a:p>
+        </p:txBody>
+      </p:sp>
+    </p:spTree>
+  </p:cSld>
+</p:sldLayout>
+</file>
+
 <file path=ppt/slideLayouts/slideLayout14.xml><?xml version="1.0" encoding="utf-8"?>
 <p:sldLayout xmlns:a="http://schemas.openxmlformats.org/drawingml/2006/main" xmlns:p="http://schemas.openxmlformats.org/presentationml/2006/main" xmlns:r="http://schemas.openxmlformats.org/officeDocument/2006/relationships" xmlns:p14="http://schemas.microsoft.com/office/powerpoint/2010/main" xmlns:p15="http://schemas.microsoft.com/office/powerpoint/2012/main" xmlns:mc="http://schemas.openxmlformats.org/markup-compatibility/2006" type="tx" preserve="1">
   <p:cSld name="Title Slide">
@@ -8730,6 +9494,811 @@
           </a:bodyPr>
           <a:p>
             <a:pPr algn="ctr"/>
+            <a:endParaRPr b="0" lang="en-GB" sz="3200" spc="-1" strike="noStrike">
+              <a:latin typeface="Arial"/>
+            </a:endParaRPr>
+          </a:p>
+        </p:txBody>
+      </p:sp>
+    </p:spTree>
+  </p:cSld>
+</p:sldLayout>
+</file>
+
+<file path=ppt/slideLayouts/slideLayout140.xml><?xml version="1.0" encoding="utf-8"?>
+<p:sldLayout xmlns:a="http://schemas.openxmlformats.org/drawingml/2006/main" xmlns:p="http://schemas.openxmlformats.org/presentationml/2006/main" xmlns:r="http://schemas.openxmlformats.org/officeDocument/2006/relationships" xmlns:p14="http://schemas.microsoft.com/office/powerpoint/2010/main" xmlns:p15="http://schemas.microsoft.com/office/powerpoint/2012/main" xmlns:mc="http://schemas.openxmlformats.org/markup-compatibility/2006" type="objAndTwoObj" preserve="1">
+  <p:cSld name="Title Content and 2 Content">
+    <p:spTree>
+      <p:nvGrpSpPr>
+        <p:cNvPr id="1" name=""/>
+        <p:cNvGrpSpPr/>
+        <p:nvPr/>
+      </p:nvGrpSpPr>
+      <p:grpSpPr>
+        <a:xfrm>
+          <a:off x="0" y="0"/>
+          <a:ext cx="0" cy="0"/>
+          <a:chOff x="0" y="0"/>
+          <a:chExt cx="0" cy="0"/>
+        </a:xfrm>
+      </p:grpSpPr>
+      <p:sp>
+        <p:nvSpPr>
+          <p:cNvPr id="433" name="PlaceHolder 1"/>
+          <p:cNvSpPr>
+            <a:spLocks noGrp="1"/>
+          </p:cNvSpPr>
+          <p:nvPr>
+            <p:ph type="title"/>
+          </p:nvPr>
+        </p:nvSpPr>
+        <p:spPr>
+          <a:xfrm>
+            <a:off x="504000" y="226080"/>
+            <a:ext cx="9072000" cy="946440"/>
+          </a:xfrm>
+          <a:prstGeom prst="rect">
+            <a:avLst/>
+          </a:prstGeom>
+        </p:spPr>
+        <p:txBody>
+          <a:bodyPr lIns="0" rIns="0" tIns="0" bIns="0" anchor="ctr">
+            <a:noAutofit/>
+          </a:bodyPr>
+          <a:p>
+            <a:pPr algn="ctr"/>
+            <a:endParaRPr b="0" lang="en-GB" sz="4400" spc="-1" strike="noStrike">
+              <a:latin typeface="Arial"/>
+            </a:endParaRPr>
+          </a:p>
+        </p:txBody>
+      </p:sp>
+      <p:sp>
+        <p:nvSpPr>
+          <p:cNvPr id="434" name="PlaceHolder 2"/>
+          <p:cNvSpPr>
+            <a:spLocks noGrp="1"/>
+          </p:cNvSpPr>
+          <p:nvPr>
+            <p:ph type="body"/>
+          </p:nvPr>
+        </p:nvSpPr>
+        <p:spPr>
+          <a:xfrm>
+            <a:off x="504000" y="1326600"/>
+            <a:ext cx="4426920" cy="3288600"/>
+          </a:xfrm>
+          <a:prstGeom prst="rect">
+            <a:avLst/>
+          </a:prstGeom>
+        </p:spPr>
+        <p:txBody>
+          <a:bodyPr lIns="0" rIns="0" tIns="0" bIns="0">
+            <a:normAutofit/>
+          </a:bodyPr>
+          <a:p>
+            <a:endParaRPr b="0" lang="en-GB" sz="3200" spc="-1" strike="noStrike">
+              <a:latin typeface="Arial"/>
+            </a:endParaRPr>
+          </a:p>
+        </p:txBody>
+      </p:sp>
+      <p:sp>
+        <p:nvSpPr>
+          <p:cNvPr id="435" name="PlaceHolder 3"/>
+          <p:cNvSpPr>
+            <a:spLocks noGrp="1"/>
+          </p:cNvSpPr>
+          <p:nvPr>
+            <p:ph type="body"/>
+          </p:nvPr>
+        </p:nvSpPr>
+        <p:spPr>
+          <a:xfrm>
+            <a:off x="5152680" y="1326600"/>
+            <a:ext cx="4426920" cy="1568520"/>
+          </a:xfrm>
+          <a:prstGeom prst="rect">
+            <a:avLst/>
+          </a:prstGeom>
+        </p:spPr>
+        <p:txBody>
+          <a:bodyPr lIns="0" rIns="0" tIns="0" bIns="0">
+            <a:normAutofit/>
+          </a:bodyPr>
+          <a:p>
+            <a:endParaRPr b="0" lang="en-GB" sz="3200" spc="-1" strike="noStrike">
+              <a:latin typeface="Arial"/>
+            </a:endParaRPr>
+          </a:p>
+        </p:txBody>
+      </p:sp>
+      <p:sp>
+        <p:nvSpPr>
+          <p:cNvPr id="436" name="PlaceHolder 4"/>
+          <p:cNvSpPr>
+            <a:spLocks noGrp="1"/>
+          </p:cNvSpPr>
+          <p:nvPr>
+            <p:ph type="body"/>
+          </p:nvPr>
+        </p:nvSpPr>
+        <p:spPr>
+          <a:xfrm>
+            <a:off x="5152680" y="3044520"/>
+            <a:ext cx="4426920" cy="1568520"/>
+          </a:xfrm>
+          <a:prstGeom prst="rect">
+            <a:avLst/>
+          </a:prstGeom>
+        </p:spPr>
+        <p:txBody>
+          <a:bodyPr lIns="0" rIns="0" tIns="0" bIns="0">
+            <a:normAutofit/>
+          </a:bodyPr>
+          <a:p>
+            <a:endParaRPr b="0" lang="en-GB" sz="3200" spc="-1" strike="noStrike">
+              <a:latin typeface="Arial"/>
+            </a:endParaRPr>
+          </a:p>
+        </p:txBody>
+      </p:sp>
+    </p:spTree>
+  </p:cSld>
+</p:sldLayout>
+</file>
+
+<file path=ppt/slideLayouts/slideLayout141.xml><?xml version="1.0" encoding="utf-8"?>
+<p:sldLayout xmlns:a="http://schemas.openxmlformats.org/drawingml/2006/main" xmlns:p="http://schemas.openxmlformats.org/presentationml/2006/main" xmlns:r="http://schemas.openxmlformats.org/officeDocument/2006/relationships" xmlns:p14="http://schemas.microsoft.com/office/powerpoint/2010/main" xmlns:p15="http://schemas.microsoft.com/office/powerpoint/2012/main" xmlns:mc="http://schemas.openxmlformats.org/markup-compatibility/2006" type="twoObjOverTx" preserve="1">
+  <p:cSld name="Title, 2 Content over Content">
+    <p:spTree>
+      <p:nvGrpSpPr>
+        <p:cNvPr id="1" name=""/>
+        <p:cNvGrpSpPr/>
+        <p:nvPr/>
+      </p:nvGrpSpPr>
+      <p:grpSpPr>
+        <a:xfrm>
+          <a:off x="0" y="0"/>
+          <a:ext cx="0" cy="0"/>
+          <a:chOff x="0" y="0"/>
+          <a:chExt cx="0" cy="0"/>
+        </a:xfrm>
+      </p:grpSpPr>
+      <p:sp>
+        <p:nvSpPr>
+          <p:cNvPr id="437" name="PlaceHolder 1"/>
+          <p:cNvSpPr>
+            <a:spLocks noGrp="1"/>
+          </p:cNvSpPr>
+          <p:nvPr>
+            <p:ph type="title"/>
+          </p:nvPr>
+        </p:nvSpPr>
+        <p:spPr>
+          <a:xfrm>
+            <a:off x="504000" y="226080"/>
+            <a:ext cx="9072000" cy="946440"/>
+          </a:xfrm>
+          <a:prstGeom prst="rect">
+            <a:avLst/>
+          </a:prstGeom>
+        </p:spPr>
+        <p:txBody>
+          <a:bodyPr lIns="0" rIns="0" tIns="0" bIns="0" anchor="ctr">
+            <a:noAutofit/>
+          </a:bodyPr>
+          <a:p>
+            <a:pPr algn="ctr"/>
+            <a:endParaRPr b="0" lang="en-GB" sz="4400" spc="-1" strike="noStrike">
+              <a:latin typeface="Arial"/>
+            </a:endParaRPr>
+          </a:p>
+        </p:txBody>
+      </p:sp>
+      <p:sp>
+        <p:nvSpPr>
+          <p:cNvPr id="438" name="PlaceHolder 2"/>
+          <p:cNvSpPr>
+            <a:spLocks noGrp="1"/>
+          </p:cNvSpPr>
+          <p:nvPr>
+            <p:ph type="body"/>
+          </p:nvPr>
+        </p:nvSpPr>
+        <p:spPr>
+          <a:xfrm>
+            <a:off x="504000" y="1326600"/>
+            <a:ext cx="4426920" cy="1568520"/>
+          </a:xfrm>
+          <a:prstGeom prst="rect">
+            <a:avLst/>
+          </a:prstGeom>
+        </p:spPr>
+        <p:txBody>
+          <a:bodyPr lIns="0" rIns="0" tIns="0" bIns="0">
+            <a:normAutofit/>
+          </a:bodyPr>
+          <a:p>
+            <a:endParaRPr b="0" lang="en-GB" sz="3200" spc="-1" strike="noStrike">
+              <a:latin typeface="Arial"/>
+            </a:endParaRPr>
+          </a:p>
+        </p:txBody>
+      </p:sp>
+      <p:sp>
+        <p:nvSpPr>
+          <p:cNvPr id="439" name="PlaceHolder 3"/>
+          <p:cNvSpPr>
+            <a:spLocks noGrp="1"/>
+          </p:cNvSpPr>
+          <p:nvPr>
+            <p:ph type="body"/>
+          </p:nvPr>
+        </p:nvSpPr>
+        <p:spPr>
+          <a:xfrm>
+            <a:off x="5152680" y="1326600"/>
+            <a:ext cx="4426920" cy="1568520"/>
+          </a:xfrm>
+          <a:prstGeom prst="rect">
+            <a:avLst/>
+          </a:prstGeom>
+        </p:spPr>
+        <p:txBody>
+          <a:bodyPr lIns="0" rIns="0" tIns="0" bIns="0">
+            <a:normAutofit/>
+          </a:bodyPr>
+          <a:p>
+            <a:endParaRPr b="0" lang="en-GB" sz="3200" spc="-1" strike="noStrike">
+              <a:latin typeface="Arial"/>
+            </a:endParaRPr>
+          </a:p>
+        </p:txBody>
+      </p:sp>
+      <p:sp>
+        <p:nvSpPr>
+          <p:cNvPr id="440" name="PlaceHolder 4"/>
+          <p:cNvSpPr>
+            <a:spLocks noGrp="1"/>
+          </p:cNvSpPr>
+          <p:nvPr>
+            <p:ph type="body"/>
+          </p:nvPr>
+        </p:nvSpPr>
+        <p:spPr>
+          <a:xfrm>
+            <a:off x="504000" y="3044520"/>
+            <a:ext cx="9072000" cy="1568520"/>
+          </a:xfrm>
+          <a:prstGeom prst="rect">
+            <a:avLst/>
+          </a:prstGeom>
+        </p:spPr>
+        <p:txBody>
+          <a:bodyPr lIns="0" rIns="0" tIns="0" bIns="0">
+            <a:normAutofit/>
+          </a:bodyPr>
+          <a:p>
+            <a:endParaRPr b="0" lang="en-GB" sz="3200" spc="-1" strike="noStrike">
+              <a:latin typeface="Arial"/>
+            </a:endParaRPr>
+          </a:p>
+        </p:txBody>
+      </p:sp>
+    </p:spTree>
+  </p:cSld>
+</p:sldLayout>
+</file>
+
+<file path=ppt/slideLayouts/slideLayout142.xml><?xml version="1.0" encoding="utf-8"?>
+<p:sldLayout xmlns:a="http://schemas.openxmlformats.org/drawingml/2006/main" xmlns:p="http://schemas.openxmlformats.org/presentationml/2006/main" xmlns:r="http://schemas.openxmlformats.org/officeDocument/2006/relationships" xmlns:p14="http://schemas.microsoft.com/office/powerpoint/2010/main" xmlns:p15="http://schemas.microsoft.com/office/powerpoint/2012/main" xmlns:mc="http://schemas.openxmlformats.org/markup-compatibility/2006" type="objOverTx" preserve="1">
+  <p:cSld name="Title, Content over Content">
+    <p:spTree>
+      <p:nvGrpSpPr>
+        <p:cNvPr id="1" name=""/>
+        <p:cNvGrpSpPr/>
+        <p:nvPr/>
+      </p:nvGrpSpPr>
+      <p:grpSpPr>
+        <a:xfrm>
+          <a:off x="0" y="0"/>
+          <a:ext cx="0" cy="0"/>
+          <a:chOff x="0" y="0"/>
+          <a:chExt cx="0" cy="0"/>
+        </a:xfrm>
+      </p:grpSpPr>
+      <p:sp>
+        <p:nvSpPr>
+          <p:cNvPr id="441" name="PlaceHolder 1"/>
+          <p:cNvSpPr>
+            <a:spLocks noGrp="1"/>
+          </p:cNvSpPr>
+          <p:nvPr>
+            <p:ph type="title"/>
+          </p:nvPr>
+        </p:nvSpPr>
+        <p:spPr>
+          <a:xfrm>
+            <a:off x="504000" y="226080"/>
+            <a:ext cx="9072000" cy="946440"/>
+          </a:xfrm>
+          <a:prstGeom prst="rect">
+            <a:avLst/>
+          </a:prstGeom>
+        </p:spPr>
+        <p:txBody>
+          <a:bodyPr lIns="0" rIns="0" tIns="0" bIns="0" anchor="ctr">
+            <a:noAutofit/>
+          </a:bodyPr>
+          <a:p>
+            <a:pPr algn="ctr"/>
+            <a:endParaRPr b="0" lang="en-GB" sz="4400" spc="-1" strike="noStrike">
+              <a:latin typeface="Arial"/>
+            </a:endParaRPr>
+          </a:p>
+        </p:txBody>
+      </p:sp>
+      <p:sp>
+        <p:nvSpPr>
+          <p:cNvPr id="442" name="PlaceHolder 2"/>
+          <p:cNvSpPr>
+            <a:spLocks noGrp="1"/>
+          </p:cNvSpPr>
+          <p:nvPr>
+            <p:ph type="body"/>
+          </p:nvPr>
+        </p:nvSpPr>
+        <p:spPr>
+          <a:xfrm>
+            <a:off x="504000" y="1326600"/>
+            <a:ext cx="9072000" cy="1568520"/>
+          </a:xfrm>
+          <a:prstGeom prst="rect">
+            <a:avLst/>
+          </a:prstGeom>
+        </p:spPr>
+        <p:txBody>
+          <a:bodyPr lIns="0" rIns="0" tIns="0" bIns="0">
+            <a:normAutofit/>
+          </a:bodyPr>
+          <a:p>
+            <a:endParaRPr b="0" lang="en-GB" sz="3200" spc="-1" strike="noStrike">
+              <a:latin typeface="Arial"/>
+            </a:endParaRPr>
+          </a:p>
+        </p:txBody>
+      </p:sp>
+      <p:sp>
+        <p:nvSpPr>
+          <p:cNvPr id="443" name="PlaceHolder 3"/>
+          <p:cNvSpPr>
+            <a:spLocks noGrp="1"/>
+          </p:cNvSpPr>
+          <p:nvPr>
+            <p:ph type="body"/>
+          </p:nvPr>
+        </p:nvSpPr>
+        <p:spPr>
+          <a:xfrm>
+            <a:off x="504000" y="3044520"/>
+            <a:ext cx="9072000" cy="1568520"/>
+          </a:xfrm>
+          <a:prstGeom prst="rect">
+            <a:avLst/>
+          </a:prstGeom>
+        </p:spPr>
+        <p:txBody>
+          <a:bodyPr lIns="0" rIns="0" tIns="0" bIns="0">
+            <a:normAutofit/>
+          </a:bodyPr>
+          <a:p>
+            <a:endParaRPr b="0" lang="en-GB" sz="3200" spc="-1" strike="noStrike">
+              <a:latin typeface="Arial"/>
+            </a:endParaRPr>
+          </a:p>
+        </p:txBody>
+      </p:sp>
+    </p:spTree>
+  </p:cSld>
+</p:sldLayout>
+</file>
+
+<file path=ppt/slideLayouts/slideLayout143.xml><?xml version="1.0" encoding="utf-8"?>
+<p:sldLayout xmlns:a="http://schemas.openxmlformats.org/drawingml/2006/main" xmlns:p="http://schemas.openxmlformats.org/presentationml/2006/main" xmlns:r="http://schemas.openxmlformats.org/officeDocument/2006/relationships" xmlns:p14="http://schemas.microsoft.com/office/powerpoint/2010/main" xmlns:p15="http://schemas.microsoft.com/office/powerpoint/2012/main" xmlns:mc="http://schemas.openxmlformats.org/markup-compatibility/2006" type="fourObj" preserve="1">
+  <p:cSld name="Title, 4 Content">
+    <p:spTree>
+      <p:nvGrpSpPr>
+        <p:cNvPr id="1" name=""/>
+        <p:cNvGrpSpPr/>
+        <p:nvPr/>
+      </p:nvGrpSpPr>
+      <p:grpSpPr>
+        <a:xfrm>
+          <a:off x="0" y="0"/>
+          <a:ext cx="0" cy="0"/>
+          <a:chOff x="0" y="0"/>
+          <a:chExt cx="0" cy="0"/>
+        </a:xfrm>
+      </p:grpSpPr>
+      <p:sp>
+        <p:nvSpPr>
+          <p:cNvPr id="444" name="PlaceHolder 1"/>
+          <p:cNvSpPr>
+            <a:spLocks noGrp="1"/>
+          </p:cNvSpPr>
+          <p:nvPr>
+            <p:ph type="title"/>
+          </p:nvPr>
+        </p:nvSpPr>
+        <p:spPr>
+          <a:xfrm>
+            <a:off x="504000" y="226080"/>
+            <a:ext cx="9072000" cy="946440"/>
+          </a:xfrm>
+          <a:prstGeom prst="rect">
+            <a:avLst/>
+          </a:prstGeom>
+        </p:spPr>
+        <p:txBody>
+          <a:bodyPr lIns="0" rIns="0" tIns="0" bIns="0" anchor="ctr">
+            <a:noAutofit/>
+          </a:bodyPr>
+          <a:p>
+            <a:pPr algn="ctr"/>
+            <a:endParaRPr b="0" lang="en-GB" sz="4400" spc="-1" strike="noStrike">
+              <a:latin typeface="Arial"/>
+            </a:endParaRPr>
+          </a:p>
+        </p:txBody>
+      </p:sp>
+      <p:sp>
+        <p:nvSpPr>
+          <p:cNvPr id="445" name="PlaceHolder 2"/>
+          <p:cNvSpPr>
+            <a:spLocks noGrp="1"/>
+          </p:cNvSpPr>
+          <p:nvPr>
+            <p:ph type="body"/>
+          </p:nvPr>
+        </p:nvSpPr>
+        <p:spPr>
+          <a:xfrm>
+            <a:off x="504000" y="1326600"/>
+            <a:ext cx="4426920" cy="1568520"/>
+          </a:xfrm>
+          <a:prstGeom prst="rect">
+            <a:avLst/>
+          </a:prstGeom>
+        </p:spPr>
+        <p:txBody>
+          <a:bodyPr lIns="0" rIns="0" tIns="0" bIns="0">
+            <a:normAutofit/>
+          </a:bodyPr>
+          <a:p>
+            <a:endParaRPr b="0" lang="en-GB" sz="3200" spc="-1" strike="noStrike">
+              <a:latin typeface="Arial"/>
+            </a:endParaRPr>
+          </a:p>
+        </p:txBody>
+      </p:sp>
+      <p:sp>
+        <p:nvSpPr>
+          <p:cNvPr id="446" name="PlaceHolder 3"/>
+          <p:cNvSpPr>
+            <a:spLocks noGrp="1"/>
+          </p:cNvSpPr>
+          <p:nvPr>
+            <p:ph type="body"/>
+          </p:nvPr>
+        </p:nvSpPr>
+        <p:spPr>
+          <a:xfrm>
+            <a:off x="5152680" y="1326600"/>
+            <a:ext cx="4426920" cy="1568520"/>
+          </a:xfrm>
+          <a:prstGeom prst="rect">
+            <a:avLst/>
+          </a:prstGeom>
+        </p:spPr>
+        <p:txBody>
+          <a:bodyPr lIns="0" rIns="0" tIns="0" bIns="0">
+            <a:normAutofit/>
+          </a:bodyPr>
+          <a:p>
+            <a:endParaRPr b="0" lang="en-GB" sz="3200" spc="-1" strike="noStrike">
+              <a:latin typeface="Arial"/>
+            </a:endParaRPr>
+          </a:p>
+        </p:txBody>
+      </p:sp>
+      <p:sp>
+        <p:nvSpPr>
+          <p:cNvPr id="447" name="PlaceHolder 4"/>
+          <p:cNvSpPr>
+            <a:spLocks noGrp="1"/>
+          </p:cNvSpPr>
+          <p:nvPr>
+            <p:ph type="body"/>
+          </p:nvPr>
+        </p:nvSpPr>
+        <p:spPr>
+          <a:xfrm>
+            <a:off x="504000" y="3044520"/>
+            <a:ext cx="4426920" cy="1568520"/>
+          </a:xfrm>
+          <a:prstGeom prst="rect">
+            <a:avLst/>
+          </a:prstGeom>
+        </p:spPr>
+        <p:txBody>
+          <a:bodyPr lIns="0" rIns="0" tIns="0" bIns="0">
+            <a:normAutofit/>
+          </a:bodyPr>
+          <a:p>
+            <a:endParaRPr b="0" lang="en-GB" sz="3200" spc="-1" strike="noStrike">
+              <a:latin typeface="Arial"/>
+            </a:endParaRPr>
+          </a:p>
+        </p:txBody>
+      </p:sp>
+      <p:sp>
+        <p:nvSpPr>
+          <p:cNvPr id="448" name="PlaceHolder 5"/>
+          <p:cNvSpPr>
+            <a:spLocks noGrp="1"/>
+          </p:cNvSpPr>
+          <p:nvPr>
+            <p:ph type="body"/>
+          </p:nvPr>
+        </p:nvSpPr>
+        <p:spPr>
+          <a:xfrm>
+            <a:off x="5152680" y="3044520"/>
+            <a:ext cx="4426920" cy="1568520"/>
+          </a:xfrm>
+          <a:prstGeom prst="rect">
+            <a:avLst/>
+          </a:prstGeom>
+        </p:spPr>
+        <p:txBody>
+          <a:bodyPr lIns="0" rIns="0" tIns="0" bIns="0">
+            <a:normAutofit/>
+          </a:bodyPr>
+          <a:p>
+            <a:endParaRPr b="0" lang="en-GB" sz="3200" spc="-1" strike="noStrike">
+              <a:latin typeface="Arial"/>
+            </a:endParaRPr>
+          </a:p>
+        </p:txBody>
+      </p:sp>
+    </p:spTree>
+  </p:cSld>
+</p:sldLayout>
+</file>
+
+<file path=ppt/slideLayouts/slideLayout144.xml><?xml version="1.0" encoding="utf-8"?>
+<p:sldLayout xmlns:a="http://schemas.openxmlformats.org/drawingml/2006/main" xmlns:p="http://schemas.openxmlformats.org/presentationml/2006/main" xmlns:r="http://schemas.openxmlformats.org/officeDocument/2006/relationships" xmlns:p14="http://schemas.microsoft.com/office/powerpoint/2010/main" xmlns:p15="http://schemas.microsoft.com/office/powerpoint/2012/main" xmlns:mc="http://schemas.openxmlformats.org/markup-compatibility/2006" type="blank" preserve="1">
+  <p:cSld name="Title, 6 Content">
+    <p:spTree>
+      <p:nvGrpSpPr>
+        <p:cNvPr id="1" name=""/>
+        <p:cNvGrpSpPr/>
+        <p:nvPr/>
+      </p:nvGrpSpPr>
+      <p:grpSpPr>
+        <a:xfrm>
+          <a:off x="0" y="0"/>
+          <a:ext cx="0" cy="0"/>
+          <a:chOff x="0" y="0"/>
+          <a:chExt cx="0" cy="0"/>
+        </a:xfrm>
+      </p:grpSpPr>
+      <p:sp>
+        <p:nvSpPr>
+          <p:cNvPr id="449" name="PlaceHolder 1"/>
+          <p:cNvSpPr>
+            <a:spLocks noGrp="1"/>
+          </p:cNvSpPr>
+          <p:nvPr>
+            <p:ph type="title"/>
+          </p:nvPr>
+        </p:nvSpPr>
+        <p:spPr>
+          <a:xfrm>
+            <a:off x="504000" y="226080"/>
+            <a:ext cx="9072000" cy="946440"/>
+          </a:xfrm>
+          <a:prstGeom prst="rect">
+            <a:avLst/>
+          </a:prstGeom>
+        </p:spPr>
+        <p:txBody>
+          <a:bodyPr lIns="0" rIns="0" tIns="0" bIns="0" anchor="ctr">
+            <a:noAutofit/>
+          </a:bodyPr>
+          <a:p>
+            <a:pPr algn="ctr"/>
+            <a:endParaRPr b="0" lang="en-GB" sz="4400" spc="-1" strike="noStrike">
+              <a:latin typeface="Arial"/>
+            </a:endParaRPr>
+          </a:p>
+        </p:txBody>
+      </p:sp>
+      <p:sp>
+        <p:nvSpPr>
+          <p:cNvPr id="450" name="PlaceHolder 2"/>
+          <p:cNvSpPr>
+            <a:spLocks noGrp="1"/>
+          </p:cNvSpPr>
+          <p:nvPr>
+            <p:ph type="body"/>
+          </p:nvPr>
+        </p:nvSpPr>
+        <p:spPr>
+          <a:xfrm>
+            <a:off x="504000" y="1326600"/>
+            <a:ext cx="2921040" cy="1568520"/>
+          </a:xfrm>
+          <a:prstGeom prst="rect">
+            <a:avLst/>
+          </a:prstGeom>
+        </p:spPr>
+        <p:txBody>
+          <a:bodyPr lIns="0" rIns="0" tIns="0" bIns="0">
+            <a:normAutofit/>
+          </a:bodyPr>
+          <a:p>
+            <a:endParaRPr b="0" lang="en-GB" sz="3200" spc="-1" strike="noStrike">
+              <a:latin typeface="Arial"/>
+            </a:endParaRPr>
+          </a:p>
+        </p:txBody>
+      </p:sp>
+      <p:sp>
+        <p:nvSpPr>
+          <p:cNvPr id="451" name="PlaceHolder 3"/>
+          <p:cNvSpPr>
+            <a:spLocks noGrp="1"/>
+          </p:cNvSpPr>
+          <p:nvPr>
+            <p:ph type="body"/>
+          </p:nvPr>
+        </p:nvSpPr>
+        <p:spPr>
+          <a:xfrm>
+            <a:off x="3571560" y="1326600"/>
+            <a:ext cx="2921040" cy="1568520"/>
+          </a:xfrm>
+          <a:prstGeom prst="rect">
+            <a:avLst/>
+          </a:prstGeom>
+        </p:spPr>
+        <p:txBody>
+          <a:bodyPr lIns="0" rIns="0" tIns="0" bIns="0">
+            <a:normAutofit/>
+          </a:bodyPr>
+          <a:p>
+            <a:endParaRPr b="0" lang="en-GB" sz="3200" spc="-1" strike="noStrike">
+              <a:latin typeface="Arial"/>
+            </a:endParaRPr>
+          </a:p>
+        </p:txBody>
+      </p:sp>
+      <p:sp>
+        <p:nvSpPr>
+          <p:cNvPr id="452" name="PlaceHolder 4"/>
+          <p:cNvSpPr>
+            <a:spLocks noGrp="1"/>
+          </p:cNvSpPr>
+          <p:nvPr>
+            <p:ph type="body"/>
+          </p:nvPr>
+        </p:nvSpPr>
+        <p:spPr>
+          <a:xfrm>
+            <a:off x="6639120" y="1326600"/>
+            <a:ext cx="2921040" cy="1568520"/>
+          </a:xfrm>
+          <a:prstGeom prst="rect">
+            <a:avLst/>
+          </a:prstGeom>
+        </p:spPr>
+        <p:txBody>
+          <a:bodyPr lIns="0" rIns="0" tIns="0" bIns="0">
+            <a:normAutofit/>
+          </a:bodyPr>
+          <a:p>
+            <a:endParaRPr b="0" lang="en-GB" sz="3200" spc="-1" strike="noStrike">
+              <a:latin typeface="Arial"/>
+            </a:endParaRPr>
+          </a:p>
+        </p:txBody>
+      </p:sp>
+      <p:sp>
+        <p:nvSpPr>
+          <p:cNvPr id="453" name="PlaceHolder 5"/>
+          <p:cNvSpPr>
+            <a:spLocks noGrp="1"/>
+          </p:cNvSpPr>
+          <p:nvPr>
+            <p:ph type="body"/>
+          </p:nvPr>
+        </p:nvSpPr>
+        <p:spPr>
+          <a:xfrm>
+            <a:off x="504000" y="3044520"/>
+            <a:ext cx="2921040" cy="1568520"/>
+          </a:xfrm>
+          <a:prstGeom prst="rect">
+            <a:avLst/>
+          </a:prstGeom>
+        </p:spPr>
+        <p:txBody>
+          <a:bodyPr lIns="0" rIns="0" tIns="0" bIns="0">
+            <a:normAutofit/>
+          </a:bodyPr>
+          <a:p>
+            <a:endParaRPr b="0" lang="en-GB" sz="3200" spc="-1" strike="noStrike">
+              <a:latin typeface="Arial"/>
+            </a:endParaRPr>
+          </a:p>
+        </p:txBody>
+      </p:sp>
+      <p:sp>
+        <p:nvSpPr>
+          <p:cNvPr id="454" name="PlaceHolder 6"/>
+          <p:cNvSpPr>
+            <a:spLocks noGrp="1"/>
+          </p:cNvSpPr>
+          <p:nvPr>
+            <p:ph type="body"/>
+          </p:nvPr>
+        </p:nvSpPr>
+        <p:spPr>
+          <a:xfrm>
+            <a:off x="3571560" y="3044520"/>
+            <a:ext cx="2921040" cy="1568520"/>
+          </a:xfrm>
+          <a:prstGeom prst="rect">
+            <a:avLst/>
+          </a:prstGeom>
+        </p:spPr>
+        <p:txBody>
+          <a:bodyPr lIns="0" rIns="0" tIns="0" bIns="0">
+            <a:normAutofit/>
+          </a:bodyPr>
+          <a:p>
+            <a:endParaRPr b="0" lang="en-GB" sz="3200" spc="-1" strike="noStrike">
+              <a:latin typeface="Arial"/>
+            </a:endParaRPr>
+          </a:p>
+        </p:txBody>
+      </p:sp>
+      <p:sp>
+        <p:nvSpPr>
+          <p:cNvPr id="455" name="PlaceHolder 7"/>
+          <p:cNvSpPr>
+            <a:spLocks noGrp="1"/>
+          </p:cNvSpPr>
+          <p:nvPr>
+            <p:ph type="body"/>
+          </p:nvPr>
+        </p:nvSpPr>
+        <p:spPr>
+          <a:xfrm>
+            <a:off x="6639120" y="3044520"/>
+            <a:ext cx="2921040" cy="1568520"/>
+          </a:xfrm>
+          <a:prstGeom prst="rect">
+            <a:avLst/>
+          </a:prstGeom>
+        </p:spPr>
+        <p:txBody>
+          <a:bodyPr lIns="0" rIns="0" tIns="0" bIns="0">
+            <a:normAutofit/>
+          </a:bodyPr>
+          <a:p>
             <a:endParaRPr b="0" lang="en-GB" sz="3200" spc="-1" strike="noStrike">
               <a:latin typeface="Arial"/>
             </a:endParaRPr>
@@ -19414,7 +20983,7 @@
         <p:spPr>
           <a:xfrm>
             <a:off x="504000" y="226080"/>
-            <a:ext cx="9072000" cy="946440"/>
+            <a:ext cx="9071640" cy="946080"/>
           </a:xfrm>
           <a:prstGeom prst="rect">
             <a:avLst/>
@@ -19427,12 +20996,12 @@
           <a:p>
             <a:pPr algn="ctr"/>
             <a:r>
-              <a:rPr b="0" lang="en-GB" sz="4400" spc="-1" strike="noStrike">
+              <a:rPr b="0" lang="en-GB" sz="1800" spc="-1" strike="noStrike">
                 <a:latin typeface="Arial"/>
               </a:rPr>
               <a:t>Click to edit the title text format</a:t>
             </a:r>
-            <a:endParaRPr b="0" lang="en-GB" sz="4400" spc="-1" strike="noStrike">
+            <a:endParaRPr b="0" lang="en-GB" sz="1800" spc="-1" strike="noStrike">
               <a:latin typeface="Arial"/>
             </a:endParaRPr>
           </a:p>
@@ -19890,6 +21459,259 @@
 </p:sldMaster>
 </file>
 
+<file path=ppt/slideMasters/slideMaster12.xml><?xml version="1.0" encoding="utf-8"?>
+<p:sldMaster xmlns:a="http://schemas.openxmlformats.org/drawingml/2006/main" xmlns:p="http://schemas.openxmlformats.org/presentationml/2006/main" xmlns:r="http://schemas.openxmlformats.org/officeDocument/2006/relationships" xmlns:p14="http://schemas.microsoft.com/office/powerpoint/2010/main" xmlns:p15="http://schemas.microsoft.com/office/powerpoint/2012/main" xmlns:mc="http://schemas.openxmlformats.org/markup-compatibility/2006">
+  <p:cSld>
+    <p:spTree>
+      <p:nvGrpSpPr>
+        <p:cNvPr id="1" name=""/>
+        <p:cNvGrpSpPr/>
+        <p:nvPr/>
+      </p:nvGrpSpPr>
+      <p:grpSpPr>
+        <a:xfrm>
+          <a:off x="0" y="0"/>
+          <a:ext cx="0" cy="0"/>
+          <a:chOff x="0" y="0"/>
+          <a:chExt cx="0" cy="0"/>
+        </a:xfrm>
+      </p:grpSpPr>
+      <p:sp>
+        <p:nvSpPr>
+          <p:cNvPr id="418" name="PlaceHolder 1"/>
+          <p:cNvSpPr>
+            <a:spLocks noGrp="1"/>
+          </p:cNvSpPr>
+          <p:nvPr>
+            <p:ph type="title"/>
+          </p:nvPr>
+        </p:nvSpPr>
+        <p:spPr>
+          <a:xfrm>
+            <a:off x="504000" y="226080"/>
+            <a:ext cx="9072000" cy="946440"/>
+          </a:xfrm>
+          <a:prstGeom prst="rect">
+            <a:avLst/>
+          </a:prstGeom>
+        </p:spPr>
+        <p:txBody>
+          <a:bodyPr lIns="0" rIns="0" tIns="0" bIns="0" anchor="ctr">
+            <a:noAutofit/>
+          </a:bodyPr>
+          <a:p>
+            <a:pPr algn="ctr"/>
+            <a:r>
+              <a:rPr b="0" lang="en-GB" sz="4400" spc="-1" strike="noStrike">
+                <a:latin typeface="Arial"/>
+              </a:rPr>
+              <a:t>Click to edit the title text format</a:t>
+            </a:r>
+            <a:endParaRPr b="0" lang="en-GB" sz="4400" spc="-1" strike="noStrike">
+              <a:latin typeface="Arial"/>
+            </a:endParaRPr>
+          </a:p>
+        </p:txBody>
+      </p:sp>
+      <p:sp>
+        <p:nvSpPr>
+          <p:cNvPr id="419" name="PlaceHolder 2"/>
+          <p:cNvSpPr>
+            <a:spLocks noGrp="1"/>
+          </p:cNvSpPr>
+          <p:nvPr>
+            <p:ph type="body"/>
+          </p:nvPr>
+        </p:nvSpPr>
+        <p:spPr>
+          <a:xfrm>
+            <a:off x="504000" y="1326600"/>
+            <a:ext cx="9072000" cy="3288600"/>
+          </a:xfrm>
+          <a:prstGeom prst="rect">
+            <a:avLst/>
+          </a:prstGeom>
+        </p:spPr>
+        <p:txBody>
+          <a:bodyPr lIns="0" rIns="0" tIns="0" bIns="0">
+            <a:normAutofit/>
+          </a:bodyPr>
+          <a:p>
+            <a:pPr marL="432000" indent="-324000">
+              <a:spcBef>
+                <a:spcPts val="1417"/>
+              </a:spcBef>
+              <a:buClr>
+                <a:srgbClr val="000000"/>
+              </a:buClr>
+              <a:buSzPct val="45000"/>
+              <a:buFont typeface="Wingdings" charset="2"/>
+              <a:buChar char=""/>
+            </a:pPr>
+            <a:r>
+              <a:rPr b="0" lang="en-GB" sz="3200" spc="-1" strike="noStrike">
+                <a:latin typeface="Arial"/>
+              </a:rPr>
+              <a:t>Click to edit the outline text format</a:t>
+            </a:r>
+            <a:endParaRPr b="0" lang="en-GB" sz="3200" spc="-1" strike="noStrike">
+              <a:latin typeface="Arial"/>
+            </a:endParaRPr>
+          </a:p>
+          <a:p>
+            <a:pPr lvl="1" marL="864000" indent="-324000">
+              <a:spcBef>
+                <a:spcPts val="1134"/>
+              </a:spcBef>
+              <a:buClr>
+                <a:srgbClr val="000000"/>
+              </a:buClr>
+              <a:buSzPct val="75000"/>
+              <a:buFont typeface="Symbol" charset="2"/>
+              <a:buChar char=""/>
+            </a:pPr>
+            <a:r>
+              <a:rPr b="0" lang="en-GB" sz="2800" spc="-1" strike="noStrike">
+                <a:latin typeface="Arial"/>
+              </a:rPr>
+              <a:t>Second Outline Level</a:t>
+            </a:r>
+            <a:endParaRPr b="0" lang="en-GB" sz="2800" spc="-1" strike="noStrike">
+              <a:latin typeface="Arial"/>
+            </a:endParaRPr>
+          </a:p>
+          <a:p>
+            <a:pPr lvl="2" marL="1296000" indent="-288000">
+              <a:spcBef>
+                <a:spcPts val="850"/>
+              </a:spcBef>
+              <a:buClr>
+                <a:srgbClr val="000000"/>
+              </a:buClr>
+              <a:buSzPct val="45000"/>
+              <a:buFont typeface="Wingdings" charset="2"/>
+              <a:buChar char=""/>
+            </a:pPr>
+            <a:r>
+              <a:rPr b="0" lang="en-GB" sz="2400" spc="-1" strike="noStrike">
+                <a:latin typeface="Arial"/>
+              </a:rPr>
+              <a:t>Third Outline Level</a:t>
+            </a:r>
+            <a:endParaRPr b="0" lang="en-GB" sz="2400" spc="-1" strike="noStrike">
+              <a:latin typeface="Arial"/>
+            </a:endParaRPr>
+          </a:p>
+          <a:p>
+            <a:pPr lvl="3" marL="1728000" indent="-216000">
+              <a:spcBef>
+                <a:spcPts val="567"/>
+              </a:spcBef>
+              <a:buClr>
+                <a:srgbClr val="000000"/>
+              </a:buClr>
+              <a:buSzPct val="75000"/>
+              <a:buFont typeface="Symbol" charset="2"/>
+              <a:buChar char=""/>
+            </a:pPr>
+            <a:r>
+              <a:rPr b="0" lang="en-GB" sz="2000" spc="-1" strike="noStrike">
+                <a:latin typeface="Arial"/>
+              </a:rPr>
+              <a:t>Fourth Outline Level</a:t>
+            </a:r>
+            <a:endParaRPr b="0" lang="en-GB" sz="2000" spc="-1" strike="noStrike">
+              <a:latin typeface="Arial"/>
+            </a:endParaRPr>
+          </a:p>
+          <a:p>
+            <a:pPr lvl="4" marL="2160000" indent="-216000">
+              <a:spcBef>
+                <a:spcPts val="283"/>
+              </a:spcBef>
+              <a:buClr>
+                <a:srgbClr val="000000"/>
+              </a:buClr>
+              <a:buSzPct val="45000"/>
+              <a:buFont typeface="Wingdings" charset="2"/>
+              <a:buChar char=""/>
+            </a:pPr>
+            <a:r>
+              <a:rPr b="0" lang="en-GB" sz="2000" spc="-1" strike="noStrike">
+                <a:latin typeface="Arial"/>
+              </a:rPr>
+              <a:t>Fifth Outline Level</a:t>
+            </a:r>
+            <a:endParaRPr b="0" lang="en-GB" sz="2000" spc="-1" strike="noStrike">
+              <a:latin typeface="Arial"/>
+            </a:endParaRPr>
+          </a:p>
+          <a:p>
+            <a:pPr lvl="5" marL="2592000" indent="-216000">
+              <a:spcBef>
+                <a:spcPts val="283"/>
+              </a:spcBef>
+              <a:buClr>
+                <a:srgbClr val="000000"/>
+              </a:buClr>
+              <a:buSzPct val="45000"/>
+              <a:buFont typeface="Wingdings" charset="2"/>
+              <a:buChar char=""/>
+            </a:pPr>
+            <a:r>
+              <a:rPr b="0" lang="en-GB" sz="2000" spc="-1" strike="noStrike">
+                <a:latin typeface="Arial"/>
+              </a:rPr>
+              <a:t>Sixth Outline Level</a:t>
+            </a:r>
+            <a:endParaRPr b="0" lang="en-GB" sz="2000" spc="-1" strike="noStrike">
+              <a:latin typeface="Arial"/>
+            </a:endParaRPr>
+          </a:p>
+          <a:p>
+            <a:pPr lvl="6" marL="3024000" indent="-216000">
+              <a:spcBef>
+                <a:spcPts val="283"/>
+              </a:spcBef>
+              <a:buClr>
+                <a:srgbClr val="000000"/>
+              </a:buClr>
+              <a:buSzPct val="45000"/>
+              <a:buFont typeface="Wingdings" charset="2"/>
+              <a:buChar char=""/>
+            </a:pPr>
+            <a:r>
+              <a:rPr b="0" lang="en-GB" sz="2000" spc="-1" strike="noStrike">
+                <a:latin typeface="Arial"/>
+              </a:rPr>
+              <a:t>Seventh Outline Level</a:t>
+            </a:r>
+            <a:endParaRPr b="0" lang="en-GB" sz="2000" spc="-1" strike="noStrike">
+              <a:latin typeface="Arial"/>
+            </a:endParaRPr>
+          </a:p>
+        </p:txBody>
+      </p:sp>
+    </p:spTree>
+  </p:cSld>
+  <p:clrMap bg1="lt1" bg2="lt2" tx1="dk1" tx2="dk2" accent1="accent1" accent2="accent2" accent3="accent3" accent4="accent4" accent5="accent5" accent6="accent6" hlink="hlink" folHlink="folHlink"/>
+  <p:sldLayoutIdLst>
+    <p:sldLayoutId id="2147483792" r:id="rId2"/>
+    <p:sldLayoutId id="2147483793" r:id="rId3"/>
+    <p:sldLayoutId id="2147483794" r:id="rId4"/>
+    <p:sldLayoutId id="2147483795" r:id="rId5"/>
+    <p:sldLayoutId id="2147483796" r:id="rId6"/>
+    <p:sldLayoutId id="2147483797" r:id="rId7"/>
+    <p:sldLayoutId id="2147483798" r:id="rId8"/>
+    <p:sldLayoutId id="2147483799" r:id="rId9"/>
+    <p:sldLayoutId id="2147483800" r:id="rId10"/>
+    <p:sldLayoutId id="2147483801" r:id="rId11"/>
+    <p:sldLayoutId id="2147483802" r:id="rId12"/>
+    <p:sldLayoutId id="2147483803" r:id="rId13"/>
+  </p:sldLayoutIdLst>
+</p:sldMaster>
+</file>
+
 <file path=ppt/slideMasters/slideMaster2.xml><?xml version="1.0" encoding="utf-8"?>
 <p:sldMaster xmlns:a="http://schemas.openxmlformats.org/drawingml/2006/main" xmlns:p="http://schemas.openxmlformats.org/presentationml/2006/main" xmlns:r="http://schemas.openxmlformats.org/officeDocument/2006/relationships" xmlns:p14="http://schemas.microsoft.com/office/powerpoint/2010/main" xmlns:p15="http://schemas.microsoft.com/office/powerpoint/2012/main" xmlns:mc="http://schemas.openxmlformats.org/markup-compatibility/2006">
   <p:cSld>
@@ -21933,14 +23755,14 @@
       </p:grpSpPr>
       <p:sp>
         <p:nvSpPr>
-          <p:cNvPr id="424" name="CustomShape 1"/>
+          <p:cNvPr id="462" name="CustomShape 1"/>
           <p:cNvSpPr/>
           <p:nvPr/>
         </p:nvSpPr>
         <p:spPr>
           <a:xfrm>
             <a:off x="504000" y="226080"/>
-            <a:ext cx="9067680" cy="942480"/>
+            <a:ext cx="9066960" cy="941760"/>
           </a:xfrm>
           <a:prstGeom prst="rect">
             <a:avLst/>
@@ -21984,14 +23806,14 @@
       </p:sp>
       <p:sp>
         <p:nvSpPr>
-          <p:cNvPr id="425" name="CustomShape 2"/>
+          <p:cNvPr id="463" name="CustomShape 2"/>
           <p:cNvSpPr/>
           <p:nvPr/>
         </p:nvSpPr>
         <p:spPr>
           <a:xfrm>
             <a:off x="648000" y="4752000"/>
-            <a:ext cx="9067680" cy="860040"/>
+            <a:ext cx="9066960" cy="859320"/>
           </a:xfrm>
           <a:prstGeom prst="rect">
             <a:avLst/>
@@ -22035,7 +23857,7 @@
       </p:sp>
       <p:pic>
         <p:nvPicPr>
-          <p:cNvPr id="426" name="" descr=""/>
+          <p:cNvPr id="464" name="" descr=""/>
           <p:cNvPicPr/>
           <p:nvPr/>
         </p:nvPicPr>
@@ -22046,7 +23868,7 @@
         <p:spPr>
           <a:xfrm>
             <a:off x="1224000" y="1027080"/>
-            <a:ext cx="7340040" cy="3720960"/>
+            <a:ext cx="7339320" cy="3720240"/>
           </a:xfrm>
           <a:prstGeom prst="rect">
             <a:avLst/>
@@ -22088,14 +23910,14 @@
       </p:grpSpPr>
       <p:sp>
         <p:nvSpPr>
-          <p:cNvPr id="448" name="CustomShape 1"/>
+          <p:cNvPr id="486" name="CustomShape 1"/>
           <p:cNvSpPr/>
           <p:nvPr/>
         </p:nvSpPr>
         <p:spPr>
           <a:xfrm>
             <a:off x="504000" y="226080"/>
-            <a:ext cx="9067680" cy="942480"/>
+            <a:ext cx="9066960" cy="941760"/>
           </a:xfrm>
           <a:prstGeom prst="rect">
             <a:avLst/>
@@ -22139,14 +23961,14 @@
       </p:sp>
       <p:sp>
         <p:nvSpPr>
-          <p:cNvPr id="449" name="CustomShape 2"/>
+          <p:cNvPr id="487" name="CustomShape 2"/>
           <p:cNvSpPr/>
           <p:nvPr/>
         </p:nvSpPr>
         <p:spPr>
           <a:xfrm>
             <a:off x="648000" y="4896000"/>
-            <a:ext cx="9067680" cy="578880"/>
+            <a:ext cx="9066960" cy="578160"/>
           </a:xfrm>
           <a:prstGeom prst="rect">
             <a:avLst/>
@@ -22167,7 +23989,7 @@
             <a:normAutofit/>
           </a:bodyPr>
           <a:p>
-            <a:pPr marL="432000" indent="-320040">
+            <a:pPr marL="432000" indent="-319320">
               <a:lnSpc>
                 <a:spcPct val="100000"/>
               </a:lnSpc>
@@ -22199,7 +24021,7 @@
       </p:sp>
       <p:pic>
         <p:nvPicPr>
-          <p:cNvPr id="450" name="" descr=""/>
+          <p:cNvPr id="488" name="" descr=""/>
           <p:cNvPicPr/>
           <p:nvPr/>
         </p:nvPicPr>
@@ -22210,7 +24032,7 @@
         <p:spPr>
           <a:xfrm>
             <a:off x="1440000" y="952560"/>
-            <a:ext cx="7206840" cy="3939480"/>
+            <a:ext cx="7206120" cy="3938760"/>
           </a:xfrm>
           <a:prstGeom prst="rect">
             <a:avLst/>
@@ -22252,7 +24074,7 @@
       </p:grpSpPr>
       <p:pic>
         <p:nvPicPr>
-          <p:cNvPr id="451" name="" descr=""/>
+          <p:cNvPr id="489" name="" descr=""/>
           <p:cNvPicPr/>
           <p:nvPr/>
         </p:nvPicPr>
@@ -22263,7 +24085,7 @@
         <p:spPr>
           <a:xfrm>
             <a:off x="2160000" y="790200"/>
-            <a:ext cx="5252040" cy="4203000"/>
+            <a:ext cx="5251320" cy="4202280"/>
           </a:xfrm>
           <a:prstGeom prst="rect">
             <a:avLst/>
@@ -22275,14 +24097,14 @@
       </p:pic>
       <p:sp>
         <p:nvSpPr>
-          <p:cNvPr id="452" name="CustomShape 1"/>
+          <p:cNvPr id="490" name="CustomShape 1"/>
           <p:cNvSpPr/>
           <p:nvPr/>
         </p:nvSpPr>
         <p:spPr>
           <a:xfrm>
             <a:off x="504000" y="226080"/>
-            <a:ext cx="9067680" cy="942480"/>
+            <a:ext cx="9066960" cy="941760"/>
           </a:xfrm>
           <a:prstGeom prst="rect">
             <a:avLst/>
@@ -22326,14 +24148,14 @@
       </p:sp>
       <p:sp>
         <p:nvSpPr>
-          <p:cNvPr id="453" name="CustomShape 2"/>
+          <p:cNvPr id="491" name="CustomShape 2"/>
           <p:cNvSpPr/>
           <p:nvPr/>
         </p:nvSpPr>
         <p:spPr>
           <a:xfrm>
             <a:off x="504000" y="4961160"/>
-            <a:ext cx="9067680" cy="506880"/>
+            <a:ext cx="9066960" cy="506160"/>
           </a:xfrm>
           <a:prstGeom prst="rect">
             <a:avLst/>
@@ -22354,7 +24176,7 @@
             <a:normAutofit/>
           </a:bodyPr>
           <a:p>
-            <a:pPr marL="432000" indent="-320040">
+            <a:pPr marL="432000" indent="-319320">
               <a:lnSpc>
                 <a:spcPct val="100000"/>
               </a:lnSpc>
@@ -22416,14 +24238,14 @@
       </p:grpSpPr>
       <p:sp>
         <p:nvSpPr>
-          <p:cNvPr id="454" name="CustomShape 1"/>
+          <p:cNvPr id="492" name="CustomShape 1"/>
           <p:cNvSpPr/>
           <p:nvPr/>
         </p:nvSpPr>
         <p:spPr>
           <a:xfrm>
             <a:off x="504000" y="226080"/>
-            <a:ext cx="9067680" cy="942480"/>
+            <a:ext cx="9066960" cy="941760"/>
           </a:xfrm>
           <a:prstGeom prst="rect">
             <a:avLst/>
@@ -22467,14 +24289,14 @@
       </p:sp>
       <p:sp>
         <p:nvSpPr>
-          <p:cNvPr id="455" name="CustomShape 2"/>
+          <p:cNvPr id="493" name="CustomShape 2"/>
           <p:cNvSpPr/>
           <p:nvPr/>
         </p:nvSpPr>
         <p:spPr>
           <a:xfrm>
             <a:off x="504000" y="5040000"/>
-            <a:ext cx="9067680" cy="434880"/>
+            <a:ext cx="9066960" cy="434160"/>
           </a:xfrm>
           <a:prstGeom prst="rect">
             <a:avLst/>
@@ -22495,7 +24317,7 @@
             <a:normAutofit/>
           </a:bodyPr>
           <a:p>
-            <a:pPr marL="432000" indent="-320040">
+            <a:pPr marL="432000" indent="-319320">
               <a:lnSpc>
                 <a:spcPct val="100000"/>
               </a:lnSpc>
@@ -22527,7 +24349,7 @@
       </p:sp>
       <p:pic>
         <p:nvPicPr>
-          <p:cNvPr id="456" name="" descr=""/>
+          <p:cNvPr id="494" name="" descr=""/>
           <p:cNvPicPr/>
           <p:nvPr/>
         </p:nvPicPr>
@@ -22538,7 +24360,7 @@
         <p:spPr>
           <a:xfrm>
             <a:off x="2520000" y="1008000"/>
-            <a:ext cx="5252040" cy="3939120"/>
+            <a:ext cx="5251320" cy="3938400"/>
           </a:xfrm>
           <a:prstGeom prst="rect">
             <a:avLst/>
@@ -22580,14 +24402,14 @@
       </p:grpSpPr>
       <p:sp>
         <p:nvSpPr>
-          <p:cNvPr id="457" name="CustomShape 1"/>
+          <p:cNvPr id="495" name="CustomShape 1"/>
           <p:cNvSpPr/>
           <p:nvPr/>
         </p:nvSpPr>
         <p:spPr>
           <a:xfrm>
             <a:off x="504000" y="226080"/>
-            <a:ext cx="9067680" cy="942480"/>
+            <a:ext cx="9066960" cy="941760"/>
           </a:xfrm>
           <a:prstGeom prst="rect">
             <a:avLst/>
@@ -22631,14 +24453,14 @@
       </p:sp>
       <p:sp>
         <p:nvSpPr>
-          <p:cNvPr id="458" name="CustomShape 2"/>
+          <p:cNvPr id="496" name="CustomShape 2"/>
           <p:cNvSpPr/>
           <p:nvPr/>
         </p:nvSpPr>
         <p:spPr>
           <a:xfrm>
             <a:off x="432360" y="4968000"/>
-            <a:ext cx="9067680" cy="434880"/>
+            <a:ext cx="9066960" cy="434160"/>
           </a:xfrm>
           <a:prstGeom prst="rect">
             <a:avLst/>
@@ -22659,7 +24481,7 @@
             <a:normAutofit/>
           </a:bodyPr>
           <a:p>
-            <a:pPr marL="432000" indent="-320040">
+            <a:pPr marL="432000" indent="-319320">
               <a:lnSpc>
                 <a:spcPct val="100000"/>
               </a:lnSpc>
@@ -22691,7 +24513,7 @@
       </p:sp>
       <p:pic>
         <p:nvPicPr>
-          <p:cNvPr id="459" name="" descr=""/>
+          <p:cNvPr id="497" name="" descr=""/>
           <p:cNvPicPr/>
           <p:nvPr/>
         </p:nvPicPr>
@@ -22702,7 +24524,7 @@
         <p:spPr>
           <a:xfrm>
             <a:off x="1289880" y="1039680"/>
-            <a:ext cx="7670160" cy="3888360"/>
+            <a:ext cx="7669440" cy="3887640"/>
           </a:xfrm>
           <a:prstGeom prst="rect">
             <a:avLst/>
@@ -22744,14 +24566,14 @@
       </p:grpSpPr>
       <p:sp>
         <p:nvSpPr>
-          <p:cNvPr id="460" name="CustomShape 1"/>
+          <p:cNvPr id="498" name="CustomShape 1"/>
           <p:cNvSpPr/>
           <p:nvPr/>
         </p:nvSpPr>
         <p:spPr>
           <a:xfrm>
             <a:off x="504000" y="226080"/>
-            <a:ext cx="9069840" cy="944280"/>
+            <a:ext cx="9069120" cy="943560"/>
           </a:xfrm>
           <a:prstGeom prst="rect">
             <a:avLst/>
@@ -22795,14 +24617,14 @@
       </p:sp>
       <p:sp>
         <p:nvSpPr>
-          <p:cNvPr id="461" name="CustomShape 2"/>
+          <p:cNvPr id="499" name="CustomShape 2"/>
           <p:cNvSpPr/>
           <p:nvPr/>
         </p:nvSpPr>
         <p:spPr>
           <a:xfrm>
             <a:off x="504000" y="1326600"/>
-            <a:ext cx="9071280" cy="3287880"/>
+            <a:ext cx="9070560" cy="3287160"/>
           </a:xfrm>
           <a:prstGeom prst="rect">
             <a:avLst/>
@@ -22823,7 +24645,7 @@
             <a:normAutofit fontScale="91000"/>
           </a:bodyPr>
           <a:p>
-            <a:pPr marL="432000" indent="-323280">
+            <a:pPr marL="432000" indent="-322560">
               <a:lnSpc>
                 <a:spcPct val="100000"/>
               </a:lnSpc>
@@ -22852,7 +24674,7 @@
             </a:endParaRPr>
           </a:p>
           <a:p>
-            <a:pPr marL="432000" indent="-323280">
+            <a:pPr marL="432000" indent="-322560">
               <a:lnSpc>
                 <a:spcPct val="100000"/>
               </a:lnSpc>
@@ -22881,7 +24703,7 @@
             </a:endParaRPr>
           </a:p>
           <a:p>
-            <a:pPr marL="432000" indent="-323280">
+            <a:pPr marL="432000" indent="-322560">
               <a:lnSpc>
                 <a:spcPct val="100000"/>
               </a:lnSpc>
@@ -22950,7 +24772,7 @@
             </a:endParaRPr>
           </a:p>
           <a:p>
-            <a:pPr marL="432000" indent="-323280">
+            <a:pPr marL="432000" indent="-322560">
               <a:lnSpc>
                 <a:spcPct val="100000"/>
               </a:lnSpc>
@@ -22979,7 +24801,7 @@
             </a:endParaRPr>
           </a:p>
           <a:p>
-            <a:pPr marL="432000" indent="-323280">
+            <a:pPr marL="432000" indent="-322560">
               <a:lnSpc>
                 <a:spcPct val="100000"/>
               </a:lnSpc>
@@ -23008,7 +24830,7 @@
             </a:endParaRPr>
           </a:p>
           <a:p>
-            <a:pPr marL="432000" indent="-323280">
+            <a:pPr marL="432000" indent="-322560">
               <a:lnSpc>
                 <a:spcPct val="100000"/>
               </a:lnSpc>
@@ -23047,7 +24869,7 @@
             </a:endParaRPr>
           </a:p>
           <a:p>
-            <a:pPr marL="432000" indent="-323280">
+            <a:pPr marL="432000" indent="-322560">
               <a:lnSpc>
                 <a:spcPct val="100000"/>
               </a:lnSpc>
@@ -23076,7 +24898,7 @@
             </a:endParaRPr>
           </a:p>
           <a:p>
-            <a:pPr marL="432000" indent="-323280">
+            <a:pPr marL="432000" indent="-322560">
               <a:lnSpc>
                 <a:spcPct val="100000"/>
               </a:lnSpc>
@@ -23107,7 +24929,7 @@
             </a:endParaRPr>
           </a:p>
           <a:p>
-            <a:pPr marL="432000" indent="-323280">
+            <a:pPr marL="432000" indent="-322560">
               <a:lnSpc>
                 <a:spcPct val="100000"/>
               </a:lnSpc>
@@ -23169,14 +24991,14 @@
       </p:grpSpPr>
       <p:sp>
         <p:nvSpPr>
-          <p:cNvPr id="462" name="CustomShape 1"/>
+          <p:cNvPr id="500" name="CustomShape 1"/>
           <p:cNvSpPr/>
           <p:nvPr/>
         </p:nvSpPr>
         <p:spPr>
           <a:xfrm>
             <a:off x="504000" y="226080"/>
-            <a:ext cx="9070200" cy="944640"/>
+            <a:ext cx="9069480" cy="943920"/>
           </a:xfrm>
           <a:prstGeom prst="rect">
             <a:avLst/>
@@ -23220,14 +25042,14 @@
       </p:sp>
       <p:sp>
         <p:nvSpPr>
-          <p:cNvPr id="463" name="CustomShape 2"/>
+          <p:cNvPr id="501" name="CustomShape 2"/>
           <p:cNvSpPr/>
           <p:nvPr/>
         </p:nvSpPr>
         <p:spPr>
           <a:xfrm>
             <a:off x="504000" y="1326600"/>
-            <a:ext cx="9071280" cy="3287880"/>
+            <a:ext cx="9070560" cy="3287160"/>
           </a:xfrm>
           <a:prstGeom prst="rect">
             <a:avLst/>
@@ -23248,7 +25070,7 @@
             <a:normAutofit/>
           </a:bodyPr>
           <a:p>
-            <a:pPr marL="432000" indent="-323280">
+            <a:pPr marL="432000" indent="-322560">
               <a:lnSpc>
                 <a:spcPct val="100000"/>
               </a:lnSpc>
@@ -23277,7 +25099,7 @@
             </a:endParaRPr>
           </a:p>
           <a:p>
-            <a:pPr marL="432000" indent="-323280">
+            <a:pPr marL="432000" indent="-322560">
               <a:lnSpc>
                 <a:spcPct val="100000"/>
               </a:lnSpc>
@@ -23316,7 +25138,7 @@
             </a:endParaRPr>
           </a:p>
           <a:p>
-            <a:pPr marL="432000" indent="-323280">
+            <a:pPr marL="432000" indent="-322560">
               <a:lnSpc>
                 <a:spcPct val="100000"/>
               </a:lnSpc>
@@ -23345,7 +25167,7 @@
             </a:endParaRPr>
           </a:p>
           <a:p>
-            <a:pPr marL="432000" indent="-323280">
+            <a:pPr marL="432000" indent="-322560">
               <a:lnSpc>
                 <a:spcPct val="100000"/>
               </a:lnSpc>
@@ -23374,7 +25196,7 @@
             </a:endParaRPr>
           </a:p>
           <a:p>
-            <a:pPr marL="432000" indent="-323280">
+            <a:pPr marL="432000" indent="-322560">
               <a:lnSpc>
                 <a:spcPct val="100000"/>
               </a:lnSpc>
@@ -23403,7 +25225,7 @@
             </a:endParaRPr>
           </a:p>
           <a:p>
-            <a:pPr marL="432000" indent="-323280">
+            <a:pPr marL="432000" indent="-322560">
               <a:lnSpc>
                 <a:spcPct val="100000"/>
               </a:lnSpc>
@@ -23442,7 +25264,7 @@
             </a:endParaRPr>
           </a:p>
           <a:p>
-            <a:pPr marL="432000" indent="-323280">
+            <a:pPr marL="432000" indent="-322560">
               <a:lnSpc>
                 <a:spcPct val="100000"/>
               </a:lnSpc>
@@ -23471,7 +25293,7 @@
             </a:endParaRPr>
           </a:p>
           <a:p>
-            <a:pPr marL="432000" indent="-323280">
+            <a:pPr marL="432000" indent="-322560">
               <a:lnSpc>
                 <a:spcPct val="100000"/>
               </a:lnSpc>
@@ -23494,6 +25316,35 @@
                 <a:ea typeface="Arial"/>
               </a:rPr>
               <a:t>P channel MOSFET =&gt; 58°C, added heatsink =&gt; 38°C (both 3.3A).</a:t>
+            </a:r>
+            <a:endParaRPr b="0" lang="en-GB" sz="1400" spc="-1" strike="noStrike">
+              <a:latin typeface="Arial"/>
+            </a:endParaRPr>
+          </a:p>
+          <a:p>
+            <a:pPr marL="432000" indent="-322560">
+              <a:lnSpc>
+                <a:spcPct val="100000"/>
+              </a:lnSpc>
+              <a:spcBef>
+                <a:spcPts val="1417"/>
+              </a:spcBef>
+              <a:buClr>
+                <a:srgbClr val="000000"/>
+              </a:buClr>
+              <a:buSzPct val="45000"/>
+              <a:buFont typeface="Wingdings" charset="2"/>
+              <a:buChar char=""/>
+            </a:pPr>
+            <a:r>
+              <a:rPr b="0" lang="en-GB" sz="1400" spc="-1" strike="noStrike">
+                <a:solidFill>
+                  <a:srgbClr val="000000"/>
+                </a:solidFill>
+                <a:latin typeface="Arial"/>
+                <a:ea typeface="Arial"/>
+              </a:rPr>
+              <a:t>Noticed that LEDs flash on power up or reset</a:t>
             </a:r>
             <a:endParaRPr b="0" lang="en-GB" sz="1400" spc="-1" strike="noStrike">
               <a:latin typeface="Arial"/>
@@ -23533,14 +25384,14 @@
       </p:grpSpPr>
       <p:sp>
         <p:nvSpPr>
-          <p:cNvPr id="464" name="CustomShape 1"/>
+          <p:cNvPr id="502" name="CustomShape 1"/>
           <p:cNvSpPr/>
           <p:nvPr/>
         </p:nvSpPr>
         <p:spPr>
           <a:xfrm>
             <a:off x="504000" y="226080"/>
-            <a:ext cx="9069840" cy="944280"/>
+            <a:ext cx="9069120" cy="943560"/>
           </a:xfrm>
           <a:prstGeom prst="rect">
             <a:avLst/>
@@ -23584,7 +25435,7 @@
       </p:sp>
       <p:pic>
         <p:nvPicPr>
-          <p:cNvPr id="465" name="" descr=""/>
+          <p:cNvPr id="503" name="" descr=""/>
           <p:cNvPicPr/>
           <p:nvPr/>
         </p:nvPicPr>
@@ -23595,7 +25446,7 @@
         <p:spPr>
           <a:xfrm>
             <a:off x="1224000" y="1008000"/>
-            <a:ext cx="7568280" cy="4332600"/>
+            <a:ext cx="7567560" cy="4331880"/>
           </a:xfrm>
           <a:prstGeom prst="rect">
             <a:avLst/>
@@ -23637,7 +25488,7 @@
       </p:grpSpPr>
       <p:pic>
         <p:nvPicPr>
-          <p:cNvPr id="466" name="" descr=""/>
+          <p:cNvPr id="504" name="" descr=""/>
           <p:cNvPicPr/>
           <p:nvPr/>
         </p:nvPicPr>
@@ -23648,7 +25499,7 @@
         <p:spPr>
           <a:xfrm>
             <a:off x="2664000" y="2987640"/>
-            <a:ext cx="7199280" cy="2320920"/>
+            <a:ext cx="7198560" cy="2320200"/>
           </a:xfrm>
           <a:prstGeom prst="rect">
             <a:avLst/>
@@ -23660,14 +25511,14 @@
       </p:pic>
       <p:sp>
         <p:nvSpPr>
-          <p:cNvPr id="467" name="CustomShape 1"/>
+          <p:cNvPr id="505" name="CustomShape 1"/>
           <p:cNvSpPr/>
           <p:nvPr/>
         </p:nvSpPr>
         <p:spPr>
           <a:xfrm>
             <a:off x="504000" y="226080"/>
-            <a:ext cx="9071280" cy="945720"/>
+            <a:ext cx="9070560" cy="945000"/>
           </a:xfrm>
           <a:prstGeom prst="rect">
             <a:avLst/>
@@ -23711,14 +25562,14 @@
       </p:sp>
       <p:sp>
         <p:nvSpPr>
-          <p:cNvPr id="468" name="CustomShape 2"/>
+          <p:cNvPr id="506" name="CustomShape 2"/>
           <p:cNvSpPr/>
           <p:nvPr/>
         </p:nvSpPr>
         <p:spPr>
           <a:xfrm>
             <a:off x="504000" y="1326600"/>
-            <a:ext cx="7055280" cy="2632680"/>
+            <a:ext cx="7054560" cy="2631960"/>
           </a:xfrm>
           <a:prstGeom prst="rect">
             <a:avLst/>
@@ -23739,7 +25590,7 @@
             <a:normAutofit/>
           </a:bodyPr>
           <a:p>
-            <a:pPr marL="432000" indent="-323280">
+            <a:pPr marL="432000" indent="-322560">
               <a:lnSpc>
                 <a:spcPct val="100000"/>
               </a:lnSpc>
@@ -23778,7 +25629,7 @@
             </a:endParaRPr>
           </a:p>
           <a:p>
-            <a:pPr marL="432000" indent="-323280">
+            <a:pPr marL="432000" indent="-322560">
               <a:lnSpc>
                 <a:spcPct val="100000"/>
               </a:lnSpc>
@@ -23807,7 +25658,7 @@
             </a:endParaRPr>
           </a:p>
           <a:p>
-            <a:pPr marL="432000" indent="-323280">
+            <a:pPr marL="432000" indent="-322560">
               <a:lnSpc>
                 <a:spcPct val="100000"/>
               </a:lnSpc>
@@ -23836,7 +25687,7 @@
             </a:endParaRPr>
           </a:p>
           <a:p>
-            <a:pPr marL="432000" indent="-323280">
+            <a:pPr marL="432000" indent="-322560">
               <a:lnSpc>
                 <a:spcPct val="100000"/>
               </a:lnSpc>
@@ -23865,7 +25716,7 @@
             </a:endParaRPr>
           </a:p>
           <a:p>
-            <a:pPr marL="432000" indent="-323280">
+            <a:pPr marL="432000" indent="-322560">
               <a:lnSpc>
                 <a:spcPct val="100000"/>
               </a:lnSpc>
@@ -23897,7 +25748,7 @@
       </p:sp>
       <p:pic>
         <p:nvPicPr>
-          <p:cNvPr id="469" name="" descr=""/>
+          <p:cNvPr id="507" name="" descr=""/>
           <p:cNvPicPr/>
           <p:nvPr/>
         </p:nvPicPr>
@@ -23908,7 +25759,7 @@
         <p:spPr>
           <a:xfrm>
             <a:off x="144000" y="4248000"/>
-            <a:ext cx="1301400" cy="1295280"/>
+            <a:ext cx="1300680" cy="1294560"/>
           </a:xfrm>
           <a:prstGeom prst="rect">
             <a:avLst/>
@@ -23920,7 +25771,7 @@
       </p:pic>
       <p:pic>
         <p:nvPicPr>
-          <p:cNvPr id="470" name="" descr=""/>
+          <p:cNvPr id="508" name="" descr=""/>
           <p:cNvPicPr/>
           <p:nvPr/>
         </p:nvPicPr>
@@ -23931,7 +25782,7 @@
         <p:spPr>
           <a:xfrm>
             <a:off x="6120000" y="264240"/>
-            <a:ext cx="3758040" cy="1895040"/>
+            <a:ext cx="3757320" cy="1894320"/>
           </a:xfrm>
           <a:prstGeom prst="rect">
             <a:avLst/>
@@ -23973,14 +25824,14 @@
       </p:grpSpPr>
       <p:sp>
         <p:nvSpPr>
-          <p:cNvPr id="471" name="CustomShape 1"/>
+          <p:cNvPr id="509" name="CustomShape 1"/>
           <p:cNvSpPr/>
           <p:nvPr/>
         </p:nvSpPr>
         <p:spPr>
           <a:xfrm>
             <a:off x="504000" y="226080"/>
-            <a:ext cx="9069120" cy="943560"/>
+            <a:ext cx="9068400" cy="942840"/>
           </a:xfrm>
           <a:prstGeom prst="rect">
             <a:avLst/>
@@ -24024,7 +25875,7 @@
       </p:sp>
       <p:pic>
         <p:nvPicPr>
-          <p:cNvPr id="472" name="" descr=""/>
+          <p:cNvPr id="510" name="" descr=""/>
           <p:cNvPicPr/>
           <p:nvPr/>
         </p:nvPicPr>
@@ -24035,7 +25886,7 @@
         <p:spPr>
           <a:xfrm>
             <a:off x="2088000" y="991440"/>
-            <a:ext cx="5181120" cy="4549680"/>
+            <a:ext cx="5180400" cy="4548960"/>
           </a:xfrm>
           <a:prstGeom prst="rect">
             <a:avLst/>
@@ -24077,14 +25928,14 @@
       </p:grpSpPr>
       <p:sp>
         <p:nvSpPr>
-          <p:cNvPr id="473" name="CustomShape 1"/>
+          <p:cNvPr id="511" name="CustomShape 1"/>
           <p:cNvSpPr/>
           <p:nvPr/>
         </p:nvSpPr>
         <p:spPr>
           <a:xfrm>
             <a:off x="504000" y="226080"/>
-            <a:ext cx="9069120" cy="943560"/>
+            <a:ext cx="9068400" cy="942840"/>
           </a:xfrm>
           <a:prstGeom prst="rect">
             <a:avLst/>
@@ -24128,7 +25979,7 @@
       </p:sp>
       <p:pic>
         <p:nvPicPr>
-          <p:cNvPr id="474" name="" descr=""/>
+          <p:cNvPr id="512" name="" descr=""/>
           <p:cNvPicPr/>
           <p:nvPr/>
         </p:nvPicPr>
@@ -24139,7 +25990,7 @@
         <p:spPr>
           <a:xfrm>
             <a:off x="1368000" y="1008000"/>
-            <a:ext cx="6985440" cy="4348440"/>
+            <a:ext cx="6984720" cy="4347720"/>
           </a:xfrm>
           <a:prstGeom prst="rect">
             <a:avLst/>
@@ -24181,14 +26032,14 @@
       </p:grpSpPr>
       <p:sp>
         <p:nvSpPr>
-          <p:cNvPr id="427" name="CustomShape 1"/>
+          <p:cNvPr id="465" name="CustomShape 1"/>
           <p:cNvSpPr/>
           <p:nvPr/>
         </p:nvSpPr>
         <p:spPr>
           <a:xfrm>
             <a:off x="504000" y="226080"/>
-            <a:ext cx="9067680" cy="942480"/>
+            <a:ext cx="9066960" cy="941760"/>
           </a:xfrm>
           <a:prstGeom prst="rect">
             <a:avLst/>
@@ -24232,14 +26083,14 @@
       </p:sp>
       <p:sp>
         <p:nvSpPr>
-          <p:cNvPr id="428" name="CustomShape 2"/>
+          <p:cNvPr id="466" name="CustomShape 2"/>
           <p:cNvSpPr/>
           <p:nvPr/>
         </p:nvSpPr>
         <p:spPr>
           <a:xfrm>
             <a:off x="576360" y="4500000"/>
-            <a:ext cx="9067680" cy="716040"/>
+            <a:ext cx="9066960" cy="715320"/>
           </a:xfrm>
           <a:prstGeom prst="rect">
             <a:avLst/>
@@ -24260,7 +26111,7 @@
             <a:normAutofit/>
           </a:bodyPr>
           <a:p>
-            <a:pPr marL="432000" indent="-320040">
+            <a:pPr marL="432000" indent="-319320">
               <a:lnSpc>
                 <a:spcPct val="100000"/>
               </a:lnSpc>
@@ -24292,7 +26143,7 @@
       </p:sp>
       <p:pic>
         <p:nvPicPr>
-          <p:cNvPr id="429" name="" descr=""/>
+          <p:cNvPr id="467" name="" descr=""/>
           <p:cNvPicPr/>
           <p:nvPr/>
         </p:nvPicPr>
@@ -24303,7 +26154,7 @@
         <p:spPr>
           <a:xfrm>
             <a:off x="2476800" y="1069560"/>
-            <a:ext cx="5007240" cy="3048120"/>
+            <a:ext cx="5006520" cy="3047400"/>
           </a:xfrm>
           <a:prstGeom prst="rect">
             <a:avLst/>
@@ -24345,14 +26196,14 @@
       </p:grpSpPr>
       <p:sp>
         <p:nvSpPr>
-          <p:cNvPr id="475" name="CustomShape 1"/>
+          <p:cNvPr id="513" name="CustomShape 1"/>
           <p:cNvSpPr/>
           <p:nvPr/>
         </p:nvSpPr>
         <p:spPr>
           <a:xfrm>
             <a:off x="504000" y="226080"/>
-            <a:ext cx="9069120" cy="943560"/>
+            <a:ext cx="9068400" cy="942840"/>
           </a:xfrm>
           <a:prstGeom prst="rect">
             <a:avLst/>
@@ -24396,14 +26247,14 @@
       </p:sp>
       <p:sp>
         <p:nvSpPr>
-          <p:cNvPr id="476" name="CustomShape 2"/>
+          <p:cNvPr id="514" name="CustomShape 2"/>
           <p:cNvSpPr/>
           <p:nvPr/>
         </p:nvSpPr>
         <p:spPr>
           <a:xfrm>
             <a:off x="1440000" y="1080000"/>
-            <a:ext cx="7125480" cy="3752280"/>
+            <a:ext cx="7124760" cy="3751560"/>
           </a:xfrm>
           <a:prstGeom prst="rect">
             <a:avLst/>
@@ -25277,14 +27128,14 @@
       </p:grpSpPr>
       <p:sp>
         <p:nvSpPr>
-          <p:cNvPr id="477" name="CustomShape 1"/>
+          <p:cNvPr id="515" name="CustomShape 1"/>
           <p:cNvSpPr/>
           <p:nvPr/>
         </p:nvSpPr>
         <p:spPr>
           <a:xfrm>
             <a:off x="504000" y="226080"/>
-            <a:ext cx="9069120" cy="943560"/>
+            <a:ext cx="9068400" cy="942840"/>
           </a:xfrm>
           <a:prstGeom prst="rect">
             <a:avLst/>
@@ -25328,7 +27179,7 @@
       </p:sp>
       <p:pic>
         <p:nvPicPr>
-          <p:cNvPr id="478" name="" descr=""/>
+          <p:cNvPr id="516" name="" descr=""/>
           <p:cNvPicPr/>
           <p:nvPr/>
         </p:nvPicPr>
@@ -25339,7 +27190,7 @@
         <p:spPr>
           <a:xfrm>
             <a:off x="986400" y="936000"/>
-            <a:ext cx="8227080" cy="4563000"/>
+            <a:ext cx="8226360" cy="4562280"/>
           </a:xfrm>
           <a:prstGeom prst="rect">
             <a:avLst/>
@@ -25381,14 +27232,14 @@
       </p:grpSpPr>
       <p:sp>
         <p:nvSpPr>
-          <p:cNvPr id="479" name="CustomShape 1"/>
+          <p:cNvPr id="517" name="CustomShape 1"/>
           <p:cNvSpPr/>
           <p:nvPr/>
         </p:nvSpPr>
         <p:spPr>
           <a:xfrm>
             <a:off x="504000" y="226080"/>
-            <a:ext cx="9069120" cy="943560"/>
+            <a:ext cx="9068400" cy="942840"/>
           </a:xfrm>
           <a:prstGeom prst="rect">
             <a:avLst/>
@@ -25432,7 +27283,7 @@
       </p:sp>
       <p:pic>
         <p:nvPicPr>
-          <p:cNvPr id="480" name="" descr=""/>
+          <p:cNvPr id="518" name="" descr=""/>
           <p:cNvPicPr/>
           <p:nvPr/>
         </p:nvPicPr>
@@ -25443,7 +27294,7 @@
         <p:spPr>
           <a:xfrm>
             <a:off x="2033640" y="1584000"/>
-            <a:ext cx="6027840" cy="2497320"/>
+            <a:ext cx="6027120" cy="2496600"/>
           </a:xfrm>
           <a:prstGeom prst="rect">
             <a:avLst/>
@@ -25485,14 +27336,14 @@
       </p:grpSpPr>
       <p:sp>
         <p:nvSpPr>
-          <p:cNvPr id="481" name="CustomShape 1"/>
+          <p:cNvPr id="519" name="CustomShape 1"/>
           <p:cNvSpPr/>
           <p:nvPr/>
         </p:nvSpPr>
         <p:spPr>
           <a:xfrm>
             <a:off x="504000" y="226080"/>
-            <a:ext cx="9069120" cy="943560"/>
+            <a:ext cx="9068400" cy="942840"/>
           </a:xfrm>
           <a:prstGeom prst="rect">
             <a:avLst/>
@@ -25536,7 +27387,7 @@
       </p:sp>
       <p:pic>
         <p:nvPicPr>
-          <p:cNvPr id="482" name="" descr=""/>
+          <p:cNvPr id="520" name="" descr=""/>
           <p:cNvPicPr/>
           <p:nvPr/>
         </p:nvPicPr>
@@ -25547,7 +27398,7 @@
         <p:spPr>
           <a:xfrm>
             <a:off x="2736000" y="1008000"/>
-            <a:ext cx="4615920" cy="4533480"/>
+            <a:ext cx="4615200" cy="4532760"/>
           </a:xfrm>
           <a:prstGeom prst="rect">
             <a:avLst/>
@@ -25589,14 +27440,14 @@
       </p:grpSpPr>
       <p:sp>
         <p:nvSpPr>
-          <p:cNvPr id="483" name="CustomShape 1"/>
+          <p:cNvPr id="521" name="CustomShape 1"/>
           <p:cNvSpPr/>
           <p:nvPr/>
         </p:nvSpPr>
         <p:spPr>
           <a:xfrm>
             <a:off x="504000" y="226080"/>
-            <a:ext cx="9070200" cy="637200"/>
+            <a:ext cx="9069480" cy="636480"/>
           </a:xfrm>
           <a:prstGeom prst="rect">
             <a:avLst/>
@@ -25640,7 +27491,7 @@
       </p:sp>
       <p:pic>
         <p:nvPicPr>
-          <p:cNvPr id="484" name="" descr=""/>
+          <p:cNvPr id="522" name="" descr=""/>
           <p:cNvPicPr/>
           <p:nvPr/>
         </p:nvPicPr>
@@ -25651,7 +27502,7 @@
         <p:spPr>
           <a:xfrm>
             <a:off x="1800000" y="864000"/>
-            <a:ext cx="6623280" cy="4668840"/>
+            <a:ext cx="6622560" cy="4668120"/>
           </a:xfrm>
           <a:prstGeom prst="rect">
             <a:avLst/>
@@ -25691,6 +27542,76 @@
           <a:chExt cx="0" cy="0"/>
         </a:xfrm>
       </p:grpSpPr>
+      <p:sp>
+        <p:nvSpPr>
+          <p:cNvPr id="523" name="CustomShape 1"/>
+          <p:cNvSpPr/>
+          <p:nvPr/>
+        </p:nvSpPr>
+        <p:spPr>
+          <a:xfrm>
+            <a:off x="504000" y="226080"/>
+            <a:ext cx="9071640" cy="946080"/>
+          </a:xfrm>
+          <a:prstGeom prst="rect">
+            <a:avLst/>
+          </a:prstGeom>
+          <a:noFill/>
+          <a:ln>
+            <a:noFill/>
+          </a:ln>
+        </p:spPr>
+        <p:style>
+          <a:lnRef idx="0"/>
+          <a:fillRef idx="0"/>
+          <a:effectRef idx="0"/>
+          <a:fontRef idx="minor"/>
+        </p:style>
+        <p:txBody>
+          <a:bodyPr lIns="0" rIns="0" tIns="0" bIns="0" anchor="ctr">
+            <a:noAutofit/>
+          </a:bodyPr>
+          <a:p>
+            <a:pPr algn="ctr">
+              <a:lnSpc>
+                <a:spcPct val="100000"/>
+              </a:lnSpc>
+            </a:pPr>
+            <a:r>
+              <a:rPr b="0" lang="en-GB" sz="4400" spc="-1" strike="noStrike">
+                <a:latin typeface="Arial"/>
+              </a:rPr>
+              <a:t>Modified Architecture</a:t>
+            </a:r>
+            <a:endParaRPr b="0" lang="en-GB" sz="4400" spc="-1" strike="noStrike">
+              <a:latin typeface="Arial"/>
+            </a:endParaRPr>
+          </a:p>
+        </p:txBody>
+      </p:sp>
+      <p:pic>
+        <p:nvPicPr>
+          <p:cNvPr id="524" name="" descr=""/>
+          <p:cNvPicPr/>
+          <p:nvPr/>
+        </p:nvPicPr>
+        <p:blipFill>
+          <a:blip r:embed="rId1"/>
+          <a:stretch/>
+        </p:blipFill>
+        <p:spPr>
+          <a:xfrm>
+            <a:off x="1008000" y="1099440"/>
+            <a:ext cx="7849080" cy="4156200"/>
+          </a:xfrm>
+          <a:prstGeom prst="rect">
+            <a:avLst/>
+          </a:prstGeom>
+          <a:ln>
+            <a:noFill/>
+          </a:ln>
+        </p:spPr>
+      </p:pic>
     </p:spTree>
   </p:cSld>
   <mc:AlternateContent>
@@ -25723,14 +27644,14 @@
       </p:grpSpPr>
       <p:sp>
         <p:nvSpPr>
-          <p:cNvPr id="485" name="CustomShape 1"/>
+          <p:cNvPr id="525" name="CustomShape 1"/>
           <p:cNvSpPr/>
           <p:nvPr/>
         </p:nvSpPr>
         <p:spPr>
           <a:xfrm>
             <a:off x="504000" y="226080"/>
-            <a:ext cx="9070200" cy="944640"/>
+            <a:ext cx="9069480" cy="943920"/>
           </a:xfrm>
           <a:prstGeom prst="rect">
             <a:avLst/>
@@ -25774,14 +27695,14 @@
       </p:sp>
       <p:sp>
         <p:nvSpPr>
-          <p:cNvPr id="486" name="CustomShape 2"/>
+          <p:cNvPr id="526" name="CustomShape 2"/>
           <p:cNvSpPr/>
           <p:nvPr/>
         </p:nvSpPr>
         <p:spPr>
           <a:xfrm>
             <a:off x="504000" y="1326600"/>
-            <a:ext cx="9070200" cy="3286800"/>
+            <a:ext cx="9069480" cy="3286080"/>
           </a:xfrm>
           <a:prstGeom prst="rect">
             <a:avLst/>
@@ -25802,7 +27723,7 @@
             <a:normAutofit/>
           </a:bodyPr>
           <a:p>
-            <a:pPr marL="432000" indent="-322200">
+            <a:pPr marL="432000" indent="-321480">
               <a:lnSpc>
                 <a:spcPct val="100000"/>
               </a:lnSpc>
@@ -25830,7 +27751,7 @@
             </a:endParaRPr>
           </a:p>
           <a:p>
-            <a:pPr marL="432000" indent="-322200">
+            <a:pPr marL="432000" indent="-321480">
               <a:lnSpc>
                 <a:spcPct val="100000"/>
               </a:lnSpc>
@@ -25858,7 +27779,7 @@
             </a:endParaRPr>
           </a:p>
           <a:p>
-            <a:pPr marL="432000" indent="-322200">
+            <a:pPr marL="432000" indent="-321480">
               <a:lnSpc>
                 <a:spcPct val="100000"/>
               </a:lnSpc>
@@ -25886,7 +27807,7 @@
             </a:endParaRPr>
           </a:p>
           <a:p>
-            <a:pPr marL="432000" indent="-322200">
+            <a:pPr marL="432000" indent="-321480">
               <a:lnSpc>
                 <a:spcPct val="100000"/>
               </a:lnSpc>
@@ -25914,7 +27835,7 @@
             </a:endParaRPr>
           </a:p>
           <a:p>
-            <a:pPr marL="432000" indent="-322200">
+            <a:pPr marL="432000" indent="-321480">
               <a:lnSpc>
                 <a:spcPct val="100000"/>
               </a:lnSpc>
@@ -25942,7 +27863,7 @@
             </a:endParaRPr>
           </a:p>
           <a:p>
-            <a:pPr marL="432000" indent="-322200">
+            <a:pPr marL="432000" indent="-321480">
               <a:lnSpc>
                 <a:spcPct val="100000"/>
               </a:lnSpc>
@@ -26003,14 +27924,14 @@
       </p:grpSpPr>
       <p:sp>
         <p:nvSpPr>
-          <p:cNvPr id="487" name="CustomShape 1"/>
+          <p:cNvPr id="527" name="CustomShape 1"/>
           <p:cNvSpPr/>
           <p:nvPr/>
         </p:nvSpPr>
         <p:spPr>
           <a:xfrm>
             <a:off x="504000" y="226080"/>
-            <a:ext cx="9070200" cy="944640"/>
+            <a:ext cx="9069480" cy="943920"/>
           </a:xfrm>
           <a:prstGeom prst="rect">
             <a:avLst/>
@@ -26054,14 +27975,14 @@
       </p:sp>
       <p:sp>
         <p:nvSpPr>
-          <p:cNvPr id="488" name="CustomShape 2"/>
+          <p:cNvPr id="528" name="CustomShape 2"/>
           <p:cNvSpPr/>
           <p:nvPr/>
         </p:nvSpPr>
         <p:spPr>
           <a:xfrm>
             <a:off x="504000" y="3240000"/>
-            <a:ext cx="9070200" cy="1373400"/>
+            <a:ext cx="9069480" cy="1372680"/>
           </a:xfrm>
           <a:prstGeom prst="rect">
             <a:avLst/>
@@ -26082,7 +28003,7 @@
             <a:normAutofit fontScale="70000"/>
           </a:bodyPr>
           <a:p>
-            <a:pPr marL="432000" indent="-322560">
+            <a:pPr marL="432000" indent="-321840">
               <a:lnSpc>
                 <a:spcPct val="100000"/>
               </a:lnSpc>
@@ -26108,7 +28029,7 @@
             </a:endParaRPr>
           </a:p>
           <a:p>
-            <a:pPr marL="432000" indent="-322560">
+            <a:pPr marL="432000" indent="-321840">
               <a:lnSpc>
                 <a:spcPct val="100000"/>
               </a:lnSpc>
@@ -26136,7 +28057,7 @@
             </a:endParaRPr>
           </a:p>
           <a:p>
-            <a:pPr marL="432000" indent="-322560">
+            <a:pPr marL="432000" indent="-321840">
               <a:lnSpc>
                 <a:spcPct val="100000"/>
               </a:lnSpc>
@@ -26195,14 +28116,14 @@
       </p:grpSpPr>
       <p:sp>
         <p:nvSpPr>
-          <p:cNvPr id="430" name="CustomShape 1"/>
+          <p:cNvPr id="468" name="CustomShape 1"/>
           <p:cNvSpPr/>
           <p:nvPr/>
         </p:nvSpPr>
         <p:spPr>
           <a:xfrm>
             <a:off x="504000" y="226080"/>
-            <a:ext cx="9067680" cy="942480"/>
+            <a:ext cx="9066960" cy="941760"/>
           </a:xfrm>
           <a:prstGeom prst="rect">
             <a:avLst/>
@@ -26246,14 +28167,14 @@
       </p:sp>
       <p:sp>
         <p:nvSpPr>
-          <p:cNvPr id="431" name="CustomShape 2"/>
+          <p:cNvPr id="469" name="CustomShape 2"/>
           <p:cNvSpPr/>
           <p:nvPr/>
         </p:nvSpPr>
         <p:spPr>
           <a:xfrm>
             <a:off x="432360" y="5112000"/>
-            <a:ext cx="9067680" cy="362880"/>
+            <a:ext cx="9066960" cy="362160"/>
           </a:xfrm>
           <a:prstGeom prst="rect">
             <a:avLst/>
@@ -26274,7 +28195,7 @@
             <a:normAutofit/>
           </a:bodyPr>
           <a:p>
-            <a:pPr marL="432000" indent="-320040">
+            <a:pPr marL="432000" indent="-319320">
               <a:lnSpc>
                 <a:spcPct val="100000"/>
               </a:lnSpc>
@@ -26306,7 +28227,7 @@
       </p:sp>
       <p:pic>
         <p:nvPicPr>
-          <p:cNvPr id="432" name="" descr=""/>
+          <p:cNvPr id="470" name="" descr=""/>
           <p:cNvPicPr/>
           <p:nvPr/>
         </p:nvPicPr>
@@ -26317,7 +28238,7 @@
         <p:spPr>
           <a:xfrm>
             <a:off x="2304000" y="1032480"/>
-            <a:ext cx="5468040" cy="4003560"/>
+            <a:ext cx="5467320" cy="4002840"/>
           </a:xfrm>
           <a:prstGeom prst="rect">
             <a:avLst/>
@@ -26359,14 +28280,14 @@
       </p:grpSpPr>
       <p:sp>
         <p:nvSpPr>
-          <p:cNvPr id="433" name="CustomShape 1"/>
+          <p:cNvPr id="471" name="CustomShape 1"/>
           <p:cNvSpPr/>
           <p:nvPr/>
         </p:nvSpPr>
         <p:spPr>
           <a:xfrm>
             <a:off x="504000" y="226080"/>
-            <a:ext cx="9067680" cy="942480"/>
+            <a:ext cx="9066960" cy="941760"/>
           </a:xfrm>
           <a:prstGeom prst="rect">
             <a:avLst/>
@@ -26410,14 +28331,14 @@
       </p:sp>
       <p:sp>
         <p:nvSpPr>
-          <p:cNvPr id="434" name="CustomShape 2"/>
+          <p:cNvPr id="472" name="CustomShape 2"/>
           <p:cNvSpPr/>
           <p:nvPr/>
         </p:nvSpPr>
         <p:spPr>
           <a:xfrm>
             <a:off x="576360" y="4998600"/>
-            <a:ext cx="9067680" cy="469440"/>
+            <a:ext cx="9066960" cy="468720"/>
           </a:xfrm>
           <a:prstGeom prst="rect">
             <a:avLst/>
@@ -26438,7 +28359,7 @@
             <a:normAutofit/>
           </a:bodyPr>
           <a:p>
-            <a:pPr marL="432000" indent="-320040">
+            <a:pPr marL="432000" indent="-319320">
               <a:lnSpc>
                 <a:spcPct val="100000"/>
               </a:lnSpc>
@@ -26470,7 +28391,7 @@
       </p:sp>
       <p:pic>
         <p:nvPicPr>
-          <p:cNvPr id="435" name="" descr=""/>
+          <p:cNvPr id="473" name="" descr=""/>
           <p:cNvPicPr/>
           <p:nvPr/>
         </p:nvPicPr>
@@ -26481,7 +28402,7 @@
         <p:spPr>
           <a:xfrm>
             <a:off x="1224000" y="1008000"/>
-            <a:ext cx="7268040" cy="3924360"/>
+            <a:ext cx="7267320" cy="3923640"/>
           </a:xfrm>
           <a:prstGeom prst="rect">
             <a:avLst/>
@@ -26523,14 +28444,14 @@
       </p:grpSpPr>
       <p:sp>
         <p:nvSpPr>
-          <p:cNvPr id="436" name="CustomShape 1"/>
+          <p:cNvPr id="474" name="CustomShape 1"/>
           <p:cNvSpPr/>
           <p:nvPr/>
         </p:nvSpPr>
         <p:spPr>
           <a:xfrm>
             <a:off x="504000" y="226080"/>
-            <a:ext cx="9067680" cy="942480"/>
+            <a:ext cx="9066960" cy="941760"/>
           </a:xfrm>
           <a:prstGeom prst="rect">
             <a:avLst/>
@@ -26574,14 +28495,14 @@
       </p:sp>
       <p:sp>
         <p:nvSpPr>
-          <p:cNvPr id="437" name="CustomShape 2"/>
+          <p:cNvPr id="475" name="CustomShape 2"/>
           <p:cNvSpPr/>
           <p:nvPr/>
         </p:nvSpPr>
         <p:spPr>
           <a:xfrm>
             <a:off x="504000" y="1326600"/>
-            <a:ext cx="9067680" cy="3284280"/>
+            <a:ext cx="9066960" cy="3283560"/>
           </a:xfrm>
           <a:prstGeom prst="rect">
             <a:avLst/>
@@ -26602,7 +28523,7 @@
             <a:normAutofit/>
           </a:bodyPr>
           <a:p>
-            <a:pPr marL="432000" indent="-320040">
+            <a:pPr marL="432000" indent="-319320">
               <a:lnSpc>
                 <a:spcPct val="100000"/>
               </a:lnSpc>
@@ -26631,7 +28552,7 @@
             </a:endParaRPr>
           </a:p>
           <a:p>
-            <a:pPr marL="432000" indent="-320040">
+            <a:pPr marL="432000" indent="-319320">
               <a:lnSpc>
                 <a:spcPct val="100000"/>
               </a:lnSpc>
@@ -26653,14 +28574,14 @@
                 <a:latin typeface="Arial"/>
                 <a:ea typeface="DejaVu Sans"/>
               </a:rPr>
-              <a:t>Control brightness using PWM</a:t>
+              <a:t>MOSFETs to turn LEDs on and off</a:t>
             </a:r>
             <a:endParaRPr b="0" lang="en-GB" sz="2400" spc="-1" strike="noStrike">
               <a:latin typeface="Arial"/>
             </a:endParaRPr>
           </a:p>
           <a:p>
-            <a:pPr marL="432000" indent="-320040">
+            <a:pPr marL="432000" indent="-319320">
               <a:lnSpc>
                 <a:spcPct val="100000"/>
               </a:lnSpc>
@@ -26682,14 +28603,14 @@
                 <a:latin typeface="Arial"/>
                 <a:ea typeface="DejaVu Sans"/>
               </a:rPr>
-              <a:t>Several different circuits</a:t>
+              <a:t>Control brightness using PWM</a:t>
             </a:r>
             <a:endParaRPr b="0" lang="en-GB" sz="2400" spc="-1" strike="noStrike">
               <a:latin typeface="Arial"/>
             </a:endParaRPr>
           </a:p>
           <a:p>
-            <a:pPr marL="432000" indent="-320040">
+            <a:pPr marL="432000" indent="-319320">
               <a:lnSpc>
                 <a:spcPct val="100000"/>
               </a:lnSpc>
@@ -26711,7 +28632,65 @@
                 <a:latin typeface="Arial"/>
                 <a:ea typeface="DejaVu Sans"/>
               </a:rPr>
-              <a:t> </a:t>
+              <a:t>Several different circuits</a:t>
+            </a:r>
+            <a:endParaRPr b="0" lang="en-GB" sz="2400" spc="-1" strike="noStrike">
+              <a:latin typeface="Arial"/>
+            </a:endParaRPr>
+          </a:p>
+          <a:p>
+            <a:pPr marL="432000" indent="-319320">
+              <a:lnSpc>
+                <a:spcPct val="100000"/>
+              </a:lnSpc>
+              <a:spcBef>
+                <a:spcPts val="1417"/>
+              </a:spcBef>
+              <a:buClr>
+                <a:srgbClr val="000000"/>
+              </a:buClr>
+              <a:buSzPct val="45000"/>
+              <a:buFont typeface="Wingdings" charset="2"/>
+              <a:buChar char=""/>
+            </a:pPr>
+            <a:r>
+              <a:rPr b="0" lang="en-GB" sz="2400" spc="-1" strike="noStrike">
+                <a:solidFill>
+                  <a:srgbClr val="000000"/>
+                </a:solidFill>
+                <a:latin typeface="Arial"/>
+                <a:ea typeface="DejaVu Sans"/>
+              </a:rPr>
+              <a:t>Fail safe</a:t>
+            </a:r>
+            <a:endParaRPr b="0" lang="en-GB" sz="2400" spc="-1" strike="noStrike">
+              <a:latin typeface="Arial"/>
+            </a:endParaRPr>
+          </a:p>
+          <a:p>
+            <a:pPr marL="432000" indent="-319320">
+              <a:lnSpc>
+                <a:spcPct val="100000"/>
+              </a:lnSpc>
+              <a:spcBef>
+                <a:spcPts val="1417"/>
+              </a:spcBef>
+              <a:buClr>
+                <a:srgbClr val="000000"/>
+              </a:buClr>
+              <a:buSzPct val="45000"/>
+              <a:buFont typeface="Wingdings" charset="2"/>
+              <a:buChar char=""/>
+            </a:pPr>
+            <a:r>
+              <a:rPr b="0" lang="en-GB" sz="2400" spc="-1" strike="noStrike">
+                <a:solidFill>
+                  <a:srgbClr val="000000"/>
+                </a:solidFill>
+                <a:latin typeface="Arial"/>
+                <a:ea typeface="DejaVu Sans"/>
+              </a:rPr>
+              <a:t>Secure</a:t>
             </a:r>
             <a:endParaRPr b="0" lang="en-GB" sz="2400" spc="-1" strike="noStrike">
               <a:latin typeface="Arial"/>
@@ -26751,14 +28730,14 @@
       </p:grpSpPr>
       <p:sp>
         <p:nvSpPr>
-          <p:cNvPr id="438" name="CustomShape 1"/>
+          <p:cNvPr id="476" name="CustomShape 1"/>
           <p:cNvSpPr/>
           <p:nvPr/>
         </p:nvSpPr>
         <p:spPr>
           <a:xfrm>
             <a:off x="1440000" y="216000"/>
-            <a:ext cx="7129440" cy="712440"/>
+            <a:ext cx="7128720" cy="711720"/>
           </a:xfrm>
           <a:prstGeom prst="rect">
             <a:avLst/>
@@ -26802,7 +28781,7 @@
       </p:sp>
       <p:pic>
         <p:nvPicPr>
-          <p:cNvPr id="439" name="" descr=""/>
+          <p:cNvPr id="477" name="" descr=""/>
           <p:cNvPicPr/>
           <p:nvPr/>
         </p:nvPicPr>
@@ -26813,7 +28792,7 @@
         <p:spPr>
           <a:xfrm>
             <a:off x="653040" y="936000"/>
-            <a:ext cx="8127720" cy="4302360"/>
+            <a:ext cx="8127000" cy="4301640"/>
           </a:xfrm>
           <a:prstGeom prst="rect">
             <a:avLst/>
@@ -26855,14 +28834,14 @@
       </p:grpSpPr>
       <p:sp>
         <p:nvSpPr>
-          <p:cNvPr id="440" name="CustomShape 1"/>
+          <p:cNvPr id="478" name="CustomShape 1"/>
           <p:cNvSpPr/>
           <p:nvPr/>
         </p:nvSpPr>
         <p:spPr>
           <a:xfrm>
             <a:off x="504000" y="226080"/>
-            <a:ext cx="9070560" cy="945000"/>
+            <a:ext cx="9069840" cy="944280"/>
           </a:xfrm>
           <a:prstGeom prst="rect">
             <a:avLst/>
@@ -26906,7 +28885,7 @@
       </p:sp>
       <p:pic>
         <p:nvPicPr>
-          <p:cNvPr id="441" name="" descr=""/>
+          <p:cNvPr id="479" name="" descr=""/>
           <p:cNvPicPr/>
           <p:nvPr/>
         </p:nvPicPr>
@@ -26917,7 +28896,7 @@
         <p:spPr>
           <a:xfrm>
             <a:off x="850680" y="1080000"/>
-            <a:ext cx="8293320" cy="4390560"/>
+            <a:ext cx="8292600" cy="4389840"/>
           </a:xfrm>
           <a:prstGeom prst="rect">
             <a:avLst/>
@@ -26959,14 +28938,14 @@
       </p:grpSpPr>
       <p:sp>
         <p:nvSpPr>
-          <p:cNvPr id="442" name="CustomShape 1"/>
+          <p:cNvPr id="480" name="CustomShape 1"/>
           <p:cNvSpPr/>
           <p:nvPr/>
         </p:nvSpPr>
         <p:spPr>
           <a:xfrm>
             <a:off x="504000" y="226080"/>
-            <a:ext cx="9067680" cy="942480"/>
+            <a:ext cx="9066960" cy="941760"/>
           </a:xfrm>
           <a:prstGeom prst="rect">
             <a:avLst/>
@@ -27010,14 +28989,14 @@
       </p:sp>
       <p:sp>
         <p:nvSpPr>
-          <p:cNvPr id="443" name="CustomShape 2"/>
+          <p:cNvPr id="481" name="CustomShape 2"/>
           <p:cNvSpPr/>
           <p:nvPr/>
         </p:nvSpPr>
         <p:spPr>
           <a:xfrm>
             <a:off x="648360" y="4968000"/>
-            <a:ext cx="9067680" cy="541440"/>
+            <a:ext cx="9066960" cy="540720"/>
           </a:xfrm>
           <a:prstGeom prst="rect">
             <a:avLst/>
@@ -27038,7 +29017,7 @@
             <a:normAutofit/>
           </a:bodyPr>
           <a:p>
-            <a:pPr marL="432000" indent="-320040">
+            <a:pPr marL="432000" indent="-319320">
               <a:lnSpc>
                 <a:spcPct val="100000"/>
               </a:lnSpc>
@@ -27070,7 +29049,7 @@
       </p:sp>
       <p:pic>
         <p:nvPicPr>
-          <p:cNvPr id="444" name="" descr=""/>
+          <p:cNvPr id="482" name="" descr=""/>
           <p:cNvPicPr/>
           <p:nvPr/>
         </p:nvPicPr>
@@ -27081,7 +29060,7 @@
         <p:spPr>
           <a:xfrm>
             <a:off x="360000" y="1172520"/>
-            <a:ext cx="9428040" cy="3203280"/>
+            <a:ext cx="9427320" cy="3202560"/>
           </a:xfrm>
           <a:prstGeom prst="rect">
             <a:avLst/>
@@ -27123,14 +29102,14 @@
       </p:grpSpPr>
       <p:sp>
         <p:nvSpPr>
-          <p:cNvPr id="445" name="CustomShape 1"/>
+          <p:cNvPr id="483" name="CustomShape 1"/>
           <p:cNvSpPr/>
           <p:nvPr/>
         </p:nvSpPr>
         <p:spPr>
           <a:xfrm>
             <a:off x="504000" y="226080"/>
-            <a:ext cx="9067680" cy="942480"/>
+            <a:ext cx="9066960" cy="941760"/>
           </a:xfrm>
           <a:prstGeom prst="rect">
             <a:avLst/>
@@ -27174,14 +29153,14 @@
       </p:sp>
       <p:sp>
         <p:nvSpPr>
-          <p:cNvPr id="446" name="CustomShape 2"/>
+          <p:cNvPr id="484" name="CustomShape 2"/>
           <p:cNvSpPr/>
           <p:nvPr/>
         </p:nvSpPr>
         <p:spPr>
           <a:xfrm>
             <a:off x="576000" y="5040000"/>
-            <a:ext cx="9067680" cy="469440"/>
+            <a:ext cx="9066960" cy="468720"/>
           </a:xfrm>
           <a:prstGeom prst="rect">
             <a:avLst/>
@@ -27202,7 +29181,7 @@
             <a:normAutofit/>
           </a:bodyPr>
           <a:p>
-            <a:pPr marL="432000" indent="-320040">
+            <a:pPr marL="432000" indent="-319320">
               <a:lnSpc>
                 <a:spcPct val="100000"/>
               </a:lnSpc>
@@ -27234,7 +29213,7 @@
       </p:sp>
       <p:pic>
         <p:nvPicPr>
-          <p:cNvPr id="447" name="" descr=""/>
+          <p:cNvPr id="485" name="" descr=""/>
           <p:cNvPicPr/>
           <p:nvPr/>
         </p:nvPicPr>
@@ -27245,7 +29224,7 @@
         <p:spPr>
           <a:xfrm>
             <a:off x="2444760" y="1080000"/>
-            <a:ext cx="5183280" cy="3884040"/>
+            <a:ext cx="5182560" cy="3883320"/>
           </a:xfrm>
           <a:prstGeom prst="rect">
             <a:avLst/>
@@ -27947,6 +29926,232 @@
 </file>
 
 <file path=ppt/theme/theme12.xml><?xml version="1.0" encoding="utf-8"?>
+<a:theme xmlns:a="http://schemas.openxmlformats.org/drawingml/2006/main" name="Office Theme">
+  <a:themeElements>
+    <a:clrScheme name="Office">
+      <a:dk1>
+        <a:sysClr val="windowText" lastClr="000000"/>
+      </a:dk1>
+      <a:lt1>
+        <a:sysClr val="window" lastClr="FFFFFF"/>
+      </a:lt1>
+      <a:dk2>
+        <a:srgbClr val="1f497d"/>
+      </a:dk2>
+      <a:lt2>
+        <a:srgbClr val="eeece1"/>
+      </a:lt2>
+      <a:accent1>
+        <a:srgbClr val="4f81bd"/>
+      </a:accent1>
+      <a:accent2>
+        <a:srgbClr val="c0504d"/>
+      </a:accent2>
+      <a:accent3>
+        <a:srgbClr val="9bbb59"/>
+      </a:accent3>
+      <a:accent4>
+        <a:srgbClr val="8064a2"/>
+      </a:accent4>
+      <a:accent5>
+        <a:srgbClr val="4bacc6"/>
+      </a:accent5>
+      <a:accent6>
+        <a:srgbClr val="f79646"/>
+      </a:accent6>
+      <a:hlink>
+        <a:srgbClr val="0000ff"/>
+      </a:hlink>
+      <a:folHlink>
+        <a:srgbClr val="800080"/>
+      </a:folHlink>
+    </a:clrScheme>
+    <a:fontScheme name="Office">
+      <a:majorFont>
+        <a:latin typeface="Arial"/>
+        <a:ea typeface="DejaVu Sans"/>
+        <a:cs typeface="DejaVu Sans"/>
+      </a:majorFont>
+      <a:minorFont>
+        <a:latin typeface="Arial"/>
+        <a:ea typeface="DejaVu Sans"/>
+        <a:cs typeface="DejaVu Sans"/>
+      </a:minorFont>
+    </a:fontScheme>
+    <a:fmtScheme name="Office">
+      <a:fillStyleLst>
+        <a:solidFill>
+          <a:schemeClr val="phClr"/>
+        </a:solidFill>
+        <a:gradFill rotWithShape="1">
+          <a:gsLst>
+            <a:gs pos="0">
+              <a:schemeClr val="phClr">
+                <a:tint val="50000"/>
+                <a:satMod val="300000"/>
+              </a:schemeClr>
+            </a:gs>
+            <a:gs pos="35000">
+              <a:schemeClr val="phClr">
+                <a:tint val="37000"/>
+                <a:satMod val="300000"/>
+              </a:schemeClr>
+            </a:gs>
+            <a:gs pos="100000">
+              <a:schemeClr val="phClr">
+                <a:tint val="15000"/>
+                <a:satMod val="350000"/>
+              </a:schemeClr>
+            </a:gs>
+          </a:gsLst>
+          <a:lin ang="16200000" scaled="1"/>
+        </a:gradFill>
+        <a:gradFill rotWithShape="1">
+          <a:gsLst>
+            <a:gs pos="0">
+              <a:schemeClr val="phClr">
+                <a:shade val="51000"/>
+                <a:satMod val="130000"/>
+              </a:schemeClr>
+            </a:gs>
+            <a:gs pos="80000">
+              <a:schemeClr val="phClr">
+                <a:shade val="93000"/>
+                <a:satMod val="130000"/>
+              </a:schemeClr>
+            </a:gs>
+            <a:gs pos="100000">
+              <a:schemeClr val="phClr">
+                <a:shade val="94000"/>
+                <a:satMod val="135000"/>
+              </a:schemeClr>
+            </a:gs>
+          </a:gsLst>
+          <a:lin ang="16200000" scaled="0"/>
+        </a:gradFill>
+      </a:fillStyleLst>
+      <a:lnStyleLst>
+        <a:ln w="9525" cap="flat" cmpd="sng" algn="ctr">
+          <a:solidFill>
+            <a:schemeClr val="phClr">
+              <a:shade val="95000"/>
+              <a:satMod val="105000"/>
+            </a:schemeClr>
+          </a:solidFill>
+          <a:prstDash val="solid"/>
+          <a:miter/>
+        </a:ln>
+        <a:ln w="25400" cap="flat" cmpd="sng" algn="ctr">
+          <a:solidFill>
+            <a:schemeClr val="phClr"/>
+          </a:solidFill>
+          <a:prstDash val="solid"/>
+          <a:miter/>
+        </a:ln>
+        <a:ln w="38100" cap="flat" cmpd="sng" algn="ctr">
+          <a:solidFill>
+            <a:schemeClr val="phClr"/>
+          </a:solidFill>
+          <a:prstDash val="solid"/>
+          <a:miter/>
+        </a:ln>
+      </a:lnStyleLst>
+      <a:effectStyleLst>
+        <a:effectStyle>
+          <a:effectLst>
+            <a:outerShdw blurRad="40000" dist="20000" dir="5400000" rotWithShape="0">
+              <a:srgbClr val="000000">
+                <a:alpha val="38000"/>
+              </a:srgbClr>
+            </a:outerShdw>
+          </a:effectLst>
+        </a:effectStyle>
+        <a:effectStyle>
+          <a:effectLst>
+            <a:outerShdw blurRad="40000" dist="23000" dir="5400000" rotWithShape="0">
+              <a:srgbClr val="000000">
+                <a:alpha val="35000"/>
+              </a:srgbClr>
+            </a:outerShdw>
+          </a:effectLst>
+        </a:effectStyle>
+        <a:effectStyle>
+          <a:effectLst>
+            <a:outerShdw blurRad="40000" dist="23000" dir="5400000" rotWithShape="0">
+              <a:srgbClr val="000000">
+                <a:alpha val="35000"/>
+              </a:srgbClr>
+            </a:outerShdw>
+          </a:effectLst>
+          <a:scene3d>
+            <a:camera prst="orthographicFront">
+              <a:rot lat="0" lon="0" rev="0"/>
+            </a:camera>
+            <a:lightRig rig="threePt" dir="t">
+              <a:rot lat="0" lon="0" rev="1200000"/>
+            </a:lightRig>
+          </a:scene3d>
+          <a:sp3d>
+            <a:bevelT w="63500" h="25400"/>
+          </a:sp3d>
+        </a:effectStyle>
+      </a:effectStyleLst>
+      <a:bgFillStyleLst>
+        <a:solidFill>
+          <a:schemeClr val="phClr"/>
+        </a:solidFill>
+        <a:gradFill rotWithShape="1">
+          <a:gsLst>
+            <a:gs pos="0">
+              <a:schemeClr val="phClr">
+                <a:tint val="40000"/>
+                <a:satMod val="350000"/>
+              </a:schemeClr>
+            </a:gs>
+            <a:gs pos="40000">
+              <a:schemeClr val="phClr">
+                <a:tint val="45000"/>
+                <a:shade val="99000"/>
+                <a:satMod val="350000"/>
+              </a:schemeClr>
+            </a:gs>
+            <a:gs pos="100000">
+              <a:schemeClr val="phClr">
+                <a:shade val="20000"/>
+                <a:satMod val="255000"/>
+              </a:schemeClr>
+            </a:gs>
+          </a:gsLst>
+          <a:path path="circle">
+            <a:fillToRect l="50000" t="-80000" r="50000" b="180000"/>
+          </a:path>
+        </a:gradFill>
+        <a:gradFill rotWithShape="1">
+          <a:gsLst>
+            <a:gs pos="0">
+              <a:schemeClr val="phClr">
+                <a:tint val="80000"/>
+                <a:satMod val="300000"/>
+              </a:schemeClr>
+            </a:gs>
+            <a:gs pos="100000">
+              <a:schemeClr val="phClr">
+                <a:shade val="30000"/>
+                <a:satMod val="200000"/>
+              </a:schemeClr>
+            </a:gs>
+          </a:gsLst>
+          <a:path path="circle">
+            <a:fillToRect l="50000" t="50000" r="50000" b="50000"/>
+          </a:path>
+        </a:gradFill>
+      </a:bgFillStyleLst>
+    </a:fmtScheme>
+  </a:themeElements>
+</a:theme>
+</file>
+
+<file path=ppt/theme/theme13.xml><?xml version="1.0" encoding="utf-8"?>
 <a:theme xmlns:a="http://schemas.openxmlformats.org/drawingml/2006/main" name="Office Theme">
   <a:themeElements>
     <a:clrScheme name="Office">

--- a/doc/Presentation.pptx
+++ b/doc/Presentation.pptx
@@ -46,6 +46,7 @@
     <p:sldId id="280" r:id="rId39"/>
     <p:sldId id="281" r:id="rId40"/>
     <p:sldId id="282" r:id="rId41"/>
+    <p:sldId id="283" r:id="rId42"/>
   </p:sldIdLst>
   <p:sldSz cx="10080625" cy="5670550"/>
   <p:notesSz cx="7559675" cy="10691812"/>
@@ -276,7 +277,7 @@
           </a:bodyPr>
           <a:p>
             <a:pPr algn="r"/>
-            <a:fld id="{AA5A0CFD-E83D-438E-B72C-75CE19A782FF}" type="slidenum">
+            <a:fld id="{1622294D-9F5C-41DD-9B9A-F4225F105648}" type="slidenum">
               <a:rPr b="0" lang="en-GB" sz="1400" spc="-1" strike="noStrike">
                 <a:latin typeface="Times New Roman"/>
               </a:rPr>
@@ -313,7 +314,7 @@
       </p:grpSpPr>
       <p:sp>
         <p:nvSpPr>
-          <p:cNvPr id="529" name="PlaceHolder 1"/>
+          <p:cNvPr id="532" name="PlaceHolder 1"/>
           <p:cNvSpPr>
             <a:spLocks noGrp="1"/>
           </p:cNvSpPr>
@@ -324,16 +325,16 @@
         <p:spPr>
           <a:xfrm>
             <a:off x="216000" y="812520"/>
-            <a:ext cx="7122960" cy="4004640"/>
-          </a:xfrm>
-          <a:prstGeom prst="rect">
-            <a:avLst/>
-          </a:prstGeom>
-        </p:spPr>
-      </p:sp>
-      <p:sp>
-        <p:nvSpPr>
-          <p:cNvPr id="530" name="PlaceHolder 2"/>
+            <a:ext cx="7122600" cy="4004280"/>
+          </a:xfrm>
+          <a:prstGeom prst="rect">
+            <a:avLst/>
+          </a:prstGeom>
+        </p:spPr>
+      </p:sp>
+      <p:sp>
+        <p:nvSpPr>
+          <p:cNvPr id="533" name="PlaceHolder 2"/>
           <p:cNvSpPr>
             <a:spLocks noGrp="1"/>
           </p:cNvSpPr>
@@ -344,7 +345,7 @@
         <p:spPr>
           <a:xfrm>
             <a:off x="756000" y="5078520"/>
-            <a:ext cx="6043320" cy="4806720"/>
+            <a:ext cx="6042960" cy="4806360"/>
           </a:xfrm>
           <a:prstGeom prst="rect">
             <a:avLst/>
@@ -355,7 +356,7 @@
             <a:noAutofit/>
           </a:bodyPr>
           <a:p>
-            <a:pPr marL="216000" indent="-212040">
+            <a:pPr marL="216000" indent="-211680">
               <a:lnSpc>
                 <a:spcPct val="100000"/>
               </a:lnSpc>
@@ -374,7 +375,7 @@
             </a:endParaRPr>
           </a:p>
           <a:p>
-            <a:pPr marL="216000" indent="-212040">
+            <a:pPr marL="216000" indent="-211680">
               <a:lnSpc>
                 <a:spcPct val="100000"/>
               </a:lnSpc>
@@ -393,7 +394,7 @@
             </a:endParaRPr>
           </a:p>
           <a:p>
-            <a:pPr marL="216000" indent="-212040">
+            <a:pPr marL="216000" indent="-211680">
               <a:lnSpc>
                 <a:spcPct val="100000"/>
               </a:lnSpc>
@@ -412,7 +413,7 @@
             </a:endParaRPr>
           </a:p>
           <a:p>
-            <a:pPr marL="216000" indent="-212040">
+            <a:pPr marL="216000" indent="-211680">
               <a:lnSpc>
                 <a:spcPct val="100000"/>
               </a:lnSpc>
@@ -431,7 +432,7 @@
             </a:endParaRPr>
           </a:p>
           <a:p>
-            <a:pPr marL="216000" indent="-212040">
+            <a:pPr marL="216000" indent="-211680">
               <a:lnSpc>
                 <a:spcPct val="100000"/>
               </a:lnSpc>
@@ -450,7 +451,7 @@
             </a:endParaRPr>
           </a:p>
           <a:p>
-            <a:pPr marL="216000" indent="-212040">
+            <a:pPr marL="216000" indent="-211680">
               <a:lnSpc>
                 <a:spcPct val="100000"/>
               </a:lnSpc>
@@ -488,7 +489,7 @@
       </p:grpSpPr>
       <p:sp>
         <p:nvSpPr>
-          <p:cNvPr id="545" name="PlaceHolder 1"/>
+          <p:cNvPr id="548" name="PlaceHolder 1"/>
           <p:cNvSpPr>
             <a:spLocks noGrp="1"/>
           </p:cNvSpPr>
@@ -499,16 +500,16 @@
         <p:spPr>
           <a:xfrm>
             <a:off x="216360" y="812520"/>
-            <a:ext cx="7122600" cy="4004640"/>
-          </a:xfrm>
-          <a:prstGeom prst="rect">
-            <a:avLst/>
-          </a:prstGeom>
-        </p:spPr>
-      </p:sp>
-      <p:sp>
-        <p:nvSpPr>
-          <p:cNvPr id="546" name="PlaceHolder 2"/>
+            <a:ext cx="7122240" cy="4004280"/>
+          </a:xfrm>
+          <a:prstGeom prst="rect">
+            <a:avLst/>
+          </a:prstGeom>
+        </p:spPr>
+      </p:sp>
+      <p:sp>
+        <p:nvSpPr>
+          <p:cNvPr id="549" name="PlaceHolder 2"/>
           <p:cNvSpPr>
             <a:spLocks noGrp="1"/>
           </p:cNvSpPr>
@@ -519,7 +520,7 @@
         <p:spPr>
           <a:xfrm>
             <a:off x="756000" y="5078520"/>
-            <a:ext cx="6043320" cy="4806720"/>
+            <a:ext cx="6042960" cy="4806360"/>
           </a:xfrm>
           <a:prstGeom prst="rect">
             <a:avLst/>
@@ -530,7 +531,7 @@
             <a:noAutofit/>
           </a:bodyPr>
           <a:p>
-            <a:pPr marL="216000" indent="-212040">
+            <a:pPr marL="216000" indent="-211680">
               <a:lnSpc>
                 <a:spcPct val="100000"/>
               </a:lnSpc>
@@ -549,7 +550,7 @@
             </a:endParaRPr>
           </a:p>
           <a:p>
-            <a:pPr marL="216000" indent="-212040">
+            <a:pPr marL="216000" indent="-211680">
               <a:lnSpc>
                 <a:spcPct val="100000"/>
               </a:lnSpc>
@@ -568,7 +569,7 @@
             </a:endParaRPr>
           </a:p>
           <a:p>
-            <a:pPr marL="216000" indent="-212040">
+            <a:pPr marL="216000" indent="-211680">
               <a:lnSpc>
                 <a:spcPct val="100000"/>
               </a:lnSpc>
@@ -587,7 +588,7 @@
             </a:endParaRPr>
           </a:p>
           <a:p>
-            <a:pPr marL="216000" indent="-212040">
+            <a:pPr marL="216000" indent="-211680">
               <a:lnSpc>
                 <a:spcPct val="100000"/>
               </a:lnSpc>
@@ -606,7 +607,7 @@
             </a:endParaRPr>
           </a:p>
           <a:p>
-            <a:pPr marL="216000" indent="-212040">
+            <a:pPr marL="216000" indent="-211680">
               <a:lnSpc>
                 <a:spcPct val="100000"/>
               </a:lnSpc>
@@ -625,7 +626,7 @@
             </a:endParaRPr>
           </a:p>
           <a:p>
-            <a:pPr marL="216000" indent="-212040">
+            <a:pPr marL="216000" indent="-211680">
               <a:lnSpc>
                 <a:spcPct val="100000"/>
               </a:lnSpc>
@@ -638,7 +639,7 @@
             </a:endParaRPr>
           </a:p>
           <a:p>
-            <a:pPr marL="216000" indent="-212040">
+            <a:pPr marL="216000" indent="-211680">
               <a:lnSpc>
                 <a:spcPct val="100000"/>
               </a:lnSpc>
@@ -651,7 +652,7 @@
             </a:endParaRPr>
           </a:p>
           <a:p>
-            <a:pPr marL="216000" indent="-212040">
+            <a:pPr marL="216000" indent="-211680">
               <a:lnSpc>
                 <a:spcPct val="100000"/>
               </a:lnSpc>
@@ -689,7 +690,7 @@
       </p:grpSpPr>
       <p:sp>
         <p:nvSpPr>
-          <p:cNvPr id="547" name="PlaceHolder 1"/>
+          <p:cNvPr id="550" name="PlaceHolder 1"/>
           <p:cNvSpPr>
             <a:spLocks noGrp="1"/>
           </p:cNvSpPr>
@@ -700,16 +701,16 @@
         <p:spPr>
           <a:xfrm>
             <a:off x="216360" y="812520"/>
-            <a:ext cx="7122600" cy="4004640"/>
-          </a:xfrm>
-          <a:prstGeom prst="rect">
-            <a:avLst/>
-          </a:prstGeom>
-        </p:spPr>
-      </p:sp>
-      <p:sp>
-        <p:nvSpPr>
-          <p:cNvPr id="548" name="PlaceHolder 2"/>
+            <a:ext cx="7122240" cy="4004280"/>
+          </a:xfrm>
+          <a:prstGeom prst="rect">
+            <a:avLst/>
+          </a:prstGeom>
+        </p:spPr>
+      </p:sp>
+      <p:sp>
+        <p:nvSpPr>
+          <p:cNvPr id="551" name="PlaceHolder 2"/>
           <p:cNvSpPr>
             <a:spLocks noGrp="1"/>
           </p:cNvSpPr>
@@ -720,7 +721,7 @@
         <p:spPr>
           <a:xfrm>
             <a:off x="756000" y="5078520"/>
-            <a:ext cx="6043320" cy="4806720"/>
+            <a:ext cx="6042960" cy="4806360"/>
           </a:xfrm>
           <a:prstGeom prst="rect">
             <a:avLst/>
@@ -731,7 +732,7 @@
             <a:noAutofit/>
           </a:bodyPr>
           <a:p>
-            <a:pPr marL="216000" indent="-212040">
+            <a:pPr marL="216000" indent="-211680">
               <a:lnSpc>
                 <a:spcPct val="100000"/>
               </a:lnSpc>
@@ -750,7 +751,7 @@
             </a:endParaRPr>
           </a:p>
           <a:p>
-            <a:pPr marL="216000" indent="-212040">
+            <a:pPr marL="216000" indent="-211680">
               <a:lnSpc>
                 <a:spcPct val="100000"/>
               </a:lnSpc>
@@ -769,7 +770,7 @@
             </a:endParaRPr>
           </a:p>
           <a:p>
-            <a:pPr marL="216000" indent="-212040">
+            <a:pPr marL="216000" indent="-211680">
               <a:lnSpc>
                 <a:spcPct val="100000"/>
               </a:lnSpc>
@@ -788,7 +789,7 @@
             </a:endParaRPr>
           </a:p>
           <a:p>
-            <a:pPr marL="216000" indent="-212040">
+            <a:pPr marL="216000" indent="-211680">
               <a:lnSpc>
                 <a:spcPct val="100000"/>
               </a:lnSpc>
@@ -826,7 +827,7 @@
       </p:grpSpPr>
       <p:sp>
         <p:nvSpPr>
-          <p:cNvPr id="549" name="PlaceHolder 1"/>
+          <p:cNvPr id="552" name="PlaceHolder 1"/>
           <p:cNvSpPr>
             <a:spLocks noGrp="1"/>
           </p:cNvSpPr>
@@ -837,16 +838,16 @@
         <p:spPr>
           <a:xfrm>
             <a:off x="216360" y="812520"/>
-            <a:ext cx="7122600" cy="4004640"/>
-          </a:xfrm>
-          <a:prstGeom prst="rect">
-            <a:avLst/>
-          </a:prstGeom>
-        </p:spPr>
-      </p:sp>
-      <p:sp>
-        <p:nvSpPr>
-          <p:cNvPr id="550" name="PlaceHolder 2"/>
+            <a:ext cx="7122240" cy="4004280"/>
+          </a:xfrm>
+          <a:prstGeom prst="rect">
+            <a:avLst/>
+          </a:prstGeom>
+        </p:spPr>
+      </p:sp>
+      <p:sp>
+        <p:nvSpPr>
+          <p:cNvPr id="553" name="PlaceHolder 2"/>
           <p:cNvSpPr>
             <a:spLocks noGrp="1"/>
           </p:cNvSpPr>
@@ -857,7 +858,7 @@
         <p:spPr>
           <a:xfrm>
             <a:off x="756000" y="5078520"/>
-            <a:ext cx="6043320" cy="4806720"/>
+            <a:ext cx="6042960" cy="4806360"/>
           </a:xfrm>
           <a:prstGeom prst="rect">
             <a:avLst/>
@@ -868,7 +869,7 @@
             <a:noAutofit/>
           </a:bodyPr>
           <a:p>
-            <a:pPr marL="216000" indent="-212040">
+            <a:pPr marL="216000" indent="-211680">
               <a:lnSpc>
                 <a:spcPct val="100000"/>
               </a:lnSpc>
@@ -887,7 +888,7 @@
             </a:endParaRPr>
           </a:p>
           <a:p>
-            <a:pPr marL="216000" indent="-212040">
+            <a:pPr marL="216000" indent="-211680">
               <a:lnSpc>
                 <a:spcPct val="100000"/>
               </a:lnSpc>
@@ -906,7 +907,7 @@
             </a:endParaRPr>
           </a:p>
           <a:p>
-            <a:pPr marL="216000" indent="-212040">
+            <a:pPr marL="216000" indent="-211680">
               <a:lnSpc>
                 <a:spcPct val="100000"/>
               </a:lnSpc>
@@ -925,7 +926,7 @@
             </a:endParaRPr>
           </a:p>
           <a:p>
-            <a:pPr marL="216000" indent="-212040">
+            <a:pPr marL="216000" indent="-211680">
               <a:lnSpc>
                 <a:spcPct val="100000"/>
               </a:lnSpc>
@@ -944,7 +945,7 @@
             </a:endParaRPr>
           </a:p>
           <a:p>
-            <a:pPr marL="216000" indent="-212040">
+            <a:pPr marL="216000" indent="-211680">
               <a:lnSpc>
                 <a:spcPct val="100000"/>
               </a:lnSpc>
@@ -963,7 +964,7 @@
             </a:endParaRPr>
           </a:p>
           <a:p>
-            <a:pPr marL="216000" indent="-212040">
+            <a:pPr marL="216000" indent="-211680">
               <a:lnSpc>
                 <a:spcPct val="100000"/>
               </a:lnSpc>
@@ -1007,7 +1008,7 @@
       </p:grpSpPr>
       <p:sp>
         <p:nvSpPr>
-          <p:cNvPr id="551" name="PlaceHolder 1"/>
+          <p:cNvPr id="554" name="PlaceHolder 1"/>
           <p:cNvSpPr>
             <a:spLocks noGrp="1"/>
           </p:cNvSpPr>
@@ -1018,16 +1019,16 @@
         <p:spPr>
           <a:xfrm>
             <a:off x="216360" y="812520"/>
-            <a:ext cx="7122600" cy="4004640"/>
-          </a:xfrm>
-          <a:prstGeom prst="rect">
-            <a:avLst/>
-          </a:prstGeom>
-        </p:spPr>
-      </p:sp>
-      <p:sp>
-        <p:nvSpPr>
-          <p:cNvPr id="552" name="PlaceHolder 2"/>
+            <a:ext cx="7122240" cy="4004280"/>
+          </a:xfrm>
+          <a:prstGeom prst="rect">
+            <a:avLst/>
+          </a:prstGeom>
+        </p:spPr>
+      </p:sp>
+      <p:sp>
+        <p:nvSpPr>
+          <p:cNvPr id="555" name="PlaceHolder 2"/>
           <p:cNvSpPr>
             <a:spLocks noGrp="1"/>
           </p:cNvSpPr>
@@ -1038,7 +1039,7 @@
         <p:spPr>
           <a:xfrm>
             <a:off x="756000" y="5078520"/>
-            <a:ext cx="6043320" cy="4806720"/>
+            <a:ext cx="6042960" cy="4806360"/>
           </a:xfrm>
           <a:prstGeom prst="rect">
             <a:avLst/>
@@ -1049,7 +1050,7 @@
             <a:noAutofit/>
           </a:bodyPr>
           <a:p>
-            <a:pPr marL="216000" indent="-212040">
+            <a:pPr marL="216000" indent="-211680">
               <a:lnSpc>
                 <a:spcPct val="100000"/>
               </a:lnSpc>
@@ -1068,7 +1069,7 @@
             </a:endParaRPr>
           </a:p>
           <a:p>
-            <a:pPr marL="216000" indent="-212040">
+            <a:pPr marL="216000" indent="-211680">
               <a:lnSpc>
                 <a:spcPct val="100000"/>
               </a:lnSpc>
@@ -1087,7 +1088,7 @@
             </a:endParaRPr>
           </a:p>
           <a:p>
-            <a:pPr marL="216000" indent="-212040">
+            <a:pPr marL="216000" indent="-211680">
               <a:lnSpc>
                 <a:spcPct val="100000"/>
               </a:lnSpc>
@@ -1106,7 +1107,7 @@
             </a:endParaRPr>
           </a:p>
           <a:p>
-            <a:pPr marL="216000" indent="-212040">
+            <a:pPr marL="216000" indent="-211680">
               <a:lnSpc>
                 <a:spcPct val="100000"/>
               </a:lnSpc>
@@ -1125,7 +1126,7 @@
             </a:endParaRPr>
           </a:p>
           <a:p>
-            <a:pPr marL="216000" indent="-212040">
+            <a:pPr marL="216000" indent="-211680">
               <a:lnSpc>
                 <a:spcPct val="100000"/>
               </a:lnSpc>
@@ -1144,7 +1145,7 @@
             </a:endParaRPr>
           </a:p>
           <a:p>
-            <a:pPr marL="216000" indent="-212040">
+            <a:pPr marL="216000" indent="-211680">
               <a:lnSpc>
                 <a:spcPct val="100000"/>
               </a:lnSpc>
@@ -1157,7 +1158,7 @@
             </a:endParaRPr>
           </a:p>
           <a:p>
-            <a:pPr marL="216000" indent="-212040">
+            <a:pPr marL="216000" indent="-211680">
               <a:lnSpc>
                 <a:spcPct val="100000"/>
               </a:lnSpc>
@@ -1195,7 +1196,7 @@
       </p:grpSpPr>
       <p:sp>
         <p:nvSpPr>
-          <p:cNvPr id="553" name="PlaceHolder 1"/>
+          <p:cNvPr id="556" name="PlaceHolder 1"/>
           <p:cNvSpPr>
             <a:spLocks noGrp="1"/>
           </p:cNvSpPr>
@@ -1206,16 +1207,16 @@
         <p:spPr>
           <a:xfrm>
             <a:off x="216000" y="812520"/>
-            <a:ext cx="7125480" cy="4007520"/>
-          </a:xfrm>
-          <a:prstGeom prst="rect">
-            <a:avLst/>
-          </a:prstGeom>
-        </p:spPr>
-      </p:sp>
-      <p:sp>
-        <p:nvSpPr>
-          <p:cNvPr id="554" name="PlaceHolder 2"/>
+            <a:ext cx="7125120" cy="4007160"/>
+          </a:xfrm>
+          <a:prstGeom prst="rect">
+            <a:avLst/>
+          </a:prstGeom>
+        </p:spPr>
+      </p:sp>
+      <p:sp>
+        <p:nvSpPr>
+          <p:cNvPr id="557" name="PlaceHolder 2"/>
           <p:cNvSpPr>
             <a:spLocks noGrp="1"/>
           </p:cNvSpPr>
@@ -1226,7 +1227,7 @@
         <p:spPr>
           <a:xfrm>
             <a:off x="755640" y="5078520"/>
-            <a:ext cx="6045840" cy="4809240"/>
+            <a:ext cx="6045480" cy="4808880"/>
           </a:xfrm>
           <a:prstGeom prst="rect">
             <a:avLst/>
@@ -1237,7 +1238,7 @@
             <a:noAutofit/>
           </a:bodyPr>
           <a:p>
-            <a:pPr marL="216000" indent="-214920">
+            <a:pPr marL="216000" indent="-214560">
               <a:lnSpc>
                 <a:spcPct val="100000"/>
               </a:lnSpc>
@@ -1256,7 +1257,7 @@
             </a:endParaRPr>
           </a:p>
           <a:p>
-            <a:pPr marL="216000" indent="-214920">
+            <a:pPr marL="216000" indent="-214560">
               <a:lnSpc>
                 <a:spcPct val="100000"/>
               </a:lnSpc>
@@ -1275,7 +1276,7 @@
             </a:endParaRPr>
           </a:p>
           <a:p>
-            <a:pPr marL="216000" indent="-214920">
+            <a:pPr marL="216000" indent="-214560">
               <a:lnSpc>
                 <a:spcPct val="100000"/>
               </a:lnSpc>
@@ -1294,7 +1295,7 @@
             </a:endParaRPr>
           </a:p>
           <a:p>
-            <a:pPr marL="216000" indent="-214920">
+            <a:pPr marL="216000" indent="-214560">
               <a:lnSpc>
                 <a:spcPct val="100000"/>
               </a:lnSpc>
@@ -1313,7 +1314,7 @@
             </a:endParaRPr>
           </a:p>
           <a:p>
-            <a:pPr marL="216000" indent="-214920">
+            <a:pPr marL="216000" indent="-214560">
               <a:lnSpc>
                 <a:spcPct val="100000"/>
               </a:lnSpc>
@@ -1332,7 +1333,7 @@
             </a:endParaRPr>
           </a:p>
           <a:p>
-            <a:pPr marL="216000" indent="-214920">
+            <a:pPr marL="216000" indent="-214560">
               <a:lnSpc>
                 <a:spcPct val="100000"/>
               </a:lnSpc>
@@ -1351,7 +1352,7 @@
             </a:endParaRPr>
           </a:p>
           <a:p>
-            <a:pPr marL="216000" indent="-214920">
+            <a:pPr marL="216000" indent="-214560">
               <a:lnSpc>
                 <a:spcPct val="100000"/>
               </a:lnSpc>
@@ -1389,7 +1390,7 @@
       </p:grpSpPr>
       <p:sp>
         <p:nvSpPr>
-          <p:cNvPr id="555" name="PlaceHolder 1"/>
+          <p:cNvPr id="558" name="PlaceHolder 1"/>
           <p:cNvSpPr>
             <a:spLocks noGrp="1"/>
           </p:cNvSpPr>
@@ -1400,16 +1401,16 @@
         <p:spPr>
           <a:xfrm>
             <a:off x="216000" y="812520"/>
-            <a:ext cx="7126560" cy="4008600"/>
-          </a:xfrm>
-          <a:prstGeom prst="rect">
-            <a:avLst/>
-          </a:prstGeom>
-        </p:spPr>
-      </p:sp>
-      <p:sp>
-        <p:nvSpPr>
-          <p:cNvPr id="556" name="PlaceHolder 2"/>
+            <a:ext cx="7126200" cy="4008240"/>
+          </a:xfrm>
+          <a:prstGeom prst="rect">
+            <a:avLst/>
+          </a:prstGeom>
+        </p:spPr>
+      </p:sp>
+      <p:sp>
+        <p:nvSpPr>
+          <p:cNvPr id="559" name="PlaceHolder 2"/>
           <p:cNvSpPr>
             <a:spLocks noGrp="1"/>
           </p:cNvSpPr>
@@ -1420,7 +1421,7 @@
         <p:spPr>
           <a:xfrm>
             <a:off x="755640" y="5078520"/>
-            <a:ext cx="6046920" cy="4810320"/>
+            <a:ext cx="6046560" cy="4809960"/>
           </a:xfrm>
           <a:prstGeom prst="rect">
             <a:avLst/>
@@ -1431,10 +1432,13 @@
             <a:noAutofit/>
           </a:bodyPr>
           <a:p>
-            <a:pPr marL="216000" indent="-216000">
+            <a:pPr marL="216000" indent="-215640">
               <a:lnSpc>
                 <a:spcPct val="100000"/>
               </a:lnSpc>
+              <a:tabLst>
+                <a:tab algn="l" pos="0"/>
+              </a:tabLst>
             </a:pPr>
             <a:r>
               <a:rPr b="0" lang="en-GB" sz="2000" spc="-1" strike="noStrike">
@@ -1447,10 +1451,13 @@
             </a:endParaRPr>
           </a:p>
           <a:p>
-            <a:pPr marL="216000" indent="-216000">
+            <a:pPr marL="216000" indent="-215640">
               <a:lnSpc>
                 <a:spcPct val="100000"/>
               </a:lnSpc>
+              <a:tabLst>
+                <a:tab algn="l" pos="0"/>
+              </a:tabLst>
             </a:pPr>
             <a:r>
               <a:rPr b="0" lang="en-GB" sz="2000" spc="-1" strike="noStrike">
@@ -1463,46 +1470,58 @@
             </a:endParaRPr>
           </a:p>
           <a:p>
-            <a:pPr marL="216000" indent="-216000">
+            <a:pPr marL="216000" indent="-215640">
               <a:lnSpc>
                 <a:spcPct val="100000"/>
               </a:lnSpc>
+              <a:tabLst>
+                <a:tab algn="l" pos="0"/>
+              </a:tabLst>
             </a:pPr>
             <a:endParaRPr b="0" lang="en-GB" sz="2000" spc="-1" strike="noStrike">
               <a:latin typeface="Arial"/>
             </a:endParaRPr>
           </a:p>
           <a:p>
-            <a:pPr marL="216000" indent="-216000">
+            <a:pPr marL="216000" indent="-215640">
               <a:lnSpc>
                 <a:spcPct val="100000"/>
               </a:lnSpc>
+              <a:tabLst>
+                <a:tab algn="l" pos="0"/>
+              </a:tabLst>
             </a:pPr>
             <a:r>
               <a:rPr b="0" lang="en-GB" sz="2000" spc="-1" strike="noStrike">
                 <a:latin typeface="Arial"/>
               </a:rPr>
-              <a:t>Show LTSpice demo</a:t>
+              <a:t>Show flashing LEDs video</a:t>
             </a:r>
             <a:endParaRPr b="0" lang="en-GB" sz="2000" spc="-1" strike="noStrike">
               <a:latin typeface="Arial"/>
             </a:endParaRPr>
           </a:p>
           <a:p>
-            <a:pPr marL="216000" indent="-216000">
+            <a:pPr marL="216000" indent="-215640">
               <a:lnSpc>
                 <a:spcPct val="100000"/>
               </a:lnSpc>
+              <a:tabLst>
+                <a:tab algn="l" pos="0"/>
+              </a:tabLst>
             </a:pPr>
             <a:endParaRPr b="0" lang="en-GB" sz="2000" spc="-1" strike="noStrike">
               <a:latin typeface="Arial"/>
             </a:endParaRPr>
           </a:p>
           <a:p>
-            <a:pPr marL="216000" indent="-216000">
+            <a:pPr marL="216000" indent="-215640">
               <a:lnSpc>
                 <a:spcPct val="100000"/>
               </a:lnSpc>
+              <a:tabLst>
+                <a:tab algn="l" pos="0"/>
+              </a:tabLst>
             </a:pPr>
             <a:endParaRPr b="0" lang="en-GB" sz="2000" spc="-1" strike="noStrike">
               <a:latin typeface="Arial"/>
@@ -1534,7 +1553,7 @@
       </p:grpSpPr>
       <p:sp>
         <p:nvSpPr>
-          <p:cNvPr id="557" name="PlaceHolder 1"/>
+          <p:cNvPr id="560" name="PlaceHolder 1"/>
           <p:cNvSpPr>
             <a:spLocks noGrp="1"/>
           </p:cNvSpPr>
@@ -1545,16 +1564,16 @@
         <p:spPr>
           <a:xfrm>
             <a:off x="216000" y="812520"/>
-            <a:ext cx="7124040" cy="4006080"/>
-          </a:xfrm>
-          <a:prstGeom prst="rect">
-            <a:avLst/>
-          </a:prstGeom>
-        </p:spPr>
-      </p:sp>
-      <p:sp>
-        <p:nvSpPr>
-          <p:cNvPr id="558" name="PlaceHolder 2"/>
+            <a:ext cx="7126920" cy="4008960"/>
+          </a:xfrm>
+          <a:prstGeom prst="rect">
+            <a:avLst/>
+          </a:prstGeom>
+        </p:spPr>
+      </p:sp>
+      <p:sp>
+        <p:nvSpPr>
+          <p:cNvPr id="561" name="PlaceHolder 2"/>
           <p:cNvSpPr>
             <a:spLocks noGrp="1"/>
           </p:cNvSpPr>
@@ -1565,7 +1584,7 @@
         <p:spPr>
           <a:xfrm>
             <a:off x="755640" y="5078520"/>
-            <a:ext cx="6044400" cy="4807800"/>
+            <a:ext cx="6047280" cy="4810680"/>
           </a:xfrm>
           <a:prstGeom prst="rect">
             <a:avLst/>
@@ -1576,122 +1595,72 @@
             <a:noAutofit/>
           </a:bodyPr>
           <a:p>
-            <a:pPr marL="216000" indent="-213480">
-              <a:lnSpc>
-                <a:spcPct val="100000"/>
-              </a:lnSpc>
-              <a:tabLst>
-                <a:tab algn="l" pos="0"/>
-              </a:tabLst>
-            </a:pPr>
             <a:r>
               <a:rPr b="0" lang="en-GB" sz="2000" spc="-1" strike="noStrike">
                 <a:latin typeface="Arial"/>
               </a:rPr>
-              <a:t>Spring loaded clips, lift up, insert wire, put clip down</a:t>
+              <a:t>MOSFETs I’m using</a:t>
             </a:r>
             <a:endParaRPr b="0" lang="en-GB" sz="2000" spc="-1" strike="noStrike">
               <a:latin typeface="Arial"/>
             </a:endParaRPr>
           </a:p>
           <a:p>
-            <a:pPr marL="216000" indent="-213480">
-              <a:lnSpc>
-                <a:spcPct val="100000"/>
-              </a:lnSpc>
-              <a:tabLst>
-                <a:tab algn="l" pos="0"/>
-              </a:tabLst>
-            </a:pPr>
             <a:r>
               <a:rPr b="0" lang="en-GB" sz="2000" spc="-1" strike="noStrike">
                 <a:latin typeface="Arial"/>
               </a:rPr>
-              <a:t>Better than normal terminal blocks because they don’t have screws</a:t>
+              <a:t>Bit disappointed in the on resistance</a:t>
             </a:r>
             <a:endParaRPr b="0" lang="en-GB" sz="2000" spc="-1" strike="noStrike">
               <a:latin typeface="Arial"/>
             </a:endParaRPr>
           </a:p>
           <a:p>
-            <a:pPr marL="216000" indent="-213480">
-              <a:lnSpc>
-                <a:spcPct val="100000"/>
-              </a:lnSpc>
-              <a:tabLst>
-                <a:tab algn="l" pos="0"/>
-              </a:tabLst>
-            </a:pPr>
             <a:r>
               <a:rPr b="0" lang="en-GB" sz="2000" spc="-1" strike="noStrike">
                 <a:latin typeface="Arial"/>
               </a:rPr>
-              <a:t>Less stress on wire</a:t>
+              <a:t>N channel ok at 30 milli ohms – low gate voltage</a:t>
             </a:r>
             <a:endParaRPr b="0" lang="en-GB" sz="2000" spc="-1" strike="noStrike">
               <a:latin typeface="Arial"/>
             </a:endParaRPr>
           </a:p>
           <a:p>
-            <a:pPr marL="216000" indent="-213480">
-              <a:lnSpc>
-                <a:spcPct val="100000"/>
-              </a:lnSpc>
-              <a:tabLst>
-                <a:tab algn="l" pos="0"/>
-              </a:tabLst>
-            </a:pPr>
             <a:r>
               <a:rPr b="0" lang="en-GB" sz="2000" spc="-1" strike="noStrike">
                 <a:latin typeface="Arial"/>
               </a:rPr>
-              <a:t>Lots of different types – here 1 to 1 and 1 to 3</a:t>
+              <a:t>P channel 67 milli ohms seems too high – might have to do some experiments – see if I can get better performance</a:t>
             </a:r>
             <a:endParaRPr b="0" lang="en-GB" sz="2000" spc="-1" strike="noStrike">
               <a:latin typeface="Arial"/>
             </a:endParaRPr>
           </a:p>
           <a:p>
-            <a:pPr marL="216000" indent="-213480">
-              <a:lnSpc>
-                <a:spcPct val="100000"/>
-              </a:lnSpc>
-              <a:tabLst>
-                <a:tab algn="l" pos="0"/>
-              </a:tabLst>
-            </a:pPr>
+            <a:endParaRPr b="0" lang="en-GB" sz="2000" spc="-1" strike="noStrike">
+              <a:latin typeface="Arial"/>
+            </a:endParaRPr>
+          </a:p>
+          <a:p>
             <a:r>
               <a:rPr b="0" lang="en-GB" sz="2000" spc="-1" strike="noStrike">
                 <a:latin typeface="Arial"/>
               </a:rPr>
-              <a:t>Search for “cable connector”</a:t>
+              <a:t>Show LTSpice</a:t>
             </a:r>
             <a:endParaRPr b="0" lang="en-GB" sz="2000" spc="-1" strike="noStrike">
               <a:latin typeface="Arial"/>
             </a:endParaRPr>
           </a:p>
           <a:p>
-            <a:pPr marL="216000" indent="-213480">
-              <a:lnSpc>
-                <a:spcPct val="100000"/>
-              </a:lnSpc>
-              <a:tabLst>
-                <a:tab algn="l" pos="0"/>
-              </a:tabLst>
-            </a:pPr>
-            <a:endParaRPr b="0" lang="en-GB" sz="2000" spc="-1" strike="noStrike">
-              <a:latin typeface="Arial"/>
-            </a:endParaRPr>
-          </a:p>
-          <a:p>
-            <a:pPr marL="216000" indent="-213480">
-              <a:lnSpc>
-                <a:spcPct val="100000"/>
-              </a:lnSpc>
-              <a:tabLst>
-                <a:tab algn="l" pos="0"/>
-              </a:tabLst>
-            </a:pPr>
+            <a:r>
+              <a:rPr b="0" lang="en-GB" sz="2000" spc="-1" strike="noStrike">
+                <a:latin typeface="Arial"/>
+              </a:rPr>
+              <a:t> </a:t>
+            </a:r>
             <a:endParaRPr b="0" lang="en-GB" sz="2000" spc="-1" strike="noStrike">
               <a:latin typeface="Arial"/>
             </a:endParaRPr>
@@ -1722,7 +1691,7 @@
       </p:grpSpPr>
       <p:sp>
         <p:nvSpPr>
-          <p:cNvPr id="559" name="PlaceHolder 1"/>
+          <p:cNvPr id="562" name="PlaceHolder 1"/>
           <p:cNvSpPr>
             <a:spLocks noGrp="1"/>
           </p:cNvSpPr>
@@ -1733,16 +1702,16 @@
         <p:spPr>
           <a:xfrm>
             <a:off x="216000" y="812520"/>
-            <a:ext cx="7125480" cy="4007520"/>
-          </a:xfrm>
-          <a:prstGeom prst="rect">
-            <a:avLst/>
-          </a:prstGeom>
-        </p:spPr>
-      </p:sp>
-      <p:sp>
-        <p:nvSpPr>
-          <p:cNvPr id="560" name="PlaceHolder 2"/>
+            <a:ext cx="7123680" cy="4005720"/>
+          </a:xfrm>
+          <a:prstGeom prst="rect">
+            <a:avLst/>
+          </a:prstGeom>
+        </p:spPr>
+      </p:sp>
+      <p:sp>
+        <p:nvSpPr>
+          <p:cNvPr id="563" name="PlaceHolder 2"/>
           <p:cNvSpPr>
             <a:spLocks noGrp="1"/>
           </p:cNvSpPr>
@@ -1753,7 +1722,7 @@
         <p:spPr>
           <a:xfrm>
             <a:off x="755640" y="5078520"/>
-            <a:ext cx="6045840" cy="4809240"/>
+            <a:ext cx="6044040" cy="4807440"/>
           </a:xfrm>
           <a:prstGeom prst="rect">
             <a:avLst/>
@@ -1764,7 +1733,7 @@
             <a:noAutofit/>
           </a:bodyPr>
           <a:p>
-            <a:pPr marL="216000" indent="-214920">
+            <a:pPr marL="216000" indent="-213120">
               <a:lnSpc>
                 <a:spcPct val="100000"/>
               </a:lnSpc>
@@ -1776,14 +1745,14 @@
               <a:rPr b="0" lang="en-GB" sz="2000" spc="-1" strike="noStrike">
                 <a:latin typeface="Arial"/>
               </a:rPr>
-              <a:t>Show video</a:t>
+              <a:t>Spring loaded clips, lift up, insert wire, put clip down</a:t>
             </a:r>
             <a:endParaRPr b="0" lang="en-GB" sz="2000" spc="-1" strike="noStrike">
               <a:latin typeface="Arial"/>
             </a:endParaRPr>
           </a:p>
           <a:p>
-            <a:pPr marL="216000" indent="-214920">
+            <a:pPr marL="216000" indent="-213120">
               <a:lnSpc>
                 <a:spcPct val="100000"/>
               </a:lnSpc>
@@ -1791,12 +1760,18 @@
                 <a:tab algn="l" pos="0"/>
               </a:tabLst>
             </a:pPr>
+            <a:r>
+              <a:rPr b="0" lang="en-GB" sz="2000" spc="-1" strike="noStrike">
+                <a:latin typeface="Arial"/>
+              </a:rPr>
+              <a:t>Better than normal terminal blocks because they don’t have screws</a:t>
+            </a:r>
             <a:endParaRPr b="0" lang="en-GB" sz="2000" spc="-1" strike="noStrike">
               <a:latin typeface="Arial"/>
             </a:endParaRPr>
           </a:p>
           <a:p>
-            <a:pPr marL="216000" indent="-214920">
+            <a:pPr marL="216000" indent="-213120">
               <a:lnSpc>
                 <a:spcPct val="100000"/>
               </a:lnSpc>
@@ -1808,14 +1783,14 @@
               <a:rPr b="0" lang="en-GB" sz="2000" spc="-1" strike="noStrike">
                 <a:latin typeface="Arial"/>
               </a:rPr>
-              <a:t>Wires =&gt; you get what you pay for</a:t>
+              <a:t>Less stress on wire</a:t>
             </a:r>
             <a:endParaRPr b="0" lang="en-GB" sz="2000" spc="-1" strike="noStrike">
               <a:latin typeface="Arial"/>
             </a:endParaRPr>
           </a:p>
           <a:p>
-            <a:pPr marL="216000" indent="-214920">
+            <a:pPr marL="216000" indent="-213120">
               <a:lnSpc>
                 <a:spcPct val="100000"/>
               </a:lnSpc>
@@ -1827,14 +1802,14 @@
               <a:rPr b="0" lang="en-GB" sz="2000" spc="-1" strike="noStrike">
                 <a:latin typeface="Arial"/>
               </a:rPr>
-              <a:t>Could get expensive to wire it all up with 10 gauge wire</a:t>
+              <a:t>Lots of different types – here 1 to 1 and 1 to 3</a:t>
             </a:r>
             <a:endParaRPr b="0" lang="en-GB" sz="2000" spc="-1" strike="noStrike">
               <a:latin typeface="Arial"/>
             </a:endParaRPr>
           </a:p>
           <a:p>
-            <a:pPr marL="216000" indent="-214920">
+            <a:pPr marL="216000" indent="-213120">
               <a:lnSpc>
                 <a:spcPct val="100000"/>
               </a:lnSpc>
@@ -1846,14 +1821,27 @@
               <a:rPr b="0" lang="en-GB" sz="2000" spc="-1" strike="noStrike">
                 <a:latin typeface="Arial"/>
               </a:rPr>
-              <a:t>10m 30 gauge wire shorted across 12V =&gt; current 2.6A</a:t>
+              <a:t>Search for “cable connector”</a:t>
             </a:r>
             <a:endParaRPr b="0" lang="en-GB" sz="2000" spc="-1" strike="noStrike">
               <a:latin typeface="Arial"/>
             </a:endParaRPr>
           </a:p>
           <a:p>
-            <a:pPr marL="216000" indent="-214920">
+            <a:pPr marL="216000" indent="-213120">
+              <a:lnSpc>
+                <a:spcPct val="100000"/>
+              </a:lnSpc>
+              <a:tabLst>
+                <a:tab algn="l" pos="0"/>
+              </a:tabLst>
+            </a:pPr>
+            <a:endParaRPr b="0" lang="en-GB" sz="2000" spc="-1" strike="noStrike">
+              <a:latin typeface="Arial"/>
+            </a:endParaRPr>
+          </a:p>
+          <a:p>
+            <a:pPr marL="216000" indent="-213120">
               <a:lnSpc>
                 <a:spcPct val="100000"/>
               </a:lnSpc>
@@ -1891,7 +1879,7 @@
       </p:grpSpPr>
       <p:sp>
         <p:nvSpPr>
-          <p:cNvPr id="561" name="PlaceHolder 1"/>
+          <p:cNvPr id="564" name="PlaceHolder 1"/>
           <p:cNvSpPr>
             <a:spLocks noGrp="1"/>
           </p:cNvSpPr>
@@ -1902,16 +1890,16 @@
         <p:spPr>
           <a:xfrm>
             <a:off x="216000" y="812520"/>
-            <a:ext cx="7123680" cy="4005720"/>
-          </a:xfrm>
-          <a:prstGeom prst="rect">
-            <a:avLst/>
-          </a:prstGeom>
-        </p:spPr>
-      </p:sp>
-      <p:sp>
-        <p:nvSpPr>
-          <p:cNvPr id="562" name="PlaceHolder 2"/>
+            <a:ext cx="7125120" cy="4007160"/>
+          </a:xfrm>
+          <a:prstGeom prst="rect">
+            <a:avLst/>
+          </a:prstGeom>
+        </p:spPr>
+      </p:sp>
+      <p:sp>
+        <p:nvSpPr>
+          <p:cNvPr id="565" name="PlaceHolder 2"/>
           <p:cNvSpPr>
             <a:spLocks noGrp="1"/>
           </p:cNvSpPr>
@@ -1922,7 +1910,7 @@
         <p:spPr>
           <a:xfrm>
             <a:off x="755640" y="5078520"/>
-            <a:ext cx="6044040" cy="4807440"/>
+            <a:ext cx="6045480" cy="4808880"/>
           </a:xfrm>
           <a:prstGeom prst="rect">
             <a:avLst/>
@@ -1933,7 +1921,7 @@
             <a:noAutofit/>
           </a:bodyPr>
           <a:p>
-            <a:pPr marL="216000" indent="-213120">
+            <a:pPr marL="216000" indent="-214560">
               <a:lnSpc>
                 <a:spcPct val="100000"/>
               </a:lnSpc>
@@ -1945,14 +1933,14 @@
               <a:rPr b="0" lang="en-GB" sz="2000" spc="-1" strike="noStrike">
                 <a:latin typeface="Arial"/>
               </a:rPr>
-              <a:t>Used Arduino IDE – could have used platfomio and VS code – but sometimes think it’s just as easy to use Arduino IDE</a:t>
+              <a:t>Show video</a:t>
             </a:r>
             <a:endParaRPr b="0" lang="en-GB" sz="2000" spc="-1" strike="noStrike">
               <a:latin typeface="Arial"/>
             </a:endParaRPr>
           </a:p>
           <a:p>
-            <a:pPr marL="216000" indent="-213120">
+            <a:pPr marL="216000" indent="-214560">
               <a:lnSpc>
                 <a:spcPct val="100000"/>
               </a:lnSpc>
@@ -1960,18 +1948,12 @@
                 <a:tab algn="l" pos="0"/>
               </a:tabLst>
             </a:pPr>
-            <a:r>
-              <a:rPr b="0" lang="en-GB" sz="2000" spc="-1" strike="noStrike">
-                <a:latin typeface="Arial"/>
-              </a:rPr>
-              <a:t>Modified existing examples</a:t>
-            </a:r>
             <a:endParaRPr b="0" lang="en-GB" sz="2000" spc="-1" strike="noStrike">
               <a:latin typeface="Arial"/>
             </a:endParaRPr>
           </a:p>
           <a:p>
-            <a:pPr marL="216000" indent="-213120">
+            <a:pPr marL="216000" indent="-214560">
               <a:lnSpc>
                 <a:spcPct val="100000"/>
               </a:lnSpc>
@@ -1979,12 +1961,18 @@
                 <a:tab algn="l" pos="0"/>
               </a:tabLst>
             </a:pPr>
+            <a:r>
+              <a:rPr b="0" lang="en-GB" sz="2000" spc="-1" strike="noStrike">
+                <a:latin typeface="Arial"/>
+              </a:rPr>
+              <a:t>Wires =&gt; you get what you pay for</a:t>
+            </a:r>
             <a:endParaRPr b="0" lang="en-GB" sz="2000" spc="-1" strike="noStrike">
               <a:latin typeface="Arial"/>
             </a:endParaRPr>
           </a:p>
           <a:p>
-            <a:pPr marL="216000" indent="-213120">
+            <a:pPr marL="216000" indent="-214560">
               <a:lnSpc>
                 <a:spcPct val="100000"/>
               </a:lnSpc>
@@ -1992,12 +1980,37 @@
                 <a:tab algn="l" pos="0"/>
               </a:tabLst>
             </a:pPr>
+            <a:r>
+              <a:rPr b="0" lang="en-GB" sz="2000" spc="-1" strike="noStrike">
+                <a:latin typeface="Arial"/>
+              </a:rPr>
+              <a:t>Could get expensive to wire it all up with 10 gauge wire</a:t>
+            </a:r>
             <a:endParaRPr b="0" lang="en-GB" sz="2000" spc="-1" strike="noStrike">
               <a:latin typeface="Arial"/>
             </a:endParaRPr>
           </a:p>
           <a:p>
-            <a:pPr marL="216000" indent="-213120">
+            <a:pPr marL="216000" indent="-214560">
+              <a:lnSpc>
+                <a:spcPct val="100000"/>
+              </a:lnSpc>
+              <a:tabLst>
+                <a:tab algn="l" pos="0"/>
+              </a:tabLst>
+            </a:pPr>
+            <a:r>
+              <a:rPr b="0" lang="en-GB" sz="2000" spc="-1" strike="noStrike">
+                <a:latin typeface="Arial"/>
+              </a:rPr>
+              <a:t>10m 30 gauge wire shorted across 12V =&gt; current 2.6A</a:t>
+            </a:r>
+            <a:endParaRPr b="0" lang="en-GB" sz="2000" spc="-1" strike="noStrike">
+              <a:latin typeface="Arial"/>
+            </a:endParaRPr>
+          </a:p>
+          <a:p>
+            <a:pPr marL="216000" indent="-214560">
               <a:lnSpc>
                 <a:spcPct val="100000"/>
               </a:lnSpc>
@@ -2035,7 +2048,7 @@
       </p:grpSpPr>
       <p:sp>
         <p:nvSpPr>
-          <p:cNvPr id="563" name="PlaceHolder 1"/>
+          <p:cNvPr id="566" name="PlaceHolder 1"/>
           <p:cNvSpPr>
             <a:spLocks noGrp="1"/>
           </p:cNvSpPr>
@@ -2046,16 +2059,16 @@
         <p:spPr>
           <a:xfrm>
             <a:off x="216000" y="812520"/>
-            <a:ext cx="7123680" cy="4005720"/>
-          </a:xfrm>
-          <a:prstGeom prst="rect">
-            <a:avLst/>
-          </a:prstGeom>
-        </p:spPr>
-      </p:sp>
-      <p:sp>
-        <p:nvSpPr>
-          <p:cNvPr id="564" name="PlaceHolder 2"/>
+            <a:ext cx="7123320" cy="4005360"/>
+          </a:xfrm>
+          <a:prstGeom prst="rect">
+            <a:avLst/>
+          </a:prstGeom>
+        </p:spPr>
+      </p:sp>
+      <p:sp>
+        <p:nvSpPr>
+          <p:cNvPr id="567" name="PlaceHolder 2"/>
           <p:cNvSpPr>
             <a:spLocks noGrp="1"/>
           </p:cNvSpPr>
@@ -2066,7 +2079,7 @@
         <p:spPr>
           <a:xfrm>
             <a:off x="755640" y="5078520"/>
-            <a:ext cx="6044040" cy="4807440"/>
+            <a:ext cx="6043680" cy="4807080"/>
           </a:xfrm>
           <a:prstGeom prst="rect">
             <a:avLst/>
@@ -2077,7 +2090,7 @@
             <a:noAutofit/>
           </a:bodyPr>
           <a:p>
-            <a:pPr marL="216000" indent="-213120">
+            <a:pPr marL="216000" indent="-212760">
               <a:lnSpc>
                 <a:spcPct val="100000"/>
               </a:lnSpc>
@@ -2089,14 +2102,14 @@
               <a:rPr b="0" lang="en-GB" sz="2000" spc="-1" strike="noStrike">
                 <a:latin typeface="Arial"/>
               </a:rPr>
-              <a:t>Swagger editor to create API definition</a:t>
+              <a:t>Used Arduino IDE – could have used platfomio and VS code – but sometimes think it’s just as easy to use Arduino IDE</a:t>
             </a:r>
             <a:endParaRPr b="0" lang="en-GB" sz="2000" spc="-1" strike="noStrike">
               <a:latin typeface="Arial"/>
             </a:endParaRPr>
           </a:p>
           <a:p>
-            <a:pPr marL="216000" indent="-213120">
+            <a:pPr marL="216000" indent="-212760">
               <a:lnSpc>
                 <a:spcPct val="100000"/>
               </a:lnSpc>
@@ -2108,14 +2121,14 @@
               <a:rPr b="0" lang="en-GB" sz="2000" spc="-1" strike="noStrike">
                 <a:latin typeface="Arial"/>
               </a:rPr>
-              <a:t>Useful as:</a:t>
+              <a:t>Modified existing examples</a:t>
             </a:r>
             <a:endParaRPr b="0" lang="en-GB" sz="2000" spc="-1" strike="noStrike">
               <a:latin typeface="Arial"/>
             </a:endParaRPr>
           </a:p>
           <a:p>
-            <a:pPr marL="216000" indent="-213120">
+            <a:pPr marL="216000" indent="-212760">
               <a:lnSpc>
                 <a:spcPct val="100000"/>
               </a:lnSpc>
@@ -2123,18 +2136,12 @@
                 <a:tab algn="l" pos="0"/>
               </a:tabLst>
             </a:pPr>
-            <a:r>
-              <a:rPr b="0" lang="en-GB" sz="2000" spc="-1" strike="noStrike">
-                <a:latin typeface="Arial"/>
-              </a:rPr>
-              <a:t>Documentation</a:t>
-            </a:r>
             <a:endParaRPr b="0" lang="en-GB" sz="2000" spc="-1" strike="noStrike">
               <a:latin typeface="Arial"/>
             </a:endParaRPr>
           </a:p>
           <a:p>
-            <a:pPr marL="216000" indent="-213120">
+            <a:pPr marL="216000" indent="-212760">
               <a:lnSpc>
                 <a:spcPct val="100000"/>
               </a:lnSpc>
@@ -2142,12 +2149,19 @@
                 <a:tab algn="l" pos="0"/>
               </a:tabLst>
             </a:pPr>
-            <a:r>
-              <a:rPr b="0" lang="en-GB" sz="2000" spc="-1" strike="noStrike">
-                <a:latin typeface="Arial"/>
-              </a:rPr>
-              <a:t>Testing API</a:t>
-            </a:r>
+            <a:endParaRPr b="0" lang="en-GB" sz="2000" spc="-1" strike="noStrike">
+              <a:latin typeface="Arial"/>
+            </a:endParaRPr>
+          </a:p>
+          <a:p>
+            <a:pPr marL="216000" indent="-212760">
+              <a:lnSpc>
+                <a:spcPct val="100000"/>
+              </a:lnSpc>
+              <a:tabLst>
+                <a:tab algn="l" pos="0"/>
+              </a:tabLst>
+            </a:pPr>
             <a:endParaRPr b="0" lang="en-GB" sz="2000" spc="-1" strike="noStrike">
               <a:latin typeface="Arial"/>
             </a:endParaRPr>
@@ -2178,7 +2192,7 @@
       </p:grpSpPr>
       <p:sp>
         <p:nvSpPr>
-          <p:cNvPr id="531" name="PlaceHolder 1"/>
+          <p:cNvPr id="534" name="PlaceHolder 1"/>
           <p:cNvSpPr>
             <a:spLocks noGrp="1"/>
           </p:cNvSpPr>
@@ -2189,16 +2203,16 @@
         <p:spPr>
           <a:xfrm>
             <a:off x="216000" y="812520"/>
-            <a:ext cx="7122960" cy="4004640"/>
-          </a:xfrm>
-          <a:prstGeom prst="rect">
-            <a:avLst/>
-          </a:prstGeom>
-        </p:spPr>
-      </p:sp>
-      <p:sp>
-        <p:nvSpPr>
-          <p:cNvPr id="532" name="PlaceHolder 2"/>
+            <a:ext cx="7122600" cy="4004280"/>
+          </a:xfrm>
+          <a:prstGeom prst="rect">
+            <a:avLst/>
+          </a:prstGeom>
+        </p:spPr>
+      </p:sp>
+      <p:sp>
+        <p:nvSpPr>
+          <p:cNvPr id="535" name="PlaceHolder 2"/>
           <p:cNvSpPr>
             <a:spLocks noGrp="1"/>
           </p:cNvSpPr>
@@ -2209,7 +2223,7 @@
         <p:spPr>
           <a:xfrm>
             <a:off x="756000" y="5078520"/>
-            <a:ext cx="6043320" cy="4806720"/>
+            <a:ext cx="6042960" cy="4806360"/>
           </a:xfrm>
           <a:prstGeom prst="rect">
             <a:avLst/>
@@ -2220,7 +2234,7 @@
             <a:noAutofit/>
           </a:bodyPr>
           <a:p>
-            <a:pPr marL="216000" indent="-212040">
+            <a:pPr marL="216000" indent="-211680">
               <a:lnSpc>
                 <a:spcPct val="100000"/>
               </a:lnSpc>
@@ -2239,7 +2253,7 @@
             </a:endParaRPr>
           </a:p>
           <a:p>
-            <a:pPr marL="216000" indent="-212040">
+            <a:pPr marL="216000" indent="-211680">
               <a:lnSpc>
                 <a:spcPct val="100000"/>
               </a:lnSpc>
@@ -2258,7 +2272,7 @@
             </a:endParaRPr>
           </a:p>
           <a:p>
-            <a:pPr marL="216000" indent="-212040">
+            <a:pPr marL="216000" indent="-211680">
               <a:lnSpc>
                 <a:spcPct val="100000"/>
               </a:lnSpc>
@@ -2277,7 +2291,7 @@
             </a:endParaRPr>
           </a:p>
           <a:p>
-            <a:pPr marL="216000" indent="-212040">
+            <a:pPr marL="216000" indent="-211680">
               <a:lnSpc>
                 <a:spcPct val="100000"/>
               </a:lnSpc>
@@ -2315,7 +2329,7 @@
       </p:grpSpPr>
       <p:sp>
         <p:nvSpPr>
-          <p:cNvPr id="565" name="PlaceHolder 1"/>
+          <p:cNvPr id="568" name="PlaceHolder 1"/>
           <p:cNvSpPr>
             <a:spLocks noGrp="1"/>
           </p:cNvSpPr>
@@ -2326,16 +2340,16 @@
         <p:spPr>
           <a:xfrm>
             <a:off x="216000" y="812520"/>
-            <a:ext cx="7123680" cy="4005720"/>
-          </a:xfrm>
-          <a:prstGeom prst="rect">
-            <a:avLst/>
-          </a:prstGeom>
-        </p:spPr>
-      </p:sp>
-      <p:sp>
-        <p:nvSpPr>
-          <p:cNvPr id="566" name="PlaceHolder 2"/>
+            <a:ext cx="7123320" cy="4005360"/>
+          </a:xfrm>
+          <a:prstGeom prst="rect">
+            <a:avLst/>
+          </a:prstGeom>
+        </p:spPr>
+      </p:sp>
+      <p:sp>
+        <p:nvSpPr>
+          <p:cNvPr id="569" name="PlaceHolder 2"/>
           <p:cNvSpPr>
             <a:spLocks noGrp="1"/>
           </p:cNvSpPr>
@@ -2346,7 +2360,7 @@
         <p:spPr>
           <a:xfrm>
             <a:off x="755640" y="5078520"/>
-            <a:ext cx="6044040" cy="4807440"/>
+            <a:ext cx="6043680" cy="4807080"/>
           </a:xfrm>
           <a:prstGeom prst="rect">
             <a:avLst/>
@@ -2357,7 +2371,7 @@
             <a:noAutofit/>
           </a:bodyPr>
           <a:p>
-            <a:pPr marL="216000" indent="-213120">
+            <a:pPr marL="216000" indent="-212760">
               <a:lnSpc>
                 <a:spcPct val="100000"/>
               </a:lnSpc>
@@ -2369,14 +2383,14 @@
               <a:rPr b="0" lang="en-GB" sz="2000" spc="-1" strike="noStrike">
                 <a:latin typeface="Arial"/>
               </a:rPr>
-              <a:t>Implementation:</a:t>
+              <a:t>Swagger editor to create API definition</a:t>
             </a:r>
             <a:endParaRPr b="0" lang="en-GB" sz="2000" spc="-1" strike="noStrike">
               <a:latin typeface="Arial"/>
             </a:endParaRPr>
           </a:p>
           <a:p>
-            <a:pPr marL="216000" indent="-213120">
+            <a:pPr marL="216000" indent="-212760">
               <a:lnSpc>
                 <a:spcPct val="100000"/>
               </a:lnSpc>
@@ -2388,14 +2402,14 @@
               <a:rPr b="0" lang="en-GB" sz="2000" spc="-1" strike="noStrike">
                 <a:latin typeface="Arial"/>
               </a:rPr>
-              <a:t>HTML web page</a:t>
+              <a:t>Useful as:</a:t>
             </a:r>
             <a:endParaRPr b="0" lang="en-GB" sz="2000" spc="-1" strike="noStrike">
               <a:latin typeface="Arial"/>
             </a:endParaRPr>
           </a:p>
           <a:p>
-            <a:pPr marL="216000" indent="-213120">
+            <a:pPr marL="216000" indent="-212760">
               <a:lnSpc>
                 <a:spcPct val="100000"/>
               </a:lnSpc>
@@ -2407,7 +2421,26 @@
               <a:rPr b="0" lang="en-GB" sz="2000" spc="-1" strike="noStrike">
                 <a:latin typeface="Arial"/>
               </a:rPr>
-              <a:t>Uses CDN</a:t>
+              <a:t>Documentation</a:t>
+            </a:r>
+            <a:endParaRPr b="0" lang="en-GB" sz="2000" spc="-1" strike="noStrike">
+              <a:latin typeface="Arial"/>
+            </a:endParaRPr>
+          </a:p>
+          <a:p>
+            <a:pPr marL="216000" indent="-212760">
+              <a:lnSpc>
+                <a:spcPct val="100000"/>
+              </a:lnSpc>
+              <a:tabLst>
+                <a:tab algn="l" pos="0"/>
+              </a:tabLst>
+            </a:pPr>
+            <a:r>
+              <a:rPr b="0" lang="en-GB" sz="2000" spc="-1" strike="noStrike">
+                <a:latin typeface="Arial"/>
+              </a:rPr>
+              <a:t>Testing API</a:t>
             </a:r>
             <a:endParaRPr b="0" lang="en-GB" sz="2000" spc="-1" strike="noStrike">
               <a:latin typeface="Arial"/>
@@ -2439,7 +2472,7 @@
       </p:grpSpPr>
       <p:sp>
         <p:nvSpPr>
-          <p:cNvPr id="567" name="PlaceHolder 1"/>
+          <p:cNvPr id="570" name="PlaceHolder 1"/>
           <p:cNvSpPr>
             <a:spLocks noGrp="1"/>
           </p:cNvSpPr>
@@ -2450,16 +2483,16 @@
         <p:spPr>
           <a:xfrm>
             <a:off x="216000" y="812520"/>
-            <a:ext cx="7123680" cy="4005720"/>
-          </a:xfrm>
-          <a:prstGeom prst="rect">
-            <a:avLst/>
-          </a:prstGeom>
-        </p:spPr>
-      </p:sp>
-      <p:sp>
-        <p:nvSpPr>
-          <p:cNvPr id="568" name="PlaceHolder 2"/>
+            <a:ext cx="7123320" cy="4005360"/>
+          </a:xfrm>
+          <a:prstGeom prst="rect">
+            <a:avLst/>
+          </a:prstGeom>
+        </p:spPr>
+      </p:sp>
+      <p:sp>
+        <p:nvSpPr>
+          <p:cNvPr id="571" name="PlaceHolder 2"/>
           <p:cNvSpPr>
             <a:spLocks noGrp="1"/>
           </p:cNvSpPr>
@@ -2470,7 +2503,7 @@
         <p:spPr>
           <a:xfrm>
             <a:off x="755640" y="5078520"/>
-            <a:ext cx="6044040" cy="4807440"/>
+            <a:ext cx="6043680" cy="4807080"/>
           </a:xfrm>
           <a:prstGeom prst="rect">
             <a:avLst/>
@@ -2481,7 +2514,7 @@
             <a:noAutofit/>
           </a:bodyPr>
           <a:p>
-            <a:pPr marL="216000" indent="-213120">
+            <a:pPr marL="216000" indent="-212760">
               <a:lnSpc>
                 <a:spcPct val="100000"/>
               </a:lnSpc>
@@ -2493,7 +2526,45 @@
               <a:rPr b="0" lang="en-GB" sz="2000" spc="-1" strike="noStrike">
                 <a:latin typeface="Arial"/>
               </a:rPr>
-              <a:t>Paste into strings in code</a:t>
+              <a:t>Implementation:</a:t>
+            </a:r>
+            <a:endParaRPr b="0" lang="en-GB" sz="2000" spc="-1" strike="noStrike">
+              <a:latin typeface="Arial"/>
+            </a:endParaRPr>
+          </a:p>
+          <a:p>
+            <a:pPr marL="216000" indent="-212760">
+              <a:lnSpc>
+                <a:spcPct val="100000"/>
+              </a:lnSpc>
+              <a:tabLst>
+                <a:tab algn="l" pos="0"/>
+              </a:tabLst>
+            </a:pPr>
+            <a:r>
+              <a:rPr b="0" lang="en-GB" sz="2000" spc="-1" strike="noStrike">
+                <a:latin typeface="Arial"/>
+              </a:rPr>
+              <a:t>HTML web page</a:t>
+            </a:r>
+            <a:endParaRPr b="0" lang="en-GB" sz="2000" spc="-1" strike="noStrike">
+              <a:latin typeface="Arial"/>
+            </a:endParaRPr>
+          </a:p>
+          <a:p>
+            <a:pPr marL="216000" indent="-212760">
+              <a:lnSpc>
+                <a:spcPct val="100000"/>
+              </a:lnSpc>
+              <a:tabLst>
+                <a:tab algn="l" pos="0"/>
+              </a:tabLst>
+            </a:pPr>
+            <a:r>
+              <a:rPr b="0" lang="en-GB" sz="2000" spc="-1" strike="noStrike">
+                <a:latin typeface="Arial"/>
+              </a:rPr>
+              <a:t>Uses CDN</a:t>
             </a:r>
             <a:endParaRPr b="0" lang="en-GB" sz="2000" spc="-1" strike="noStrike">
               <a:latin typeface="Arial"/>
@@ -2525,7 +2596,7 @@
       </p:grpSpPr>
       <p:sp>
         <p:nvSpPr>
-          <p:cNvPr id="569" name="PlaceHolder 1"/>
+          <p:cNvPr id="572" name="PlaceHolder 1"/>
           <p:cNvSpPr>
             <a:spLocks noGrp="1"/>
           </p:cNvSpPr>
@@ -2536,16 +2607,16 @@
         <p:spPr>
           <a:xfrm>
             <a:off x="216000" y="812520"/>
-            <a:ext cx="7123680" cy="4005720"/>
-          </a:xfrm>
-          <a:prstGeom prst="rect">
-            <a:avLst/>
-          </a:prstGeom>
-        </p:spPr>
-      </p:sp>
-      <p:sp>
-        <p:nvSpPr>
-          <p:cNvPr id="570" name="PlaceHolder 2"/>
+            <a:ext cx="7123320" cy="4005360"/>
+          </a:xfrm>
+          <a:prstGeom prst="rect">
+            <a:avLst/>
+          </a:prstGeom>
+        </p:spPr>
+      </p:sp>
+      <p:sp>
+        <p:nvSpPr>
+          <p:cNvPr id="573" name="PlaceHolder 2"/>
           <p:cNvSpPr>
             <a:spLocks noGrp="1"/>
           </p:cNvSpPr>
@@ -2556,7 +2627,7 @@
         <p:spPr>
           <a:xfrm>
             <a:off x="755640" y="5078520"/>
-            <a:ext cx="6044040" cy="4807440"/>
+            <a:ext cx="6043680" cy="4807080"/>
           </a:xfrm>
           <a:prstGeom prst="rect">
             <a:avLst/>
@@ -2567,7 +2638,7 @@
             <a:noAutofit/>
           </a:bodyPr>
           <a:p>
-            <a:pPr marL="216000" indent="-213120">
+            <a:pPr marL="216000" indent="-212760">
               <a:lnSpc>
                 <a:spcPct val="100000"/>
               </a:lnSpc>
@@ -2579,7 +2650,7 @@
               <a:rPr b="0" lang="en-GB" sz="2000" spc="-1" strike="noStrike">
                 <a:latin typeface="Arial"/>
               </a:rPr>
-              <a:t>Connect requests to strings we just defined</a:t>
+              <a:t>Paste into strings in code</a:t>
             </a:r>
             <a:endParaRPr b="0" lang="en-GB" sz="2000" spc="-1" strike="noStrike">
               <a:latin typeface="Arial"/>
@@ -2611,7 +2682,7 @@
       </p:grpSpPr>
       <p:sp>
         <p:nvSpPr>
-          <p:cNvPr id="571" name="PlaceHolder 1"/>
+          <p:cNvPr id="574" name="PlaceHolder 1"/>
           <p:cNvSpPr>
             <a:spLocks noGrp="1"/>
           </p:cNvSpPr>
@@ -2622,16 +2693,16 @@
         <p:spPr>
           <a:xfrm>
             <a:off x="216000" y="812520"/>
-            <a:ext cx="7123680" cy="4005720"/>
-          </a:xfrm>
-          <a:prstGeom prst="rect">
-            <a:avLst/>
-          </a:prstGeom>
-        </p:spPr>
-      </p:sp>
-      <p:sp>
-        <p:nvSpPr>
-          <p:cNvPr id="572" name="PlaceHolder 2"/>
+            <a:ext cx="7123320" cy="4005360"/>
+          </a:xfrm>
+          <a:prstGeom prst="rect">
+            <a:avLst/>
+          </a:prstGeom>
+        </p:spPr>
+      </p:sp>
+      <p:sp>
+        <p:nvSpPr>
+          <p:cNvPr id="575" name="PlaceHolder 2"/>
           <p:cNvSpPr>
             <a:spLocks noGrp="1"/>
           </p:cNvSpPr>
@@ -2642,7 +2713,7 @@
         <p:spPr>
           <a:xfrm>
             <a:off x="755640" y="5078520"/>
-            <a:ext cx="6044040" cy="4807440"/>
+            <a:ext cx="6043680" cy="4807080"/>
           </a:xfrm>
           <a:prstGeom prst="rect">
             <a:avLst/>
@@ -2653,7 +2724,7 @@
             <a:noAutofit/>
           </a:bodyPr>
           <a:p>
-            <a:pPr marL="216000" indent="-213120">
+            <a:pPr marL="216000" indent="-212760">
               <a:lnSpc>
                 <a:spcPct val="100000"/>
               </a:lnSpc>
@@ -2665,72 +2736,8 @@
               <a:rPr b="0" lang="en-GB" sz="2000" spc="-1" strike="noStrike">
                 <a:latin typeface="Arial"/>
               </a:rPr>
-              <a:t>Upload to board</a:t>
-            </a:r>
-            <a:endParaRPr b="0" lang="en-GB" sz="2000" spc="-1" strike="noStrike">
-              <a:latin typeface="Arial"/>
-            </a:endParaRPr>
-          </a:p>
-          <a:p>
-            <a:pPr marL="216000" indent="-213120">
-              <a:lnSpc>
-                <a:spcPct val="100000"/>
-              </a:lnSpc>
-              <a:tabLst>
-                <a:tab algn="l" pos="0"/>
-              </a:tabLst>
-            </a:pPr>
-            <a:r>
-              <a:rPr b="0" lang="en-GB" sz="2000" spc="-1" strike="noStrike">
-                <a:latin typeface="Arial"/>
-              </a:rPr>
-              <a:t>Open home page in browser</a:t>
-            </a:r>
-            <a:endParaRPr b="0" lang="en-GB" sz="2000" spc="-1" strike="noStrike">
-              <a:latin typeface="Arial"/>
-            </a:endParaRPr>
-          </a:p>
-          <a:p>
-            <a:pPr marL="216000" indent="-213120">
-              <a:lnSpc>
-                <a:spcPct val="100000"/>
-              </a:lnSpc>
-              <a:tabLst>
-                <a:tab algn="l" pos="0"/>
-              </a:tabLst>
-            </a:pPr>
-            <a:endParaRPr b="0" lang="en-GB" sz="2000" spc="-1" strike="noStrike">
-              <a:latin typeface="Arial"/>
-            </a:endParaRPr>
-          </a:p>
-          <a:p>
-            <a:pPr marL="216000" indent="-213120">
-              <a:lnSpc>
-                <a:spcPct val="100000"/>
-              </a:lnSpc>
-              <a:tabLst>
-                <a:tab algn="l" pos="0"/>
-              </a:tabLst>
-            </a:pPr>
-            <a:r>
-              <a:rPr b="0" lang="en-GB" sz="2000" spc="-1" strike="noStrike">
-                <a:latin typeface="Arial"/>
-              </a:rPr>
-              <a:t>Show Demo</a:t>
-            </a:r>
-            <a:endParaRPr b="0" lang="en-GB" sz="2000" spc="-1" strike="noStrike">
-              <a:latin typeface="Arial"/>
-            </a:endParaRPr>
-          </a:p>
-          <a:p>
-            <a:pPr marL="216000" indent="-213120">
-              <a:lnSpc>
-                <a:spcPct val="100000"/>
-              </a:lnSpc>
-              <a:tabLst>
-                <a:tab algn="l" pos="0"/>
-              </a:tabLst>
-            </a:pPr>
+              <a:t>Connect requests to strings we just defined</a:t>
+            </a:r>
             <a:endParaRPr b="0" lang="en-GB" sz="2000" spc="-1" strike="noStrike">
               <a:latin typeface="Arial"/>
             </a:endParaRPr>
@@ -2761,7 +2768,7 @@
       </p:grpSpPr>
       <p:sp>
         <p:nvSpPr>
-          <p:cNvPr id="573" name="PlaceHolder 1"/>
+          <p:cNvPr id="576" name="PlaceHolder 1"/>
           <p:cNvSpPr>
             <a:spLocks noGrp="1"/>
           </p:cNvSpPr>
@@ -2772,16 +2779,16 @@
         <p:spPr>
           <a:xfrm>
             <a:off x="216000" y="812520"/>
-            <a:ext cx="7125480" cy="4007520"/>
-          </a:xfrm>
-          <a:prstGeom prst="rect">
-            <a:avLst/>
-          </a:prstGeom>
-        </p:spPr>
-      </p:sp>
-      <p:sp>
-        <p:nvSpPr>
-          <p:cNvPr id="574" name="PlaceHolder 2"/>
+            <a:ext cx="7123320" cy="4005360"/>
+          </a:xfrm>
+          <a:prstGeom prst="rect">
+            <a:avLst/>
+          </a:prstGeom>
+        </p:spPr>
+      </p:sp>
+      <p:sp>
+        <p:nvSpPr>
+          <p:cNvPr id="577" name="PlaceHolder 2"/>
           <p:cNvSpPr>
             <a:spLocks noGrp="1"/>
           </p:cNvSpPr>
@@ -2792,7 +2799,7 @@
         <p:spPr>
           <a:xfrm>
             <a:off x="755640" y="5078520"/>
-            <a:ext cx="6045840" cy="4809240"/>
+            <a:ext cx="6043680" cy="4807080"/>
           </a:xfrm>
           <a:prstGeom prst="rect">
             <a:avLst/>
@@ -2803,7 +2810,7 @@
             <a:noAutofit/>
           </a:bodyPr>
           <a:p>
-            <a:pPr marL="216000" indent="-214920">
+            <a:pPr marL="216000" indent="-212760">
               <a:lnSpc>
                 <a:spcPct val="100000"/>
               </a:lnSpc>
@@ -2815,14 +2822,14 @@
               <a:rPr b="0" lang="en-GB" sz="2000" spc="-1" strike="noStrike">
                 <a:latin typeface="Arial"/>
               </a:rPr>
-              <a:t>Install nginx (google how to)</a:t>
+              <a:t>Upload to board</a:t>
             </a:r>
             <a:endParaRPr b="0" lang="en-GB" sz="2000" spc="-1" strike="noStrike">
               <a:latin typeface="Arial"/>
             </a:endParaRPr>
           </a:p>
           <a:p>
-            <a:pPr marL="216000" indent="-214920">
+            <a:pPr marL="216000" indent="-212760">
               <a:lnSpc>
                 <a:spcPct val="100000"/>
               </a:lnSpc>
@@ -2834,14 +2841,14 @@
               <a:rPr b="0" lang="en-GB" sz="2000" spc="-1" strike="noStrike">
                 <a:latin typeface="Arial"/>
               </a:rPr>
-              <a:t>Add workspace to include nginx folders</a:t>
+              <a:t>Open home page in browser</a:t>
             </a:r>
             <a:endParaRPr b="0" lang="en-GB" sz="2000" spc="-1" strike="noStrike">
               <a:latin typeface="Arial"/>
             </a:endParaRPr>
           </a:p>
           <a:p>
-            <a:pPr marL="216000" indent="-214920">
+            <a:pPr marL="216000" indent="-212760">
               <a:lnSpc>
                 <a:spcPct val="100000"/>
               </a:lnSpc>
@@ -2854,7 +2861,7 @@
             </a:endParaRPr>
           </a:p>
           <a:p>
-            <a:pPr marL="216000" indent="-214920">
+            <a:pPr marL="216000" indent="-212760">
               <a:lnSpc>
                 <a:spcPct val="100000"/>
               </a:lnSpc>
@@ -2866,14 +2873,14 @@
               <a:rPr b="0" lang="en-GB" sz="2000" spc="-1" strike="noStrike">
                 <a:latin typeface="Arial"/>
               </a:rPr>
-              <a:t>Show code</a:t>
+              <a:t>Show Demo</a:t>
             </a:r>
             <a:endParaRPr b="0" lang="en-GB" sz="2000" spc="-1" strike="noStrike">
               <a:latin typeface="Arial"/>
             </a:endParaRPr>
           </a:p>
           <a:p>
-            <a:pPr marL="216000" indent="-214920">
+            <a:pPr marL="216000" indent="-212760">
               <a:lnSpc>
                 <a:spcPct val="100000"/>
               </a:lnSpc>
@@ -2911,7 +2918,7 @@
       </p:grpSpPr>
       <p:sp>
         <p:nvSpPr>
-          <p:cNvPr id="575" name="PlaceHolder 1"/>
+          <p:cNvPr id="578" name="PlaceHolder 1"/>
           <p:cNvSpPr>
             <a:spLocks noGrp="1"/>
           </p:cNvSpPr>
@@ -2922,16 +2929,16 @@
         <p:spPr>
           <a:xfrm>
             <a:off x="216000" y="812520"/>
-            <a:ext cx="7126560" cy="4008600"/>
-          </a:xfrm>
-          <a:prstGeom prst="rect">
-            <a:avLst/>
-          </a:prstGeom>
-        </p:spPr>
-      </p:sp>
-      <p:sp>
-        <p:nvSpPr>
-          <p:cNvPr id="576" name="PlaceHolder 2"/>
+            <a:ext cx="7125120" cy="4007160"/>
+          </a:xfrm>
+          <a:prstGeom prst="rect">
+            <a:avLst/>
+          </a:prstGeom>
+        </p:spPr>
+      </p:sp>
+      <p:sp>
+        <p:nvSpPr>
+          <p:cNvPr id="579" name="PlaceHolder 2"/>
           <p:cNvSpPr>
             <a:spLocks noGrp="1"/>
           </p:cNvSpPr>
@@ -2942,7 +2949,7 @@
         <p:spPr>
           <a:xfrm>
             <a:off x="755640" y="5078520"/>
-            <a:ext cx="6046920" cy="4810320"/>
+            <a:ext cx="6045480" cy="4808880"/>
           </a:xfrm>
           <a:prstGeom prst="rect">
             <a:avLst/>
@@ -2953,46 +2960,83 @@
             <a:noAutofit/>
           </a:bodyPr>
           <a:p>
-            <a:pPr marL="216000" indent="-216000">
+            <a:pPr marL="216000" indent="-214560">
               <a:lnSpc>
                 <a:spcPct val="100000"/>
               </a:lnSpc>
+              <a:tabLst>
+                <a:tab algn="l" pos="0"/>
+              </a:tabLst>
             </a:pPr>
             <a:r>
               <a:rPr b="0" lang="en-GB" sz="2000" spc="-1" strike="noStrike">
                 <a:latin typeface="Arial"/>
               </a:rPr>
-              <a:t>For Android: Used static IP addresses</a:t>
+              <a:t>Install nginx (google how to)</a:t>
             </a:r>
             <a:endParaRPr b="0" lang="en-GB" sz="2000" spc="-1" strike="noStrike">
               <a:latin typeface="Arial"/>
             </a:endParaRPr>
           </a:p>
           <a:p>
-            <a:pPr marL="216000" indent="-216000">
+            <a:pPr marL="216000" indent="-214560">
               <a:lnSpc>
                 <a:spcPct val="100000"/>
               </a:lnSpc>
-            </a:pPr>
+              <a:tabLst>
+                <a:tab algn="l" pos="0"/>
+              </a:tabLst>
+            </a:pPr>
+            <a:r>
+              <a:rPr b="0" lang="en-GB" sz="2000" spc="-1" strike="noStrike">
+                <a:latin typeface="Arial"/>
+              </a:rPr>
+              <a:t>Add workspace to include nginx folders</a:t>
+            </a:r>
             <a:endParaRPr b="0" lang="en-GB" sz="2000" spc="-1" strike="noStrike">
               <a:latin typeface="Arial"/>
             </a:endParaRPr>
           </a:p>
           <a:p>
-            <a:pPr marL="216000" indent="-216000">
+            <a:pPr marL="216000" indent="-214560">
               <a:lnSpc>
                 <a:spcPct val="100000"/>
               </a:lnSpc>
+              <a:tabLst>
+                <a:tab algn="l" pos="0"/>
+              </a:tabLst>
             </a:pPr>
             <a:endParaRPr b="0" lang="en-GB" sz="2000" spc="-1" strike="noStrike">
               <a:latin typeface="Arial"/>
             </a:endParaRPr>
           </a:p>
           <a:p>
-            <a:pPr marL="216000" indent="-216000">
+            <a:pPr marL="216000" indent="-214560">
               <a:lnSpc>
                 <a:spcPct val="100000"/>
               </a:lnSpc>
+              <a:tabLst>
+                <a:tab algn="l" pos="0"/>
+              </a:tabLst>
+            </a:pPr>
+            <a:r>
+              <a:rPr b="0" lang="en-GB" sz="2000" spc="-1" strike="noStrike">
+                <a:latin typeface="Arial"/>
+              </a:rPr>
+              <a:t>Show code</a:t>
+            </a:r>
+            <a:endParaRPr b="0" lang="en-GB" sz="2000" spc="-1" strike="noStrike">
+              <a:latin typeface="Arial"/>
+            </a:endParaRPr>
+          </a:p>
+          <a:p>
+            <a:pPr marL="216000" indent="-214560">
+              <a:lnSpc>
+                <a:spcPct val="100000"/>
+              </a:lnSpc>
+              <a:tabLst>
+                <a:tab algn="l" pos="0"/>
+              </a:tabLst>
             </a:pPr>
             <a:endParaRPr b="0" lang="en-GB" sz="2000" spc="-1" strike="noStrike">
               <a:latin typeface="Arial"/>
@@ -3024,7 +3068,7 @@
       </p:grpSpPr>
       <p:sp>
         <p:nvSpPr>
-          <p:cNvPr id="577" name="PlaceHolder 1"/>
+          <p:cNvPr id="580" name="PlaceHolder 1"/>
           <p:cNvSpPr>
             <a:spLocks noGrp="1"/>
           </p:cNvSpPr>
@@ -3035,16 +3079,16 @@
         <p:spPr>
           <a:xfrm>
             <a:off x="216000" y="812520"/>
-            <a:ext cx="7124400" cy="4006440"/>
-          </a:xfrm>
-          <a:prstGeom prst="rect">
-            <a:avLst/>
-          </a:prstGeom>
-        </p:spPr>
-      </p:sp>
-      <p:sp>
-        <p:nvSpPr>
-          <p:cNvPr id="578" name="PlaceHolder 2"/>
+            <a:ext cx="7126200" cy="4008240"/>
+          </a:xfrm>
+          <a:prstGeom prst="rect">
+            <a:avLst/>
+          </a:prstGeom>
+        </p:spPr>
+      </p:sp>
+      <p:sp>
+        <p:nvSpPr>
+          <p:cNvPr id="581" name="PlaceHolder 2"/>
           <p:cNvSpPr>
             <a:spLocks noGrp="1"/>
           </p:cNvSpPr>
@@ -3055,7 +3099,7 @@
         <p:spPr>
           <a:xfrm>
             <a:off x="755640" y="5078520"/>
-            <a:ext cx="6044760" cy="4808160"/>
+            <a:ext cx="6046560" cy="4809960"/>
           </a:xfrm>
           <a:prstGeom prst="rect">
             <a:avLst/>
@@ -3066,7 +3110,7 @@
             <a:noAutofit/>
           </a:bodyPr>
           <a:p>
-            <a:pPr marL="216000" indent="-213840">
+            <a:pPr marL="216000" indent="-215640">
               <a:lnSpc>
                 <a:spcPct val="100000"/>
               </a:lnSpc>
@@ -3078,14 +3122,14 @@
               <a:rPr b="0" lang="en-GB" sz="2000" spc="-1" strike="noStrike">
                 <a:latin typeface="Arial"/>
               </a:rPr>
-              <a:t>1. Google sign in would make logging in really easy. Hard coded list of allowed email addresses</a:t>
+              <a:t>For Android: Used static IP addresses</a:t>
             </a:r>
             <a:endParaRPr b="0" lang="en-GB" sz="2000" spc="-1" strike="noStrike">
               <a:latin typeface="Arial"/>
             </a:endParaRPr>
           </a:p>
           <a:p>
-            <a:pPr marL="216000" indent="-213840">
+            <a:pPr marL="216000" indent="-215640">
               <a:lnSpc>
                 <a:spcPct val="100000"/>
               </a:lnSpc>
@@ -3093,18 +3137,12 @@
                 <a:tab algn="l" pos="0"/>
               </a:tabLst>
             </a:pPr>
-            <a:r>
-              <a:rPr b="0" lang="en-GB" sz="2000" spc="-1" strike="noStrike">
-                <a:latin typeface="Arial"/>
-              </a:rPr>
-              <a:t>3. Tunnel: ngrok not free, so localhost.run or just use public DNS to subdomain</a:t>
-            </a:r>
             <a:endParaRPr b="0" lang="en-GB" sz="2000" spc="-1" strike="noStrike">
               <a:latin typeface="Arial"/>
             </a:endParaRPr>
           </a:p>
           <a:p>
-            <a:pPr marL="216000" indent="-213840">
+            <a:pPr marL="216000" indent="-215640">
               <a:lnSpc>
                 <a:spcPct val="100000"/>
               </a:lnSpc>
@@ -3112,18 +3150,12 @@
                 <a:tab algn="l" pos="0"/>
               </a:tabLst>
             </a:pPr>
-            <a:r>
-              <a:rPr b="0" lang="en-GB" sz="2000" spc="-1" strike="noStrike">
-                <a:latin typeface="Arial"/>
-              </a:rPr>
-              <a:t>4. Like safety checks in cars and car engines – can be a pain – but can prevent catastrophic failure</a:t>
-            </a:r>
             <a:endParaRPr b="0" lang="en-GB" sz="2000" spc="-1" strike="noStrike">
               <a:latin typeface="Arial"/>
             </a:endParaRPr>
           </a:p>
           <a:p>
-            <a:pPr marL="216000" indent="-213840">
+            <a:pPr marL="216000" indent="-215640">
               <a:lnSpc>
                 <a:spcPct val="100000"/>
               </a:lnSpc>
@@ -3131,10 +3163,147 @@
                 <a:tab algn="l" pos="0"/>
               </a:tabLst>
             </a:pPr>
+            <a:endParaRPr b="0" lang="en-GB" sz="2000" spc="-1" strike="noStrike">
+              <a:latin typeface="Arial"/>
+            </a:endParaRPr>
+          </a:p>
+        </p:txBody>
+      </p:sp>
+    </p:spTree>
+  </p:cSld>
+</p:notes>
+</file>
+
+<file path=ppt/notesSlides/notesSlide27.xml><?xml version="1.0" encoding="utf-8"?>
+<p:notes xmlns:a="http://schemas.openxmlformats.org/drawingml/2006/main" xmlns:p="http://schemas.openxmlformats.org/presentationml/2006/main" xmlns:r="http://schemas.openxmlformats.org/officeDocument/2006/relationships" xmlns:p14="http://schemas.microsoft.com/office/powerpoint/2010/main" xmlns:p15="http://schemas.microsoft.com/office/powerpoint/2012/main" xmlns:mc="http://schemas.openxmlformats.org/markup-compatibility/2006">
+  <p:cSld>
+    <p:spTree>
+      <p:nvGrpSpPr>
+        <p:cNvPr id="1" name=""/>
+        <p:cNvGrpSpPr/>
+        <p:nvPr/>
+      </p:nvGrpSpPr>
+      <p:grpSpPr>
+        <a:xfrm>
+          <a:off x="0" y="0"/>
+          <a:ext cx="0" cy="0"/>
+          <a:chOff x="0" y="0"/>
+          <a:chExt cx="0" cy="0"/>
+        </a:xfrm>
+      </p:grpSpPr>
+      <p:sp>
+        <p:nvSpPr>
+          <p:cNvPr id="582" name="PlaceHolder 1"/>
+          <p:cNvSpPr>
+            <a:spLocks noGrp="1"/>
+          </p:cNvSpPr>
+          <p:nvPr>
+            <p:ph type="sldImg"/>
+          </p:nvPr>
+        </p:nvSpPr>
+        <p:spPr>
+          <a:xfrm>
+            <a:off x="216000" y="812520"/>
+            <a:ext cx="7124040" cy="4006080"/>
+          </a:xfrm>
+          <a:prstGeom prst="rect">
+            <a:avLst/>
+          </a:prstGeom>
+        </p:spPr>
+      </p:sp>
+      <p:sp>
+        <p:nvSpPr>
+          <p:cNvPr id="583" name="PlaceHolder 2"/>
+          <p:cNvSpPr>
+            <a:spLocks noGrp="1"/>
+          </p:cNvSpPr>
+          <p:nvPr>
+            <p:ph type="body"/>
+          </p:nvPr>
+        </p:nvSpPr>
+        <p:spPr>
+          <a:xfrm>
+            <a:off x="755640" y="5078520"/>
+            <a:ext cx="6044400" cy="4807800"/>
+          </a:xfrm>
+          <a:prstGeom prst="rect">
+            <a:avLst/>
+          </a:prstGeom>
+        </p:spPr>
+        <p:txBody>
+          <a:bodyPr lIns="0" rIns="0" tIns="0" bIns="0">
+            <a:noAutofit/>
+          </a:bodyPr>
+          <a:p>
+            <a:pPr marL="216000" indent="-213480">
+              <a:lnSpc>
+                <a:spcPct val="100000"/>
+              </a:lnSpc>
+              <a:tabLst>
+                <a:tab algn="l" pos="0"/>
+              </a:tabLst>
+            </a:pPr>
             <a:r>
               <a:rPr b="0" lang="en-GB" sz="2000" spc="-1" strike="noStrike">
                 <a:latin typeface="Arial"/>
               </a:rPr>
+              <a:t>1. Google sign in would make logging in really easy. Hard coded list of allowed email addresses</a:t>
+            </a:r>
+            <a:endParaRPr b="0" lang="en-GB" sz="2000" spc="-1" strike="noStrike">
+              <a:latin typeface="Arial"/>
+            </a:endParaRPr>
+          </a:p>
+          <a:p>
+            <a:pPr marL="216000" indent="-213480">
+              <a:lnSpc>
+                <a:spcPct val="100000"/>
+              </a:lnSpc>
+              <a:tabLst>
+                <a:tab algn="l" pos="0"/>
+              </a:tabLst>
+            </a:pPr>
+            <a:r>
+              <a:rPr b="0" lang="en-GB" sz="2000" spc="-1" strike="noStrike">
+                <a:latin typeface="Arial"/>
+              </a:rPr>
+              <a:t>3. Tunnel: ngrok not free, so localhost.run or just use public DNS to subdomain</a:t>
+            </a:r>
+            <a:endParaRPr b="0" lang="en-GB" sz="2000" spc="-1" strike="noStrike">
+              <a:latin typeface="Arial"/>
+            </a:endParaRPr>
+          </a:p>
+          <a:p>
+            <a:pPr marL="216000" indent="-213480">
+              <a:lnSpc>
+                <a:spcPct val="100000"/>
+              </a:lnSpc>
+              <a:tabLst>
+                <a:tab algn="l" pos="0"/>
+              </a:tabLst>
+            </a:pPr>
+            <a:r>
+              <a:rPr b="0" lang="en-GB" sz="2000" spc="-1" strike="noStrike">
+                <a:latin typeface="Arial"/>
+              </a:rPr>
+              <a:t>4. Like safety checks in cars and car engines – can be a pain – but can prevent catastrophic failure</a:t>
+            </a:r>
+            <a:endParaRPr b="0" lang="en-GB" sz="2000" spc="-1" strike="noStrike">
+              <a:latin typeface="Arial"/>
+            </a:endParaRPr>
+          </a:p>
+          <a:p>
+            <a:pPr marL="216000" indent="-213480">
+              <a:lnSpc>
+                <a:spcPct val="100000"/>
+              </a:lnSpc>
+              <a:tabLst>
+                <a:tab algn="l" pos="0"/>
+              </a:tabLst>
+            </a:pPr>
+            <a:r>
+              <a:rPr b="0" lang="en-GB" sz="2000" spc="-1" strike="noStrike">
+                <a:latin typeface="Arial"/>
+              </a:rPr>
               <a:t>5. Sensors can be anywhere on network</a:t>
             </a:r>
             <a:endParaRPr b="0" lang="en-GB" sz="2000" spc="-1" strike="noStrike">
@@ -3142,7 +3311,7 @@
             </a:endParaRPr>
           </a:p>
           <a:p>
-            <a:pPr marL="216000" indent="-213840">
+            <a:pPr marL="216000" indent="-213480">
               <a:lnSpc>
                 <a:spcPct val="100000"/>
               </a:lnSpc>
@@ -3180,7 +3349,7 @@
       </p:grpSpPr>
       <p:sp>
         <p:nvSpPr>
-          <p:cNvPr id="533" name="PlaceHolder 1"/>
+          <p:cNvPr id="536" name="PlaceHolder 1"/>
           <p:cNvSpPr>
             <a:spLocks noGrp="1"/>
           </p:cNvSpPr>
@@ -3191,16 +3360,16 @@
         <p:spPr>
           <a:xfrm>
             <a:off x="216360" y="812520"/>
-            <a:ext cx="7122600" cy="4004640"/>
-          </a:xfrm>
-          <a:prstGeom prst="rect">
-            <a:avLst/>
-          </a:prstGeom>
-        </p:spPr>
-      </p:sp>
-      <p:sp>
-        <p:nvSpPr>
-          <p:cNvPr id="534" name="PlaceHolder 2"/>
+            <a:ext cx="7122240" cy="4004280"/>
+          </a:xfrm>
+          <a:prstGeom prst="rect">
+            <a:avLst/>
+          </a:prstGeom>
+        </p:spPr>
+      </p:sp>
+      <p:sp>
+        <p:nvSpPr>
+          <p:cNvPr id="537" name="PlaceHolder 2"/>
           <p:cNvSpPr>
             <a:spLocks noGrp="1"/>
           </p:cNvSpPr>
@@ -3211,7 +3380,7 @@
         <p:spPr>
           <a:xfrm>
             <a:off x="756000" y="5078520"/>
-            <a:ext cx="6043320" cy="5095800"/>
+            <a:ext cx="6042960" cy="5095440"/>
           </a:xfrm>
           <a:prstGeom prst="rect">
             <a:avLst/>
@@ -3222,7 +3391,7 @@
             <a:noAutofit/>
           </a:bodyPr>
           <a:p>
-            <a:pPr marL="216000" indent="-212040">
+            <a:pPr marL="216000" indent="-211680">
               <a:lnSpc>
                 <a:spcPct val="100000"/>
               </a:lnSpc>
@@ -3241,7 +3410,7 @@
             </a:endParaRPr>
           </a:p>
           <a:p>
-            <a:pPr marL="216000" indent="-212040">
+            <a:pPr marL="216000" indent="-211680">
               <a:lnSpc>
                 <a:spcPct val="100000"/>
               </a:lnSpc>
@@ -3260,7 +3429,7 @@
             </a:endParaRPr>
           </a:p>
           <a:p>
-            <a:pPr marL="216000" indent="-212040">
+            <a:pPr marL="216000" indent="-211680">
               <a:lnSpc>
                 <a:spcPct val="100000"/>
               </a:lnSpc>
@@ -3279,7 +3448,7 @@
             </a:endParaRPr>
           </a:p>
           <a:p>
-            <a:pPr marL="216000" indent="-212040">
+            <a:pPr marL="216000" indent="-211680">
               <a:lnSpc>
                 <a:spcPct val="100000"/>
               </a:lnSpc>
@@ -3298,7 +3467,7 @@
             </a:endParaRPr>
           </a:p>
           <a:p>
-            <a:pPr marL="216000" indent="-212040">
+            <a:pPr marL="216000" indent="-211680">
               <a:lnSpc>
                 <a:spcPct val="100000"/>
               </a:lnSpc>
@@ -3317,7 +3486,7 @@
             </a:endParaRPr>
           </a:p>
           <a:p>
-            <a:pPr marL="216000" indent="-212040">
+            <a:pPr marL="216000" indent="-211680">
               <a:lnSpc>
                 <a:spcPct val="100000"/>
               </a:lnSpc>
@@ -3336,7 +3505,7 @@
             </a:endParaRPr>
           </a:p>
           <a:p>
-            <a:pPr marL="216000" indent="-212040">
+            <a:pPr marL="216000" indent="-211680">
               <a:lnSpc>
                 <a:spcPct val="100000"/>
               </a:lnSpc>
@@ -3355,7 +3524,7 @@
             </a:endParaRPr>
           </a:p>
           <a:p>
-            <a:pPr marL="216000" indent="-212040">
+            <a:pPr marL="216000" indent="-211680">
               <a:lnSpc>
                 <a:spcPct val="100000"/>
               </a:lnSpc>
@@ -3374,7 +3543,7 @@
             </a:endParaRPr>
           </a:p>
           <a:p>
-            <a:pPr marL="216000" indent="-212040">
+            <a:pPr marL="216000" indent="-211680">
               <a:lnSpc>
                 <a:spcPct val="100000"/>
               </a:lnSpc>
@@ -3393,7 +3562,7 @@
             </a:endParaRPr>
           </a:p>
           <a:p>
-            <a:pPr marL="216000" indent="-212040">
+            <a:pPr marL="216000" indent="-211680">
               <a:lnSpc>
                 <a:spcPct val="100000"/>
               </a:lnSpc>
@@ -3406,7 +3575,7 @@
             </a:endParaRPr>
           </a:p>
           <a:p>
-            <a:pPr marL="216000" indent="-212040">
+            <a:pPr marL="216000" indent="-211680">
               <a:lnSpc>
                 <a:spcPct val="100000"/>
               </a:lnSpc>
@@ -3419,7 +3588,7 @@
             </a:endParaRPr>
           </a:p>
           <a:p>
-            <a:pPr marL="216000" indent="-212040">
+            <a:pPr marL="216000" indent="-211680">
               <a:lnSpc>
                 <a:spcPct val="100000"/>
               </a:lnSpc>
@@ -3432,7 +3601,7 @@
             </a:endParaRPr>
           </a:p>
           <a:p>
-            <a:pPr marL="216000" indent="-212040">
+            <a:pPr marL="216000" indent="-211680">
               <a:lnSpc>
                 <a:spcPct val="100000"/>
               </a:lnSpc>
@@ -3470,7 +3639,7 @@
       </p:grpSpPr>
       <p:sp>
         <p:nvSpPr>
-          <p:cNvPr id="535" name="PlaceHolder 1"/>
+          <p:cNvPr id="538" name="PlaceHolder 1"/>
           <p:cNvSpPr>
             <a:spLocks noGrp="1"/>
           </p:cNvSpPr>
@@ -3481,16 +3650,16 @@
         <p:spPr>
           <a:xfrm>
             <a:off x="216360" y="812520"/>
-            <a:ext cx="7122600" cy="4004640"/>
-          </a:xfrm>
-          <a:prstGeom prst="rect">
-            <a:avLst/>
-          </a:prstGeom>
-        </p:spPr>
-      </p:sp>
-      <p:sp>
-        <p:nvSpPr>
-          <p:cNvPr id="536" name="PlaceHolder 2"/>
+            <a:ext cx="7122240" cy="4004280"/>
+          </a:xfrm>
+          <a:prstGeom prst="rect">
+            <a:avLst/>
+          </a:prstGeom>
+        </p:spPr>
+      </p:sp>
+      <p:sp>
+        <p:nvSpPr>
+          <p:cNvPr id="539" name="PlaceHolder 2"/>
           <p:cNvSpPr>
             <a:spLocks noGrp="1"/>
           </p:cNvSpPr>
@@ -3501,7 +3670,7 @@
         <p:spPr>
           <a:xfrm>
             <a:off x="756000" y="5078520"/>
-            <a:ext cx="6043320" cy="4806720"/>
+            <a:ext cx="6042960" cy="4806360"/>
           </a:xfrm>
           <a:prstGeom prst="rect">
             <a:avLst/>
@@ -3512,7 +3681,7 @@
             <a:noAutofit/>
           </a:bodyPr>
           <a:p>
-            <a:pPr marL="216000" indent="-212040">
+            <a:pPr marL="216000" indent="-211680">
               <a:lnSpc>
                 <a:spcPct val="100000"/>
               </a:lnSpc>
@@ -3531,7 +3700,7 @@
             </a:endParaRPr>
           </a:p>
           <a:p>
-            <a:pPr marL="216000" indent="-212040">
+            <a:pPr marL="216000" indent="-211680">
               <a:lnSpc>
                 <a:spcPct val="100000"/>
               </a:lnSpc>
@@ -3550,7 +3719,7 @@
             </a:endParaRPr>
           </a:p>
           <a:p>
-            <a:pPr marL="216000" indent="-212040">
+            <a:pPr marL="216000" indent="-211680">
               <a:lnSpc>
                 <a:spcPct val="100000"/>
               </a:lnSpc>
@@ -3569,7 +3738,7 @@
             </a:endParaRPr>
           </a:p>
           <a:p>
-            <a:pPr marL="216000" indent="-212040">
+            <a:pPr marL="216000" indent="-211680">
               <a:lnSpc>
                 <a:spcPct val="100000"/>
               </a:lnSpc>
@@ -3588,7 +3757,7 @@
             </a:endParaRPr>
           </a:p>
           <a:p>
-            <a:pPr marL="216000" indent="-212040">
+            <a:pPr marL="216000" indent="-211680">
               <a:lnSpc>
                 <a:spcPct val="100000"/>
               </a:lnSpc>
@@ -3626,7 +3795,7 @@
       </p:grpSpPr>
       <p:sp>
         <p:nvSpPr>
-          <p:cNvPr id="537" name="PlaceHolder 1"/>
+          <p:cNvPr id="540" name="PlaceHolder 1"/>
           <p:cNvSpPr>
             <a:spLocks noGrp="1"/>
           </p:cNvSpPr>
@@ -3637,16 +3806,16 @@
         <p:spPr>
           <a:xfrm>
             <a:off x="216000" y="812520"/>
-            <a:ext cx="7122960" cy="4005000"/>
-          </a:xfrm>
-          <a:prstGeom prst="rect">
-            <a:avLst/>
-          </a:prstGeom>
-        </p:spPr>
-      </p:sp>
-      <p:sp>
-        <p:nvSpPr>
-          <p:cNvPr id="538" name="PlaceHolder 2"/>
+            <a:ext cx="7122600" cy="4004640"/>
+          </a:xfrm>
+          <a:prstGeom prst="rect">
+            <a:avLst/>
+          </a:prstGeom>
+        </p:spPr>
+      </p:sp>
+      <p:sp>
+        <p:nvSpPr>
+          <p:cNvPr id="541" name="PlaceHolder 2"/>
           <p:cNvSpPr>
             <a:spLocks noGrp="1"/>
           </p:cNvSpPr>
@@ -3657,7 +3826,7 @@
         <p:spPr>
           <a:xfrm>
             <a:off x="755640" y="5078520"/>
-            <a:ext cx="6043320" cy="4806720"/>
+            <a:ext cx="6042960" cy="4806360"/>
           </a:xfrm>
           <a:prstGeom prst="rect">
             <a:avLst/>
@@ -3668,7 +3837,7 @@
             <a:noAutofit/>
           </a:bodyPr>
           <a:p>
-            <a:pPr marL="216000" indent="-212400">
+            <a:pPr marL="216000" indent="-212040">
               <a:lnSpc>
                 <a:spcPct val="100000"/>
               </a:lnSpc>
@@ -3687,7 +3856,7 @@
             </a:endParaRPr>
           </a:p>
           <a:p>
-            <a:pPr marL="216000" indent="-212400">
+            <a:pPr marL="216000" indent="-212040">
               <a:lnSpc>
                 <a:spcPct val="100000"/>
               </a:lnSpc>
@@ -3706,7 +3875,7 @@
             </a:endParaRPr>
           </a:p>
           <a:p>
-            <a:pPr marL="216000" indent="-212400">
+            <a:pPr marL="216000" indent="-212040">
               <a:lnSpc>
                 <a:spcPct val="100000"/>
               </a:lnSpc>
@@ -3725,7 +3894,7 @@
             </a:endParaRPr>
           </a:p>
           <a:p>
-            <a:pPr marL="216000" indent="-212400">
+            <a:pPr marL="216000" indent="-212040">
               <a:lnSpc>
                 <a:spcPct val="100000"/>
               </a:lnSpc>
@@ -3744,7 +3913,7 @@
             </a:endParaRPr>
           </a:p>
           <a:p>
-            <a:pPr marL="216000" indent="-212400">
+            <a:pPr marL="216000" indent="-212040">
               <a:lnSpc>
                 <a:spcPct val="100000"/>
               </a:lnSpc>
@@ -3763,7 +3932,7 @@
             </a:endParaRPr>
           </a:p>
           <a:p>
-            <a:pPr marL="216000" indent="-212400">
+            <a:pPr marL="216000" indent="-212040">
               <a:lnSpc>
                 <a:spcPct val="100000"/>
               </a:lnSpc>
@@ -3782,7 +3951,7 @@
             </a:endParaRPr>
           </a:p>
           <a:p>
-            <a:pPr marL="216000" indent="-212400">
+            <a:pPr marL="216000" indent="-212040">
               <a:lnSpc>
                 <a:spcPct val="100000"/>
               </a:lnSpc>
@@ -3795,7 +3964,7 @@
             </a:endParaRPr>
           </a:p>
           <a:p>
-            <a:pPr marL="216000" indent="-212400">
+            <a:pPr marL="216000" indent="-212040">
               <a:lnSpc>
                 <a:spcPct val="100000"/>
               </a:lnSpc>
@@ -3833,7 +4002,7 @@
       </p:grpSpPr>
       <p:sp>
         <p:nvSpPr>
-          <p:cNvPr id="539" name="PlaceHolder 1"/>
+          <p:cNvPr id="542" name="PlaceHolder 1"/>
           <p:cNvSpPr>
             <a:spLocks noGrp="1"/>
           </p:cNvSpPr>
@@ -3844,16 +4013,16 @@
         <p:spPr>
           <a:xfrm>
             <a:off x="216000" y="812520"/>
-            <a:ext cx="7124760" cy="4006800"/>
-          </a:xfrm>
-          <a:prstGeom prst="rect">
-            <a:avLst/>
-          </a:prstGeom>
-        </p:spPr>
-      </p:sp>
-      <p:sp>
-        <p:nvSpPr>
-          <p:cNvPr id="540" name="PlaceHolder 2"/>
+            <a:ext cx="7124400" cy="4006440"/>
+          </a:xfrm>
+          <a:prstGeom prst="rect">
+            <a:avLst/>
+          </a:prstGeom>
+        </p:spPr>
+      </p:sp>
+      <p:sp>
+        <p:nvSpPr>
+          <p:cNvPr id="543" name="PlaceHolder 2"/>
           <p:cNvSpPr>
             <a:spLocks noGrp="1"/>
           </p:cNvSpPr>
@@ -3864,7 +4033,7 @@
         <p:spPr>
           <a:xfrm>
             <a:off x="755640" y="5078520"/>
-            <a:ext cx="6045120" cy="4808520"/>
+            <a:ext cx="6044760" cy="4808160"/>
           </a:xfrm>
           <a:prstGeom prst="rect">
             <a:avLst/>
@@ -3875,7 +4044,7 @@
             <a:noAutofit/>
           </a:bodyPr>
           <a:p>
-            <a:pPr marL="216000" indent="-214200">
+            <a:pPr marL="216000" indent="-213840">
               <a:lnSpc>
                 <a:spcPct val="100000"/>
               </a:lnSpc>
@@ -3894,7 +4063,7 @@
             </a:endParaRPr>
           </a:p>
           <a:p>
-            <a:pPr marL="216000" indent="-214200">
+            <a:pPr marL="216000" indent="-213840">
               <a:lnSpc>
                 <a:spcPct val="100000"/>
               </a:lnSpc>
@@ -3913,7 +4082,7 @@
             </a:endParaRPr>
           </a:p>
           <a:p>
-            <a:pPr marL="216000" indent="-214200">
+            <a:pPr marL="216000" indent="-213840">
               <a:lnSpc>
                 <a:spcPct val="100000"/>
               </a:lnSpc>
@@ -3938,7 +4107,7 @@
             </a:endParaRPr>
           </a:p>
           <a:p>
-            <a:pPr marL="216000" indent="-214200">
+            <a:pPr marL="216000" indent="-213840">
               <a:lnSpc>
                 <a:spcPct val="100000"/>
               </a:lnSpc>
@@ -3963,7 +4132,7 @@
             </a:endParaRPr>
           </a:p>
           <a:p>
-            <a:pPr marL="216000" indent="-214200">
+            <a:pPr marL="216000" indent="-213840">
               <a:lnSpc>
                 <a:spcPct val="100000"/>
               </a:lnSpc>
@@ -4001,7 +4170,7 @@
       </p:grpSpPr>
       <p:sp>
         <p:nvSpPr>
-          <p:cNvPr id="541" name="PlaceHolder 1"/>
+          <p:cNvPr id="544" name="PlaceHolder 1"/>
           <p:cNvSpPr>
             <a:spLocks noGrp="1"/>
           </p:cNvSpPr>
@@ -4012,16 +4181,16 @@
         <p:spPr>
           <a:xfrm>
             <a:off x="216360" y="812520"/>
-            <a:ext cx="7122600" cy="4004640"/>
-          </a:xfrm>
-          <a:prstGeom prst="rect">
-            <a:avLst/>
-          </a:prstGeom>
-        </p:spPr>
-      </p:sp>
-      <p:sp>
-        <p:nvSpPr>
-          <p:cNvPr id="542" name="PlaceHolder 2"/>
+            <a:ext cx="7122240" cy="4004280"/>
+          </a:xfrm>
+          <a:prstGeom prst="rect">
+            <a:avLst/>
+          </a:prstGeom>
+        </p:spPr>
+      </p:sp>
+      <p:sp>
+        <p:nvSpPr>
+          <p:cNvPr id="545" name="PlaceHolder 2"/>
           <p:cNvSpPr>
             <a:spLocks noGrp="1"/>
           </p:cNvSpPr>
@@ -4032,7 +4201,7 @@
         <p:spPr>
           <a:xfrm>
             <a:off x="756000" y="5078520"/>
-            <a:ext cx="6043320" cy="4806720"/>
+            <a:ext cx="6042960" cy="4806360"/>
           </a:xfrm>
           <a:prstGeom prst="rect">
             <a:avLst/>
@@ -4043,7 +4212,7 @@
             <a:noAutofit/>
           </a:bodyPr>
           <a:p>
-            <a:pPr marL="216000" indent="-212040">
+            <a:pPr marL="216000" indent="-211680">
               <a:lnSpc>
                 <a:spcPct val="100000"/>
               </a:lnSpc>
@@ -4062,7 +4231,7 @@
             </a:endParaRPr>
           </a:p>
           <a:p>
-            <a:pPr marL="216000" indent="-212040">
+            <a:pPr marL="216000" indent="-211680">
               <a:lnSpc>
                 <a:spcPct val="100000"/>
               </a:lnSpc>
@@ -4081,7 +4250,7 @@
             </a:endParaRPr>
           </a:p>
           <a:p>
-            <a:pPr marL="216000" indent="-212040">
+            <a:pPr marL="216000" indent="-211680">
               <a:lnSpc>
                 <a:spcPct val="100000"/>
               </a:lnSpc>
@@ -4100,7 +4269,7 @@
             </a:endParaRPr>
           </a:p>
           <a:p>
-            <a:pPr marL="216000" indent="-212040">
+            <a:pPr marL="216000" indent="-211680">
               <a:lnSpc>
                 <a:spcPct val="100000"/>
               </a:lnSpc>
@@ -4119,7 +4288,7 @@
             </a:endParaRPr>
           </a:p>
           <a:p>
-            <a:pPr marL="216000" indent="-212040">
+            <a:pPr marL="216000" indent="-211680">
               <a:lnSpc>
                 <a:spcPct val="100000"/>
               </a:lnSpc>
@@ -4138,7 +4307,7 @@
             </a:endParaRPr>
           </a:p>
           <a:p>
-            <a:pPr marL="216000" indent="-212040">
+            <a:pPr marL="216000" indent="-211680">
               <a:lnSpc>
                 <a:spcPct val="100000"/>
               </a:lnSpc>
@@ -4157,7 +4326,7 @@
             </a:endParaRPr>
           </a:p>
           <a:p>
-            <a:pPr marL="216000" indent="-212040">
+            <a:pPr marL="216000" indent="-211680">
               <a:lnSpc>
                 <a:spcPct val="100000"/>
               </a:lnSpc>
@@ -4176,7 +4345,7 @@
             </a:endParaRPr>
           </a:p>
           <a:p>
-            <a:pPr marL="216000" indent="-212040">
+            <a:pPr marL="216000" indent="-211680">
               <a:lnSpc>
                 <a:spcPct val="100000"/>
               </a:lnSpc>
@@ -4189,7 +4358,7 @@
             </a:endParaRPr>
           </a:p>
           <a:p>
-            <a:pPr marL="216000" indent="-212040">
+            <a:pPr marL="216000" indent="-211680">
               <a:lnSpc>
                 <a:spcPct val="100000"/>
               </a:lnSpc>
@@ -4202,7 +4371,7 @@
             </a:endParaRPr>
           </a:p>
           <a:p>
-            <a:pPr marL="216000" indent="-212040">
+            <a:pPr marL="216000" indent="-211680">
               <a:lnSpc>
                 <a:spcPct val="100000"/>
               </a:lnSpc>
@@ -4240,7 +4409,7 @@
       </p:grpSpPr>
       <p:sp>
         <p:nvSpPr>
-          <p:cNvPr id="543" name="PlaceHolder 1"/>
+          <p:cNvPr id="546" name="PlaceHolder 1"/>
           <p:cNvSpPr>
             <a:spLocks noGrp="1"/>
           </p:cNvSpPr>
@@ -4251,16 +4420,16 @@
         <p:spPr>
           <a:xfrm>
             <a:off x="216360" y="812520"/>
-            <a:ext cx="7122600" cy="4004640"/>
-          </a:xfrm>
-          <a:prstGeom prst="rect">
-            <a:avLst/>
-          </a:prstGeom>
-        </p:spPr>
-      </p:sp>
-      <p:sp>
-        <p:nvSpPr>
-          <p:cNvPr id="544" name="PlaceHolder 2"/>
+            <a:ext cx="7122240" cy="4004280"/>
+          </a:xfrm>
+          <a:prstGeom prst="rect">
+            <a:avLst/>
+          </a:prstGeom>
+        </p:spPr>
+      </p:sp>
+      <p:sp>
+        <p:nvSpPr>
+          <p:cNvPr id="547" name="PlaceHolder 2"/>
           <p:cNvSpPr>
             <a:spLocks noGrp="1"/>
           </p:cNvSpPr>
@@ -4271,7 +4440,7 @@
         <p:spPr>
           <a:xfrm>
             <a:off x="756000" y="5078520"/>
-            <a:ext cx="6043320" cy="4806720"/>
+            <a:ext cx="6042960" cy="4806360"/>
           </a:xfrm>
           <a:prstGeom prst="rect">
             <a:avLst/>
@@ -4282,7 +4451,7 @@
             <a:noAutofit/>
           </a:bodyPr>
           <a:p>
-            <a:pPr marL="216000" indent="-212040">
+            <a:pPr marL="216000" indent="-211680">
               <a:lnSpc>
                 <a:spcPct val="100000"/>
               </a:lnSpc>
@@ -4301,7 +4470,7 @@
             </a:endParaRPr>
           </a:p>
           <a:p>
-            <a:pPr marL="216000" indent="-212040">
+            <a:pPr marL="216000" indent="-211680">
               <a:lnSpc>
                 <a:spcPct val="100000"/>
               </a:lnSpc>
@@ -4320,7 +4489,7 @@
             </a:endParaRPr>
           </a:p>
           <a:p>
-            <a:pPr marL="216000" indent="-212040">
+            <a:pPr marL="216000" indent="-211680">
               <a:lnSpc>
                 <a:spcPct val="100000"/>
               </a:lnSpc>
@@ -4339,7 +4508,7 @@
             </a:endParaRPr>
           </a:p>
           <a:p>
-            <a:pPr marL="216000" indent="-212040">
+            <a:pPr marL="216000" indent="-211680">
               <a:lnSpc>
                 <a:spcPct val="100000"/>
               </a:lnSpc>
@@ -4358,7 +4527,7 @@
             </a:endParaRPr>
           </a:p>
           <a:p>
-            <a:pPr marL="216000" indent="-212040">
+            <a:pPr marL="216000" indent="-211680">
               <a:lnSpc>
                 <a:spcPct val="100000"/>
               </a:lnSpc>
@@ -4377,7 +4546,7 @@
             </a:endParaRPr>
           </a:p>
           <a:p>
-            <a:pPr marL="216000" indent="-212040">
+            <a:pPr marL="216000" indent="-211680">
               <a:lnSpc>
                 <a:spcPct val="100000"/>
               </a:lnSpc>
@@ -4396,7 +4565,7 @@
             </a:endParaRPr>
           </a:p>
           <a:p>
-            <a:pPr marL="216000" indent="-212040">
+            <a:pPr marL="216000" indent="-211680">
               <a:lnSpc>
                 <a:spcPct val="100000"/>
               </a:lnSpc>
@@ -4409,7 +4578,7 @@
             </a:endParaRPr>
           </a:p>
           <a:p>
-            <a:pPr marL="216000" indent="-212040">
+            <a:pPr marL="216000" indent="-211680">
               <a:lnSpc>
                 <a:spcPct val="100000"/>
               </a:lnSpc>
@@ -23762,7 +23931,7 @@
         <p:spPr>
           <a:xfrm>
             <a:off x="504000" y="226080"/>
-            <a:ext cx="9066960" cy="941760"/>
+            <a:ext cx="9066600" cy="941400"/>
           </a:xfrm>
           <a:prstGeom prst="rect">
             <a:avLst/>
@@ -23813,7 +23982,7 @@
         <p:spPr>
           <a:xfrm>
             <a:off x="648000" y="4752000"/>
-            <a:ext cx="9066960" cy="859320"/>
+            <a:ext cx="9066600" cy="858960"/>
           </a:xfrm>
           <a:prstGeom prst="rect">
             <a:avLst/>
@@ -23868,7 +24037,7 @@
         <p:spPr>
           <a:xfrm>
             <a:off x="1224000" y="1027080"/>
-            <a:ext cx="7339320" cy="3720240"/>
+            <a:ext cx="7338960" cy="3719880"/>
           </a:xfrm>
           <a:prstGeom prst="rect">
             <a:avLst/>
@@ -23917,7 +24086,7 @@
         <p:spPr>
           <a:xfrm>
             <a:off x="504000" y="226080"/>
-            <a:ext cx="9066960" cy="941760"/>
+            <a:ext cx="9066600" cy="941400"/>
           </a:xfrm>
           <a:prstGeom prst="rect">
             <a:avLst/>
@@ -23968,7 +24137,7 @@
         <p:spPr>
           <a:xfrm>
             <a:off x="648000" y="4896000"/>
-            <a:ext cx="9066960" cy="578160"/>
+            <a:ext cx="9066600" cy="577800"/>
           </a:xfrm>
           <a:prstGeom prst="rect">
             <a:avLst/>
@@ -23989,7 +24158,7 @@
             <a:normAutofit/>
           </a:bodyPr>
           <a:p>
-            <a:pPr marL="432000" indent="-319320">
+            <a:pPr marL="432000" indent="-318960">
               <a:lnSpc>
                 <a:spcPct val="100000"/>
               </a:lnSpc>
@@ -24032,7 +24201,7 @@
         <p:spPr>
           <a:xfrm>
             <a:off x="1440000" y="952560"/>
-            <a:ext cx="7206120" cy="3938760"/>
+            <a:ext cx="7205760" cy="3938400"/>
           </a:xfrm>
           <a:prstGeom prst="rect">
             <a:avLst/>
@@ -24085,7 +24254,7 @@
         <p:spPr>
           <a:xfrm>
             <a:off x="2160000" y="790200"/>
-            <a:ext cx="5251320" cy="4202280"/>
+            <a:ext cx="5250960" cy="4201920"/>
           </a:xfrm>
           <a:prstGeom prst="rect">
             <a:avLst/>
@@ -24104,7 +24273,7 @@
         <p:spPr>
           <a:xfrm>
             <a:off x="504000" y="226080"/>
-            <a:ext cx="9066960" cy="941760"/>
+            <a:ext cx="9066600" cy="941400"/>
           </a:xfrm>
           <a:prstGeom prst="rect">
             <a:avLst/>
@@ -24155,7 +24324,7 @@
         <p:spPr>
           <a:xfrm>
             <a:off x="504000" y="4961160"/>
-            <a:ext cx="9066960" cy="506160"/>
+            <a:ext cx="9066600" cy="505800"/>
           </a:xfrm>
           <a:prstGeom prst="rect">
             <a:avLst/>
@@ -24176,7 +24345,7 @@
             <a:normAutofit/>
           </a:bodyPr>
           <a:p>
-            <a:pPr marL="432000" indent="-319320">
+            <a:pPr marL="432000" indent="-318960">
               <a:lnSpc>
                 <a:spcPct val="100000"/>
               </a:lnSpc>
@@ -24245,7 +24414,7 @@
         <p:spPr>
           <a:xfrm>
             <a:off x="504000" y="226080"/>
-            <a:ext cx="9066960" cy="941760"/>
+            <a:ext cx="9066600" cy="941400"/>
           </a:xfrm>
           <a:prstGeom prst="rect">
             <a:avLst/>
@@ -24296,7 +24465,7 @@
         <p:spPr>
           <a:xfrm>
             <a:off x="504000" y="5040000"/>
-            <a:ext cx="9066960" cy="434160"/>
+            <a:ext cx="9066600" cy="433800"/>
           </a:xfrm>
           <a:prstGeom prst="rect">
             <a:avLst/>
@@ -24317,7 +24486,7 @@
             <a:normAutofit/>
           </a:bodyPr>
           <a:p>
-            <a:pPr marL="432000" indent="-319320">
+            <a:pPr marL="432000" indent="-318960">
               <a:lnSpc>
                 <a:spcPct val="100000"/>
               </a:lnSpc>
@@ -24360,7 +24529,7 @@
         <p:spPr>
           <a:xfrm>
             <a:off x="2520000" y="1008000"/>
-            <a:ext cx="5251320" cy="3938400"/>
+            <a:ext cx="5250960" cy="3938040"/>
           </a:xfrm>
           <a:prstGeom prst="rect">
             <a:avLst/>
@@ -24409,7 +24578,7 @@
         <p:spPr>
           <a:xfrm>
             <a:off x="504000" y="226080"/>
-            <a:ext cx="9066960" cy="941760"/>
+            <a:ext cx="9066600" cy="941400"/>
           </a:xfrm>
           <a:prstGeom prst="rect">
             <a:avLst/>
@@ -24460,7 +24629,7 @@
         <p:spPr>
           <a:xfrm>
             <a:off x="432360" y="4968000"/>
-            <a:ext cx="9066960" cy="434160"/>
+            <a:ext cx="9066600" cy="433800"/>
           </a:xfrm>
           <a:prstGeom prst="rect">
             <a:avLst/>
@@ -24481,7 +24650,7 @@
             <a:normAutofit/>
           </a:bodyPr>
           <a:p>
-            <a:pPr marL="432000" indent="-319320">
+            <a:pPr marL="432000" indent="-318960">
               <a:lnSpc>
                 <a:spcPct val="100000"/>
               </a:lnSpc>
@@ -24524,7 +24693,7 @@
         <p:spPr>
           <a:xfrm>
             <a:off x="1289880" y="1039680"/>
-            <a:ext cx="7669440" cy="3887640"/>
+            <a:ext cx="7669080" cy="3887280"/>
           </a:xfrm>
           <a:prstGeom prst="rect">
             <a:avLst/>
@@ -24573,7 +24742,7 @@
         <p:spPr>
           <a:xfrm>
             <a:off x="504000" y="226080"/>
-            <a:ext cx="9069120" cy="943560"/>
+            <a:ext cx="9068760" cy="943200"/>
           </a:xfrm>
           <a:prstGeom prst="rect">
             <a:avLst/>
@@ -24624,7 +24793,7 @@
         <p:spPr>
           <a:xfrm>
             <a:off x="504000" y="1326600"/>
-            <a:ext cx="9070560" cy="3287160"/>
+            <a:ext cx="9070200" cy="3286800"/>
           </a:xfrm>
           <a:prstGeom prst="rect">
             <a:avLst/>
@@ -24645,7 +24814,7 @@
             <a:normAutofit fontScale="91000"/>
           </a:bodyPr>
           <a:p>
-            <a:pPr marL="432000" indent="-322560">
+            <a:pPr marL="432000" indent="-322200">
               <a:lnSpc>
                 <a:spcPct val="100000"/>
               </a:lnSpc>
@@ -24674,7 +24843,7 @@
             </a:endParaRPr>
           </a:p>
           <a:p>
-            <a:pPr marL="432000" indent="-322560">
+            <a:pPr marL="432000" indent="-322200">
               <a:lnSpc>
                 <a:spcPct val="100000"/>
               </a:lnSpc>
@@ -24703,7 +24872,7 @@
             </a:endParaRPr>
           </a:p>
           <a:p>
-            <a:pPr marL="432000" indent="-322560">
+            <a:pPr marL="432000" indent="-322200">
               <a:lnSpc>
                 <a:spcPct val="100000"/>
               </a:lnSpc>
@@ -24772,7 +24941,7 @@
             </a:endParaRPr>
           </a:p>
           <a:p>
-            <a:pPr marL="432000" indent="-322560">
+            <a:pPr marL="432000" indent="-322200">
               <a:lnSpc>
                 <a:spcPct val="100000"/>
               </a:lnSpc>
@@ -24801,7 +24970,7 @@
             </a:endParaRPr>
           </a:p>
           <a:p>
-            <a:pPr marL="432000" indent="-322560">
+            <a:pPr marL="432000" indent="-322200">
               <a:lnSpc>
                 <a:spcPct val="100000"/>
               </a:lnSpc>
@@ -24830,7 +24999,7 @@
             </a:endParaRPr>
           </a:p>
           <a:p>
-            <a:pPr marL="432000" indent="-322560">
+            <a:pPr marL="432000" indent="-322200">
               <a:lnSpc>
                 <a:spcPct val="100000"/>
               </a:lnSpc>
@@ -24869,7 +25038,7 @@
             </a:endParaRPr>
           </a:p>
           <a:p>
-            <a:pPr marL="432000" indent="-322560">
+            <a:pPr marL="432000" indent="-322200">
               <a:lnSpc>
                 <a:spcPct val="100000"/>
               </a:lnSpc>
@@ -24898,7 +25067,7 @@
             </a:endParaRPr>
           </a:p>
           <a:p>
-            <a:pPr marL="432000" indent="-322560">
+            <a:pPr marL="432000" indent="-322200">
               <a:lnSpc>
                 <a:spcPct val="100000"/>
               </a:lnSpc>
@@ -24929,7 +25098,7 @@
             </a:endParaRPr>
           </a:p>
           <a:p>
-            <a:pPr marL="432000" indent="-322560">
+            <a:pPr marL="432000" indent="-322200">
               <a:lnSpc>
                 <a:spcPct val="100000"/>
               </a:lnSpc>
@@ -24998,7 +25167,7 @@
         <p:spPr>
           <a:xfrm>
             <a:off x="504000" y="226080"/>
-            <a:ext cx="9069480" cy="943920"/>
+            <a:ext cx="9069120" cy="943560"/>
           </a:xfrm>
           <a:prstGeom prst="rect">
             <a:avLst/>
@@ -25049,7 +25218,7 @@
         <p:spPr>
           <a:xfrm>
             <a:off x="504000" y="1326600"/>
-            <a:ext cx="9070560" cy="3287160"/>
+            <a:ext cx="9070200" cy="3286800"/>
           </a:xfrm>
           <a:prstGeom prst="rect">
             <a:avLst/>
@@ -25070,7 +25239,7 @@
             <a:normAutofit/>
           </a:bodyPr>
           <a:p>
-            <a:pPr marL="432000" indent="-322560">
+            <a:pPr marL="432000" indent="-322200">
               <a:lnSpc>
                 <a:spcPct val="100000"/>
               </a:lnSpc>
@@ -25099,7 +25268,7 @@
             </a:endParaRPr>
           </a:p>
           <a:p>
-            <a:pPr marL="432000" indent="-322560">
+            <a:pPr marL="432000" indent="-322200">
               <a:lnSpc>
                 <a:spcPct val="100000"/>
               </a:lnSpc>
@@ -25138,7 +25307,7 @@
             </a:endParaRPr>
           </a:p>
           <a:p>
-            <a:pPr marL="432000" indent="-322560">
+            <a:pPr marL="432000" indent="-322200">
               <a:lnSpc>
                 <a:spcPct val="100000"/>
               </a:lnSpc>
@@ -25167,7 +25336,7 @@
             </a:endParaRPr>
           </a:p>
           <a:p>
-            <a:pPr marL="432000" indent="-322560">
+            <a:pPr marL="432000" indent="-322200">
               <a:lnSpc>
                 <a:spcPct val="100000"/>
               </a:lnSpc>
@@ -25196,7 +25365,7 @@
             </a:endParaRPr>
           </a:p>
           <a:p>
-            <a:pPr marL="432000" indent="-322560">
+            <a:pPr marL="432000" indent="-322200">
               <a:lnSpc>
                 <a:spcPct val="100000"/>
               </a:lnSpc>
@@ -25225,7 +25394,7 @@
             </a:endParaRPr>
           </a:p>
           <a:p>
-            <a:pPr marL="432000" indent="-322560">
+            <a:pPr marL="432000" indent="-322200">
               <a:lnSpc>
                 <a:spcPct val="100000"/>
               </a:lnSpc>
@@ -25264,7 +25433,7 @@
             </a:endParaRPr>
           </a:p>
           <a:p>
-            <a:pPr marL="432000" indent="-322560">
+            <a:pPr marL="432000" indent="-322200">
               <a:lnSpc>
                 <a:spcPct val="100000"/>
               </a:lnSpc>
@@ -25293,7 +25462,7 @@
             </a:endParaRPr>
           </a:p>
           <a:p>
-            <a:pPr marL="432000" indent="-322560">
+            <a:pPr marL="432000" indent="-322200">
               <a:lnSpc>
                 <a:spcPct val="100000"/>
               </a:lnSpc>
@@ -25322,7 +25491,7 @@
             </a:endParaRPr>
           </a:p>
           <a:p>
-            <a:pPr marL="432000" indent="-322560">
+            <a:pPr marL="432000" indent="-322200">
               <a:lnSpc>
                 <a:spcPct val="100000"/>
               </a:lnSpc>
@@ -25384,14 +25553,14 @@
       </p:grpSpPr>
       <p:sp>
         <p:nvSpPr>
-          <p:cNvPr id="502" name="CustomShape 1"/>
-          <p:cNvSpPr/>
+          <p:cNvPr id="502" name="TextShape 1"/>
+          <p:cNvSpPr txBox="1"/>
           <p:nvPr/>
         </p:nvSpPr>
         <p:spPr>
           <a:xfrm>
             <a:off x="504000" y="226080"/>
-            <a:ext cx="9069120" cy="943560"/>
+            <a:ext cx="9072000" cy="946440"/>
           </a:xfrm>
           <a:prstGeom prst="rect">
             <a:avLst/>
@@ -25401,31 +25570,17 @@
             <a:noFill/>
           </a:ln>
         </p:spPr>
-        <p:style>
-          <a:lnRef idx="0"/>
-          <a:fillRef idx="0"/>
-          <a:effectRef idx="0"/>
-          <a:fontRef idx="minor"/>
-        </p:style>
         <p:txBody>
           <a:bodyPr lIns="0" rIns="0" tIns="0" bIns="0" anchor="ctr">
             <a:noAutofit/>
           </a:bodyPr>
           <a:p>
-            <a:pPr algn="ctr">
-              <a:lnSpc>
-                <a:spcPct val="100000"/>
-              </a:lnSpc>
-            </a:pPr>
+            <a:pPr algn="ctr"/>
             <a:r>
               <a:rPr b="0" lang="en-GB" sz="4400" spc="-1" strike="noStrike">
-                <a:solidFill>
-                  <a:srgbClr val="000000"/>
-                </a:solidFill>
                 <a:latin typeface="Arial"/>
-                <a:ea typeface="DejaVu Sans"/>
-              </a:rPr>
-              <a:t>Cable Connectors</a:t>
+              </a:rPr>
+              <a:t>MOSFETs</a:t>
             </a:r>
             <a:endParaRPr b="0" lang="en-GB" sz="4400" spc="-1" strike="noStrike">
               <a:latin typeface="Arial"/>
@@ -25445,8 +25600,31 @@
         </p:blipFill>
         <p:spPr>
           <a:xfrm>
-            <a:off x="1224000" y="1008000"/>
-            <a:ext cx="7567560" cy="4331880"/>
+            <a:off x="892080" y="1247400"/>
+            <a:ext cx="2923920" cy="4152600"/>
+          </a:xfrm>
+          <a:prstGeom prst="rect">
+            <a:avLst/>
+          </a:prstGeom>
+          <a:ln>
+            <a:noFill/>
+          </a:ln>
+        </p:spPr>
+      </p:pic>
+      <p:pic>
+        <p:nvPicPr>
+          <p:cNvPr id="504" name="" descr=""/>
+          <p:cNvPicPr/>
+          <p:nvPr/>
+        </p:nvPicPr>
+        <p:blipFill>
+          <a:blip r:embed="rId2"/>
+          <a:stretch/>
+        </p:blipFill>
+        <p:spPr>
+          <a:xfrm>
+            <a:off x="5904000" y="1225080"/>
+            <a:ext cx="2781000" cy="3952440"/>
           </a:xfrm>
           <a:prstGeom prst="rect">
             <a:avLst/>
@@ -25486,9 +25664,60 @@
           <a:chExt cx="0" cy="0"/>
         </a:xfrm>
       </p:grpSpPr>
+      <p:sp>
+        <p:nvSpPr>
+          <p:cNvPr id="505" name="CustomShape 1"/>
+          <p:cNvSpPr/>
+          <p:nvPr/>
+        </p:nvSpPr>
+        <p:spPr>
+          <a:xfrm>
+            <a:off x="504000" y="226080"/>
+            <a:ext cx="9068760" cy="943200"/>
+          </a:xfrm>
+          <a:prstGeom prst="rect">
+            <a:avLst/>
+          </a:prstGeom>
+          <a:noFill/>
+          <a:ln>
+            <a:noFill/>
+          </a:ln>
+        </p:spPr>
+        <p:style>
+          <a:lnRef idx="0"/>
+          <a:fillRef idx="0"/>
+          <a:effectRef idx="0"/>
+          <a:fontRef idx="minor"/>
+        </p:style>
+        <p:txBody>
+          <a:bodyPr lIns="0" rIns="0" tIns="0" bIns="0" anchor="ctr">
+            <a:noAutofit/>
+          </a:bodyPr>
+          <a:p>
+            <a:pPr algn="ctr">
+              <a:lnSpc>
+                <a:spcPct val="100000"/>
+              </a:lnSpc>
+            </a:pPr>
+            <a:r>
+              <a:rPr b="0" lang="en-GB" sz="4400" spc="-1" strike="noStrike">
+                <a:solidFill>
+                  <a:srgbClr val="000000"/>
+                </a:solidFill>
+                <a:latin typeface="Arial"/>
+                <a:ea typeface="DejaVu Sans"/>
+              </a:rPr>
+              <a:t>Cable Connectors</a:t>
+            </a:r>
+            <a:endParaRPr b="0" lang="en-GB" sz="4400" spc="-1" strike="noStrike">
+              <a:latin typeface="Arial"/>
+            </a:endParaRPr>
+          </a:p>
+        </p:txBody>
+      </p:sp>
       <p:pic>
         <p:nvPicPr>
-          <p:cNvPr id="504" name="" descr=""/>
+          <p:cNvPr id="506" name="" descr=""/>
           <p:cNvPicPr/>
           <p:nvPr/>
         </p:nvPicPr>
@@ -25498,291 +25727,8 @@
         </p:blipFill>
         <p:spPr>
           <a:xfrm>
-            <a:off x="2664000" y="2987640"/>
-            <a:ext cx="7198560" cy="2320200"/>
-          </a:xfrm>
-          <a:prstGeom prst="rect">
-            <a:avLst/>
-          </a:prstGeom>
-          <a:ln>
-            <a:noFill/>
-          </a:ln>
-        </p:spPr>
-      </p:pic>
-      <p:sp>
-        <p:nvSpPr>
-          <p:cNvPr id="505" name="CustomShape 1"/>
-          <p:cNvSpPr/>
-          <p:nvPr/>
-        </p:nvSpPr>
-        <p:spPr>
-          <a:xfrm>
-            <a:off x="504000" y="226080"/>
-            <a:ext cx="9070560" cy="945000"/>
-          </a:xfrm>
-          <a:prstGeom prst="rect">
-            <a:avLst/>
-          </a:prstGeom>
-          <a:noFill/>
-          <a:ln>
-            <a:noFill/>
-          </a:ln>
-        </p:spPr>
-        <p:style>
-          <a:lnRef idx="0"/>
-          <a:fillRef idx="0"/>
-          <a:effectRef idx="0"/>
-          <a:fontRef idx="minor"/>
-        </p:style>
-        <p:txBody>
-          <a:bodyPr lIns="0" rIns="0" tIns="0" bIns="0" anchor="ctr">
-            <a:noAutofit/>
-          </a:bodyPr>
-          <a:p>
-            <a:pPr algn="ctr">
-              <a:lnSpc>
-                <a:spcPct val="100000"/>
-              </a:lnSpc>
-            </a:pPr>
-            <a:r>
-              <a:rPr b="0" lang="en-GB" sz="4400" spc="-1" strike="noStrike">
-                <a:solidFill>
-                  <a:srgbClr val="000000"/>
-                </a:solidFill>
-                <a:latin typeface="Arial"/>
-                <a:ea typeface="DejaVu Sans"/>
-              </a:rPr>
-              <a:t>Wires</a:t>
-            </a:r>
-            <a:endParaRPr b="0" lang="en-GB" sz="4400" spc="-1" strike="noStrike">
-              <a:latin typeface="Arial"/>
-            </a:endParaRPr>
-          </a:p>
-        </p:txBody>
-      </p:sp>
-      <p:sp>
-        <p:nvSpPr>
-          <p:cNvPr id="506" name="CustomShape 2"/>
-          <p:cNvSpPr/>
-          <p:nvPr/>
-        </p:nvSpPr>
-        <p:spPr>
-          <a:xfrm>
-            <a:off x="504000" y="1326600"/>
-            <a:ext cx="7054560" cy="2631960"/>
-          </a:xfrm>
-          <a:prstGeom prst="rect">
-            <a:avLst/>
-          </a:prstGeom>
-          <a:noFill/>
-          <a:ln>
-            <a:noFill/>
-          </a:ln>
-        </p:spPr>
-        <p:style>
-          <a:lnRef idx="0"/>
-          <a:fillRef idx="0"/>
-          <a:effectRef idx="0"/>
-          <a:fontRef idx="minor"/>
-        </p:style>
-        <p:txBody>
-          <a:bodyPr lIns="0" rIns="0" tIns="0" bIns="0">
-            <a:normAutofit/>
-          </a:bodyPr>
-          <a:p>
-            <a:pPr marL="432000" indent="-322560">
-              <a:lnSpc>
-                <a:spcPct val="100000"/>
-              </a:lnSpc>
-              <a:spcBef>
-                <a:spcPts val="1417"/>
-              </a:spcBef>
-              <a:buClr>
-                <a:srgbClr val="000000"/>
-              </a:buClr>
-              <a:buSzPct val="45000"/>
-              <a:buFont typeface="Wingdings" charset="2"/>
-              <a:buChar char=""/>
-            </a:pPr>
-            <a:r>
-              <a:rPr b="0" lang="en-GB" sz="2000" spc="-1" strike="noStrike">
-                <a:solidFill>
-                  <a:srgbClr val="000000"/>
-                </a:solidFill>
-                <a:latin typeface="Arial"/>
-                <a:ea typeface="Microsoft YaHei"/>
-              </a:rPr>
-              <a:t>30 AWG =&gt; 450m</a:t>
-            </a:r>
-            <a:r>
-              <a:rPr b="0" lang="en-GB" sz="2000" spc="-1" strike="noStrike">
-                <a:solidFill>
-                  <a:srgbClr val="000000"/>
-                </a:solidFill>
-                <a:latin typeface="Arial"/>
-                <a:ea typeface="Arial"/>
-              </a:rPr>
-              <a:t>Ω per metre (max 500mA)</a:t>
-            </a:r>
-            <a:endParaRPr b="0" lang="en-GB" sz="2000" spc="-1" strike="noStrike">
-              <a:latin typeface="Arial"/>
-            </a:endParaRPr>
-          </a:p>
-          <a:p>
-            <a:pPr marL="432000" indent="-322560">
-              <a:lnSpc>
-                <a:spcPct val="100000"/>
-              </a:lnSpc>
-              <a:spcBef>
-                <a:spcPts val="1417"/>
-              </a:spcBef>
-              <a:buClr>
-                <a:srgbClr val="000000"/>
-              </a:buClr>
-              <a:buSzPct val="45000"/>
-              <a:buFont typeface="Wingdings" charset="2"/>
-              <a:buChar char=""/>
-            </a:pPr>
-            <a:r>
-              <a:rPr b="0" lang="en-GB" sz="2000" spc="-1" strike="noStrike">
-                <a:solidFill>
-                  <a:srgbClr val="000000"/>
-                </a:solidFill>
-                <a:latin typeface="Arial"/>
-                <a:ea typeface="Arial"/>
-              </a:rPr>
-              <a:t>24 AWG =&gt; 123mΩ per metre (max ~2A)</a:t>
-            </a:r>
-            <a:endParaRPr b="0" lang="en-GB" sz="2000" spc="-1" strike="noStrike">
-              <a:latin typeface="Arial"/>
-            </a:endParaRPr>
-          </a:p>
-          <a:p>
-            <a:pPr marL="432000" indent="-322560">
-              <a:lnSpc>
-                <a:spcPct val="100000"/>
-              </a:lnSpc>
-              <a:spcBef>
-                <a:spcPts val="1417"/>
-              </a:spcBef>
-              <a:buClr>
-                <a:srgbClr val="000000"/>
-              </a:buClr>
-              <a:buSzPct val="45000"/>
-              <a:buFont typeface="Wingdings" charset="2"/>
-              <a:buChar char=""/>
-            </a:pPr>
-            <a:r>
-              <a:rPr b="0" lang="en-GB" sz="2000" spc="-1" strike="noStrike">
-                <a:solidFill>
-                  <a:srgbClr val="000000"/>
-                </a:solidFill>
-                <a:latin typeface="Arial"/>
-                <a:ea typeface="Arial"/>
-              </a:rPr>
-              <a:t>30AWG 5m (10m in total) 0.8V drop @ 180mA</a:t>
-            </a:r>
-            <a:endParaRPr b="0" lang="en-GB" sz="2000" spc="-1" strike="noStrike">
-              <a:latin typeface="Arial"/>
-            </a:endParaRPr>
-          </a:p>
-          <a:p>
-            <a:pPr marL="432000" indent="-322560">
-              <a:lnSpc>
-                <a:spcPct val="100000"/>
-              </a:lnSpc>
-              <a:spcBef>
-                <a:spcPts val="1417"/>
-              </a:spcBef>
-              <a:buClr>
-                <a:srgbClr val="000000"/>
-              </a:buClr>
-              <a:buSzPct val="45000"/>
-              <a:buFont typeface="Wingdings" charset="2"/>
-              <a:buChar char=""/>
-            </a:pPr>
-            <a:r>
-              <a:rPr b="0" lang="en-GB" sz="2000" spc="-1" strike="noStrike">
-                <a:solidFill>
-                  <a:srgbClr val="000000"/>
-                </a:solidFill>
-                <a:latin typeface="Arial"/>
-                <a:ea typeface="Arial"/>
-              </a:rPr>
-              <a:t>24AWG =&gt; 5m x2 = 1.2V drop @ 1A</a:t>
-            </a:r>
-            <a:endParaRPr b="0" lang="en-GB" sz="2000" spc="-1" strike="noStrike">
-              <a:latin typeface="Arial"/>
-            </a:endParaRPr>
-          </a:p>
-          <a:p>
-            <a:pPr marL="432000" indent="-322560">
-              <a:lnSpc>
-                <a:spcPct val="100000"/>
-              </a:lnSpc>
-              <a:spcBef>
-                <a:spcPts val="1417"/>
-              </a:spcBef>
-              <a:buClr>
-                <a:srgbClr val="000000"/>
-              </a:buClr>
-              <a:buSzPct val="45000"/>
-              <a:buFont typeface="Wingdings" charset="2"/>
-              <a:buChar char=""/>
-            </a:pPr>
-            <a:r>
-              <a:rPr b="0" lang="en-GB" sz="2000" spc="-1" strike="noStrike">
-                <a:solidFill>
-                  <a:srgbClr val="000000"/>
-                </a:solidFill>
-                <a:latin typeface="Arial"/>
-                <a:ea typeface="Arial"/>
-              </a:rPr>
-              <a:t>10AWG =&gt; 4mΩ per metre (max ~20A)</a:t>
-            </a:r>
-            <a:endParaRPr b="0" lang="en-GB" sz="2000" spc="-1" strike="noStrike">
-              <a:latin typeface="Arial"/>
-            </a:endParaRPr>
-          </a:p>
-        </p:txBody>
-      </p:sp>
-      <p:pic>
-        <p:nvPicPr>
-          <p:cNvPr id="507" name="" descr=""/>
-          <p:cNvPicPr/>
-          <p:nvPr/>
-        </p:nvPicPr>
-        <p:blipFill>
-          <a:blip r:embed="rId2"/>
-          <a:stretch/>
-        </p:blipFill>
-        <p:spPr>
-          <a:xfrm>
-            <a:off x="144000" y="4248000"/>
-            <a:ext cx="1300680" cy="1294560"/>
-          </a:xfrm>
-          <a:prstGeom prst="rect">
-            <a:avLst/>
-          </a:prstGeom>
-          <a:ln>
-            <a:noFill/>
-          </a:ln>
-        </p:spPr>
-      </p:pic>
-      <p:pic>
-        <p:nvPicPr>
-          <p:cNvPr id="508" name="" descr=""/>
-          <p:cNvPicPr/>
-          <p:nvPr/>
-        </p:nvPicPr>
-        <p:blipFill>
-          <a:blip r:embed="rId3"/>
-          <a:stretch/>
-        </p:blipFill>
-        <p:spPr>
-          <a:xfrm>
-            <a:off x="6120000" y="264240"/>
-            <a:ext cx="3757320" cy="1894320"/>
+            <a:off x="1224000" y="1008000"/>
+            <a:ext cx="7567200" cy="4331520"/>
           </a:xfrm>
           <a:prstGeom prst="rect">
             <a:avLst/>
@@ -25822,16 +25768,39 @@
           <a:chExt cx="0" cy="0"/>
         </a:xfrm>
       </p:grpSpPr>
-      <p:sp>
-        <p:nvSpPr>
-          <p:cNvPr id="509" name="CustomShape 1"/>
+      <p:pic>
+        <p:nvPicPr>
+          <p:cNvPr id="507" name="" descr=""/>
+          <p:cNvPicPr/>
+          <p:nvPr/>
+        </p:nvPicPr>
+        <p:blipFill>
+          <a:blip r:embed="rId1"/>
+          <a:stretch/>
+        </p:blipFill>
+        <p:spPr>
+          <a:xfrm>
+            <a:off x="2664000" y="2987640"/>
+            <a:ext cx="7198200" cy="2319840"/>
+          </a:xfrm>
+          <a:prstGeom prst="rect">
+            <a:avLst/>
+          </a:prstGeom>
+          <a:ln>
+            <a:noFill/>
+          </a:ln>
+        </p:spPr>
+      </p:pic>
+      <p:sp>
+        <p:nvSpPr>
+          <p:cNvPr id="508" name="CustomShape 1"/>
           <p:cNvSpPr/>
           <p:nvPr/>
         </p:nvSpPr>
         <p:spPr>
           <a:xfrm>
             <a:off x="504000" y="226080"/>
-            <a:ext cx="9068400" cy="942840"/>
+            <a:ext cx="9070200" cy="944640"/>
           </a:xfrm>
           <a:prstGeom prst="rect">
             <a:avLst/>
@@ -25865,9 +25834,195 @@
                 <a:latin typeface="Arial"/>
                 <a:ea typeface="DejaVu Sans"/>
               </a:rPr>
-              <a:t>Arduino Software (ESP8266)</a:t>
+              <a:t>Wires</a:t>
             </a:r>
             <a:endParaRPr b="0" lang="en-GB" sz="4400" spc="-1" strike="noStrike">
+              <a:latin typeface="Arial"/>
+            </a:endParaRPr>
+          </a:p>
+        </p:txBody>
+      </p:sp>
+      <p:sp>
+        <p:nvSpPr>
+          <p:cNvPr id="509" name="CustomShape 2"/>
+          <p:cNvSpPr/>
+          <p:nvPr/>
+        </p:nvSpPr>
+        <p:spPr>
+          <a:xfrm>
+            <a:off x="504000" y="1326600"/>
+            <a:ext cx="7054200" cy="2631600"/>
+          </a:xfrm>
+          <a:prstGeom prst="rect">
+            <a:avLst/>
+          </a:prstGeom>
+          <a:noFill/>
+          <a:ln>
+            <a:noFill/>
+          </a:ln>
+        </p:spPr>
+        <p:style>
+          <a:lnRef idx="0"/>
+          <a:fillRef idx="0"/>
+          <a:effectRef idx="0"/>
+          <a:fontRef idx="minor"/>
+        </p:style>
+        <p:txBody>
+          <a:bodyPr lIns="0" rIns="0" tIns="0" bIns="0">
+            <a:normAutofit/>
+          </a:bodyPr>
+          <a:p>
+            <a:pPr marL="432000" indent="-322200">
+              <a:lnSpc>
+                <a:spcPct val="100000"/>
+              </a:lnSpc>
+              <a:spcBef>
+                <a:spcPts val="1417"/>
+              </a:spcBef>
+              <a:buClr>
+                <a:srgbClr val="000000"/>
+              </a:buClr>
+              <a:buSzPct val="45000"/>
+              <a:buFont typeface="Wingdings" charset="2"/>
+              <a:buChar char=""/>
+            </a:pPr>
+            <a:r>
+              <a:rPr b="0" lang="en-GB" sz="2000" spc="-1" strike="noStrike">
+                <a:solidFill>
+                  <a:srgbClr val="000000"/>
+                </a:solidFill>
+                <a:latin typeface="Arial"/>
+                <a:ea typeface="Microsoft YaHei"/>
+              </a:rPr>
+              <a:t>30 AWG =&gt; 450m</a:t>
+            </a:r>
+            <a:r>
+              <a:rPr b="0" lang="en-GB" sz="2000" spc="-1" strike="noStrike">
+                <a:solidFill>
+                  <a:srgbClr val="000000"/>
+                </a:solidFill>
+                <a:latin typeface="Arial"/>
+                <a:ea typeface="Arial"/>
+              </a:rPr>
+              <a:t>Ω per metre (max 500mA)</a:t>
+            </a:r>
+            <a:endParaRPr b="0" lang="en-GB" sz="2000" spc="-1" strike="noStrike">
+              <a:latin typeface="Arial"/>
+            </a:endParaRPr>
+          </a:p>
+          <a:p>
+            <a:pPr marL="432000" indent="-322200">
+              <a:lnSpc>
+                <a:spcPct val="100000"/>
+              </a:lnSpc>
+              <a:spcBef>
+                <a:spcPts val="1417"/>
+              </a:spcBef>
+              <a:buClr>
+                <a:srgbClr val="000000"/>
+              </a:buClr>
+              <a:buSzPct val="45000"/>
+              <a:buFont typeface="Wingdings" charset="2"/>
+              <a:buChar char=""/>
+            </a:pPr>
+            <a:r>
+              <a:rPr b="0" lang="en-GB" sz="2000" spc="-1" strike="noStrike">
+                <a:solidFill>
+                  <a:srgbClr val="000000"/>
+                </a:solidFill>
+                <a:latin typeface="Arial"/>
+                <a:ea typeface="Arial"/>
+              </a:rPr>
+              <a:t>24 AWG =&gt; 123mΩ per metre (max ~2A)</a:t>
+            </a:r>
+            <a:endParaRPr b="0" lang="en-GB" sz="2000" spc="-1" strike="noStrike">
+              <a:latin typeface="Arial"/>
+            </a:endParaRPr>
+          </a:p>
+          <a:p>
+            <a:pPr marL="432000" indent="-322200">
+              <a:lnSpc>
+                <a:spcPct val="100000"/>
+              </a:lnSpc>
+              <a:spcBef>
+                <a:spcPts val="1417"/>
+              </a:spcBef>
+              <a:buClr>
+                <a:srgbClr val="000000"/>
+              </a:buClr>
+              <a:buSzPct val="45000"/>
+              <a:buFont typeface="Wingdings" charset="2"/>
+              <a:buChar char=""/>
+            </a:pPr>
+            <a:r>
+              <a:rPr b="0" lang="en-GB" sz="2000" spc="-1" strike="noStrike">
+                <a:solidFill>
+                  <a:srgbClr val="000000"/>
+                </a:solidFill>
+                <a:latin typeface="Arial"/>
+                <a:ea typeface="Arial"/>
+              </a:rPr>
+              <a:t>30AWG 5m (10m in total) 0.8V drop @ 180mA</a:t>
+            </a:r>
+            <a:endParaRPr b="0" lang="en-GB" sz="2000" spc="-1" strike="noStrike">
+              <a:latin typeface="Arial"/>
+            </a:endParaRPr>
+          </a:p>
+          <a:p>
+            <a:pPr marL="432000" indent="-322200">
+              <a:lnSpc>
+                <a:spcPct val="100000"/>
+              </a:lnSpc>
+              <a:spcBef>
+                <a:spcPts val="1417"/>
+              </a:spcBef>
+              <a:buClr>
+                <a:srgbClr val="000000"/>
+              </a:buClr>
+              <a:buSzPct val="45000"/>
+              <a:buFont typeface="Wingdings" charset="2"/>
+              <a:buChar char=""/>
+            </a:pPr>
+            <a:r>
+              <a:rPr b="0" lang="en-GB" sz="2000" spc="-1" strike="noStrike">
+                <a:solidFill>
+                  <a:srgbClr val="000000"/>
+                </a:solidFill>
+                <a:latin typeface="Arial"/>
+                <a:ea typeface="Arial"/>
+              </a:rPr>
+              <a:t>24AWG =&gt; 5m x2 = 1.2V drop @ 1A</a:t>
+            </a:r>
+            <a:endParaRPr b="0" lang="en-GB" sz="2000" spc="-1" strike="noStrike">
+              <a:latin typeface="Arial"/>
+            </a:endParaRPr>
+          </a:p>
+          <a:p>
+            <a:pPr marL="432000" indent="-322200">
+              <a:lnSpc>
+                <a:spcPct val="100000"/>
+              </a:lnSpc>
+              <a:spcBef>
+                <a:spcPts val="1417"/>
+              </a:spcBef>
+              <a:buClr>
+                <a:srgbClr val="000000"/>
+              </a:buClr>
+              <a:buSzPct val="45000"/>
+              <a:buFont typeface="Wingdings" charset="2"/>
+              <a:buChar char=""/>
+            </a:pPr>
+            <a:r>
+              <a:rPr b="0" lang="en-GB" sz="2000" spc="-1" strike="noStrike">
+                <a:solidFill>
+                  <a:srgbClr val="000000"/>
+                </a:solidFill>
+                <a:latin typeface="Arial"/>
+                <a:ea typeface="Arial"/>
+              </a:rPr>
+              <a:t>10AWG =&gt; 4mΩ per metre (max ~20A)</a:t>
+            </a:r>
+            <a:endParaRPr b="0" lang="en-GB" sz="2000" spc="-1" strike="noStrike">
               <a:latin typeface="Arial"/>
             </a:endParaRPr>
           </a:p>
@@ -25880,13 +26035,36 @@
           <p:nvPr/>
         </p:nvPicPr>
         <p:blipFill>
-          <a:blip r:embed="rId1"/>
+          <a:blip r:embed="rId2"/>
           <a:stretch/>
         </p:blipFill>
         <p:spPr>
           <a:xfrm>
-            <a:off x="2088000" y="991440"/>
-            <a:ext cx="5180400" cy="4548960"/>
+            <a:off x="144000" y="4248000"/>
+            <a:ext cx="1300320" cy="1294200"/>
+          </a:xfrm>
+          <a:prstGeom prst="rect">
+            <a:avLst/>
+          </a:prstGeom>
+          <a:ln>
+            <a:noFill/>
+          </a:ln>
+        </p:spPr>
+      </p:pic>
+      <p:pic>
+        <p:nvPicPr>
+          <p:cNvPr id="511" name="" descr=""/>
+          <p:cNvPicPr/>
+          <p:nvPr/>
+        </p:nvPicPr>
+        <p:blipFill>
+          <a:blip r:embed="rId3"/>
+          <a:stretch/>
+        </p:blipFill>
+        <p:spPr>
+          <a:xfrm>
+            <a:off x="6120000" y="264240"/>
+            <a:ext cx="3756960" cy="1893960"/>
           </a:xfrm>
           <a:prstGeom prst="rect">
             <a:avLst/>
@@ -25928,14 +26106,14 @@
       </p:grpSpPr>
       <p:sp>
         <p:nvSpPr>
-          <p:cNvPr id="511" name="CustomShape 1"/>
+          <p:cNvPr id="512" name="CustomShape 1"/>
           <p:cNvSpPr/>
           <p:nvPr/>
         </p:nvSpPr>
         <p:spPr>
           <a:xfrm>
             <a:off x="504000" y="226080"/>
-            <a:ext cx="9068400" cy="942840"/>
+            <a:ext cx="9068040" cy="942480"/>
           </a:xfrm>
           <a:prstGeom prst="rect">
             <a:avLst/>
@@ -25969,7 +26147,7 @@
                 <a:latin typeface="Arial"/>
                 <a:ea typeface="DejaVu Sans"/>
               </a:rPr>
-              <a:t>OpenAPI (aka Swagger)</a:t>
+              <a:t>Arduino Software (ESP8266)</a:t>
             </a:r>
             <a:endParaRPr b="0" lang="en-GB" sz="4400" spc="-1" strike="noStrike">
               <a:latin typeface="Arial"/>
@@ -25979,7 +26157,7 @@
       </p:sp>
       <p:pic>
         <p:nvPicPr>
-          <p:cNvPr id="512" name="" descr=""/>
+          <p:cNvPr id="513" name="" descr=""/>
           <p:cNvPicPr/>
           <p:nvPr/>
         </p:nvPicPr>
@@ -25989,8 +26167,8 @@
         </p:blipFill>
         <p:spPr>
           <a:xfrm>
-            <a:off x="1368000" y="1008000"/>
-            <a:ext cx="6984720" cy="4347720"/>
+            <a:off x="2088000" y="991440"/>
+            <a:ext cx="5180040" cy="4548600"/>
           </a:xfrm>
           <a:prstGeom prst="rect">
             <a:avLst/>
@@ -26039,7 +26217,7 @@
         <p:spPr>
           <a:xfrm>
             <a:off x="504000" y="226080"/>
-            <a:ext cx="9066960" cy="941760"/>
+            <a:ext cx="9066600" cy="941400"/>
           </a:xfrm>
           <a:prstGeom prst="rect">
             <a:avLst/>
@@ -26090,7 +26268,7 @@
         <p:spPr>
           <a:xfrm>
             <a:off x="576360" y="4500000"/>
-            <a:ext cx="9066960" cy="715320"/>
+            <a:ext cx="9066600" cy="714960"/>
           </a:xfrm>
           <a:prstGeom prst="rect">
             <a:avLst/>
@@ -26111,7 +26289,7 @@
             <a:normAutofit/>
           </a:bodyPr>
           <a:p>
-            <a:pPr marL="432000" indent="-319320">
+            <a:pPr marL="432000" indent="-318960">
               <a:lnSpc>
                 <a:spcPct val="100000"/>
               </a:lnSpc>
@@ -26154,7 +26332,7 @@
         <p:spPr>
           <a:xfrm>
             <a:off x="2476800" y="1069560"/>
-            <a:ext cx="5006520" cy="3047400"/>
+            <a:ext cx="5006160" cy="3047040"/>
           </a:xfrm>
           <a:prstGeom prst="rect">
             <a:avLst/>
@@ -26196,14 +26374,14 @@
       </p:grpSpPr>
       <p:sp>
         <p:nvSpPr>
-          <p:cNvPr id="513" name="CustomShape 1"/>
+          <p:cNvPr id="514" name="CustomShape 1"/>
           <p:cNvSpPr/>
           <p:nvPr/>
         </p:nvSpPr>
         <p:spPr>
           <a:xfrm>
             <a:off x="504000" y="226080"/>
-            <a:ext cx="9068400" cy="942840"/>
+            <a:ext cx="9068040" cy="942480"/>
           </a:xfrm>
           <a:prstGeom prst="rect">
             <a:avLst/>
@@ -26237,7 +26415,7 @@
                 <a:latin typeface="Arial"/>
                 <a:ea typeface="DejaVu Sans"/>
               </a:rPr>
-              <a:t>SwaggerUI</a:t>
+              <a:t>OpenAPI (aka Swagger)</a:t>
             </a:r>
             <a:endParaRPr b="0" lang="en-GB" sz="4400" spc="-1" strike="noStrike">
               <a:latin typeface="Arial"/>
@@ -26245,857 +26423,29 @@
           </a:p>
         </p:txBody>
       </p:sp>
-      <p:sp>
-        <p:nvSpPr>
-          <p:cNvPr id="514" name="CustomShape 2"/>
-          <p:cNvSpPr/>
+      <p:pic>
+        <p:nvPicPr>
+          <p:cNvPr id="515" name="" descr=""/>
+          <p:cNvPicPr/>
           <p:nvPr/>
-        </p:nvSpPr>
-        <p:spPr>
-          <a:xfrm>
-            <a:off x="1440000" y="1080000"/>
-            <a:ext cx="7124760" cy="3751560"/>
-          </a:xfrm>
-          <a:prstGeom prst="rect">
-            <a:avLst/>
-          </a:prstGeom>
-          <a:noFill/>
+        </p:nvPicPr>
+        <p:blipFill>
+          <a:blip r:embed="rId1"/>
+          <a:stretch/>
+        </p:blipFill>
+        <p:spPr>
+          <a:xfrm>
+            <a:off x="1368000" y="1008000"/>
+            <a:ext cx="6984360" cy="4347360"/>
+          </a:xfrm>
+          <a:prstGeom prst="rect">
+            <a:avLst/>
+          </a:prstGeom>
           <a:ln>
             <a:noFill/>
           </a:ln>
         </p:spPr>
-        <p:style>
-          <a:lnRef idx="0"/>
-          <a:fillRef idx="0"/>
-          <a:effectRef idx="0"/>
-          <a:fontRef idx="minor"/>
-        </p:style>
-        <p:txBody>
-          <a:bodyPr lIns="90000" rIns="90000" tIns="45000" bIns="45000">
-            <a:noAutofit/>
-          </a:bodyPr>
-          <a:p>
-            <a:pPr>
-              <a:lnSpc>
-                <a:spcPct val="100000"/>
-              </a:lnSpc>
-            </a:pPr>
-            <a:r>
-              <a:rPr b="0" lang="en-GB" sz="1000" spc="-1" strike="noStrike">
-                <a:solidFill>
-                  <a:srgbClr val="000000"/>
-                </a:solidFill>
-                <a:latin typeface="Lucida Console"/>
-                <a:ea typeface="DejaVu Sans"/>
-              </a:rPr>
-              <a:t>&lt;!DOCTYPE html&gt;</a:t>
-            </a:r>
-            <a:endParaRPr b="0" lang="en-GB" sz="1000" spc="-1" strike="noStrike">
-              <a:latin typeface="Arial"/>
-            </a:endParaRPr>
-          </a:p>
-          <a:p>
-            <a:pPr>
-              <a:lnSpc>
-                <a:spcPct val="100000"/>
-              </a:lnSpc>
-            </a:pPr>
-            <a:r>
-              <a:rPr b="0" lang="en-GB" sz="1000" spc="-1" strike="noStrike">
-                <a:solidFill>
-                  <a:srgbClr val="000000"/>
-                </a:solidFill>
-                <a:latin typeface="Lucida Console"/>
-                <a:ea typeface="DejaVu Sans"/>
-              </a:rPr>
-              <a:t>&lt;html lang="en"&gt;</a:t>
-            </a:r>
-            <a:endParaRPr b="0" lang="en-GB" sz="1000" spc="-1" strike="noStrike">
-              <a:latin typeface="Arial"/>
-            </a:endParaRPr>
-          </a:p>
-          <a:p>
-            <a:pPr>
-              <a:lnSpc>
-                <a:spcPct val="100000"/>
-              </a:lnSpc>
-            </a:pPr>
-            <a:r>
-              <a:rPr b="0" lang="en-GB" sz="1000" spc="-1" strike="noStrike">
-                <a:solidFill>
-                  <a:srgbClr val="000000"/>
-                </a:solidFill>
-                <a:latin typeface="Lucida Console"/>
-                <a:ea typeface="DejaVu Sans"/>
-              </a:rPr>
-              <a:t>&lt;head&gt;</a:t>
-            </a:r>
-            <a:endParaRPr b="0" lang="en-GB" sz="1000" spc="-1" strike="noStrike">
-              <a:latin typeface="Arial"/>
-            </a:endParaRPr>
-          </a:p>
-          <a:p>
-            <a:pPr>
-              <a:lnSpc>
-                <a:spcPct val="100000"/>
-              </a:lnSpc>
-            </a:pPr>
-            <a:r>
-              <a:rPr b="0" lang="en-GB" sz="1000" spc="-1" strike="noStrike">
-                <a:solidFill>
-                  <a:srgbClr val="000000"/>
-                </a:solidFill>
-                <a:latin typeface="Lucida Console"/>
-                <a:ea typeface="DejaVu Sans"/>
-              </a:rPr>
-              <a:t>    </a:t>
-            </a:r>
-            <a:r>
-              <a:rPr b="0" lang="en-GB" sz="1000" spc="-1" strike="noStrike">
-                <a:solidFill>
-                  <a:srgbClr val="000000"/>
-                </a:solidFill>
-                <a:latin typeface="Lucida Console"/>
-                <a:ea typeface="DejaVu Sans"/>
-              </a:rPr>
-              <a:t>&lt;meta charset="UTF-8"&gt;</a:t>
-            </a:r>
-            <a:endParaRPr b="0" lang="en-GB" sz="1000" spc="-1" strike="noStrike">
-              <a:latin typeface="Arial"/>
-            </a:endParaRPr>
-          </a:p>
-          <a:p>
-            <a:pPr>
-              <a:lnSpc>
-                <a:spcPct val="100000"/>
-              </a:lnSpc>
-            </a:pPr>
-            <a:r>
-              <a:rPr b="0" lang="en-GB" sz="1000" spc="-1" strike="noStrike">
-                <a:solidFill>
-                  <a:srgbClr val="000000"/>
-                </a:solidFill>
-                <a:latin typeface="Lucida Console"/>
-                <a:ea typeface="DejaVu Sans"/>
-              </a:rPr>
-              <a:t>    </a:t>
-            </a:r>
-            <a:r>
-              <a:rPr b="0" lang="en-GB" sz="1000" spc="-1" strike="noStrike">
-                <a:solidFill>
-                  <a:srgbClr val="000000"/>
-                </a:solidFill>
-                <a:latin typeface="Lucida Console"/>
-                <a:ea typeface="DejaVu Sans"/>
-              </a:rPr>
-              <a:t>&lt;meta name="viewport" content="width=device-width, initial-scale=1.0"&gt;</a:t>
-            </a:r>
-            <a:endParaRPr b="0" lang="en-GB" sz="1000" spc="-1" strike="noStrike">
-              <a:latin typeface="Arial"/>
-            </a:endParaRPr>
-          </a:p>
-          <a:p>
-            <a:pPr>
-              <a:lnSpc>
-                <a:spcPct val="100000"/>
-              </a:lnSpc>
-            </a:pPr>
-            <a:r>
-              <a:rPr b="0" lang="en-GB" sz="1000" spc="-1" strike="noStrike">
-                <a:solidFill>
-                  <a:srgbClr val="000000"/>
-                </a:solidFill>
-                <a:latin typeface="Lucida Console"/>
-                <a:ea typeface="DejaVu Sans"/>
-              </a:rPr>
-              <a:t>    </a:t>
-            </a:r>
-            <a:r>
-              <a:rPr b="0" lang="en-GB" sz="1000" spc="-1" strike="noStrike">
-                <a:solidFill>
-                  <a:srgbClr val="000000"/>
-                </a:solidFill>
-                <a:latin typeface="Lucida Console"/>
-                <a:ea typeface="DejaVu Sans"/>
-              </a:rPr>
-              <a:t>&lt;meta http-equiv="X-UA-Compatible" content="ie=edge"&gt;</a:t>
-            </a:r>
-            <a:endParaRPr b="0" lang="en-GB" sz="1000" spc="-1" strike="noStrike">
-              <a:latin typeface="Arial"/>
-            </a:endParaRPr>
-          </a:p>
-          <a:p>
-            <a:pPr>
-              <a:lnSpc>
-                <a:spcPct val="100000"/>
-              </a:lnSpc>
-            </a:pPr>
-            <a:r>
-              <a:rPr b="0" lang="en-GB" sz="1000" spc="-1" strike="noStrike">
-                <a:solidFill>
-                  <a:srgbClr val="000000"/>
-                </a:solidFill>
-                <a:latin typeface="Lucida Console"/>
-                <a:ea typeface="DejaVu Sans"/>
-              </a:rPr>
-              <a:t>    </a:t>
-            </a:r>
-            <a:r>
-              <a:rPr b="0" lang="en-GB" sz="1000" spc="-1" strike="noStrike">
-                <a:solidFill>
-                  <a:srgbClr val="000000"/>
-                </a:solidFill>
-                <a:latin typeface="Lucida Console"/>
-                <a:ea typeface="DejaVu Sans"/>
-              </a:rPr>
-              <a:t>&lt;script src="//unpkg.com/swagger-ui-dist@3/swagger-ui-standalone-preset.js"&gt;&lt;/script&gt;</a:t>
-            </a:r>
-            <a:endParaRPr b="0" lang="en-GB" sz="1000" spc="-1" strike="noStrike">
-              <a:latin typeface="Arial"/>
-            </a:endParaRPr>
-          </a:p>
-          <a:p>
-            <a:pPr>
-              <a:lnSpc>
-                <a:spcPct val="100000"/>
-              </a:lnSpc>
-            </a:pPr>
-            <a:r>
-              <a:rPr b="0" lang="en-GB" sz="1000" spc="-1" strike="noStrike">
-                <a:solidFill>
-                  <a:srgbClr val="000000"/>
-                </a:solidFill>
-                <a:latin typeface="Lucida Console"/>
-                <a:ea typeface="DejaVu Sans"/>
-              </a:rPr>
-              <a:t>    </a:t>
-            </a:r>
-            <a:r>
-              <a:rPr b="0" lang="en-GB" sz="1000" spc="-1" strike="noStrike">
-                <a:solidFill>
-                  <a:srgbClr val="000000"/>
-                </a:solidFill>
-                <a:latin typeface="Lucida Console"/>
-                <a:ea typeface="DejaVu Sans"/>
-              </a:rPr>
-              <a:t>&lt;script src="//unpkg.com/swagger-ui-dist@3/swagger-ui-bundle.js"&gt;&lt;/script&gt;</a:t>
-            </a:r>
-            <a:endParaRPr b="0" lang="en-GB" sz="1000" spc="-1" strike="noStrike">
-              <a:latin typeface="Arial"/>
-            </a:endParaRPr>
-          </a:p>
-          <a:p>
-            <a:pPr>
-              <a:lnSpc>
-                <a:spcPct val="100000"/>
-              </a:lnSpc>
-            </a:pPr>
-            <a:r>
-              <a:rPr b="0" lang="en-GB" sz="1000" spc="-1" strike="noStrike">
-                <a:solidFill>
-                  <a:srgbClr val="000000"/>
-                </a:solidFill>
-                <a:latin typeface="Lucida Console"/>
-                <a:ea typeface="DejaVu Sans"/>
-              </a:rPr>
-              <a:t>    </a:t>
-            </a:r>
-            <a:r>
-              <a:rPr b="0" lang="en-GB" sz="1000" spc="-1" strike="noStrike">
-                <a:solidFill>
-                  <a:srgbClr val="000000"/>
-                </a:solidFill>
-                <a:latin typeface="Lucida Console"/>
-                <a:ea typeface="DejaVu Sans"/>
-              </a:rPr>
-              <a:t>&lt;link rel="stylesheet" href="//unpkg.com/swagger-ui-dist@3/swagger-ui.css" /&gt;</a:t>
-            </a:r>
-            <a:endParaRPr b="0" lang="en-GB" sz="1000" spc="-1" strike="noStrike">
-              <a:latin typeface="Arial"/>
-            </a:endParaRPr>
-          </a:p>
-          <a:p>
-            <a:pPr>
-              <a:lnSpc>
-                <a:spcPct val="100000"/>
-              </a:lnSpc>
-            </a:pPr>
-            <a:r>
-              <a:rPr b="0" lang="en-GB" sz="1000" spc="-1" strike="noStrike">
-                <a:solidFill>
-                  <a:srgbClr val="000000"/>
-                </a:solidFill>
-                <a:latin typeface="Lucida Console"/>
-                <a:ea typeface="DejaVu Sans"/>
-              </a:rPr>
-              <a:t>    </a:t>
-            </a:r>
-            <a:r>
-              <a:rPr b="0" lang="en-GB" sz="1000" spc="-1" strike="noStrike">
-                <a:solidFill>
-                  <a:srgbClr val="000000"/>
-                </a:solidFill>
-                <a:latin typeface="Lucida Console"/>
-                <a:ea typeface="DejaVu Sans"/>
-              </a:rPr>
-              <a:t>&lt;title&gt;Swagger&lt;/title&gt;</a:t>
-            </a:r>
-            <a:endParaRPr b="0" lang="en-GB" sz="1000" spc="-1" strike="noStrike">
-              <a:latin typeface="Arial"/>
-            </a:endParaRPr>
-          </a:p>
-          <a:p>
-            <a:pPr>
-              <a:lnSpc>
-                <a:spcPct val="100000"/>
-              </a:lnSpc>
-            </a:pPr>
-            <a:r>
-              <a:rPr b="0" lang="en-GB" sz="1000" spc="-1" strike="noStrike">
-                <a:solidFill>
-                  <a:srgbClr val="000000"/>
-                </a:solidFill>
-                <a:latin typeface="Lucida Console"/>
-                <a:ea typeface="DejaVu Sans"/>
-              </a:rPr>
-              <a:t>&lt;/head&gt;</a:t>
-            </a:r>
-            <a:endParaRPr b="0" lang="en-GB" sz="1000" spc="-1" strike="noStrike">
-              <a:latin typeface="Arial"/>
-            </a:endParaRPr>
-          </a:p>
-          <a:p>
-            <a:pPr>
-              <a:lnSpc>
-                <a:spcPct val="100000"/>
-              </a:lnSpc>
-            </a:pPr>
-            <a:r>
-              <a:rPr b="0" lang="en-GB" sz="1000" spc="-1" strike="noStrike">
-                <a:solidFill>
-                  <a:srgbClr val="000000"/>
-                </a:solidFill>
-                <a:latin typeface="Lucida Console"/>
-                <a:ea typeface="DejaVu Sans"/>
-              </a:rPr>
-              <a:t>&lt;body&gt;</a:t>
-            </a:r>
-            <a:endParaRPr b="0" lang="en-GB" sz="1000" spc="-1" strike="noStrike">
-              <a:latin typeface="Arial"/>
-            </a:endParaRPr>
-          </a:p>
-          <a:p>
-            <a:pPr>
-              <a:lnSpc>
-                <a:spcPct val="100000"/>
-              </a:lnSpc>
-            </a:pPr>
-            <a:r>
-              <a:rPr b="0" lang="en-GB" sz="1000" spc="-1" strike="noStrike">
-                <a:solidFill>
-                  <a:srgbClr val="000000"/>
-                </a:solidFill>
-                <a:latin typeface="Lucida Console"/>
-                <a:ea typeface="DejaVu Sans"/>
-              </a:rPr>
-              <a:t>    </a:t>
-            </a:r>
-            <a:r>
-              <a:rPr b="0" lang="en-GB" sz="1000" spc="-1" strike="noStrike">
-                <a:solidFill>
-                  <a:srgbClr val="000000"/>
-                </a:solidFill>
-                <a:latin typeface="Lucida Console"/>
-                <a:ea typeface="DejaVu Sans"/>
-              </a:rPr>
-              <a:t>&lt;div id="swagger-ui"&gt;&lt;/div&gt;</a:t>
-            </a:r>
-            <a:endParaRPr b="0" lang="en-GB" sz="1000" spc="-1" strike="noStrike">
-              <a:latin typeface="Arial"/>
-            </a:endParaRPr>
-          </a:p>
-          <a:p>
-            <a:pPr>
-              <a:lnSpc>
-                <a:spcPct val="100000"/>
-              </a:lnSpc>
-            </a:pPr>
-            <a:r>
-              <a:rPr b="0" lang="en-GB" sz="1000" spc="-1" strike="noStrike">
-                <a:solidFill>
-                  <a:srgbClr val="000000"/>
-                </a:solidFill>
-                <a:latin typeface="Lucida Console"/>
-                <a:ea typeface="DejaVu Sans"/>
-              </a:rPr>
-              <a:t>    </a:t>
-            </a:r>
-            <a:r>
-              <a:rPr b="0" lang="en-GB" sz="1000" spc="-1" strike="noStrike">
-                <a:solidFill>
-                  <a:srgbClr val="000000"/>
-                </a:solidFill>
-                <a:latin typeface="Lucida Console"/>
-                <a:ea typeface="DejaVu Sans"/>
-              </a:rPr>
-              <a:t>&lt;script&gt;</a:t>
-            </a:r>
-            <a:endParaRPr b="0" lang="en-GB" sz="1000" spc="-1" strike="noStrike">
-              <a:latin typeface="Arial"/>
-            </a:endParaRPr>
-          </a:p>
-          <a:p>
-            <a:pPr>
-              <a:lnSpc>
-                <a:spcPct val="100000"/>
-              </a:lnSpc>
-            </a:pPr>
-            <a:r>
-              <a:rPr b="0" lang="en-GB" sz="1000" spc="-1" strike="noStrike">
-                <a:solidFill>
-                  <a:srgbClr val="000000"/>
-                </a:solidFill>
-                <a:latin typeface="Lucida Console"/>
-                <a:ea typeface="DejaVu Sans"/>
-              </a:rPr>
-              <a:t>        </a:t>
-            </a:r>
-            <a:r>
-              <a:rPr b="0" lang="en-GB" sz="1000" spc="-1" strike="noStrike">
-                <a:solidFill>
-                  <a:srgbClr val="000000"/>
-                </a:solidFill>
-                <a:latin typeface="Lucida Console"/>
-                <a:ea typeface="DejaVu Sans"/>
-              </a:rPr>
-              <a:t>window.onload = function() {</a:t>
-            </a:r>
-            <a:endParaRPr b="0" lang="en-GB" sz="1000" spc="-1" strike="noStrike">
-              <a:latin typeface="Arial"/>
-            </a:endParaRPr>
-          </a:p>
-          <a:p>
-            <a:pPr>
-              <a:lnSpc>
-                <a:spcPct val="100000"/>
-              </a:lnSpc>
-            </a:pPr>
-            <a:r>
-              <a:rPr b="0" lang="en-GB" sz="1000" spc="-1" strike="noStrike">
-                <a:solidFill>
-                  <a:srgbClr val="000000"/>
-                </a:solidFill>
-                <a:latin typeface="Lucida Console"/>
-                <a:ea typeface="DejaVu Sans"/>
-              </a:rPr>
-              <a:t>          </a:t>
-            </a:r>
-            <a:r>
-              <a:rPr b="0" lang="en-GB" sz="1000" spc="-1" strike="noStrike">
-                <a:solidFill>
-                  <a:srgbClr val="000000"/>
-                </a:solidFill>
-                <a:latin typeface="Lucida Console"/>
-                <a:ea typeface="DejaVu Sans"/>
-              </a:rPr>
-              <a:t>SwaggerUIBundle({</a:t>
-            </a:r>
-            <a:endParaRPr b="0" lang="en-GB" sz="1000" spc="-1" strike="noStrike">
-              <a:latin typeface="Arial"/>
-            </a:endParaRPr>
-          </a:p>
-          <a:p>
-            <a:pPr>
-              <a:lnSpc>
-                <a:spcPct val="100000"/>
-              </a:lnSpc>
-            </a:pPr>
-            <a:r>
-              <a:rPr b="0" lang="en-GB" sz="1000" spc="-1" strike="noStrike">
-                <a:solidFill>
-                  <a:srgbClr val="000000"/>
-                </a:solidFill>
-                <a:latin typeface="Lucida Console"/>
-                <a:ea typeface="DejaVu Sans"/>
-              </a:rPr>
-              <a:t>            </a:t>
-            </a:r>
-            <a:r>
-              <a:rPr b="0" lang="en-GB" sz="1000" spc="-1" strike="noStrike">
-                <a:solidFill>
-                  <a:srgbClr val="000000"/>
-                </a:solidFill>
-                <a:latin typeface="Lucida Console"/>
-                <a:ea typeface="DejaVu Sans"/>
-              </a:rPr>
-              <a:t>url: "/swagger.yaml",</a:t>
-            </a:r>
-            <a:endParaRPr b="0" lang="en-GB" sz="1000" spc="-1" strike="noStrike">
-              <a:latin typeface="Arial"/>
-            </a:endParaRPr>
-          </a:p>
-          <a:p>
-            <a:pPr>
-              <a:lnSpc>
-                <a:spcPct val="100000"/>
-              </a:lnSpc>
-            </a:pPr>
-            <a:r>
-              <a:rPr b="0" lang="en-GB" sz="1000" spc="-1" strike="noStrike">
-                <a:solidFill>
-                  <a:srgbClr val="000000"/>
-                </a:solidFill>
-                <a:latin typeface="Lucida Console"/>
-                <a:ea typeface="DejaVu Sans"/>
-              </a:rPr>
-              <a:t>	</a:t>
-            </a:r>
-            <a:r>
-              <a:rPr b="0" lang="en-GB" sz="1000" spc="-1" strike="noStrike">
-                <a:solidFill>
-                  <a:srgbClr val="000000"/>
-                </a:solidFill>
-                <a:latin typeface="Lucida Console"/>
-                <a:ea typeface="DejaVu Sans"/>
-              </a:rPr>
-              <a:t>	</a:t>
-            </a:r>
-            <a:r>
-              <a:rPr b="0" lang="en-GB" sz="1000" spc="-1" strike="noStrike">
-                <a:solidFill>
-                  <a:srgbClr val="000000"/>
-                </a:solidFill>
-                <a:latin typeface="Lucida Console"/>
-                <a:ea typeface="DejaVu Sans"/>
-              </a:rPr>
-              <a:t>	</a:t>
-            </a:r>
-            <a:r>
-              <a:rPr b="0" lang="en-GB" sz="1000" spc="-1" strike="noStrike">
-                <a:solidFill>
-                  <a:srgbClr val="000000"/>
-                </a:solidFill>
-                <a:latin typeface="Lucida Console"/>
-                <a:ea typeface="DejaVu Sans"/>
-              </a:rPr>
-              <a:t>validatorUrl: null,</a:t>
-            </a:r>
-            <a:endParaRPr b="0" lang="en-GB" sz="1000" spc="-1" strike="noStrike">
-              <a:latin typeface="Arial"/>
-            </a:endParaRPr>
-          </a:p>
-          <a:p>
-            <a:pPr>
-              <a:lnSpc>
-                <a:spcPct val="100000"/>
-              </a:lnSpc>
-            </a:pPr>
-            <a:r>
-              <a:rPr b="0" lang="en-GB" sz="1000" spc="-1" strike="noStrike">
-                <a:solidFill>
-                  <a:srgbClr val="000000"/>
-                </a:solidFill>
-                <a:latin typeface="Lucida Console"/>
-                <a:ea typeface="DejaVu Sans"/>
-              </a:rPr>
-              <a:t>            </a:t>
-            </a:r>
-            <a:r>
-              <a:rPr b="0" lang="en-GB" sz="1000" spc="-1" strike="noStrike">
-                <a:solidFill>
-                  <a:srgbClr val="000000"/>
-                </a:solidFill>
-                <a:latin typeface="Lucida Console"/>
-                <a:ea typeface="DejaVu Sans"/>
-              </a:rPr>
-              <a:t>dom_id: '#swagger-ui',</a:t>
-            </a:r>
-            <a:endParaRPr b="0" lang="en-GB" sz="1000" spc="-1" strike="noStrike">
-              <a:latin typeface="Arial"/>
-            </a:endParaRPr>
-          </a:p>
-          <a:p>
-            <a:pPr>
-              <a:lnSpc>
-                <a:spcPct val="100000"/>
-              </a:lnSpc>
-            </a:pPr>
-            <a:r>
-              <a:rPr b="0" lang="en-GB" sz="1000" spc="-1" strike="noStrike">
-                <a:solidFill>
-                  <a:srgbClr val="000000"/>
-                </a:solidFill>
-                <a:latin typeface="Lucida Console"/>
-                <a:ea typeface="DejaVu Sans"/>
-              </a:rPr>
-              <a:t>            </a:t>
-            </a:r>
-            <a:r>
-              <a:rPr b="0" lang="en-GB" sz="1000" spc="-1" strike="noStrike">
-                <a:solidFill>
-                  <a:srgbClr val="000000"/>
-                </a:solidFill>
-                <a:latin typeface="Lucida Console"/>
-                <a:ea typeface="DejaVu Sans"/>
-              </a:rPr>
-              <a:t>presets: [</a:t>
-            </a:r>
-            <a:endParaRPr b="0" lang="en-GB" sz="1000" spc="-1" strike="noStrike">
-              <a:latin typeface="Arial"/>
-            </a:endParaRPr>
-          </a:p>
-          <a:p>
-            <a:pPr>
-              <a:lnSpc>
-                <a:spcPct val="100000"/>
-              </a:lnSpc>
-            </a:pPr>
-            <a:r>
-              <a:rPr b="0" lang="en-GB" sz="1000" spc="-1" strike="noStrike">
-                <a:solidFill>
-                  <a:srgbClr val="000000"/>
-                </a:solidFill>
-                <a:latin typeface="Lucida Console"/>
-                <a:ea typeface="DejaVu Sans"/>
-              </a:rPr>
-              <a:t>              </a:t>
-            </a:r>
-            <a:r>
-              <a:rPr b="0" lang="en-GB" sz="1000" spc="-1" strike="noStrike">
-                <a:solidFill>
-                  <a:srgbClr val="000000"/>
-                </a:solidFill>
-                <a:latin typeface="Lucida Console"/>
-                <a:ea typeface="DejaVu Sans"/>
-              </a:rPr>
-              <a:t>SwaggerUIBundle.presets.apis,</a:t>
-            </a:r>
-            <a:endParaRPr b="0" lang="en-GB" sz="1000" spc="-1" strike="noStrike">
-              <a:latin typeface="Arial"/>
-            </a:endParaRPr>
-          </a:p>
-          <a:p>
-            <a:pPr>
-              <a:lnSpc>
-                <a:spcPct val="100000"/>
-              </a:lnSpc>
-            </a:pPr>
-            <a:r>
-              <a:rPr b="0" lang="en-GB" sz="1000" spc="-1" strike="noStrike">
-                <a:solidFill>
-                  <a:srgbClr val="000000"/>
-                </a:solidFill>
-                <a:latin typeface="Lucida Console"/>
-                <a:ea typeface="DejaVu Sans"/>
-              </a:rPr>
-              <a:t>              </a:t>
-            </a:r>
-            <a:r>
-              <a:rPr b="0" lang="en-GB" sz="1000" spc="-1" strike="noStrike">
-                <a:solidFill>
-                  <a:srgbClr val="000000"/>
-                </a:solidFill>
-                <a:latin typeface="Lucida Console"/>
-                <a:ea typeface="DejaVu Sans"/>
-              </a:rPr>
-              <a:t>SwaggerUIStandalonePreset</a:t>
-            </a:r>
-            <a:endParaRPr b="0" lang="en-GB" sz="1000" spc="-1" strike="noStrike">
-              <a:latin typeface="Arial"/>
-            </a:endParaRPr>
-          </a:p>
-          <a:p>
-            <a:pPr>
-              <a:lnSpc>
-                <a:spcPct val="100000"/>
-              </a:lnSpc>
-            </a:pPr>
-            <a:r>
-              <a:rPr b="0" lang="en-GB" sz="1000" spc="-1" strike="noStrike">
-                <a:solidFill>
-                  <a:srgbClr val="000000"/>
-                </a:solidFill>
-                <a:latin typeface="Lucida Console"/>
-                <a:ea typeface="DejaVu Sans"/>
-              </a:rPr>
-              <a:t>            </a:t>
-            </a:r>
-            <a:r>
-              <a:rPr b="0" lang="en-GB" sz="1000" spc="-1" strike="noStrike">
-                <a:solidFill>
-                  <a:srgbClr val="000000"/>
-                </a:solidFill>
-                <a:latin typeface="Lucida Console"/>
-                <a:ea typeface="DejaVu Sans"/>
-              </a:rPr>
-              <a:t>],</a:t>
-            </a:r>
-            <a:endParaRPr b="0" lang="en-GB" sz="1000" spc="-1" strike="noStrike">
-              <a:latin typeface="Arial"/>
-            </a:endParaRPr>
-          </a:p>
-          <a:p>
-            <a:pPr>
-              <a:lnSpc>
-                <a:spcPct val="100000"/>
-              </a:lnSpc>
-            </a:pPr>
-            <a:r>
-              <a:rPr b="0" lang="en-GB" sz="1000" spc="-1" strike="noStrike">
-                <a:solidFill>
-                  <a:srgbClr val="000000"/>
-                </a:solidFill>
-                <a:latin typeface="Lucida Console"/>
-                <a:ea typeface="DejaVu Sans"/>
-              </a:rPr>
-              <a:t>            </a:t>
-            </a:r>
-            <a:r>
-              <a:rPr b="0" lang="en-GB" sz="1000" spc="-1" strike="noStrike">
-                <a:solidFill>
-                  <a:srgbClr val="000000"/>
-                </a:solidFill>
-                <a:latin typeface="Lucida Console"/>
-                <a:ea typeface="DejaVu Sans"/>
-              </a:rPr>
-              <a:t>layout: "StandaloneLayout"</a:t>
-            </a:r>
-            <a:endParaRPr b="0" lang="en-GB" sz="1000" spc="-1" strike="noStrike">
-              <a:latin typeface="Arial"/>
-            </a:endParaRPr>
-          </a:p>
-          <a:p>
-            <a:pPr>
-              <a:lnSpc>
-                <a:spcPct val="100000"/>
-              </a:lnSpc>
-            </a:pPr>
-            <a:r>
-              <a:rPr b="0" lang="en-GB" sz="1000" spc="-1" strike="noStrike">
-                <a:solidFill>
-                  <a:srgbClr val="000000"/>
-                </a:solidFill>
-                <a:latin typeface="Lucida Console"/>
-                <a:ea typeface="DejaVu Sans"/>
-              </a:rPr>
-              <a:t>          </a:t>
-            </a:r>
-            <a:r>
-              <a:rPr b="0" lang="en-GB" sz="1000" spc="-1" strike="noStrike">
-                <a:solidFill>
-                  <a:srgbClr val="000000"/>
-                </a:solidFill>
-                <a:latin typeface="Lucida Console"/>
-                <a:ea typeface="DejaVu Sans"/>
-              </a:rPr>
-              <a:t>})</a:t>
-            </a:r>
-            <a:endParaRPr b="0" lang="en-GB" sz="1000" spc="-1" strike="noStrike">
-              <a:latin typeface="Arial"/>
-            </a:endParaRPr>
-          </a:p>
-          <a:p>
-            <a:pPr>
-              <a:lnSpc>
-                <a:spcPct val="100000"/>
-              </a:lnSpc>
-            </a:pPr>
-            <a:r>
-              <a:rPr b="0" lang="en-GB" sz="1000" spc="-1" strike="noStrike">
-                <a:solidFill>
-                  <a:srgbClr val="000000"/>
-                </a:solidFill>
-                <a:latin typeface="Lucida Console"/>
-                <a:ea typeface="DejaVu Sans"/>
-              </a:rPr>
-              <a:t>        </a:t>
-            </a:r>
-            <a:r>
-              <a:rPr b="0" lang="en-GB" sz="1000" spc="-1" strike="noStrike">
-                <a:solidFill>
-                  <a:srgbClr val="000000"/>
-                </a:solidFill>
-                <a:latin typeface="Lucida Console"/>
-                <a:ea typeface="DejaVu Sans"/>
-              </a:rPr>
-              <a:t>}</a:t>
-            </a:r>
-            <a:endParaRPr b="0" lang="en-GB" sz="1000" spc="-1" strike="noStrike">
-              <a:latin typeface="Arial"/>
-            </a:endParaRPr>
-          </a:p>
-          <a:p>
-            <a:pPr>
-              <a:lnSpc>
-                <a:spcPct val="100000"/>
-              </a:lnSpc>
-            </a:pPr>
-            <a:r>
-              <a:rPr b="0" lang="en-GB" sz="1000" spc="-1" strike="noStrike">
-                <a:solidFill>
-                  <a:srgbClr val="000000"/>
-                </a:solidFill>
-                <a:latin typeface="Lucida Console"/>
-                <a:ea typeface="DejaVu Sans"/>
-              </a:rPr>
-              <a:t>    </a:t>
-            </a:r>
-            <a:r>
-              <a:rPr b="0" lang="en-GB" sz="1000" spc="-1" strike="noStrike">
-                <a:solidFill>
-                  <a:srgbClr val="000000"/>
-                </a:solidFill>
-                <a:latin typeface="Lucida Console"/>
-                <a:ea typeface="DejaVu Sans"/>
-              </a:rPr>
-              <a:t>&lt;/script&gt;</a:t>
-            </a:r>
-            <a:endParaRPr b="0" lang="en-GB" sz="1000" spc="-1" strike="noStrike">
-              <a:latin typeface="Arial"/>
-            </a:endParaRPr>
-          </a:p>
-          <a:p>
-            <a:pPr>
-              <a:lnSpc>
-                <a:spcPct val="100000"/>
-              </a:lnSpc>
-            </a:pPr>
-            <a:r>
-              <a:rPr b="0" lang="en-GB" sz="1000" spc="-1" strike="noStrike">
-                <a:solidFill>
-                  <a:srgbClr val="000000"/>
-                </a:solidFill>
-                <a:latin typeface="Lucida Console"/>
-                <a:ea typeface="DejaVu Sans"/>
-              </a:rPr>
-              <a:t>&lt;/body&gt;</a:t>
-            </a:r>
-            <a:endParaRPr b="0" lang="en-GB" sz="1000" spc="-1" strike="noStrike">
-              <a:latin typeface="Arial"/>
-            </a:endParaRPr>
-          </a:p>
-          <a:p>
-            <a:pPr>
-              <a:lnSpc>
-                <a:spcPct val="100000"/>
-              </a:lnSpc>
-            </a:pPr>
-            <a:r>
-              <a:rPr b="0" lang="en-GB" sz="1000" spc="-1" strike="noStrike">
-                <a:solidFill>
-                  <a:srgbClr val="000000"/>
-                </a:solidFill>
-                <a:latin typeface="Lucida Console"/>
-                <a:ea typeface="DejaVu Sans"/>
-              </a:rPr>
-              <a:t>&lt;/html&gt;</a:t>
-            </a:r>
-            <a:endParaRPr b="0" lang="en-GB" sz="1000" spc="-1" strike="noStrike">
-              <a:latin typeface="Arial"/>
-            </a:endParaRPr>
-          </a:p>
-        </p:txBody>
-      </p:sp>
+      </p:pic>
     </p:spTree>
   </p:cSld>
   <mc:AlternateContent>
@@ -27128,14 +26478,14 @@
       </p:grpSpPr>
       <p:sp>
         <p:nvSpPr>
-          <p:cNvPr id="515" name="CustomShape 1"/>
+          <p:cNvPr id="516" name="CustomShape 1"/>
           <p:cNvSpPr/>
           <p:nvPr/>
         </p:nvSpPr>
         <p:spPr>
           <a:xfrm>
             <a:off x="504000" y="226080"/>
-            <a:ext cx="9068400" cy="942840"/>
+            <a:ext cx="9068040" cy="942480"/>
           </a:xfrm>
           <a:prstGeom prst="rect">
             <a:avLst/>
@@ -27169,7 +26519,7 @@
                 <a:latin typeface="Arial"/>
                 <a:ea typeface="DejaVu Sans"/>
               </a:rPr>
-              <a:t>Arduino Code (part 1)</a:t>
+              <a:t>SwaggerUI</a:t>
             </a:r>
             <a:endParaRPr b="0" lang="en-GB" sz="4400" spc="-1" strike="noStrike">
               <a:latin typeface="Arial"/>
@@ -27177,29 +26527,857 @@
           </a:p>
         </p:txBody>
       </p:sp>
-      <p:pic>
-        <p:nvPicPr>
-          <p:cNvPr id="516" name="" descr=""/>
-          <p:cNvPicPr/>
+      <p:sp>
+        <p:nvSpPr>
+          <p:cNvPr id="517" name="CustomShape 2"/>
+          <p:cNvSpPr/>
           <p:nvPr/>
-        </p:nvPicPr>
-        <p:blipFill>
-          <a:blip r:embed="rId1"/>
-          <a:stretch/>
-        </p:blipFill>
-        <p:spPr>
-          <a:xfrm>
-            <a:off x="986400" y="936000"/>
-            <a:ext cx="8226360" cy="4562280"/>
-          </a:xfrm>
-          <a:prstGeom prst="rect">
-            <a:avLst/>
-          </a:prstGeom>
+        </p:nvSpPr>
+        <p:spPr>
+          <a:xfrm>
+            <a:off x="1440000" y="1080000"/>
+            <a:ext cx="7124400" cy="3751200"/>
+          </a:xfrm>
+          <a:prstGeom prst="rect">
+            <a:avLst/>
+          </a:prstGeom>
+          <a:noFill/>
           <a:ln>
             <a:noFill/>
           </a:ln>
         </p:spPr>
-      </p:pic>
+        <p:style>
+          <a:lnRef idx="0"/>
+          <a:fillRef idx="0"/>
+          <a:effectRef idx="0"/>
+          <a:fontRef idx="minor"/>
+        </p:style>
+        <p:txBody>
+          <a:bodyPr lIns="90000" rIns="90000" tIns="45000" bIns="45000">
+            <a:noAutofit/>
+          </a:bodyPr>
+          <a:p>
+            <a:pPr>
+              <a:lnSpc>
+                <a:spcPct val="100000"/>
+              </a:lnSpc>
+            </a:pPr>
+            <a:r>
+              <a:rPr b="0" lang="en-GB" sz="1000" spc="-1" strike="noStrike">
+                <a:solidFill>
+                  <a:srgbClr val="000000"/>
+                </a:solidFill>
+                <a:latin typeface="Lucida Console"/>
+                <a:ea typeface="DejaVu Sans"/>
+              </a:rPr>
+              <a:t>&lt;!DOCTYPE html&gt;</a:t>
+            </a:r>
+            <a:endParaRPr b="0" lang="en-GB" sz="1000" spc="-1" strike="noStrike">
+              <a:latin typeface="Arial"/>
+            </a:endParaRPr>
+          </a:p>
+          <a:p>
+            <a:pPr>
+              <a:lnSpc>
+                <a:spcPct val="100000"/>
+              </a:lnSpc>
+            </a:pPr>
+            <a:r>
+              <a:rPr b="0" lang="en-GB" sz="1000" spc="-1" strike="noStrike">
+                <a:solidFill>
+                  <a:srgbClr val="000000"/>
+                </a:solidFill>
+                <a:latin typeface="Lucida Console"/>
+                <a:ea typeface="DejaVu Sans"/>
+              </a:rPr>
+              <a:t>&lt;html lang="en"&gt;</a:t>
+            </a:r>
+            <a:endParaRPr b="0" lang="en-GB" sz="1000" spc="-1" strike="noStrike">
+              <a:latin typeface="Arial"/>
+            </a:endParaRPr>
+          </a:p>
+          <a:p>
+            <a:pPr>
+              <a:lnSpc>
+                <a:spcPct val="100000"/>
+              </a:lnSpc>
+            </a:pPr>
+            <a:r>
+              <a:rPr b="0" lang="en-GB" sz="1000" spc="-1" strike="noStrike">
+                <a:solidFill>
+                  <a:srgbClr val="000000"/>
+                </a:solidFill>
+                <a:latin typeface="Lucida Console"/>
+                <a:ea typeface="DejaVu Sans"/>
+              </a:rPr>
+              <a:t>&lt;head&gt;</a:t>
+            </a:r>
+            <a:endParaRPr b="0" lang="en-GB" sz="1000" spc="-1" strike="noStrike">
+              <a:latin typeface="Arial"/>
+            </a:endParaRPr>
+          </a:p>
+          <a:p>
+            <a:pPr>
+              <a:lnSpc>
+                <a:spcPct val="100000"/>
+              </a:lnSpc>
+            </a:pPr>
+            <a:r>
+              <a:rPr b="0" lang="en-GB" sz="1000" spc="-1" strike="noStrike">
+                <a:solidFill>
+                  <a:srgbClr val="000000"/>
+                </a:solidFill>
+                <a:latin typeface="Lucida Console"/>
+                <a:ea typeface="DejaVu Sans"/>
+              </a:rPr>
+              <a:t>    </a:t>
+            </a:r>
+            <a:r>
+              <a:rPr b="0" lang="en-GB" sz="1000" spc="-1" strike="noStrike">
+                <a:solidFill>
+                  <a:srgbClr val="000000"/>
+                </a:solidFill>
+                <a:latin typeface="Lucida Console"/>
+                <a:ea typeface="DejaVu Sans"/>
+              </a:rPr>
+              <a:t>&lt;meta charset="UTF-8"&gt;</a:t>
+            </a:r>
+            <a:endParaRPr b="0" lang="en-GB" sz="1000" spc="-1" strike="noStrike">
+              <a:latin typeface="Arial"/>
+            </a:endParaRPr>
+          </a:p>
+          <a:p>
+            <a:pPr>
+              <a:lnSpc>
+                <a:spcPct val="100000"/>
+              </a:lnSpc>
+            </a:pPr>
+            <a:r>
+              <a:rPr b="0" lang="en-GB" sz="1000" spc="-1" strike="noStrike">
+                <a:solidFill>
+                  <a:srgbClr val="000000"/>
+                </a:solidFill>
+                <a:latin typeface="Lucida Console"/>
+                <a:ea typeface="DejaVu Sans"/>
+              </a:rPr>
+              <a:t>    </a:t>
+            </a:r>
+            <a:r>
+              <a:rPr b="0" lang="en-GB" sz="1000" spc="-1" strike="noStrike">
+                <a:solidFill>
+                  <a:srgbClr val="000000"/>
+                </a:solidFill>
+                <a:latin typeface="Lucida Console"/>
+                <a:ea typeface="DejaVu Sans"/>
+              </a:rPr>
+              <a:t>&lt;meta name="viewport" content="width=device-width, initial-scale=1.0"&gt;</a:t>
+            </a:r>
+            <a:endParaRPr b="0" lang="en-GB" sz="1000" spc="-1" strike="noStrike">
+              <a:latin typeface="Arial"/>
+            </a:endParaRPr>
+          </a:p>
+          <a:p>
+            <a:pPr>
+              <a:lnSpc>
+                <a:spcPct val="100000"/>
+              </a:lnSpc>
+            </a:pPr>
+            <a:r>
+              <a:rPr b="0" lang="en-GB" sz="1000" spc="-1" strike="noStrike">
+                <a:solidFill>
+                  <a:srgbClr val="000000"/>
+                </a:solidFill>
+                <a:latin typeface="Lucida Console"/>
+                <a:ea typeface="DejaVu Sans"/>
+              </a:rPr>
+              <a:t>    </a:t>
+            </a:r>
+            <a:r>
+              <a:rPr b="0" lang="en-GB" sz="1000" spc="-1" strike="noStrike">
+                <a:solidFill>
+                  <a:srgbClr val="000000"/>
+                </a:solidFill>
+                <a:latin typeface="Lucida Console"/>
+                <a:ea typeface="DejaVu Sans"/>
+              </a:rPr>
+              <a:t>&lt;meta http-equiv="X-UA-Compatible" content="ie=edge"&gt;</a:t>
+            </a:r>
+            <a:endParaRPr b="0" lang="en-GB" sz="1000" spc="-1" strike="noStrike">
+              <a:latin typeface="Arial"/>
+            </a:endParaRPr>
+          </a:p>
+          <a:p>
+            <a:pPr>
+              <a:lnSpc>
+                <a:spcPct val="100000"/>
+              </a:lnSpc>
+            </a:pPr>
+            <a:r>
+              <a:rPr b="0" lang="en-GB" sz="1000" spc="-1" strike="noStrike">
+                <a:solidFill>
+                  <a:srgbClr val="000000"/>
+                </a:solidFill>
+                <a:latin typeface="Lucida Console"/>
+                <a:ea typeface="DejaVu Sans"/>
+              </a:rPr>
+              <a:t>    </a:t>
+            </a:r>
+            <a:r>
+              <a:rPr b="0" lang="en-GB" sz="1000" spc="-1" strike="noStrike">
+                <a:solidFill>
+                  <a:srgbClr val="000000"/>
+                </a:solidFill>
+                <a:latin typeface="Lucida Console"/>
+                <a:ea typeface="DejaVu Sans"/>
+              </a:rPr>
+              <a:t>&lt;script src="//unpkg.com/swagger-ui-dist@3/swagger-ui-standalone-preset.js"&gt;&lt;/script&gt;</a:t>
+            </a:r>
+            <a:endParaRPr b="0" lang="en-GB" sz="1000" spc="-1" strike="noStrike">
+              <a:latin typeface="Arial"/>
+            </a:endParaRPr>
+          </a:p>
+          <a:p>
+            <a:pPr>
+              <a:lnSpc>
+                <a:spcPct val="100000"/>
+              </a:lnSpc>
+            </a:pPr>
+            <a:r>
+              <a:rPr b="0" lang="en-GB" sz="1000" spc="-1" strike="noStrike">
+                <a:solidFill>
+                  <a:srgbClr val="000000"/>
+                </a:solidFill>
+                <a:latin typeface="Lucida Console"/>
+                <a:ea typeface="DejaVu Sans"/>
+              </a:rPr>
+              <a:t>    </a:t>
+            </a:r>
+            <a:r>
+              <a:rPr b="0" lang="en-GB" sz="1000" spc="-1" strike="noStrike">
+                <a:solidFill>
+                  <a:srgbClr val="000000"/>
+                </a:solidFill>
+                <a:latin typeface="Lucida Console"/>
+                <a:ea typeface="DejaVu Sans"/>
+              </a:rPr>
+              <a:t>&lt;script src="//unpkg.com/swagger-ui-dist@3/swagger-ui-bundle.js"&gt;&lt;/script&gt;</a:t>
+            </a:r>
+            <a:endParaRPr b="0" lang="en-GB" sz="1000" spc="-1" strike="noStrike">
+              <a:latin typeface="Arial"/>
+            </a:endParaRPr>
+          </a:p>
+          <a:p>
+            <a:pPr>
+              <a:lnSpc>
+                <a:spcPct val="100000"/>
+              </a:lnSpc>
+            </a:pPr>
+            <a:r>
+              <a:rPr b="0" lang="en-GB" sz="1000" spc="-1" strike="noStrike">
+                <a:solidFill>
+                  <a:srgbClr val="000000"/>
+                </a:solidFill>
+                <a:latin typeface="Lucida Console"/>
+                <a:ea typeface="DejaVu Sans"/>
+              </a:rPr>
+              <a:t>    </a:t>
+            </a:r>
+            <a:r>
+              <a:rPr b="0" lang="en-GB" sz="1000" spc="-1" strike="noStrike">
+                <a:solidFill>
+                  <a:srgbClr val="000000"/>
+                </a:solidFill>
+                <a:latin typeface="Lucida Console"/>
+                <a:ea typeface="DejaVu Sans"/>
+              </a:rPr>
+              <a:t>&lt;link rel="stylesheet" href="//unpkg.com/swagger-ui-dist@3/swagger-ui.css" /&gt;</a:t>
+            </a:r>
+            <a:endParaRPr b="0" lang="en-GB" sz="1000" spc="-1" strike="noStrike">
+              <a:latin typeface="Arial"/>
+            </a:endParaRPr>
+          </a:p>
+          <a:p>
+            <a:pPr>
+              <a:lnSpc>
+                <a:spcPct val="100000"/>
+              </a:lnSpc>
+            </a:pPr>
+            <a:r>
+              <a:rPr b="0" lang="en-GB" sz="1000" spc="-1" strike="noStrike">
+                <a:solidFill>
+                  <a:srgbClr val="000000"/>
+                </a:solidFill>
+                <a:latin typeface="Lucida Console"/>
+                <a:ea typeface="DejaVu Sans"/>
+              </a:rPr>
+              <a:t>    </a:t>
+            </a:r>
+            <a:r>
+              <a:rPr b="0" lang="en-GB" sz="1000" spc="-1" strike="noStrike">
+                <a:solidFill>
+                  <a:srgbClr val="000000"/>
+                </a:solidFill>
+                <a:latin typeface="Lucida Console"/>
+                <a:ea typeface="DejaVu Sans"/>
+              </a:rPr>
+              <a:t>&lt;title&gt;Swagger&lt;/title&gt;</a:t>
+            </a:r>
+            <a:endParaRPr b="0" lang="en-GB" sz="1000" spc="-1" strike="noStrike">
+              <a:latin typeface="Arial"/>
+            </a:endParaRPr>
+          </a:p>
+          <a:p>
+            <a:pPr>
+              <a:lnSpc>
+                <a:spcPct val="100000"/>
+              </a:lnSpc>
+            </a:pPr>
+            <a:r>
+              <a:rPr b="0" lang="en-GB" sz="1000" spc="-1" strike="noStrike">
+                <a:solidFill>
+                  <a:srgbClr val="000000"/>
+                </a:solidFill>
+                <a:latin typeface="Lucida Console"/>
+                <a:ea typeface="DejaVu Sans"/>
+              </a:rPr>
+              <a:t>&lt;/head&gt;</a:t>
+            </a:r>
+            <a:endParaRPr b="0" lang="en-GB" sz="1000" spc="-1" strike="noStrike">
+              <a:latin typeface="Arial"/>
+            </a:endParaRPr>
+          </a:p>
+          <a:p>
+            <a:pPr>
+              <a:lnSpc>
+                <a:spcPct val="100000"/>
+              </a:lnSpc>
+            </a:pPr>
+            <a:r>
+              <a:rPr b="0" lang="en-GB" sz="1000" spc="-1" strike="noStrike">
+                <a:solidFill>
+                  <a:srgbClr val="000000"/>
+                </a:solidFill>
+                <a:latin typeface="Lucida Console"/>
+                <a:ea typeface="DejaVu Sans"/>
+              </a:rPr>
+              <a:t>&lt;body&gt;</a:t>
+            </a:r>
+            <a:endParaRPr b="0" lang="en-GB" sz="1000" spc="-1" strike="noStrike">
+              <a:latin typeface="Arial"/>
+            </a:endParaRPr>
+          </a:p>
+          <a:p>
+            <a:pPr>
+              <a:lnSpc>
+                <a:spcPct val="100000"/>
+              </a:lnSpc>
+            </a:pPr>
+            <a:r>
+              <a:rPr b="0" lang="en-GB" sz="1000" spc="-1" strike="noStrike">
+                <a:solidFill>
+                  <a:srgbClr val="000000"/>
+                </a:solidFill>
+                <a:latin typeface="Lucida Console"/>
+                <a:ea typeface="DejaVu Sans"/>
+              </a:rPr>
+              <a:t>    </a:t>
+            </a:r>
+            <a:r>
+              <a:rPr b="0" lang="en-GB" sz="1000" spc="-1" strike="noStrike">
+                <a:solidFill>
+                  <a:srgbClr val="000000"/>
+                </a:solidFill>
+                <a:latin typeface="Lucida Console"/>
+                <a:ea typeface="DejaVu Sans"/>
+              </a:rPr>
+              <a:t>&lt;div id="swagger-ui"&gt;&lt;/div&gt;</a:t>
+            </a:r>
+            <a:endParaRPr b="0" lang="en-GB" sz="1000" spc="-1" strike="noStrike">
+              <a:latin typeface="Arial"/>
+            </a:endParaRPr>
+          </a:p>
+          <a:p>
+            <a:pPr>
+              <a:lnSpc>
+                <a:spcPct val="100000"/>
+              </a:lnSpc>
+            </a:pPr>
+            <a:r>
+              <a:rPr b="0" lang="en-GB" sz="1000" spc="-1" strike="noStrike">
+                <a:solidFill>
+                  <a:srgbClr val="000000"/>
+                </a:solidFill>
+                <a:latin typeface="Lucida Console"/>
+                <a:ea typeface="DejaVu Sans"/>
+              </a:rPr>
+              <a:t>    </a:t>
+            </a:r>
+            <a:r>
+              <a:rPr b="0" lang="en-GB" sz="1000" spc="-1" strike="noStrike">
+                <a:solidFill>
+                  <a:srgbClr val="000000"/>
+                </a:solidFill>
+                <a:latin typeface="Lucida Console"/>
+                <a:ea typeface="DejaVu Sans"/>
+              </a:rPr>
+              <a:t>&lt;script&gt;</a:t>
+            </a:r>
+            <a:endParaRPr b="0" lang="en-GB" sz="1000" spc="-1" strike="noStrike">
+              <a:latin typeface="Arial"/>
+            </a:endParaRPr>
+          </a:p>
+          <a:p>
+            <a:pPr>
+              <a:lnSpc>
+                <a:spcPct val="100000"/>
+              </a:lnSpc>
+            </a:pPr>
+            <a:r>
+              <a:rPr b="0" lang="en-GB" sz="1000" spc="-1" strike="noStrike">
+                <a:solidFill>
+                  <a:srgbClr val="000000"/>
+                </a:solidFill>
+                <a:latin typeface="Lucida Console"/>
+                <a:ea typeface="DejaVu Sans"/>
+              </a:rPr>
+              <a:t>        </a:t>
+            </a:r>
+            <a:r>
+              <a:rPr b="0" lang="en-GB" sz="1000" spc="-1" strike="noStrike">
+                <a:solidFill>
+                  <a:srgbClr val="000000"/>
+                </a:solidFill>
+                <a:latin typeface="Lucida Console"/>
+                <a:ea typeface="DejaVu Sans"/>
+              </a:rPr>
+              <a:t>window.onload = function() {</a:t>
+            </a:r>
+            <a:endParaRPr b="0" lang="en-GB" sz="1000" spc="-1" strike="noStrike">
+              <a:latin typeface="Arial"/>
+            </a:endParaRPr>
+          </a:p>
+          <a:p>
+            <a:pPr>
+              <a:lnSpc>
+                <a:spcPct val="100000"/>
+              </a:lnSpc>
+            </a:pPr>
+            <a:r>
+              <a:rPr b="0" lang="en-GB" sz="1000" spc="-1" strike="noStrike">
+                <a:solidFill>
+                  <a:srgbClr val="000000"/>
+                </a:solidFill>
+                <a:latin typeface="Lucida Console"/>
+                <a:ea typeface="DejaVu Sans"/>
+              </a:rPr>
+              <a:t>          </a:t>
+            </a:r>
+            <a:r>
+              <a:rPr b="0" lang="en-GB" sz="1000" spc="-1" strike="noStrike">
+                <a:solidFill>
+                  <a:srgbClr val="000000"/>
+                </a:solidFill>
+                <a:latin typeface="Lucida Console"/>
+                <a:ea typeface="DejaVu Sans"/>
+              </a:rPr>
+              <a:t>SwaggerUIBundle({</a:t>
+            </a:r>
+            <a:endParaRPr b="0" lang="en-GB" sz="1000" spc="-1" strike="noStrike">
+              <a:latin typeface="Arial"/>
+            </a:endParaRPr>
+          </a:p>
+          <a:p>
+            <a:pPr>
+              <a:lnSpc>
+                <a:spcPct val="100000"/>
+              </a:lnSpc>
+            </a:pPr>
+            <a:r>
+              <a:rPr b="0" lang="en-GB" sz="1000" spc="-1" strike="noStrike">
+                <a:solidFill>
+                  <a:srgbClr val="000000"/>
+                </a:solidFill>
+                <a:latin typeface="Lucida Console"/>
+                <a:ea typeface="DejaVu Sans"/>
+              </a:rPr>
+              <a:t>            </a:t>
+            </a:r>
+            <a:r>
+              <a:rPr b="0" lang="en-GB" sz="1000" spc="-1" strike="noStrike">
+                <a:solidFill>
+                  <a:srgbClr val="000000"/>
+                </a:solidFill>
+                <a:latin typeface="Lucida Console"/>
+                <a:ea typeface="DejaVu Sans"/>
+              </a:rPr>
+              <a:t>url: "/swagger.yaml",</a:t>
+            </a:r>
+            <a:endParaRPr b="0" lang="en-GB" sz="1000" spc="-1" strike="noStrike">
+              <a:latin typeface="Arial"/>
+            </a:endParaRPr>
+          </a:p>
+          <a:p>
+            <a:pPr>
+              <a:lnSpc>
+                <a:spcPct val="100000"/>
+              </a:lnSpc>
+            </a:pPr>
+            <a:r>
+              <a:rPr b="0" lang="en-GB" sz="1000" spc="-1" strike="noStrike">
+                <a:solidFill>
+                  <a:srgbClr val="000000"/>
+                </a:solidFill>
+                <a:latin typeface="Lucida Console"/>
+                <a:ea typeface="DejaVu Sans"/>
+              </a:rPr>
+              <a:t>	</a:t>
+            </a:r>
+            <a:r>
+              <a:rPr b="0" lang="en-GB" sz="1000" spc="-1" strike="noStrike">
+                <a:solidFill>
+                  <a:srgbClr val="000000"/>
+                </a:solidFill>
+                <a:latin typeface="Lucida Console"/>
+                <a:ea typeface="DejaVu Sans"/>
+              </a:rPr>
+              <a:t>	</a:t>
+            </a:r>
+            <a:r>
+              <a:rPr b="0" lang="en-GB" sz="1000" spc="-1" strike="noStrike">
+                <a:solidFill>
+                  <a:srgbClr val="000000"/>
+                </a:solidFill>
+                <a:latin typeface="Lucida Console"/>
+                <a:ea typeface="DejaVu Sans"/>
+              </a:rPr>
+              <a:t>	</a:t>
+            </a:r>
+            <a:r>
+              <a:rPr b="0" lang="en-GB" sz="1000" spc="-1" strike="noStrike">
+                <a:solidFill>
+                  <a:srgbClr val="000000"/>
+                </a:solidFill>
+                <a:latin typeface="Lucida Console"/>
+                <a:ea typeface="DejaVu Sans"/>
+              </a:rPr>
+              <a:t>validatorUrl: null,</a:t>
+            </a:r>
+            <a:endParaRPr b="0" lang="en-GB" sz="1000" spc="-1" strike="noStrike">
+              <a:latin typeface="Arial"/>
+            </a:endParaRPr>
+          </a:p>
+          <a:p>
+            <a:pPr>
+              <a:lnSpc>
+                <a:spcPct val="100000"/>
+              </a:lnSpc>
+            </a:pPr>
+            <a:r>
+              <a:rPr b="0" lang="en-GB" sz="1000" spc="-1" strike="noStrike">
+                <a:solidFill>
+                  <a:srgbClr val="000000"/>
+                </a:solidFill>
+                <a:latin typeface="Lucida Console"/>
+                <a:ea typeface="DejaVu Sans"/>
+              </a:rPr>
+              <a:t>            </a:t>
+            </a:r>
+            <a:r>
+              <a:rPr b="0" lang="en-GB" sz="1000" spc="-1" strike="noStrike">
+                <a:solidFill>
+                  <a:srgbClr val="000000"/>
+                </a:solidFill>
+                <a:latin typeface="Lucida Console"/>
+                <a:ea typeface="DejaVu Sans"/>
+              </a:rPr>
+              <a:t>dom_id: '#swagger-ui',</a:t>
+            </a:r>
+            <a:endParaRPr b="0" lang="en-GB" sz="1000" spc="-1" strike="noStrike">
+              <a:latin typeface="Arial"/>
+            </a:endParaRPr>
+          </a:p>
+          <a:p>
+            <a:pPr>
+              <a:lnSpc>
+                <a:spcPct val="100000"/>
+              </a:lnSpc>
+            </a:pPr>
+            <a:r>
+              <a:rPr b="0" lang="en-GB" sz="1000" spc="-1" strike="noStrike">
+                <a:solidFill>
+                  <a:srgbClr val="000000"/>
+                </a:solidFill>
+                <a:latin typeface="Lucida Console"/>
+                <a:ea typeface="DejaVu Sans"/>
+              </a:rPr>
+              <a:t>            </a:t>
+            </a:r>
+            <a:r>
+              <a:rPr b="0" lang="en-GB" sz="1000" spc="-1" strike="noStrike">
+                <a:solidFill>
+                  <a:srgbClr val="000000"/>
+                </a:solidFill>
+                <a:latin typeface="Lucida Console"/>
+                <a:ea typeface="DejaVu Sans"/>
+              </a:rPr>
+              <a:t>presets: [</a:t>
+            </a:r>
+            <a:endParaRPr b="0" lang="en-GB" sz="1000" spc="-1" strike="noStrike">
+              <a:latin typeface="Arial"/>
+            </a:endParaRPr>
+          </a:p>
+          <a:p>
+            <a:pPr>
+              <a:lnSpc>
+                <a:spcPct val="100000"/>
+              </a:lnSpc>
+            </a:pPr>
+            <a:r>
+              <a:rPr b="0" lang="en-GB" sz="1000" spc="-1" strike="noStrike">
+                <a:solidFill>
+                  <a:srgbClr val="000000"/>
+                </a:solidFill>
+                <a:latin typeface="Lucida Console"/>
+                <a:ea typeface="DejaVu Sans"/>
+              </a:rPr>
+              <a:t>              </a:t>
+            </a:r>
+            <a:r>
+              <a:rPr b="0" lang="en-GB" sz="1000" spc="-1" strike="noStrike">
+                <a:solidFill>
+                  <a:srgbClr val="000000"/>
+                </a:solidFill>
+                <a:latin typeface="Lucida Console"/>
+                <a:ea typeface="DejaVu Sans"/>
+              </a:rPr>
+              <a:t>SwaggerUIBundle.presets.apis,</a:t>
+            </a:r>
+            <a:endParaRPr b="0" lang="en-GB" sz="1000" spc="-1" strike="noStrike">
+              <a:latin typeface="Arial"/>
+            </a:endParaRPr>
+          </a:p>
+          <a:p>
+            <a:pPr>
+              <a:lnSpc>
+                <a:spcPct val="100000"/>
+              </a:lnSpc>
+            </a:pPr>
+            <a:r>
+              <a:rPr b="0" lang="en-GB" sz="1000" spc="-1" strike="noStrike">
+                <a:solidFill>
+                  <a:srgbClr val="000000"/>
+                </a:solidFill>
+                <a:latin typeface="Lucida Console"/>
+                <a:ea typeface="DejaVu Sans"/>
+              </a:rPr>
+              <a:t>              </a:t>
+            </a:r>
+            <a:r>
+              <a:rPr b="0" lang="en-GB" sz="1000" spc="-1" strike="noStrike">
+                <a:solidFill>
+                  <a:srgbClr val="000000"/>
+                </a:solidFill>
+                <a:latin typeface="Lucida Console"/>
+                <a:ea typeface="DejaVu Sans"/>
+              </a:rPr>
+              <a:t>SwaggerUIStandalonePreset</a:t>
+            </a:r>
+            <a:endParaRPr b="0" lang="en-GB" sz="1000" spc="-1" strike="noStrike">
+              <a:latin typeface="Arial"/>
+            </a:endParaRPr>
+          </a:p>
+          <a:p>
+            <a:pPr>
+              <a:lnSpc>
+                <a:spcPct val="100000"/>
+              </a:lnSpc>
+            </a:pPr>
+            <a:r>
+              <a:rPr b="0" lang="en-GB" sz="1000" spc="-1" strike="noStrike">
+                <a:solidFill>
+                  <a:srgbClr val="000000"/>
+                </a:solidFill>
+                <a:latin typeface="Lucida Console"/>
+                <a:ea typeface="DejaVu Sans"/>
+              </a:rPr>
+              <a:t>            </a:t>
+            </a:r>
+            <a:r>
+              <a:rPr b="0" lang="en-GB" sz="1000" spc="-1" strike="noStrike">
+                <a:solidFill>
+                  <a:srgbClr val="000000"/>
+                </a:solidFill>
+                <a:latin typeface="Lucida Console"/>
+                <a:ea typeface="DejaVu Sans"/>
+              </a:rPr>
+              <a:t>],</a:t>
+            </a:r>
+            <a:endParaRPr b="0" lang="en-GB" sz="1000" spc="-1" strike="noStrike">
+              <a:latin typeface="Arial"/>
+            </a:endParaRPr>
+          </a:p>
+          <a:p>
+            <a:pPr>
+              <a:lnSpc>
+                <a:spcPct val="100000"/>
+              </a:lnSpc>
+            </a:pPr>
+            <a:r>
+              <a:rPr b="0" lang="en-GB" sz="1000" spc="-1" strike="noStrike">
+                <a:solidFill>
+                  <a:srgbClr val="000000"/>
+                </a:solidFill>
+                <a:latin typeface="Lucida Console"/>
+                <a:ea typeface="DejaVu Sans"/>
+              </a:rPr>
+              <a:t>            </a:t>
+            </a:r>
+            <a:r>
+              <a:rPr b="0" lang="en-GB" sz="1000" spc="-1" strike="noStrike">
+                <a:solidFill>
+                  <a:srgbClr val="000000"/>
+                </a:solidFill>
+                <a:latin typeface="Lucida Console"/>
+                <a:ea typeface="DejaVu Sans"/>
+              </a:rPr>
+              <a:t>layout: "StandaloneLayout"</a:t>
+            </a:r>
+            <a:endParaRPr b="0" lang="en-GB" sz="1000" spc="-1" strike="noStrike">
+              <a:latin typeface="Arial"/>
+            </a:endParaRPr>
+          </a:p>
+          <a:p>
+            <a:pPr>
+              <a:lnSpc>
+                <a:spcPct val="100000"/>
+              </a:lnSpc>
+            </a:pPr>
+            <a:r>
+              <a:rPr b="0" lang="en-GB" sz="1000" spc="-1" strike="noStrike">
+                <a:solidFill>
+                  <a:srgbClr val="000000"/>
+                </a:solidFill>
+                <a:latin typeface="Lucida Console"/>
+                <a:ea typeface="DejaVu Sans"/>
+              </a:rPr>
+              <a:t>          </a:t>
+            </a:r>
+            <a:r>
+              <a:rPr b="0" lang="en-GB" sz="1000" spc="-1" strike="noStrike">
+                <a:solidFill>
+                  <a:srgbClr val="000000"/>
+                </a:solidFill>
+                <a:latin typeface="Lucida Console"/>
+                <a:ea typeface="DejaVu Sans"/>
+              </a:rPr>
+              <a:t>})</a:t>
+            </a:r>
+            <a:endParaRPr b="0" lang="en-GB" sz="1000" spc="-1" strike="noStrike">
+              <a:latin typeface="Arial"/>
+            </a:endParaRPr>
+          </a:p>
+          <a:p>
+            <a:pPr>
+              <a:lnSpc>
+                <a:spcPct val="100000"/>
+              </a:lnSpc>
+            </a:pPr>
+            <a:r>
+              <a:rPr b="0" lang="en-GB" sz="1000" spc="-1" strike="noStrike">
+                <a:solidFill>
+                  <a:srgbClr val="000000"/>
+                </a:solidFill>
+                <a:latin typeface="Lucida Console"/>
+                <a:ea typeface="DejaVu Sans"/>
+              </a:rPr>
+              <a:t>        </a:t>
+            </a:r>
+            <a:r>
+              <a:rPr b="0" lang="en-GB" sz="1000" spc="-1" strike="noStrike">
+                <a:solidFill>
+                  <a:srgbClr val="000000"/>
+                </a:solidFill>
+                <a:latin typeface="Lucida Console"/>
+                <a:ea typeface="DejaVu Sans"/>
+              </a:rPr>
+              <a:t>}</a:t>
+            </a:r>
+            <a:endParaRPr b="0" lang="en-GB" sz="1000" spc="-1" strike="noStrike">
+              <a:latin typeface="Arial"/>
+            </a:endParaRPr>
+          </a:p>
+          <a:p>
+            <a:pPr>
+              <a:lnSpc>
+                <a:spcPct val="100000"/>
+              </a:lnSpc>
+            </a:pPr>
+            <a:r>
+              <a:rPr b="0" lang="en-GB" sz="1000" spc="-1" strike="noStrike">
+                <a:solidFill>
+                  <a:srgbClr val="000000"/>
+                </a:solidFill>
+                <a:latin typeface="Lucida Console"/>
+                <a:ea typeface="DejaVu Sans"/>
+              </a:rPr>
+              <a:t>    </a:t>
+            </a:r>
+            <a:r>
+              <a:rPr b="0" lang="en-GB" sz="1000" spc="-1" strike="noStrike">
+                <a:solidFill>
+                  <a:srgbClr val="000000"/>
+                </a:solidFill>
+                <a:latin typeface="Lucida Console"/>
+                <a:ea typeface="DejaVu Sans"/>
+              </a:rPr>
+              <a:t>&lt;/script&gt;</a:t>
+            </a:r>
+            <a:endParaRPr b="0" lang="en-GB" sz="1000" spc="-1" strike="noStrike">
+              <a:latin typeface="Arial"/>
+            </a:endParaRPr>
+          </a:p>
+          <a:p>
+            <a:pPr>
+              <a:lnSpc>
+                <a:spcPct val="100000"/>
+              </a:lnSpc>
+            </a:pPr>
+            <a:r>
+              <a:rPr b="0" lang="en-GB" sz="1000" spc="-1" strike="noStrike">
+                <a:solidFill>
+                  <a:srgbClr val="000000"/>
+                </a:solidFill>
+                <a:latin typeface="Lucida Console"/>
+                <a:ea typeface="DejaVu Sans"/>
+              </a:rPr>
+              <a:t>&lt;/body&gt;</a:t>
+            </a:r>
+            <a:endParaRPr b="0" lang="en-GB" sz="1000" spc="-1" strike="noStrike">
+              <a:latin typeface="Arial"/>
+            </a:endParaRPr>
+          </a:p>
+          <a:p>
+            <a:pPr>
+              <a:lnSpc>
+                <a:spcPct val="100000"/>
+              </a:lnSpc>
+            </a:pPr>
+            <a:r>
+              <a:rPr b="0" lang="en-GB" sz="1000" spc="-1" strike="noStrike">
+                <a:solidFill>
+                  <a:srgbClr val="000000"/>
+                </a:solidFill>
+                <a:latin typeface="Lucida Console"/>
+                <a:ea typeface="DejaVu Sans"/>
+              </a:rPr>
+              <a:t>&lt;/html&gt;</a:t>
+            </a:r>
+            <a:endParaRPr b="0" lang="en-GB" sz="1000" spc="-1" strike="noStrike">
+              <a:latin typeface="Arial"/>
+            </a:endParaRPr>
+          </a:p>
+        </p:txBody>
+      </p:sp>
     </p:spTree>
   </p:cSld>
   <mc:AlternateContent>
@@ -27232,14 +27410,14 @@
       </p:grpSpPr>
       <p:sp>
         <p:nvSpPr>
-          <p:cNvPr id="517" name="CustomShape 1"/>
+          <p:cNvPr id="518" name="CustomShape 1"/>
           <p:cNvSpPr/>
           <p:nvPr/>
         </p:nvSpPr>
         <p:spPr>
           <a:xfrm>
             <a:off x="504000" y="226080"/>
-            <a:ext cx="9068400" cy="942840"/>
+            <a:ext cx="9068040" cy="942480"/>
           </a:xfrm>
           <a:prstGeom prst="rect">
             <a:avLst/>
@@ -27273,7 +27451,7 @@
                 <a:latin typeface="Arial"/>
                 <a:ea typeface="DejaVu Sans"/>
               </a:rPr>
-              <a:t>Arduino Code (part 2)</a:t>
+              <a:t>Arduino Code (part 1)</a:t>
             </a:r>
             <a:endParaRPr b="0" lang="en-GB" sz="4400" spc="-1" strike="noStrike">
               <a:latin typeface="Arial"/>
@@ -27283,7 +27461,7 @@
       </p:sp>
       <p:pic>
         <p:nvPicPr>
-          <p:cNvPr id="518" name="" descr=""/>
+          <p:cNvPr id="519" name="" descr=""/>
           <p:cNvPicPr/>
           <p:nvPr/>
         </p:nvPicPr>
@@ -27293,8 +27471,8 @@
         </p:blipFill>
         <p:spPr>
           <a:xfrm>
-            <a:off x="2033640" y="1584000"/>
-            <a:ext cx="6027120" cy="2496600"/>
+            <a:off x="986400" y="936000"/>
+            <a:ext cx="8226000" cy="4561920"/>
           </a:xfrm>
           <a:prstGeom prst="rect">
             <a:avLst/>
@@ -27336,14 +27514,14 @@
       </p:grpSpPr>
       <p:sp>
         <p:nvSpPr>
-          <p:cNvPr id="519" name="CustomShape 1"/>
+          <p:cNvPr id="520" name="CustomShape 1"/>
           <p:cNvSpPr/>
           <p:nvPr/>
         </p:nvSpPr>
         <p:spPr>
           <a:xfrm>
             <a:off x="504000" y="226080"/>
-            <a:ext cx="9068400" cy="942840"/>
+            <a:ext cx="9068040" cy="942480"/>
           </a:xfrm>
           <a:prstGeom prst="rect">
             <a:avLst/>
@@ -27377,7 +27555,7 @@
                 <a:latin typeface="Arial"/>
                 <a:ea typeface="DejaVu Sans"/>
               </a:rPr>
-              <a:t>OpenAPI testing</a:t>
+              <a:t>Arduino Code (part 2)</a:t>
             </a:r>
             <a:endParaRPr b="0" lang="en-GB" sz="4400" spc="-1" strike="noStrike">
               <a:latin typeface="Arial"/>
@@ -27387,7 +27565,7 @@
       </p:sp>
       <p:pic>
         <p:nvPicPr>
-          <p:cNvPr id="520" name="" descr=""/>
+          <p:cNvPr id="521" name="" descr=""/>
           <p:cNvPicPr/>
           <p:nvPr/>
         </p:nvPicPr>
@@ -27397,8 +27575,8 @@
         </p:blipFill>
         <p:spPr>
           <a:xfrm>
-            <a:off x="2736000" y="1008000"/>
-            <a:ext cx="4615200" cy="4532760"/>
+            <a:off x="2033640" y="1584000"/>
+            <a:ext cx="6026760" cy="2496240"/>
           </a:xfrm>
           <a:prstGeom prst="rect">
             <a:avLst/>
@@ -27440,14 +27618,14 @@
       </p:grpSpPr>
       <p:sp>
         <p:nvSpPr>
-          <p:cNvPr id="521" name="CustomShape 1"/>
+          <p:cNvPr id="522" name="CustomShape 1"/>
           <p:cNvSpPr/>
           <p:nvPr/>
         </p:nvSpPr>
         <p:spPr>
           <a:xfrm>
             <a:off x="504000" y="226080"/>
-            <a:ext cx="9069480" cy="636480"/>
+            <a:ext cx="9068040" cy="942480"/>
           </a:xfrm>
           <a:prstGeom prst="rect">
             <a:avLst/>
@@ -27481,7 +27659,7 @@
                 <a:latin typeface="Arial"/>
                 <a:ea typeface="DejaVu Sans"/>
               </a:rPr>
-              <a:t>Raspberry Pi Code</a:t>
+              <a:t>OpenAPI testing</a:t>
             </a:r>
             <a:endParaRPr b="0" lang="en-GB" sz="4400" spc="-1" strike="noStrike">
               <a:latin typeface="Arial"/>
@@ -27491,7 +27669,7 @@
       </p:sp>
       <p:pic>
         <p:nvPicPr>
-          <p:cNvPr id="522" name="" descr=""/>
+          <p:cNvPr id="523" name="" descr=""/>
           <p:cNvPicPr/>
           <p:nvPr/>
         </p:nvPicPr>
@@ -27501,8 +27679,8 @@
         </p:blipFill>
         <p:spPr>
           <a:xfrm>
-            <a:off x="1800000" y="864000"/>
-            <a:ext cx="6622560" cy="4668120"/>
+            <a:off x="2736000" y="1008000"/>
+            <a:ext cx="4614840" cy="4532400"/>
           </a:xfrm>
           <a:prstGeom prst="rect">
             <a:avLst/>
@@ -27544,14 +27722,14 @@
       </p:grpSpPr>
       <p:sp>
         <p:nvSpPr>
-          <p:cNvPr id="523" name="CustomShape 1"/>
+          <p:cNvPr id="524" name="CustomShape 1"/>
           <p:cNvSpPr/>
           <p:nvPr/>
         </p:nvSpPr>
         <p:spPr>
           <a:xfrm>
             <a:off x="504000" y="226080"/>
-            <a:ext cx="9071640" cy="946080"/>
+            <a:ext cx="9069120" cy="636120"/>
           </a:xfrm>
           <a:prstGeom prst="rect">
             <a:avLst/>
@@ -27579,9 +27757,13 @@
             </a:pPr>
             <a:r>
               <a:rPr b="0" lang="en-GB" sz="4400" spc="-1" strike="noStrike">
+                <a:solidFill>
+                  <a:srgbClr val="000000"/>
+                </a:solidFill>
                 <a:latin typeface="Arial"/>
-              </a:rPr>
-              <a:t>Modified Architecture</a:t>
+                <a:ea typeface="DejaVu Sans"/>
+              </a:rPr>
+              <a:t>Raspberry Pi Code</a:t>
             </a:r>
             <a:endParaRPr b="0" lang="en-GB" sz="4400" spc="-1" strike="noStrike">
               <a:latin typeface="Arial"/>
@@ -27591,7 +27773,7 @@
       </p:sp>
       <p:pic>
         <p:nvPicPr>
-          <p:cNvPr id="524" name="" descr=""/>
+          <p:cNvPr id="525" name="" descr=""/>
           <p:cNvPicPr/>
           <p:nvPr/>
         </p:nvPicPr>
@@ -27601,8 +27783,8 @@
         </p:blipFill>
         <p:spPr>
           <a:xfrm>
-            <a:off x="1008000" y="1099440"/>
-            <a:ext cx="7849080" cy="4156200"/>
+            <a:off x="1800000" y="864000"/>
+            <a:ext cx="6622200" cy="4667760"/>
           </a:xfrm>
           <a:prstGeom prst="rect">
             <a:avLst/>
@@ -27644,14 +27826,14 @@
       </p:grpSpPr>
       <p:sp>
         <p:nvSpPr>
-          <p:cNvPr id="525" name="CustomShape 1"/>
+          <p:cNvPr id="526" name="CustomShape 1"/>
           <p:cNvSpPr/>
           <p:nvPr/>
         </p:nvSpPr>
         <p:spPr>
           <a:xfrm>
             <a:off x="504000" y="226080"/>
-            <a:ext cx="9069480" cy="943920"/>
+            <a:ext cx="9071280" cy="945720"/>
           </a:xfrm>
           <a:prstGeom prst="rect">
             <a:avLst/>
@@ -27685,7 +27867,7 @@
                 <a:latin typeface="Arial"/>
                 <a:ea typeface="DejaVu Sans"/>
               </a:rPr>
-              <a:t>Thoughts for Version 2</a:t>
+              <a:t>Modified Architecture</a:t>
             </a:r>
             <a:endParaRPr b="0" lang="en-GB" sz="4400" spc="-1" strike="noStrike">
               <a:latin typeface="Arial"/>
@@ -27693,205 +27875,29 @@
           </a:p>
         </p:txBody>
       </p:sp>
-      <p:sp>
-        <p:nvSpPr>
-          <p:cNvPr id="526" name="CustomShape 2"/>
-          <p:cNvSpPr/>
+      <p:pic>
+        <p:nvPicPr>
+          <p:cNvPr id="527" name="" descr=""/>
+          <p:cNvPicPr/>
           <p:nvPr/>
-        </p:nvSpPr>
-        <p:spPr>
-          <a:xfrm>
-            <a:off x="504000" y="1326600"/>
-            <a:ext cx="9069480" cy="3286080"/>
-          </a:xfrm>
-          <a:prstGeom prst="rect">
-            <a:avLst/>
-          </a:prstGeom>
-          <a:noFill/>
+        </p:nvPicPr>
+        <p:blipFill>
+          <a:blip r:embed="rId1"/>
+          <a:stretch/>
+        </p:blipFill>
+        <p:spPr>
+          <a:xfrm>
+            <a:off x="1008000" y="1099440"/>
+            <a:ext cx="7848720" cy="4155840"/>
+          </a:xfrm>
+          <a:prstGeom prst="rect">
+            <a:avLst/>
+          </a:prstGeom>
           <a:ln>
             <a:noFill/>
           </a:ln>
         </p:spPr>
-        <p:style>
-          <a:lnRef idx="0"/>
-          <a:fillRef idx="0"/>
-          <a:effectRef idx="0"/>
-          <a:fontRef idx="minor"/>
-        </p:style>
-        <p:txBody>
-          <a:bodyPr lIns="0" rIns="0" tIns="0" bIns="0">
-            <a:normAutofit/>
-          </a:bodyPr>
-          <a:p>
-            <a:pPr marL="432000" indent="-321480">
-              <a:lnSpc>
-                <a:spcPct val="100000"/>
-              </a:lnSpc>
-              <a:spcBef>
-                <a:spcPts val="1417"/>
-              </a:spcBef>
-              <a:buClr>
-                <a:srgbClr val="000000"/>
-              </a:buClr>
-              <a:buFont typeface="Wingdings" charset="2"/>
-              <a:buAutoNum type="arabicParenR"/>
-            </a:pPr>
-            <a:r>
-              <a:rPr b="0" lang="en-GB" sz="2600" spc="-1" strike="noStrike">
-                <a:solidFill>
-                  <a:srgbClr val="000000"/>
-                </a:solidFill>
-                <a:latin typeface="Arial"/>
-                <a:ea typeface="DejaVu Sans"/>
-              </a:rPr>
-              <a:t>Raspberry Pi API and Google (OAuth) authentication</a:t>
-            </a:r>
-            <a:endParaRPr b="0" lang="en-GB" sz="2600" spc="-1" strike="noStrike">
-              <a:latin typeface="Arial"/>
-            </a:endParaRPr>
-          </a:p>
-          <a:p>
-            <a:pPr marL="432000" indent="-321480">
-              <a:lnSpc>
-                <a:spcPct val="100000"/>
-              </a:lnSpc>
-              <a:spcBef>
-                <a:spcPts val="1417"/>
-              </a:spcBef>
-              <a:buClr>
-                <a:srgbClr val="000000"/>
-              </a:buClr>
-              <a:buFont typeface="Wingdings" charset="2"/>
-              <a:buAutoNum type="arabicParenR"/>
-            </a:pPr>
-            <a:r>
-              <a:rPr b="0" lang="en-GB" sz="2600" spc="-1" strike="noStrike">
-                <a:solidFill>
-                  <a:srgbClr val="000000"/>
-                </a:solidFill>
-                <a:latin typeface="Arial"/>
-                <a:ea typeface="DejaVu Sans"/>
-              </a:rPr>
-              <a:t>ESP32 board</a:t>
-            </a:r>
-            <a:endParaRPr b="0" lang="en-GB" sz="2600" spc="-1" strike="noStrike">
-              <a:latin typeface="Arial"/>
-            </a:endParaRPr>
-          </a:p>
-          <a:p>
-            <a:pPr marL="432000" indent="-321480">
-              <a:lnSpc>
-                <a:spcPct val="100000"/>
-              </a:lnSpc>
-              <a:spcBef>
-                <a:spcPts val="1417"/>
-              </a:spcBef>
-              <a:buClr>
-                <a:srgbClr val="000000"/>
-              </a:buClr>
-              <a:buFont typeface="Wingdings" charset="2"/>
-              <a:buAutoNum type="arabicParenR"/>
-            </a:pPr>
-            <a:r>
-              <a:rPr b="0" lang="en-GB" sz="2600" spc="-1" strike="noStrike">
-                <a:solidFill>
-                  <a:srgbClr val="000000"/>
-                </a:solidFill>
-                <a:latin typeface="Arial"/>
-                <a:ea typeface="DejaVu Sans"/>
-              </a:rPr>
-              <a:t>Create a tunnel for Alexa (localhost.run?)</a:t>
-            </a:r>
-            <a:endParaRPr b="0" lang="en-GB" sz="2600" spc="-1" strike="noStrike">
-              <a:latin typeface="Arial"/>
-            </a:endParaRPr>
-          </a:p>
-          <a:p>
-            <a:pPr marL="432000" indent="-321480">
-              <a:lnSpc>
-                <a:spcPct val="100000"/>
-              </a:lnSpc>
-              <a:spcBef>
-                <a:spcPts val="1417"/>
-              </a:spcBef>
-              <a:buClr>
-                <a:srgbClr val="000000"/>
-              </a:buClr>
-              <a:buFont typeface="Wingdings" charset="2"/>
-              <a:buAutoNum type="arabicParenR"/>
-            </a:pPr>
-            <a:r>
-              <a:rPr b="0" lang="en-GB" sz="2600" spc="-1" strike="noStrike">
-                <a:solidFill>
-                  <a:srgbClr val="000000"/>
-                </a:solidFill>
-                <a:latin typeface="Arial"/>
-                <a:ea typeface="DejaVu Sans"/>
-              </a:rPr>
-              <a:t>Current monitoring</a:t>
-            </a:r>
-            <a:endParaRPr b="0" lang="en-GB" sz="2600" spc="-1" strike="noStrike">
-              <a:latin typeface="Arial"/>
-            </a:endParaRPr>
-          </a:p>
-          <a:p>
-            <a:pPr marL="432000" indent="-321480">
-              <a:lnSpc>
-                <a:spcPct val="100000"/>
-              </a:lnSpc>
-              <a:spcBef>
-                <a:spcPts val="1417"/>
-              </a:spcBef>
-              <a:buClr>
-                <a:srgbClr val="000000"/>
-              </a:buClr>
-              <a:buFont typeface="Wingdings" charset="2"/>
-              <a:buAutoNum type="arabicParenR"/>
-            </a:pPr>
-            <a:r>
-              <a:rPr b="0" lang="en-GB" sz="2600" spc="-1" strike="noStrike">
-                <a:solidFill>
-                  <a:srgbClr val="000000"/>
-                </a:solidFill>
-                <a:latin typeface="Arial"/>
-                <a:ea typeface="DejaVu Sans"/>
-              </a:rPr>
-              <a:t>Temperature sensor for P channel MOSFET</a:t>
-            </a:r>
-            <a:endParaRPr b="0" lang="en-GB" sz="2600" spc="-1" strike="noStrike">
-              <a:latin typeface="Arial"/>
-            </a:endParaRPr>
-          </a:p>
-          <a:p>
-            <a:pPr marL="432000" indent="-321480">
-              <a:lnSpc>
-                <a:spcPct val="100000"/>
-              </a:lnSpc>
-              <a:spcBef>
-                <a:spcPts val="1417"/>
-              </a:spcBef>
-              <a:buClr>
-                <a:srgbClr val="000000"/>
-              </a:buClr>
-              <a:buFont typeface="Wingdings" charset="2"/>
-              <a:buAutoNum type="arabicParenR"/>
-            </a:pPr>
-            <a:r>
-              <a:rPr b="0" lang="en-GB" sz="2600" spc="-1" strike="noStrike">
-                <a:solidFill>
-                  <a:srgbClr val="000000"/>
-                </a:solidFill>
-                <a:latin typeface="Arial"/>
-                <a:ea typeface="DejaVu Sans"/>
-              </a:rPr>
-              <a:t>PIR (and other) sensors</a:t>
-            </a:r>
-            <a:endParaRPr b="0" lang="en-GB" sz="2600" spc="-1" strike="noStrike">
-              <a:latin typeface="Arial"/>
-            </a:endParaRPr>
-          </a:p>
-        </p:txBody>
-      </p:sp>
+      </p:pic>
     </p:spTree>
   </p:cSld>
   <mc:AlternateContent>
@@ -27924,14 +27930,14 @@
       </p:grpSpPr>
       <p:sp>
         <p:nvSpPr>
-          <p:cNvPr id="527" name="CustomShape 1"/>
+          <p:cNvPr id="528" name="CustomShape 1"/>
           <p:cNvSpPr/>
           <p:nvPr/>
         </p:nvSpPr>
         <p:spPr>
           <a:xfrm>
             <a:off x="504000" y="226080"/>
-            <a:ext cx="9069480" cy="943920"/>
+            <a:ext cx="9069120" cy="943560"/>
           </a:xfrm>
           <a:prstGeom prst="rect">
             <a:avLst/>
@@ -27965,7 +27971,7 @@
                 <a:latin typeface="Arial"/>
                 <a:ea typeface="DejaVu Sans"/>
               </a:rPr>
-              <a:t>Any Questions?</a:t>
+              <a:t>Thoughts for Version 2</a:t>
             </a:r>
             <a:endParaRPr b="0" lang="en-GB" sz="4400" spc="-1" strike="noStrike">
               <a:latin typeface="Arial"/>
@@ -27975,14 +27981,14 @@
       </p:sp>
       <p:sp>
         <p:nvSpPr>
-          <p:cNvPr id="528" name="CustomShape 2"/>
+          <p:cNvPr id="529" name="CustomShape 2"/>
           <p:cNvSpPr/>
           <p:nvPr/>
         </p:nvSpPr>
         <p:spPr>
           <a:xfrm>
-            <a:off x="504000" y="3240000"/>
-            <a:ext cx="9069480" cy="1372680"/>
+            <a:off x="504000" y="1326600"/>
+            <a:ext cx="9069120" cy="3285720"/>
           </a:xfrm>
           <a:prstGeom prst="rect">
             <a:avLst/>
@@ -28000,10 +28006,290 @@
         </p:style>
         <p:txBody>
           <a:bodyPr lIns="0" rIns="0" tIns="0" bIns="0">
+            <a:normAutofit/>
+          </a:bodyPr>
+          <a:p>
+            <a:pPr marL="432000" indent="-321120">
+              <a:lnSpc>
+                <a:spcPct val="100000"/>
+              </a:lnSpc>
+              <a:spcBef>
+                <a:spcPts val="1417"/>
+              </a:spcBef>
+              <a:buClr>
+                <a:srgbClr val="000000"/>
+              </a:buClr>
+              <a:buFont typeface="Wingdings" charset="2"/>
+              <a:buAutoNum type="arabicParenR"/>
+            </a:pPr>
+            <a:r>
+              <a:rPr b="0" lang="en-GB" sz="2600" spc="-1" strike="noStrike">
+                <a:solidFill>
+                  <a:srgbClr val="000000"/>
+                </a:solidFill>
+                <a:latin typeface="Arial"/>
+                <a:ea typeface="DejaVu Sans"/>
+              </a:rPr>
+              <a:t>Raspberry Pi API and Google (OAuth) authentication</a:t>
+            </a:r>
+            <a:endParaRPr b="0" lang="en-GB" sz="2600" spc="-1" strike="noStrike">
+              <a:latin typeface="Arial"/>
+            </a:endParaRPr>
+          </a:p>
+          <a:p>
+            <a:pPr marL="432000" indent="-321120">
+              <a:lnSpc>
+                <a:spcPct val="100000"/>
+              </a:lnSpc>
+              <a:spcBef>
+                <a:spcPts val="1417"/>
+              </a:spcBef>
+              <a:buClr>
+                <a:srgbClr val="000000"/>
+              </a:buClr>
+              <a:buFont typeface="Wingdings" charset="2"/>
+              <a:buAutoNum type="arabicParenR"/>
+            </a:pPr>
+            <a:r>
+              <a:rPr b="0" lang="en-GB" sz="2600" spc="-1" strike="noStrike">
+                <a:solidFill>
+                  <a:srgbClr val="000000"/>
+                </a:solidFill>
+                <a:latin typeface="Arial"/>
+                <a:ea typeface="DejaVu Sans"/>
+              </a:rPr>
+              <a:t>ESP32 board</a:t>
+            </a:r>
+            <a:endParaRPr b="0" lang="en-GB" sz="2600" spc="-1" strike="noStrike">
+              <a:latin typeface="Arial"/>
+            </a:endParaRPr>
+          </a:p>
+          <a:p>
+            <a:pPr marL="432000" indent="-321120">
+              <a:lnSpc>
+                <a:spcPct val="100000"/>
+              </a:lnSpc>
+              <a:spcBef>
+                <a:spcPts val="1417"/>
+              </a:spcBef>
+              <a:buClr>
+                <a:srgbClr val="000000"/>
+              </a:buClr>
+              <a:buFont typeface="Wingdings" charset="2"/>
+              <a:buAutoNum type="arabicParenR"/>
+            </a:pPr>
+            <a:r>
+              <a:rPr b="0" lang="en-GB" sz="2600" spc="-1" strike="noStrike">
+                <a:solidFill>
+                  <a:srgbClr val="000000"/>
+                </a:solidFill>
+                <a:latin typeface="Arial"/>
+                <a:ea typeface="DejaVu Sans"/>
+              </a:rPr>
+              <a:t>Create a tunnel for Alexa (localhost.run?)</a:t>
+            </a:r>
+            <a:endParaRPr b="0" lang="en-GB" sz="2600" spc="-1" strike="noStrike">
+              <a:latin typeface="Arial"/>
+            </a:endParaRPr>
+          </a:p>
+          <a:p>
+            <a:pPr marL="432000" indent="-321120">
+              <a:lnSpc>
+                <a:spcPct val="100000"/>
+              </a:lnSpc>
+              <a:spcBef>
+                <a:spcPts val="1417"/>
+              </a:spcBef>
+              <a:buClr>
+                <a:srgbClr val="000000"/>
+              </a:buClr>
+              <a:buFont typeface="Wingdings" charset="2"/>
+              <a:buAutoNum type="arabicParenR"/>
+            </a:pPr>
+            <a:r>
+              <a:rPr b="0" lang="en-GB" sz="2600" spc="-1" strike="noStrike">
+                <a:solidFill>
+                  <a:srgbClr val="000000"/>
+                </a:solidFill>
+                <a:latin typeface="Arial"/>
+                <a:ea typeface="DejaVu Sans"/>
+              </a:rPr>
+              <a:t>Current monitoring</a:t>
+            </a:r>
+            <a:endParaRPr b="0" lang="en-GB" sz="2600" spc="-1" strike="noStrike">
+              <a:latin typeface="Arial"/>
+            </a:endParaRPr>
+          </a:p>
+          <a:p>
+            <a:pPr marL="432000" indent="-321120">
+              <a:lnSpc>
+                <a:spcPct val="100000"/>
+              </a:lnSpc>
+              <a:spcBef>
+                <a:spcPts val="1417"/>
+              </a:spcBef>
+              <a:buClr>
+                <a:srgbClr val="000000"/>
+              </a:buClr>
+              <a:buFont typeface="Wingdings" charset="2"/>
+              <a:buAutoNum type="arabicParenR"/>
+            </a:pPr>
+            <a:r>
+              <a:rPr b="0" lang="en-GB" sz="2600" spc="-1" strike="noStrike">
+                <a:solidFill>
+                  <a:srgbClr val="000000"/>
+                </a:solidFill>
+                <a:latin typeface="Arial"/>
+                <a:ea typeface="DejaVu Sans"/>
+              </a:rPr>
+              <a:t>Temperature sensor for P channel MOSFET</a:t>
+            </a:r>
+            <a:endParaRPr b="0" lang="en-GB" sz="2600" spc="-1" strike="noStrike">
+              <a:latin typeface="Arial"/>
+            </a:endParaRPr>
+          </a:p>
+          <a:p>
+            <a:pPr marL="432000" indent="-321120">
+              <a:lnSpc>
+                <a:spcPct val="100000"/>
+              </a:lnSpc>
+              <a:spcBef>
+                <a:spcPts val="1417"/>
+              </a:spcBef>
+              <a:buClr>
+                <a:srgbClr val="000000"/>
+              </a:buClr>
+              <a:buFont typeface="Wingdings" charset="2"/>
+              <a:buAutoNum type="arabicParenR"/>
+            </a:pPr>
+            <a:r>
+              <a:rPr b="0" lang="en-GB" sz="2600" spc="-1" strike="noStrike">
+                <a:solidFill>
+                  <a:srgbClr val="000000"/>
+                </a:solidFill>
+                <a:latin typeface="Arial"/>
+                <a:ea typeface="DejaVu Sans"/>
+              </a:rPr>
+              <a:t>PIR (and other) sensors</a:t>
+            </a:r>
+            <a:endParaRPr b="0" lang="en-GB" sz="2600" spc="-1" strike="noStrike">
+              <a:latin typeface="Arial"/>
+            </a:endParaRPr>
+          </a:p>
+        </p:txBody>
+      </p:sp>
+    </p:spTree>
+  </p:cSld>
+  <mc:AlternateContent>
+    <mc:Choice Requires="p14">
+      <p:transition spd="slow" p14:dur="2000"/>
+    </mc:Choice>
+    <mc:Fallback>
+      <p:transition spd="slow"/>
+    </mc:Fallback>
+  </mc:AlternateContent>
+</p:sld>
+</file>
+
+<file path=ppt/slides/slide28.xml><?xml version="1.0" encoding="utf-8"?>
+<p:sld xmlns:a="http://schemas.openxmlformats.org/drawingml/2006/main" xmlns:p="http://schemas.openxmlformats.org/presentationml/2006/main" xmlns:r="http://schemas.openxmlformats.org/officeDocument/2006/relationships" xmlns:p14="http://schemas.microsoft.com/office/powerpoint/2010/main" xmlns:p15="http://schemas.microsoft.com/office/powerpoint/2012/main" xmlns:mc="http://schemas.openxmlformats.org/markup-compatibility/2006">
+  <p:cSld>
+    <p:spTree>
+      <p:nvGrpSpPr>
+        <p:cNvPr id="1" name=""/>
+        <p:cNvGrpSpPr/>
+        <p:nvPr/>
+      </p:nvGrpSpPr>
+      <p:grpSpPr>
+        <a:xfrm>
+          <a:off x="0" y="0"/>
+          <a:ext cx="0" cy="0"/>
+          <a:chOff x="0" y="0"/>
+          <a:chExt cx="0" cy="0"/>
+        </a:xfrm>
+      </p:grpSpPr>
+      <p:sp>
+        <p:nvSpPr>
+          <p:cNvPr id="530" name="CustomShape 1"/>
+          <p:cNvSpPr/>
+          <p:nvPr/>
+        </p:nvSpPr>
+        <p:spPr>
+          <a:xfrm>
+            <a:off x="504000" y="226080"/>
+            <a:ext cx="9069120" cy="943560"/>
+          </a:xfrm>
+          <a:prstGeom prst="rect">
+            <a:avLst/>
+          </a:prstGeom>
+          <a:noFill/>
+          <a:ln>
+            <a:noFill/>
+          </a:ln>
+        </p:spPr>
+        <p:style>
+          <a:lnRef idx="0"/>
+          <a:fillRef idx="0"/>
+          <a:effectRef idx="0"/>
+          <a:fontRef idx="minor"/>
+        </p:style>
+        <p:txBody>
+          <a:bodyPr lIns="0" rIns="0" tIns="0" bIns="0" anchor="ctr">
+            <a:noAutofit/>
+          </a:bodyPr>
+          <a:p>
+            <a:pPr algn="ctr">
+              <a:lnSpc>
+                <a:spcPct val="100000"/>
+              </a:lnSpc>
+            </a:pPr>
+            <a:r>
+              <a:rPr b="0" lang="en-GB" sz="4400" spc="-1" strike="noStrike">
+                <a:solidFill>
+                  <a:srgbClr val="000000"/>
+                </a:solidFill>
+                <a:latin typeface="Arial"/>
+                <a:ea typeface="DejaVu Sans"/>
+              </a:rPr>
+              <a:t>Any Questions?</a:t>
+            </a:r>
+            <a:endParaRPr b="0" lang="en-GB" sz="4400" spc="-1" strike="noStrike">
+              <a:latin typeface="Arial"/>
+            </a:endParaRPr>
+          </a:p>
+        </p:txBody>
+      </p:sp>
+      <p:sp>
+        <p:nvSpPr>
+          <p:cNvPr id="531" name="CustomShape 2"/>
+          <p:cNvSpPr/>
+          <p:nvPr/>
+        </p:nvSpPr>
+        <p:spPr>
+          <a:xfrm>
+            <a:off x="504000" y="3240000"/>
+            <a:ext cx="9069120" cy="1372320"/>
+          </a:xfrm>
+          <a:prstGeom prst="rect">
+            <a:avLst/>
+          </a:prstGeom>
+          <a:noFill/>
+          <a:ln>
+            <a:noFill/>
+          </a:ln>
+        </p:spPr>
+        <p:style>
+          <a:lnRef idx="0"/>
+          <a:fillRef idx="0"/>
+          <a:effectRef idx="0"/>
+          <a:fontRef idx="minor"/>
+        </p:style>
+        <p:txBody>
+          <a:bodyPr lIns="0" rIns="0" tIns="0" bIns="0">
             <a:normAutofit fontScale="70000"/>
           </a:bodyPr>
           <a:p>
-            <a:pPr marL="432000" indent="-321840">
+            <a:pPr marL="432000" indent="-321480">
               <a:lnSpc>
                 <a:spcPct val="100000"/>
               </a:lnSpc>
@@ -28029,7 +28315,7 @@
             </a:endParaRPr>
           </a:p>
           <a:p>
-            <a:pPr marL="432000" indent="-321840">
+            <a:pPr marL="432000" indent="-321480">
               <a:lnSpc>
                 <a:spcPct val="100000"/>
               </a:lnSpc>
@@ -28057,7 +28343,7 @@
             </a:endParaRPr>
           </a:p>
           <a:p>
-            <a:pPr marL="432000" indent="-321840">
+            <a:pPr marL="432000" indent="-321480">
               <a:lnSpc>
                 <a:spcPct val="100000"/>
               </a:lnSpc>
@@ -28123,7 +28409,7 @@
         <p:spPr>
           <a:xfrm>
             <a:off x="504000" y="226080"/>
-            <a:ext cx="9066960" cy="941760"/>
+            <a:ext cx="9066600" cy="941400"/>
           </a:xfrm>
           <a:prstGeom prst="rect">
             <a:avLst/>
@@ -28174,7 +28460,7 @@
         <p:spPr>
           <a:xfrm>
             <a:off x="432360" y="5112000"/>
-            <a:ext cx="9066960" cy="362160"/>
+            <a:ext cx="9066600" cy="361800"/>
           </a:xfrm>
           <a:prstGeom prst="rect">
             <a:avLst/>
@@ -28195,7 +28481,7 @@
             <a:normAutofit/>
           </a:bodyPr>
           <a:p>
-            <a:pPr marL="432000" indent="-319320">
+            <a:pPr marL="432000" indent="-318960">
               <a:lnSpc>
                 <a:spcPct val="100000"/>
               </a:lnSpc>
@@ -28238,7 +28524,7 @@
         <p:spPr>
           <a:xfrm>
             <a:off x="2304000" y="1032480"/>
-            <a:ext cx="5467320" cy="4002840"/>
+            <a:ext cx="5466960" cy="4002480"/>
           </a:xfrm>
           <a:prstGeom prst="rect">
             <a:avLst/>
@@ -28287,7 +28573,7 @@
         <p:spPr>
           <a:xfrm>
             <a:off x="504000" y="226080"/>
-            <a:ext cx="9066960" cy="941760"/>
+            <a:ext cx="9066600" cy="941400"/>
           </a:xfrm>
           <a:prstGeom prst="rect">
             <a:avLst/>
@@ -28338,7 +28624,7 @@
         <p:spPr>
           <a:xfrm>
             <a:off x="576360" y="4998600"/>
-            <a:ext cx="9066960" cy="468720"/>
+            <a:ext cx="9066600" cy="468360"/>
           </a:xfrm>
           <a:prstGeom prst="rect">
             <a:avLst/>
@@ -28359,7 +28645,7 @@
             <a:normAutofit/>
           </a:bodyPr>
           <a:p>
-            <a:pPr marL="432000" indent="-319320">
+            <a:pPr marL="432000" indent="-318960">
               <a:lnSpc>
                 <a:spcPct val="100000"/>
               </a:lnSpc>
@@ -28402,7 +28688,7 @@
         <p:spPr>
           <a:xfrm>
             <a:off x="1224000" y="1008000"/>
-            <a:ext cx="7267320" cy="3923640"/>
+            <a:ext cx="7266960" cy="3923280"/>
           </a:xfrm>
           <a:prstGeom prst="rect">
             <a:avLst/>
@@ -28451,7 +28737,7 @@
         <p:spPr>
           <a:xfrm>
             <a:off x="504000" y="226080"/>
-            <a:ext cx="9066960" cy="941760"/>
+            <a:ext cx="9066600" cy="941400"/>
           </a:xfrm>
           <a:prstGeom prst="rect">
             <a:avLst/>
@@ -28502,7 +28788,7 @@
         <p:spPr>
           <a:xfrm>
             <a:off x="504000" y="1326600"/>
-            <a:ext cx="9066960" cy="3283560"/>
+            <a:ext cx="9066600" cy="3283200"/>
           </a:xfrm>
           <a:prstGeom prst="rect">
             <a:avLst/>
@@ -28523,7 +28809,7 @@
             <a:normAutofit/>
           </a:bodyPr>
           <a:p>
-            <a:pPr marL="432000" indent="-319320">
+            <a:pPr marL="432000" indent="-318960">
               <a:lnSpc>
                 <a:spcPct val="100000"/>
               </a:lnSpc>
@@ -28552,7 +28838,7 @@
             </a:endParaRPr>
           </a:p>
           <a:p>
-            <a:pPr marL="432000" indent="-319320">
+            <a:pPr marL="432000" indent="-318960">
               <a:lnSpc>
                 <a:spcPct val="100000"/>
               </a:lnSpc>
@@ -28581,7 +28867,7 @@
             </a:endParaRPr>
           </a:p>
           <a:p>
-            <a:pPr marL="432000" indent="-319320">
+            <a:pPr marL="432000" indent="-318960">
               <a:lnSpc>
                 <a:spcPct val="100000"/>
               </a:lnSpc>
@@ -28610,7 +28896,7 @@
             </a:endParaRPr>
           </a:p>
           <a:p>
-            <a:pPr marL="432000" indent="-319320">
+            <a:pPr marL="432000" indent="-318960">
               <a:lnSpc>
                 <a:spcPct val="100000"/>
               </a:lnSpc>
@@ -28639,7 +28925,7 @@
             </a:endParaRPr>
           </a:p>
           <a:p>
-            <a:pPr marL="432000" indent="-319320">
+            <a:pPr marL="432000" indent="-318960">
               <a:lnSpc>
                 <a:spcPct val="100000"/>
               </a:lnSpc>
@@ -28668,7 +28954,7 @@
             </a:endParaRPr>
           </a:p>
           <a:p>
-            <a:pPr marL="432000" indent="-319320">
+            <a:pPr marL="432000" indent="-318960">
               <a:lnSpc>
                 <a:spcPct val="100000"/>
               </a:lnSpc>
@@ -28737,7 +29023,7 @@
         <p:spPr>
           <a:xfrm>
             <a:off x="1440000" y="216000"/>
-            <a:ext cx="7128720" cy="711720"/>
+            <a:ext cx="7128360" cy="711360"/>
           </a:xfrm>
           <a:prstGeom prst="rect">
             <a:avLst/>
@@ -28792,7 +29078,7 @@
         <p:spPr>
           <a:xfrm>
             <a:off x="653040" y="936000"/>
-            <a:ext cx="8127000" cy="4301640"/>
+            <a:ext cx="8126640" cy="4301280"/>
           </a:xfrm>
           <a:prstGeom prst="rect">
             <a:avLst/>
@@ -28841,7 +29127,7 @@
         <p:spPr>
           <a:xfrm>
             <a:off x="504000" y="226080"/>
-            <a:ext cx="9069840" cy="944280"/>
+            <a:ext cx="9069480" cy="943920"/>
           </a:xfrm>
           <a:prstGeom prst="rect">
             <a:avLst/>
@@ -28896,7 +29182,7 @@
         <p:spPr>
           <a:xfrm>
             <a:off x="850680" y="1080000"/>
-            <a:ext cx="8292600" cy="4389840"/>
+            <a:ext cx="8292240" cy="4389480"/>
           </a:xfrm>
           <a:prstGeom prst="rect">
             <a:avLst/>
@@ -28945,7 +29231,7 @@
         <p:spPr>
           <a:xfrm>
             <a:off x="504000" y="226080"/>
-            <a:ext cx="9066960" cy="941760"/>
+            <a:ext cx="9066600" cy="941400"/>
           </a:xfrm>
           <a:prstGeom prst="rect">
             <a:avLst/>
@@ -28996,7 +29282,7 @@
         <p:spPr>
           <a:xfrm>
             <a:off x="648360" y="4968000"/>
-            <a:ext cx="9066960" cy="540720"/>
+            <a:ext cx="9066600" cy="540360"/>
           </a:xfrm>
           <a:prstGeom prst="rect">
             <a:avLst/>
@@ -29017,7 +29303,7 @@
             <a:normAutofit/>
           </a:bodyPr>
           <a:p>
-            <a:pPr marL="432000" indent="-319320">
+            <a:pPr marL="432000" indent="-318960">
               <a:lnSpc>
                 <a:spcPct val="100000"/>
               </a:lnSpc>
@@ -29060,7 +29346,7 @@
         <p:spPr>
           <a:xfrm>
             <a:off x="360000" y="1172520"/>
-            <a:ext cx="9427320" cy="3202560"/>
+            <a:ext cx="9426960" cy="3202200"/>
           </a:xfrm>
           <a:prstGeom prst="rect">
             <a:avLst/>
@@ -29109,7 +29395,7 @@
         <p:spPr>
           <a:xfrm>
             <a:off x="504000" y="226080"/>
-            <a:ext cx="9066960" cy="941760"/>
+            <a:ext cx="9066600" cy="941400"/>
           </a:xfrm>
           <a:prstGeom prst="rect">
             <a:avLst/>
@@ -29160,7 +29446,7 @@
         <p:spPr>
           <a:xfrm>
             <a:off x="576000" y="5040000"/>
-            <a:ext cx="9066960" cy="468720"/>
+            <a:ext cx="9066600" cy="468360"/>
           </a:xfrm>
           <a:prstGeom prst="rect">
             <a:avLst/>
@@ -29181,7 +29467,7 @@
             <a:normAutofit/>
           </a:bodyPr>
           <a:p>
-            <a:pPr marL="432000" indent="-319320">
+            <a:pPr marL="432000" indent="-318960">
               <a:lnSpc>
                 <a:spcPct val="100000"/>
               </a:lnSpc>
@@ -29224,7 +29510,7 @@
         <p:spPr>
           <a:xfrm>
             <a:off x="2444760" y="1080000"/>
-            <a:ext cx="5182560" cy="3883320"/>
+            <a:ext cx="5182200" cy="3882960"/>
           </a:xfrm>
           <a:prstGeom prst="rect">
             <a:avLst/>

--- a/doc/Presentation.pptx
+++ b/doc/Presentation.pptx
@@ -14,39 +14,40 @@
     <p:sldMasterId id="2147483765" r:id="rId11"/>
     <p:sldMasterId id="2147483778" r:id="rId12"/>
     <p:sldMasterId id="2147483791" r:id="rId13"/>
+    <p:sldMasterId id="2147483804" r:id="rId14"/>
   </p:sldMasterIdLst>
   <p:notesMasterIdLst>
-    <p:notesMasterId r:id="rId14"/>
+    <p:notesMasterId r:id="rId15"/>
   </p:notesMasterIdLst>
   <p:sldIdLst>
-    <p:sldId id="256" r:id="rId15"/>
-    <p:sldId id="257" r:id="rId16"/>
-    <p:sldId id="258" r:id="rId17"/>
-    <p:sldId id="259" r:id="rId18"/>
-    <p:sldId id="260" r:id="rId19"/>
-    <p:sldId id="261" r:id="rId20"/>
-    <p:sldId id="262" r:id="rId21"/>
-    <p:sldId id="263" r:id="rId22"/>
-    <p:sldId id="264" r:id="rId23"/>
-    <p:sldId id="265" r:id="rId24"/>
-    <p:sldId id="266" r:id="rId25"/>
-    <p:sldId id="267" r:id="rId26"/>
-    <p:sldId id="268" r:id="rId27"/>
-    <p:sldId id="269" r:id="rId28"/>
-    <p:sldId id="270" r:id="rId29"/>
-    <p:sldId id="271" r:id="rId30"/>
-    <p:sldId id="272" r:id="rId31"/>
-    <p:sldId id="273" r:id="rId32"/>
-    <p:sldId id="274" r:id="rId33"/>
-    <p:sldId id="275" r:id="rId34"/>
-    <p:sldId id="276" r:id="rId35"/>
-    <p:sldId id="277" r:id="rId36"/>
-    <p:sldId id="278" r:id="rId37"/>
-    <p:sldId id="279" r:id="rId38"/>
-    <p:sldId id="280" r:id="rId39"/>
-    <p:sldId id="281" r:id="rId40"/>
-    <p:sldId id="282" r:id="rId41"/>
-    <p:sldId id="283" r:id="rId42"/>
+    <p:sldId id="256" r:id="rId16"/>
+    <p:sldId id="257" r:id="rId17"/>
+    <p:sldId id="258" r:id="rId18"/>
+    <p:sldId id="259" r:id="rId19"/>
+    <p:sldId id="260" r:id="rId20"/>
+    <p:sldId id="261" r:id="rId21"/>
+    <p:sldId id="262" r:id="rId22"/>
+    <p:sldId id="263" r:id="rId23"/>
+    <p:sldId id="264" r:id="rId24"/>
+    <p:sldId id="265" r:id="rId25"/>
+    <p:sldId id="266" r:id="rId26"/>
+    <p:sldId id="267" r:id="rId27"/>
+    <p:sldId id="268" r:id="rId28"/>
+    <p:sldId id="269" r:id="rId29"/>
+    <p:sldId id="270" r:id="rId30"/>
+    <p:sldId id="271" r:id="rId31"/>
+    <p:sldId id="272" r:id="rId32"/>
+    <p:sldId id="273" r:id="rId33"/>
+    <p:sldId id="274" r:id="rId34"/>
+    <p:sldId id="275" r:id="rId35"/>
+    <p:sldId id="276" r:id="rId36"/>
+    <p:sldId id="277" r:id="rId37"/>
+    <p:sldId id="278" r:id="rId38"/>
+    <p:sldId id="279" r:id="rId39"/>
+    <p:sldId id="280" r:id="rId40"/>
+    <p:sldId id="281" r:id="rId41"/>
+    <p:sldId id="282" r:id="rId42"/>
+    <p:sldId id="283" r:id="rId43"/>
   </p:sldIdLst>
   <p:sldSz cx="10080625" cy="5670550"/>
   <p:notesSz cx="7559675" cy="10691812"/>
@@ -72,7 +73,7 @@
       </p:grpSpPr>
       <p:sp>
         <p:nvSpPr>
-          <p:cNvPr id="456" name="PlaceHolder 1"/>
+          <p:cNvPr id="494" name="PlaceHolder 1"/>
           <p:cNvSpPr>
             <a:spLocks noGrp="1"/>
           </p:cNvSpPr>
@@ -109,7 +110,7 @@
       </p:sp>
       <p:sp>
         <p:nvSpPr>
-          <p:cNvPr id="457" name="PlaceHolder 2"/>
+          <p:cNvPr id="495" name="PlaceHolder 2"/>
           <p:cNvSpPr>
             <a:spLocks noGrp="1"/>
           </p:cNvSpPr>
@@ -145,7 +146,7 @@
       </p:sp>
       <p:sp>
         <p:nvSpPr>
-          <p:cNvPr id="458" name="PlaceHolder 3"/>
+          <p:cNvPr id="496" name="PlaceHolder 3"/>
           <p:cNvSpPr>
             <a:spLocks noGrp="1"/>
           </p:cNvSpPr>
@@ -181,7 +182,7 @@
       </p:sp>
       <p:sp>
         <p:nvSpPr>
-          <p:cNvPr id="459" name="PlaceHolder 4"/>
+          <p:cNvPr id="497" name="PlaceHolder 4"/>
           <p:cNvSpPr>
             <a:spLocks noGrp="1"/>
           </p:cNvSpPr>
@@ -218,7 +219,7 @@
       </p:sp>
       <p:sp>
         <p:nvSpPr>
-          <p:cNvPr id="460" name="PlaceHolder 5"/>
+          <p:cNvPr id="498" name="PlaceHolder 5"/>
           <p:cNvSpPr>
             <a:spLocks noGrp="1"/>
           </p:cNvSpPr>
@@ -254,7 +255,7 @@
       </p:sp>
       <p:sp>
         <p:nvSpPr>
-          <p:cNvPr id="461" name="PlaceHolder 6"/>
+          <p:cNvPr id="499" name="PlaceHolder 6"/>
           <p:cNvSpPr>
             <a:spLocks noGrp="1"/>
           </p:cNvSpPr>
@@ -277,7 +278,7 @@
           </a:bodyPr>
           <a:p>
             <a:pPr algn="r"/>
-            <a:fld id="{1622294D-9F5C-41DD-9B9A-F4225F105648}" type="slidenum">
+            <a:fld id="{ABDB7F22-10B6-4B0E-AD36-BB0280762B06}" type="slidenum">
               <a:rPr b="0" lang="en-GB" sz="1400" spc="-1" strike="noStrike">
                 <a:latin typeface="Times New Roman"/>
               </a:rPr>
@@ -314,7 +315,7 @@
       </p:grpSpPr>
       <p:sp>
         <p:nvSpPr>
-          <p:cNvPr id="532" name="PlaceHolder 1"/>
+          <p:cNvPr id="570" name="PlaceHolder 1"/>
           <p:cNvSpPr>
             <a:spLocks noGrp="1"/>
           </p:cNvSpPr>
@@ -325,16 +326,16 @@
         <p:spPr>
           <a:xfrm>
             <a:off x="216000" y="812520"/>
-            <a:ext cx="7122600" cy="4004280"/>
-          </a:xfrm>
-          <a:prstGeom prst="rect">
-            <a:avLst/>
-          </a:prstGeom>
-        </p:spPr>
-      </p:sp>
-      <p:sp>
-        <p:nvSpPr>
-          <p:cNvPr id="533" name="PlaceHolder 2"/>
+            <a:ext cx="7122240" cy="4003920"/>
+          </a:xfrm>
+          <a:prstGeom prst="rect">
+            <a:avLst/>
+          </a:prstGeom>
+        </p:spPr>
+      </p:sp>
+      <p:sp>
+        <p:nvSpPr>
+          <p:cNvPr id="571" name="PlaceHolder 2"/>
           <p:cNvSpPr>
             <a:spLocks noGrp="1"/>
           </p:cNvSpPr>
@@ -345,7 +346,7 @@
         <p:spPr>
           <a:xfrm>
             <a:off x="756000" y="5078520"/>
-            <a:ext cx="6042960" cy="4806360"/>
+            <a:ext cx="6042600" cy="4806000"/>
           </a:xfrm>
           <a:prstGeom prst="rect">
             <a:avLst/>
@@ -356,7 +357,7 @@
             <a:noAutofit/>
           </a:bodyPr>
           <a:p>
-            <a:pPr marL="216000" indent="-211680">
+            <a:pPr marL="216000" indent="-211320">
               <a:lnSpc>
                 <a:spcPct val="100000"/>
               </a:lnSpc>
@@ -375,7 +376,7 @@
             </a:endParaRPr>
           </a:p>
           <a:p>
-            <a:pPr marL="216000" indent="-211680">
+            <a:pPr marL="216000" indent="-211320">
               <a:lnSpc>
                 <a:spcPct val="100000"/>
               </a:lnSpc>
@@ -394,7 +395,7 @@
             </a:endParaRPr>
           </a:p>
           <a:p>
-            <a:pPr marL="216000" indent="-211680">
+            <a:pPr marL="216000" indent="-211320">
               <a:lnSpc>
                 <a:spcPct val="100000"/>
               </a:lnSpc>
@@ -413,7 +414,7 @@
             </a:endParaRPr>
           </a:p>
           <a:p>
-            <a:pPr marL="216000" indent="-211680">
+            <a:pPr marL="216000" indent="-211320">
               <a:lnSpc>
                 <a:spcPct val="100000"/>
               </a:lnSpc>
@@ -432,7 +433,7 @@
             </a:endParaRPr>
           </a:p>
           <a:p>
-            <a:pPr marL="216000" indent="-211680">
+            <a:pPr marL="216000" indent="-211320">
               <a:lnSpc>
                 <a:spcPct val="100000"/>
               </a:lnSpc>
@@ -451,7 +452,7 @@
             </a:endParaRPr>
           </a:p>
           <a:p>
-            <a:pPr marL="216000" indent="-211680">
+            <a:pPr marL="216000" indent="-211320">
               <a:lnSpc>
                 <a:spcPct val="100000"/>
               </a:lnSpc>
@@ -489,7 +490,7 @@
       </p:grpSpPr>
       <p:sp>
         <p:nvSpPr>
-          <p:cNvPr id="548" name="PlaceHolder 1"/>
+          <p:cNvPr id="586" name="PlaceHolder 1"/>
           <p:cNvSpPr>
             <a:spLocks noGrp="1"/>
           </p:cNvSpPr>
@@ -500,16 +501,16 @@
         <p:spPr>
           <a:xfrm>
             <a:off x="216360" y="812520"/>
-            <a:ext cx="7122240" cy="4004280"/>
-          </a:xfrm>
-          <a:prstGeom prst="rect">
-            <a:avLst/>
-          </a:prstGeom>
-        </p:spPr>
-      </p:sp>
-      <p:sp>
-        <p:nvSpPr>
-          <p:cNvPr id="549" name="PlaceHolder 2"/>
+            <a:ext cx="7121880" cy="4003920"/>
+          </a:xfrm>
+          <a:prstGeom prst="rect">
+            <a:avLst/>
+          </a:prstGeom>
+        </p:spPr>
+      </p:sp>
+      <p:sp>
+        <p:nvSpPr>
+          <p:cNvPr id="587" name="PlaceHolder 2"/>
           <p:cNvSpPr>
             <a:spLocks noGrp="1"/>
           </p:cNvSpPr>
@@ -520,7 +521,7 @@
         <p:spPr>
           <a:xfrm>
             <a:off x="756000" y="5078520"/>
-            <a:ext cx="6042960" cy="4806360"/>
+            <a:ext cx="6042600" cy="4806000"/>
           </a:xfrm>
           <a:prstGeom prst="rect">
             <a:avLst/>
@@ -531,7 +532,7 @@
             <a:noAutofit/>
           </a:bodyPr>
           <a:p>
-            <a:pPr marL="216000" indent="-211680">
+            <a:pPr marL="216000" indent="-211320">
               <a:lnSpc>
                 <a:spcPct val="100000"/>
               </a:lnSpc>
@@ -550,7 +551,7 @@
             </a:endParaRPr>
           </a:p>
           <a:p>
-            <a:pPr marL="216000" indent="-211680">
+            <a:pPr marL="216000" indent="-211320">
               <a:lnSpc>
                 <a:spcPct val="100000"/>
               </a:lnSpc>
@@ -569,7 +570,7 @@
             </a:endParaRPr>
           </a:p>
           <a:p>
-            <a:pPr marL="216000" indent="-211680">
+            <a:pPr marL="216000" indent="-211320">
               <a:lnSpc>
                 <a:spcPct val="100000"/>
               </a:lnSpc>
@@ -588,7 +589,7 @@
             </a:endParaRPr>
           </a:p>
           <a:p>
-            <a:pPr marL="216000" indent="-211680">
+            <a:pPr marL="216000" indent="-211320">
               <a:lnSpc>
                 <a:spcPct val="100000"/>
               </a:lnSpc>
@@ -607,7 +608,7 @@
             </a:endParaRPr>
           </a:p>
           <a:p>
-            <a:pPr marL="216000" indent="-211680">
+            <a:pPr marL="216000" indent="-211320">
               <a:lnSpc>
                 <a:spcPct val="100000"/>
               </a:lnSpc>
@@ -626,7 +627,7 @@
             </a:endParaRPr>
           </a:p>
           <a:p>
-            <a:pPr marL="216000" indent="-211680">
+            <a:pPr marL="216000" indent="-211320">
               <a:lnSpc>
                 <a:spcPct val="100000"/>
               </a:lnSpc>
@@ -639,7 +640,7 @@
             </a:endParaRPr>
           </a:p>
           <a:p>
-            <a:pPr marL="216000" indent="-211680">
+            <a:pPr marL="216000" indent="-211320">
               <a:lnSpc>
                 <a:spcPct val="100000"/>
               </a:lnSpc>
@@ -652,7 +653,7 @@
             </a:endParaRPr>
           </a:p>
           <a:p>
-            <a:pPr marL="216000" indent="-211680">
+            <a:pPr marL="216000" indent="-211320">
               <a:lnSpc>
                 <a:spcPct val="100000"/>
               </a:lnSpc>
@@ -690,7 +691,7 @@
       </p:grpSpPr>
       <p:sp>
         <p:nvSpPr>
-          <p:cNvPr id="550" name="PlaceHolder 1"/>
+          <p:cNvPr id="588" name="PlaceHolder 1"/>
           <p:cNvSpPr>
             <a:spLocks noGrp="1"/>
           </p:cNvSpPr>
@@ -701,16 +702,16 @@
         <p:spPr>
           <a:xfrm>
             <a:off x="216360" y="812520"/>
-            <a:ext cx="7122240" cy="4004280"/>
-          </a:xfrm>
-          <a:prstGeom prst="rect">
-            <a:avLst/>
-          </a:prstGeom>
-        </p:spPr>
-      </p:sp>
-      <p:sp>
-        <p:nvSpPr>
-          <p:cNvPr id="551" name="PlaceHolder 2"/>
+            <a:ext cx="7121880" cy="4003920"/>
+          </a:xfrm>
+          <a:prstGeom prst="rect">
+            <a:avLst/>
+          </a:prstGeom>
+        </p:spPr>
+      </p:sp>
+      <p:sp>
+        <p:nvSpPr>
+          <p:cNvPr id="589" name="PlaceHolder 2"/>
           <p:cNvSpPr>
             <a:spLocks noGrp="1"/>
           </p:cNvSpPr>
@@ -721,7 +722,7 @@
         <p:spPr>
           <a:xfrm>
             <a:off x="756000" y="5078520"/>
-            <a:ext cx="6042960" cy="4806360"/>
+            <a:ext cx="6042600" cy="4806000"/>
           </a:xfrm>
           <a:prstGeom prst="rect">
             <a:avLst/>
@@ -732,7 +733,7 @@
             <a:noAutofit/>
           </a:bodyPr>
           <a:p>
-            <a:pPr marL="216000" indent="-211680">
+            <a:pPr marL="216000" indent="-211320">
               <a:lnSpc>
                 <a:spcPct val="100000"/>
               </a:lnSpc>
@@ -751,7 +752,7 @@
             </a:endParaRPr>
           </a:p>
           <a:p>
-            <a:pPr marL="216000" indent="-211680">
+            <a:pPr marL="216000" indent="-211320">
               <a:lnSpc>
                 <a:spcPct val="100000"/>
               </a:lnSpc>
@@ -770,7 +771,7 @@
             </a:endParaRPr>
           </a:p>
           <a:p>
-            <a:pPr marL="216000" indent="-211680">
+            <a:pPr marL="216000" indent="-211320">
               <a:lnSpc>
                 <a:spcPct val="100000"/>
               </a:lnSpc>
@@ -789,7 +790,7 @@
             </a:endParaRPr>
           </a:p>
           <a:p>
-            <a:pPr marL="216000" indent="-211680">
+            <a:pPr marL="216000" indent="-211320">
               <a:lnSpc>
                 <a:spcPct val="100000"/>
               </a:lnSpc>
@@ -827,7 +828,7 @@
       </p:grpSpPr>
       <p:sp>
         <p:nvSpPr>
-          <p:cNvPr id="552" name="PlaceHolder 1"/>
+          <p:cNvPr id="590" name="PlaceHolder 1"/>
           <p:cNvSpPr>
             <a:spLocks noGrp="1"/>
           </p:cNvSpPr>
@@ -838,16 +839,16 @@
         <p:spPr>
           <a:xfrm>
             <a:off x="216360" y="812520"/>
-            <a:ext cx="7122240" cy="4004280"/>
-          </a:xfrm>
-          <a:prstGeom prst="rect">
-            <a:avLst/>
-          </a:prstGeom>
-        </p:spPr>
-      </p:sp>
-      <p:sp>
-        <p:nvSpPr>
-          <p:cNvPr id="553" name="PlaceHolder 2"/>
+            <a:ext cx="7121880" cy="4003920"/>
+          </a:xfrm>
+          <a:prstGeom prst="rect">
+            <a:avLst/>
+          </a:prstGeom>
+        </p:spPr>
+      </p:sp>
+      <p:sp>
+        <p:nvSpPr>
+          <p:cNvPr id="591" name="PlaceHolder 2"/>
           <p:cNvSpPr>
             <a:spLocks noGrp="1"/>
           </p:cNvSpPr>
@@ -858,7 +859,7 @@
         <p:spPr>
           <a:xfrm>
             <a:off x="756000" y="5078520"/>
-            <a:ext cx="6042960" cy="4806360"/>
+            <a:ext cx="6042600" cy="4806000"/>
           </a:xfrm>
           <a:prstGeom prst="rect">
             <a:avLst/>
@@ -869,7 +870,7 @@
             <a:noAutofit/>
           </a:bodyPr>
           <a:p>
-            <a:pPr marL="216000" indent="-211680">
+            <a:pPr marL="216000" indent="-211320">
               <a:lnSpc>
                 <a:spcPct val="100000"/>
               </a:lnSpc>
@@ -888,7 +889,7 @@
             </a:endParaRPr>
           </a:p>
           <a:p>
-            <a:pPr marL="216000" indent="-211680">
+            <a:pPr marL="216000" indent="-211320">
               <a:lnSpc>
                 <a:spcPct val="100000"/>
               </a:lnSpc>
@@ -907,7 +908,7 @@
             </a:endParaRPr>
           </a:p>
           <a:p>
-            <a:pPr marL="216000" indent="-211680">
+            <a:pPr marL="216000" indent="-211320">
               <a:lnSpc>
                 <a:spcPct val="100000"/>
               </a:lnSpc>
@@ -926,7 +927,7 @@
             </a:endParaRPr>
           </a:p>
           <a:p>
-            <a:pPr marL="216000" indent="-211680">
+            <a:pPr marL="216000" indent="-211320">
               <a:lnSpc>
                 <a:spcPct val="100000"/>
               </a:lnSpc>
@@ -945,7 +946,7 @@
             </a:endParaRPr>
           </a:p>
           <a:p>
-            <a:pPr marL="216000" indent="-211680">
+            <a:pPr marL="216000" indent="-211320">
               <a:lnSpc>
                 <a:spcPct val="100000"/>
               </a:lnSpc>
@@ -964,7 +965,7 @@
             </a:endParaRPr>
           </a:p>
           <a:p>
-            <a:pPr marL="216000" indent="-211680">
+            <a:pPr marL="216000" indent="-211320">
               <a:lnSpc>
                 <a:spcPct val="100000"/>
               </a:lnSpc>
@@ -1008,7 +1009,7 @@
       </p:grpSpPr>
       <p:sp>
         <p:nvSpPr>
-          <p:cNvPr id="554" name="PlaceHolder 1"/>
+          <p:cNvPr id="592" name="PlaceHolder 1"/>
           <p:cNvSpPr>
             <a:spLocks noGrp="1"/>
           </p:cNvSpPr>
@@ -1019,16 +1020,16 @@
         <p:spPr>
           <a:xfrm>
             <a:off x="216360" y="812520"/>
-            <a:ext cx="7122240" cy="4004280"/>
-          </a:xfrm>
-          <a:prstGeom prst="rect">
-            <a:avLst/>
-          </a:prstGeom>
-        </p:spPr>
-      </p:sp>
-      <p:sp>
-        <p:nvSpPr>
-          <p:cNvPr id="555" name="PlaceHolder 2"/>
+            <a:ext cx="7121880" cy="4003920"/>
+          </a:xfrm>
+          <a:prstGeom prst="rect">
+            <a:avLst/>
+          </a:prstGeom>
+        </p:spPr>
+      </p:sp>
+      <p:sp>
+        <p:nvSpPr>
+          <p:cNvPr id="593" name="PlaceHolder 2"/>
           <p:cNvSpPr>
             <a:spLocks noGrp="1"/>
           </p:cNvSpPr>
@@ -1039,7 +1040,7 @@
         <p:spPr>
           <a:xfrm>
             <a:off x="756000" y="5078520"/>
-            <a:ext cx="6042960" cy="4806360"/>
+            <a:ext cx="6042600" cy="4806000"/>
           </a:xfrm>
           <a:prstGeom prst="rect">
             <a:avLst/>
@@ -1050,7 +1051,7 @@
             <a:noAutofit/>
           </a:bodyPr>
           <a:p>
-            <a:pPr marL="216000" indent="-211680">
+            <a:pPr marL="216000" indent="-211320">
               <a:lnSpc>
                 <a:spcPct val="100000"/>
               </a:lnSpc>
@@ -1069,7 +1070,7 @@
             </a:endParaRPr>
           </a:p>
           <a:p>
-            <a:pPr marL="216000" indent="-211680">
+            <a:pPr marL="216000" indent="-211320">
               <a:lnSpc>
                 <a:spcPct val="100000"/>
               </a:lnSpc>
@@ -1088,7 +1089,7 @@
             </a:endParaRPr>
           </a:p>
           <a:p>
-            <a:pPr marL="216000" indent="-211680">
+            <a:pPr marL="216000" indent="-211320">
               <a:lnSpc>
                 <a:spcPct val="100000"/>
               </a:lnSpc>
@@ -1107,7 +1108,7 @@
             </a:endParaRPr>
           </a:p>
           <a:p>
-            <a:pPr marL="216000" indent="-211680">
+            <a:pPr marL="216000" indent="-211320">
               <a:lnSpc>
                 <a:spcPct val="100000"/>
               </a:lnSpc>
@@ -1126,7 +1127,7 @@
             </a:endParaRPr>
           </a:p>
           <a:p>
-            <a:pPr marL="216000" indent="-211680">
+            <a:pPr marL="216000" indent="-211320">
               <a:lnSpc>
                 <a:spcPct val="100000"/>
               </a:lnSpc>
@@ -1145,7 +1146,7 @@
             </a:endParaRPr>
           </a:p>
           <a:p>
-            <a:pPr marL="216000" indent="-211680">
+            <a:pPr marL="216000" indent="-211320">
               <a:lnSpc>
                 <a:spcPct val="100000"/>
               </a:lnSpc>
@@ -1158,7 +1159,7 @@
             </a:endParaRPr>
           </a:p>
           <a:p>
-            <a:pPr marL="216000" indent="-211680">
+            <a:pPr marL="216000" indent="-211320">
               <a:lnSpc>
                 <a:spcPct val="100000"/>
               </a:lnSpc>
@@ -1196,7 +1197,7 @@
       </p:grpSpPr>
       <p:sp>
         <p:nvSpPr>
-          <p:cNvPr id="556" name="PlaceHolder 1"/>
+          <p:cNvPr id="594" name="PlaceHolder 1"/>
           <p:cNvSpPr>
             <a:spLocks noGrp="1"/>
           </p:cNvSpPr>
@@ -1207,16 +1208,16 @@
         <p:spPr>
           <a:xfrm>
             <a:off x="216000" y="812520"/>
-            <a:ext cx="7125120" cy="4007160"/>
-          </a:xfrm>
-          <a:prstGeom prst="rect">
-            <a:avLst/>
-          </a:prstGeom>
-        </p:spPr>
-      </p:sp>
-      <p:sp>
-        <p:nvSpPr>
-          <p:cNvPr id="557" name="PlaceHolder 2"/>
+            <a:ext cx="7124760" cy="4006800"/>
+          </a:xfrm>
+          <a:prstGeom prst="rect">
+            <a:avLst/>
+          </a:prstGeom>
+        </p:spPr>
+      </p:sp>
+      <p:sp>
+        <p:nvSpPr>
+          <p:cNvPr id="595" name="PlaceHolder 2"/>
           <p:cNvSpPr>
             <a:spLocks noGrp="1"/>
           </p:cNvSpPr>
@@ -1227,7 +1228,7 @@
         <p:spPr>
           <a:xfrm>
             <a:off x="755640" y="5078520"/>
-            <a:ext cx="6045480" cy="4808880"/>
+            <a:ext cx="6045120" cy="4808520"/>
           </a:xfrm>
           <a:prstGeom prst="rect">
             <a:avLst/>
@@ -1238,7 +1239,7 @@
             <a:noAutofit/>
           </a:bodyPr>
           <a:p>
-            <a:pPr marL="216000" indent="-214560">
+            <a:pPr marL="216000" indent="-214200">
               <a:lnSpc>
                 <a:spcPct val="100000"/>
               </a:lnSpc>
@@ -1257,7 +1258,7 @@
             </a:endParaRPr>
           </a:p>
           <a:p>
-            <a:pPr marL="216000" indent="-214560">
+            <a:pPr marL="216000" indent="-214200">
               <a:lnSpc>
                 <a:spcPct val="100000"/>
               </a:lnSpc>
@@ -1276,7 +1277,7 @@
             </a:endParaRPr>
           </a:p>
           <a:p>
-            <a:pPr marL="216000" indent="-214560">
+            <a:pPr marL="216000" indent="-214200">
               <a:lnSpc>
                 <a:spcPct val="100000"/>
               </a:lnSpc>
@@ -1295,7 +1296,7 @@
             </a:endParaRPr>
           </a:p>
           <a:p>
-            <a:pPr marL="216000" indent="-214560">
+            <a:pPr marL="216000" indent="-214200">
               <a:lnSpc>
                 <a:spcPct val="100000"/>
               </a:lnSpc>
@@ -1314,7 +1315,7 @@
             </a:endParaRPr>
           </a:p>
           <a:p>
-            <a:pPr marL="216000" indent="-214560">
+            <a:pPr marL="216000" indent="-214200">
               <a:lnSpc>
                 <a:spcPct val="100000"/>
               </a:lnSpc>
@@ -1333,7 +1334,7 @@
             </a:endParaRPr>
           </a:p>
           <a:p>
-            <a:pPr marL="216000" indent="-214560">
+            <a:pPr marL="216000" indent="-214200">
               <a:lnSpc>
                 <a:spcPct val="100000"/>
               </a:lnSpc>
@@ -1352,7 +1353,7 @@
             </a:endParaRPr>
           </a:p>
           <a:p>
-            <a:pPr marL="216000" indent="-214560">
+            <a:pPr marL="216000" indent="-214200">
               <a:lnSpc>
                 <a:spcPct val="100000"/>
               </a:lnSpc>
@@ -1390,7 +1391,7 @@
       </p:grpSpPr>
       <p:sp>
         <p:nvSpPr>
-          <p:cNvPr id="558" name="PlaceHolder 1"/>
+          <p:cNvPr id="596" name="PlaceHolder 1"/>
           <p:cNvSpPr>
             <a:spLocks noGrp="1"/>
           </p:cNvSpPr>
@@ -1401,16 +1402,16 @@
         <p:spPr>
           <a:xfrm>
             <a:off x="216000" y="812520"/>
-            <a:ext cx="7126200" cy="4008240"/>
-          </a:xfrm>
-          <a:prstGeom prst="rect">
-            <a:avLst/>
-          </a:prstGeom>
-        </p:spPr>
-      </p:sp>
-      <p:sp>
-        <p:nvSpPr>
-          <p:cNvPr id="559" name="PlaceHolder 2"/>
+            <a:ext cx="7125840" cy="4007880"/>
+          </a:xfrm>
+          <a:prstGeom prst="rect">
+            <a:avLst/>
+          </a:prstGeom>
+        </p:spPr>
+      </p:sp>
+      <p:sp>
+        <p:nvSpPr>
+          <p:cNvPr id="597" name="PlaceHolder 2"/>
           <p:cNvSpPr>
             <a:spLocks noGrp="1"/>
           </p:cNvSpPr>
@@ -1421,7 +1422,7 @@
         <p:spPr>
           <a:xfrm>
             <a:off x="755640" y="5078520"/>
-            <a:ext cx="6046560" cy="4809960"/>
+            <a:ext cx="6046200" cy="4809600"/>
           </a:xfrm>
           <a:prstGeom prst="rect">
             <a:avLst/>
@@ -1432,7 +1433,7 @@
             <a:noAutofit/>
           </a:bodyPr>
           <a:p>
-            <a:pPr marL="216000" indent="-215640">
+            <a:pPr marL="216000" indent="-215280">
               <a:lnSpc>
                 <a:spcPct val="100000"/>
               </a:lnSpc>
@@ -1451,7 +1452,7 @@
             </a:endParaRPr>
           </a:p>
           <a:p>
-            <a:pPr marL="216000" indent="-215640">
+            <a:pPr marL="216000" indent="-215280">
               <a:lnSpc>
                 <a:spcPct val="100000"/>
               </a:lnSpc>
@@ -1470,7 +1471,7 @@
             </a:endParaRPr>
           </a:p>
           <a:p>
-            <a:pPr marL="216000" indent="-215640">
+            <a:pPr marL="216000" indent="-215280">
               <a:lnSpc>
                 <a:spcPct val="100000"/>
               </a:lnSpc>
@@ -1483,7 +1484,7 @@
             </a:endParaRPr>
           </a:p>
           <a:p>
-            <a:pPr marL="216000" indent="-215640">
+            <a:pPr marL="216000" indent="-215280">
               <a:lnSpc>
                 <a:spcPct val="100000"/>
               </a:lnSpc>
@@ -1502,7 +1503,7 @@
             </a:endParaRPr>
           </a:p>
           <a:p>
-            <a:pPr marL="216000" indent="-215640">
+            <a:pPr marL="216000" indent="-215280">
               <a:lnSpc>
                 <a:spcPct val="100000"/>
               </a:lnSpc>
@@ -1515,7 +1516,7 @@
             </a:endParaRPr>
           </a:p>
           <a:p>
-            <a:pPr marL="216000" indent="-215640">
+            <a:pPr marL="216000" indent="-215280">
               <a:lnSpc>
                 <a:spcPct val="100000"/>
               </a:lnSpc>
@@ -1553,7 +1554,7 @@
       </p:grpSpPr>
       <p:sp>
         <p:nvSpPr>
-          <p:cNvPr id="560" name="PlaceHolder 1"/>
+          <p:cNvPr id="598" name="PlaceHolder 1"/>
           <p:cNvSpPr>
             <a:spLocks noGrp="1"/>
           </p:cNvSpPr>
@@ -1564,16 +1565,16 @@
         <p:spPr>
           <a:xfrm>
             <a:off x="216000" y="812520"/>
-            <a:ext cx="7126920" cy="4008960"/>
-          </a:xfrm>
-          <a:prstGeom prst="rect">
-            <a:avLst/>
-          </a:prstGeom>
-        </p:spPr>
-      </p:sp>
-      <p:sp>
-        <p:nvSpPr>
-          <p:cNvPr id="561" name="PlaceHolder 2"/>
+            <a:ext cx="7126560" cy="4008600"/>
+          </a:xfrm>
+          <a:prstGeom prst="rect">
+            <a:avLst/>
+          </a:prstGeom>
+        </p:spPr>
+      </p:sp>
+      <p:sp>
+        <p:nvSpPr>
+          <p:cNvPr id="599" name="PlaceHolder 2"/>
           <p:cNvSpPr>
             <a:spLocks noGrp="1"/>
           </p:cNvSpPr>
@@ -1584,7 +1585,7 @@
         <p:spPr>
           <a:xfrm>
             <a:off x="755640" y="5078520"/>
-            <a:ext cx="6047280" cy="4810680"/>
+            <a:ext cx="6046920" cy="4810320"/>
           </a:xfrm>
           <a:prstGeom prst="rect">
             <a:avLst/>
@@ -1595,6 +1596,11 @@
             <a:noAutofit/>
           </a:bodyPr>
           <a:p>
+            <a:pPr marL="216000" indent="-216000">
+              <a:lnSpc>
+                <a:spcPct val="100000"/>
+              </a:lnSpc>
+            </a:pPr>
             <a:r>
               <a:rPr b="0" lang="en-GB" sz="2000" spc="-1" strike="noStrike">
                 <a:latin typeface="Arial"/>
@@ -1606,6 +1612,11 @@
             </a:endParaRPr>
           </a:p>
           <a:p>
+            <a:pPr marL="216000" indent="-216000">
+              <a:lnSpc>
+                <a:spcPct val="100000"/>
+              </a:lnSpc>
+            </a:pPr>
             <a:r>
               <a:rPr b="0" lang="en-GB" sz="2000" spc="-1" strike="noStrike">
                 <a:latin typeface="Arial"/>
@@ -1617,6 +1628,11 @@
             </a:endParaRPr>
           </a:p>
           <a:p>
+            <a:pPr marL="216000" indent="-216000">
+              <a:lnSpc>
+                <a:spcPct val="100000"/>
+              </a:lnSpc>
+            </a:pPr>
             <a:r>
               <a:rPr b="0" lang="en-GB" sz="2000" spc="-1" strike="noStrike">
                 <a:latin typeface="Arial"/>
@@ -1628,6 +1644,11 @@
             </a:endParaRPr>
           </a:p>
           <a:p>
+            <a:pPr marL="216000" indent="-216000">
+              <a:lnSpc>
+                <a:spcPct val="100000"/>
+              </a:lnSpc>
+            </a:pPr>
             <a:r>
               <a:rPr b="0" lang="en-GB" sz="2000" spc="-1" strike="noStrike">
                 <a:latin typeface="Arial"/>
@@ -1639,11 +1660,21 @@
             </a:endParaRPr>
           </a:p>
           <a:p>
+            <a:pPr marL="216000" indent="-216000">
+              <a:lnSpc>
+                <a:spcPct val="100000"/>
+              </a:lnSpc>
+            </a:pPr>
             <a:endParaRPr b="0" lang="en-GB" sz="2000" spc="-1" strike="noStrike">
               <a:latin typeface="Arial"/>
             </a:endParaRPr>
           </a:p>
           <a:p>
+            <a:pPr marL="216000" indent="-216000">
+              <a:lnSpc>
+                <a:spcPct val="100000"/>
+              </a:lnSpc>
+            </a:pPr>
             <a:r>
               <a:rPr b="0" lang="en-GB" sz="2000" spc="-1" strike="noStrike">
                 <a:latin typeface="Arial"/>
@@ -1655,6 +1686,11 @@
             </a:endParaRPr>
           </a:p>
           <a:p>
+            <a:pPr marL="216000" indent="-216000">
+              <a:lnSpc>
+                <a:spcPct val="100000"/>
+              </a:lnSpc>
+            </a:pPr>
             <a:r>
               <a:rPr b="0" lang="en-GB" sz="2000" spc="-1" strike="noStrike">
                 <a:latin typeface="Arial"/>
@@ -1691,7 +1727,7 @@
       </p:grpSpPr>
       <p:sp>
         <p:nvSpPr>
-          <p:cNvPr id="562" name="PlaceHolder 1"/>
+          <p:cNvPr id="600" name="PlaceHolder 1"/>
           <p:cNvSpPr>
             <a:spLocks noGrp="1"/>
           </p:cNvSpPr>
@@ -1702,16 +1738,16 @@
         <p:spPr>
           <a:xfrm>
             <a:off x="216000" y="812520"/>
-            <a:ext cx="7123680" cy="4005720"/>
-          </a:xfrm>
-          <a:prstGeom prst="rect">
-            <a:avLst/>
-          </a:prstGeom>
-        </p:spPr>
-      </p:sp>
-      <p:sp>
-        <p:nvSpPr>
-          <p:cNvPr id="563" name="PlaceHolder 2"/>
+            <a:ext cx="7123320" cy="4005360"/>
+          </a:xfrm>
+          <a:prstGeom prst="rect">
+            <a:avLst/>
+          </a:prstGeom>
+        </p:spPr>
+      </p:sp>
+      <p:sp>
+        <p:nvSpPr>
+          <p:cNvPr id="601" name="PlaceHolder 2"/>
           <p:cNvSpPr>
             <a:spLocks noGrp="1"/>
           </p:cNvSpPr>
@@ -1722,7 +1758,7 @@
         <p:spPr>
           <a:xfrm>
             <a:off x="755640" y="5078520"/>
-            <a:ext cx="6044040" cy="4807440"/>
+            <a:ext cx="6043680" cy="4807080"/>
           </a:xfrm>
           <a:prstGeom prst="rect">
             <a:avLst/>
@@ -1733,7 +1769,7 @@
             <a:noAutofit/>
           </a:bodyPr>
           <a:p>
-            <a:pPr marL="216000" indent="-213120">
+            <a:pPr marL="216000" indent="-212760">
               <a:lnSpc>
                 <a:spcPct val="100000"/>
               </a:lnSpc>
@@ -1752,7 +1788,7 @@
             </a:endParaRPr>
           </a:p>
           <a:p>
-            <a:pPr marL="216000" indent="-213120">
+            <a:pPr marL="216000" indent="-212760">
               <a:lnSpc>
                 <a:spcPct val="100000"/>
               </a:lnSpc>
@@ -1771,7 +1807,7 @@
             </a:endParaRPr>
           </a:p>
           <a:p>
-            <a:pPr marL="216000" indent="-213120">
+            <a:pPr marL="216000" indent="-212760">
               <a:lnSpc>
                 <a:spcPct val="100000"/>
               </a:lnSpc>
@@ -1790,7 +1826,7 @@
             </a:endParaRPr>
           </a:p>
           <a:p>
-            <a:pPr marL="216000" indent="-213120">
+            <a:pPr marL="216000" indent="-212760">
               <a:lnSpc>
                 <a:spcPct val="100000"/>
               </a:lnSpc>
@@ -1809,7 +1845,7 @@
             </a:endParaRPr>
           </a:p>
           <a:p>
-            <a:pPr marL="216000" indent="-213120">
+            <a:pPr marL="216000" indent="-212760">
               <a:lnSpc>
                 <a:spcPct val="100000"/>
               </a:lnSpc>
@@ -1828,7 +1864,7 @@
             </a:endParaRPr>
           </a:p>
           <a:p>
-            <a:pPr marL="216000" indent="-213120">
+            <a:pPr marL="216000" indent="-212760">
               <a:lnSpc>
                 <a:spcPct val="100000"/>
               </a:lnSpc>
@@ -1841,7 +1877,7 @@
             </a:endParaRPr>
           </a:p>
           <a:p>
-            <a:pPr marL="216000" indent="-213120">
+            <a:pPr marL="216000" indent="-212760">
               <a:lnSpc>
                 <a:spcPct val="100000"/>
               </a:lnSpc>
@@ -1879,7 +1915,7 @@
       </p:grpSpPr>
       <p:sp>
         <p:nvSpPr>
-          <p:cNvPr id="564" name="PlaceHolder 1"/>
+          <p:cNvPr id="602" name="PlaceHolder 1"/>
           <p:cNvSpPr>
             <a:spLocks noGrp="1"/>
           </p:cNvSpPr>
@@ -1890,16 +1926,16 @@
         <p:spPr>
           <a:xfrm>
             <a:off x="216000" y="812520"/>
-            <a:ext cx="7125120" cy="4007160"/>
-          </a:xfrm>
-          <a:prstGeom prst="rect">
-            <a:avLst/>
-          </a:prstGeom>
-        </p:spPr>
-      </p:sp>
-      <p:sp>
-        <p:nvSpPr>
-          <p:cNvPr id="565" name="PlaceHolder 2"/>
+            <a:ext cx="7124760" cy="4006800"/>
+          </a:xfrm>
+          <a:prstGeom prst="rect">
+            <a:avLst/>
+          </a:prstGeom>
+        </p:spPr>
+      </p:sp>
+      <p:sp>
+        <p:nvSpPr>
+          <p:cNvPr id="603" name="PlaceHolder 2"/>
           <p:cNvSpPr>
             <a:spLocks noGrp="1"/>
           </p:cNvSpPr>
@@ -1910,7 +1946,7 @@
         <p:spPr>
           <a:xfrm>
             <a:off x="755640" y="5078520"/>
-            <a:ext cx="6045480" cy="4808880"/>
+            <a:ext cx="6045120" cy="4808520"/>
           </a:xfrm>
           <a:prstGeom prst="rect">
             <a:avLst/>
@@ -1921,7 +1957,7 @@
             <a:noAutofit/>
           </a:bodyPr>
           <a:p>
-            <a:pPr marL="216000" indent="-214560">
+            <a:pPr marL="216000" indent="-214200">
               <a:lnSpc>
                 <a:spcPct val="100000"/>
               </a:lnSpc>
@@ -1940,7 +1976,7 @@
             </a:endParaRPr>
           </a:p>
           <a:p>
-            <a:pPr marL="216000" indent="-214560">
+            <a:pPr marL="216000" indent="-214200">
               <a:lnSpc>
                 <a:spcPct val="100000"/>
               </a:lnSpc>
@@ -1953,7 +1989,7 @@
             </a:endParaRPr>
           </a:p>
           <a:p>
-            <a:pPr marL="216000" indent="-214560">
+            <a:pPr marL="216000" indent="-214200">
               <a:lnSpc>
                 <a:spcPct val="100000"/>
               </a:lnSpc>
@@ -1972,7 +2008,7 @@
             </a:endParaRPr>
           </a:p>
           <a:p>
-            <a:pPr marL="216000" indent="-214560">
+            <a:pPr marL="216000" indent="-214200">
               <a:lnSpc>
                 <a:spcPct val="100000"/>
               </a:lnSpc>
@@ -1991,7 +2027,7 @@
             </a:endParaRPr>
           </a:p>
           <a:p>
-            <a:pPr marL="216000" indent="-214560">
+            <a:pPr marL="216000" indent="-214200">
               <a:lnSpc>
                 <a:spcPct val="100000"/>
               </a:lnSpc>
@@ -2010,7 +2046,7 @@
             </a:endParaRPr>
           </a:p>
           <a:p>
-            <a:pPr marL="216000" indent="-214560">
+            <a:pPr marL="216000" indent="-214200">
               <a:lnSpc>
                 <a:spcPct val="100000"/>
               </a:lnSpc>
@@ -2048,7 +2084,7 @@
       </p:grpSpPr>
       <p:sp>
         <p:nvSpPr>
-          <p:cNvPr id="566" name="PlaceHolder 1"/>
+          <p:cNvPr id="604" name="PlaceHolder 1"/>
           <p:cNvSpPr>
             <a:spLocks noGrp="1"/>
           </p:cNvSpPr>
@@ -2059,16 +2095,16 @@
         <p:spPr>
           <a:xfrm>
             <a:off x="216000" y="812520"/>
-            <a:ext cx="7123320" cy="4005360"/>
-          </a:xfrm>
-          <a:prstGeom prst="rect">
-            <a:avLst/>
-          </a:prstGeom>
-        </p:spPr>
-      </p:sp>
-      <p:sp>
-        <p:nvSpPr>
-          <p:cNvPr id="567" name="PlaceHolder 2"/>
+            <a:ext cx="7122960" cy="4005000"/>
+          </a:xfrm>
+          <a:prstGeom prst="rect">
+            <a:avLst/>
+          </a:prstGeom>
+        </p:spPr>
+      </p:sp>
+      <p:sp>
+        <p:nvSpPr>
+          <p:cNvPr id="605" name="PlaceHolder 2"/>
           <p:cNvSpPr>
             <a:spLocks noGrp="1"/>
           </p:cNvSpPr>
@@ -2079,7 +2115,7 @@
         <p:spPr>
           <a:xfrm>
             <a:off x="755640" y="5078520"/>
-            <a:ext cx="6043680" cy="4807080"/>
+            <a:ext cx="6043320" cy="4806720"/>
           </a:xfrm>
           <a:prstGeom prst="rect">
             <a:avLst/>
@@ -2090,7 +2126,7 @@
             <a:noAutofit/>
           </a:bodyPr>
           <a:p>
-            <a:pPr marL="216000" indent="-212760">
+            <a:pPr marL="216000" indent="-212400">
               <a:lnSpc>
                 <a:spcPct val="100000"/>
               </a:lnSpc>
@@ -2109,7 +2145,7 @@
             </a:endParaRPr>
           </a:p>
           <a:p>
-            <a:pPr marL="216000" indent="-212760">
+            <a:pPr marL="216000" indent="-212400">
               <a:lnSpc>
                 <a:spcPct val="100000"/>
               </a:lnSpc>
@@ -2128,7 +2164,7 @@
             </a:endParaRPr>
           </a:p>
           <a:p>
-            <a:pPr marL="216000" indent="-212760">
+            <a:pPr marL="216000" indent="-212400">
               <a:lnSpc>
                 <a:spcPct val="100000"/>
               </a:lnSpc>
@@ -2141,7 +2177,7 @@
             </a:endParaRPr>
           </a:p>
           <a:p>
-            <a:pPr marL="216000" indent="-212760">
+            <a:pPr marL="216000" indent="-212400">
               <a:lnSpc>
                 <a:spcPct val="100000"/>
               </a:lnSpc>
@@ -2154,7 +2190,7 @@
             </a:endParaRPr>
           </a:p>
           <a:p>
-            <a:pPr marL="216000" indent="-212760">
+            <a:pPr marL="216000" indent="-212400">
               <a:lnSpc>
                 <a:spcPct val="100000"/>
               </a:lnSpc>
@@ -2192,7 +2228,7 @@
       </p:grpSpPr>
       <p:sp>
         <p:nvSpPr>
-          <p:cNvPr id="534" name="PlaceHolder 1"/>
+          <p:cNvPr id="572" name="PlaceHolder 1"/>
           <p:cNvSpPr>
             <a:spLocks noGrp="1"/>
           </p:cNvSpPr>
@@ -2203,16 +2239,16 @@
         <p:spPr>
           <a:xfrm>
             <a:off x="216000" y="812520"/>
-            <a:ext cx="7122600" cy="4004280"/>
-          </a:xfrm>
-          <a:prstGeom prst="rect">
-            <a:avLst/>
-          </a:prstGeom>
-        </p:spPr>
-      </p:sp>
-      <p:sp>
-        <p:nvSpPr>
-          <p:cNvPr id="535" name="PlaceHolder 2"/>
+            <a:ext cx="7122240" cy="4003920"/>
+          </a:xfrm>
+          <a:prstGeom prst="rect">
+            <a:avLst/>
+          </a:prstGeom>
+        </p:spPr>
+      </p:sp>
+      <p:sp>
+        <p:nvSpPr>
+          <p:cNvPr id="573" name="PlaceHolder 2"/>
           <p:cNvSpPr>
             <a:spLocks noGrp="1"/>
           </p:cNvSpPr>
@@ -2223,7 +2259,7 @@
         <p:spPr>
           <a:xfrm>
             <a:off x="756000" y="5078520"/>
-            <a:ext cx="6042960" cy="4806360"/>
+            <a:ext cx="6042600" cy="4806000"/>
           </a:xfrm>
           <a:prstGeom prst="rect">
             <a:avLst/>
@@ -2234,7 +2270,7 @@
             <a:noAutofit/>
           </a:bodyPr>
           <a:p>
-            <a:pPr marL="216000" indent="-211680">
+            <a:pPr marL="216000" indent="-211320">
               <a:lnSpc>
                 <a:spcPct val="100000"/>
               </a:lnSpc>
@@ -2253,7 +2289,7 @@
             </a:endParaRPr>
           </a:p>
           <a:p>
-            <a:pPr marL="216000" indent="-211680">
+            <a:pPr marL="216000" indent="-211320">
               <a:lnSpc>
                 <a:spcPct val="100000"/>
               </a:lnSpc>
@@ -2272,7 +2308,7 @@
             </a:endParaRPr>
           </a:p>
           <a:p>
-            <a:pPr marL="216000" indent="-211680">
+            <a:pPr marL="216000" indent="-211320">
               <a:lnSpc>
                 <a:spcPct val="100000"/>
               </a:lnSpc>
@@ -2291,7 +2327,7 @@
             </a:endParaRPr>
           </a:p>
           <a:p>
-            <a:pPr marL="216000" indent="-211680">
+            <a:pPr marL="216000" indent="-211320">
               <a:lnSpc>
                 <a:spcPct val="100000"/>
               </a:lnSpc>
@@ -2329,7 +2365,7 @@
       </p:grpSpPr>
       <p:sp>
         <p:nvSpPr>
-          <p:cNvPr id="568" name="PlaceHolder 1"/>
+          <p:cNvPr id="606" name="PlaceHolder 1"/>
           <p:cNvSpPr>
             <a:spLocks noGrp="1"/>
           </p:cNvSpPr>
@@ -2340,16 +2376,16 @@
         <p:spPr>
           <a:xfrm>
             <a:off x="216000" y="812520"/>
-            <a:ext cx="7123320" cy="4005360"/>
-          </a:xfrm>
-          <a:prstGeom prst="rect">
-            <a:avLst/>
-          </a:prstGeom>
-        </p:spPr>
-      </p:sp>
-      <p:sp>
-        <p:nvSpPr>
-          <p:cNvPr id="569" name="PlaceHolder 2"/>
+            <a:ext cx="7122960" cy="4005000"/>
+          </a:xfrm>
+          <a:prstGeom prst="rect">
+            <a:avLst/>
+          </a:prstGeom>
+        </p:spPr>
+      </p:sp>
+      <p:sp>
+        <p:nvSpPr>
+          <p:cNvPr id="607" name="PlaceHolder 2"/>
           <p:cNvSpPr>
             <a:spLocks noGrp="1"/>
           </p:cNvSpPr>
@@ -2360,7 +2396,7 @@
         <p:spPr>
           <a:xfrm>
             <a:off x="755640" y="5078520"/>
-            <a:ext cx="6043680" cy="4807080"/>
+            <a:ext cx="6043320" cy="4806720"/>
           </a:xfrm>
           <a:prstGeom prst="rect">
             <a:avLst/>
@@ -2371,7 +2407,7 @@
             <a:noAutofit/>
           </a:bodyPr>
           <a:p>
-            <a:pPr marL="216000" indent="-212760">
+            <a:pPr marL="216000" indent="-212400">
               <a:lnSpc>
                 <a:spcPct val="100000"/>
               </a:lnSpc>
@@ -2390,7 +2426,7 @@
             </a:endParaRPr>
           </a:p>
           <a:p>
-            <a:pPr marL="216000" indent="-212760">
+            <a:pPr marL="216000" indent="-212400">
               <a:lnSpc>
                 <a:spcPct val="100000"/>
               </a:lnSpc>
@@ -2409,7 +2445,7 @@
             </a:endParaRPr>
           </a:p>
           <a:p>
-            <a:pPr marL="216000" indent="-212760">
+            <a:pPr marL="216000" indent="-212400">
               <a:lnSpc>
                 <a:spcPct val="100000"/>
               </a:lnSpc>
@@ -2428,7 +2464,7 @@
             </a:endParaRPr>
           </a:p>
           <a:p>
-            <a:pPr marL="216000" indent="-212760">
+            <a:pPr marL="216000" indent="-212400">
               <a:lnSpc>
                 <a:spcPct val="100000"/>
               </a:lnSpc>
@@ -2472,7 +2508,7 @@
       </p:grpSpPr>
       <p:sp>
         <p:nvSpPr>
-          <p:cNvPr id="570" name="PlaceHolder 1"/>
+          <p:cNvPr id="608" name="PlaceHolder 1"/>
           <p:cNvSpPr>
             <a:spLocks noGrp="1"/>
           </p:cNvSpPr>
@@ -2483,16 +2519,16 @@
         <p:spPr>
           <a:xfrm>
             <a:off x="216000" y="812520"/>
-            <a:ext cx="7123320" cy="4005360"/>
-          </a:xfrm>
-          <a:prstGeom prst="rect">
-            <a:avLst/>
-          </a:prstGeom>
-        </p:spPr>
-      </p:sp>
-      <p:sp>
-        <p:nvSpPr>
-          <p:cNvPr id="571" name="PlaceHolder 2"/>
+            <a:ext cx="7122960" cy="4005000"/>
+          </a:xfrm>
+          <a:prstGeom prst="rect">
+            <a:avLst/>
+          </a:prstGeom>
+        </p:spPr>
+      </p:sp>
+      <p:sp>
+        <p:nvSpPr>
+          <p:cNvPr id="609" name="PlaceHolder 2"/>
           <p:cNvSpPr>
             <a:spLocks noGrp="1"/>
           </p:cNvSpPr>
@@ -2503,7 +2539,7 @@
         <p:spPr>
           <a:xfrm>
             <a:off x="755640" y="5078520"/>
-            <a:ext cx="6043680" cy="4807080"/>
+            <a:ext cx="6043320" cy="4806720"/>
           </a:xfrm>
           <a:prstGeom prst="rect">
             <a:avLst/>
@@ -2514,7 +2550,7 @@
             <a:noAutofit/>
           </a:bodyPr>
           <a:p>
-            <a:pPr marL="216000" indent="-212760">
+            <a:pPr marL="216000" indent="-212400">
               <a:lnSpc>
                 <a:spcPct val="100000"/>
               </a:lnSpc>
@@ -2533,7 +2569,7 @@
             </a:endParaRPr>
           </a:p>
           <a:p>
-            <a:pPr marL="216000" indent="-212760">
+            <a:pPr marL="216000" indent="-212400">
               <a:lnSpc>
                 <a:spcPct val="100000"/>
               </a:lnSpc>
@@ -2552,7 +2588,7 @@
             </a:endParaRPr>
           </a:p>
           <a:p>
-            <a:pPr marL="216000" indent="-212760">
+            <a:pPr marL="216000" indent="-212400">
               <a:lnSpc>
                 <a:spcPct val="100000"/>
               </a:lnSpc>
@@ -2596,7 +2632,7 @@
       </p:grpSpPr>
       <p:sp>
         <p:nvSpPr>
-          <p:cNvPr id="572" name="PlaceHolder 1"/>
+          <p:cNvPr id="610" name="PlaceHolder 1"/>
           <p:cNvSpPr>
             <a:spLocks noGrp="1"/>
           </p:cNvSpPr>
@@ -2607,16 +2643,16 @@
         <p:spPr>
           <a:xfrm>
             <a:off x="216000" y="812520"/>
-            <a:ext cx="7123320" cy="4005360"/>
-          </a:xfrm>
-          <a:prstGeom prst="rect">
-            <a:avLst/>
-          </a:prstGeom>
-        </p:spPr>
-      </p:sp>
-      <p:sp>
-        <p:nvSpPr>
-          <p:cNvPr id="573" name="PlaceHolder 2"/>
+            <a:ext cx="7122960" cy="4005000"/>
+          </a:xfrm>
+          <a:prstGeom prst="rect">
+            <a:avLst/>
+          </a:prstGeom>
+        </p:spPr>
+      </p:sp>
+      <p:sp>
+        <p:nvSpPr>
+          <p:cNvPr id="611" name="PlaceHolder 2"/>
           <p:cNvSpPr>
             <a:spLocks noGrp="1"/>
           </p:cNvSpPr>
@@ -2627,7 +2663,7 @@
         <p:spPr>
           <a:xfrm>
             <a:off x="755640" y="5078520"/>
-            <a:ext cx="6043680" cy="4807080"/>
+            <a:ext cx="6043320" cy="4806720"/>
           </a:xfrm>
           <a:prstGeom prst="rect">
             <a:avLst/>
@@ -2638,7 +2674,7 @@
             <a:noAutofit/>
           </a:bodyPr>
           <a:p>
-            <a:pPr marL="216000" indent="-212760">
+            <a:pPr marL="216000" indent="-212400">
               <a:lnSpc>
                 <a:spcPct val="100000"/>
               </a:lnSpc>
@@ -2682,7 +2718,7 @@
       </p:grpSpPr>
       <p:sp>
         <p:nvSpPr>
-          <p:cNvPr id="574" name="PlaceHolder 1"/>
+          <p:cNvPr id="612" name="PlaceHolder 1"/>
           <p:cNvSpPr>
             <a:spLocks noGrp="1"/>
           </p:cNvSpPr>
@@ -2693,16 +2729,16 @@
         <p:spPr>
           <a:xfrm>
             <a:off x="216000" y="812520"/>
-            <a:ext cx="7123320" cy="4005360"/>
-          </a:xfrm>
-          <a:prstGeom prst="rect">
-            <a:avLst/>
-          </a:prstGeom>
-        </p:spPr>
-      </p:sp>
-      <p:sp>
-        <p:nvSpPr>
-          <p:cNvPr id="575" name="PlaceHolder 2"/>
+            <a:ext cx="7122960" cy="4005000"/>
+          </a:xfrm>
+          <a:prstGeom prst="rect">
+            <a:avLst/>
+          </a:prstGeom>
+        </p:spPr>
+      </p:sp>
+      <p:sp>
+        <p:nvSpPr>
+          <p:cNvPr id="613" name="PlaceHolder 2"/>
           <p:cNvSpPr>
             <a:spLocks noGrp="1"/>
           </p:cNvSpPr>
@@ -2713,7 +2749,7 @@
         <p:spPr>
           <a:xfrm>
             <a:off x="755640" y="5078520"/>
-            <a:ext cx="6043680" cy="4807080"/>
+            <a:ext cx="6043320" cy="4806720"/>
           </a:xfrm>
           <a:prstGeom prst="rect">
             <a:avLst/>
@@ -2724,7 +2760,7 @@
             <a:noAutofit/>
           </a:bodyPr>
           <a:p>
-            <a:pPr marL="216000" indent="-212760">
+            <a:pPr marL="216000" indent="-212400">
               <a:lnSpc>
                 <a:spcPct val="100000"/>
               </a:lnSpc>
@@ -2768,7 +2804,7 @@
       </p:grpSpPr>
       <p:sp>
         <p:nvSpPr>
-          <p:cNvPr id="576" name="PlaceHolder 1"/>
+          <p:cNvPr id="614" name="PlaceHolder 1"/>
           <p:cNvSpPr>
             <a:spLocks noGrp="1"/>
           </p:cNvSpPr>
@@ -2779,16 +2815,16 @@
         <p:spPr>
           <a:xfrm>
             <a:off x="216000" y="812520"/>
-            <a:ext cx="7123320" cy="4005360"/>
-          </a:xfrm>
-          <a:prstGeom prst="rect">
-            <a:avLst/>
-          </a:prstGeom>
-        </p:spPr>
-      </p:sp>
-      <p:sp>
-        <p:nvSpPr>
-          <p:cNvPr id="577" name="PlaceHolder 2"/>
+            <a:ext cx="7122960" cy="4005000"/>
+          </a:xfrm>
+          <a:prstGeom prst="rect">
+            <a:avLst/>
+          </a:prstGeom>
+        </p:spPr>
+      </p:sp>
+      <p:sp>
+        <p:nvSpPr>
+          <p:cNvPr id="615" name="PlaceHolder 2"/>
           <p:cNvSpPr>
             <a:spLocks noGrp="1"/>
           </p:cNvSpPr>
@@ -2799,7 +2835,7 @@
         <p:spPr>
           <a:xfrm>
             <a:off x="755640" y="5078520"/>
-            <a:ext cx="6043680" cy="4807080"/>
+            <a:ext cx="6043320" cy="4806720"/>
           </a:xfrm>
           <a:prstGeom prst="rect">
             <a:avLst/>
@@ -2810,7 +2846,7 @@
             <a:noAutofit/>
           </a:bodyPr>
           <a:p>
-            <a:pPr marL="216000" indent="-212760">
+            <a:pPr marL="216000" indent="-212400">
               <a:lnSpc>
                 <a:spcPct val="100000"/>
               </a:lnSpc>
@@ -2829,7 +2865,7 @@
             </a:endParaRPr>
           </a:p>
           <a:p>
-            <a:pPr marL="216000" indent="-212760">
+            <a:pPr marL="216000" indent="-212400">
               <a:lnSpc>
                 <a:spcPct val="100000"/>
               </a:lnSpc>
@@ -2848,7 +2884,7 @@
             </a:endParaRPr>
           </a:p>
           <a:p>
-            <a:pPr marL="216000" indent="-212760">
+            <a:pPr marL="216000" indent="-212400">
               <a:lnSpc>
                 <a:spcPct val="100000"/>
               </a:lnSpc>
@@ -2861,7 +2897,7 @@
             </a:endParaRPr>
           </a:p>
           <a:p>
-            <a:pPr marL="216000" indent="-212760">
+            <a:pPr marL="216000" indent="-212400">
               <a:lnSpc>
                 <a:spcPct val="100000"/>
               </a:lnSpc>
@@ -2880,7 +2916,7 @@
             </a:endParaRPr>
           </a:p>
           <a:p>
-            <a:pPr marL="216000" indent="-212760">
+            <a:pPr marL="216000" indent="-212400">
               <a:lnSpc>
                 <a:spcPct val="100000"/>
               </a:lnSpc>
@@ -2918,7 +2954,7 @@
       </p:grpSpPr>
       <p:sp>
         <p:nvSpPr>
-          <p:cNvPr id="578" name="PlaceHolder 1"/>
+          <p:cNvPr id="616" name="PlaceHolder 1"/>
           <p:cNvSpPr>
             <a:spLocks noGrp="1"/>
           </p:cNvSpPr>
@@ -2929,16 +2965,16 @@
         <p:spPr>
           <a:xfrm>
             <a:off x="216000" y="812520"/>
-            <a:ext cx="7125120" cy="4007160"/>
-          </a:xfrm>
-          <a:prstGeom prst="rect">
-            <a:avLst/>
-          </a:prstGeom>
-        </p:spPr>
-      </p:sp>
-      <p:sp>
-        <p:nvSpPr>
-          <p:cNvPr id="579" name="PlaceHolder 2"/>
+            <a:ext cx="7124760" cy="4006800"/>
+          </a:xfrm>
+          <a:prstGeom prst="rect">
+            <a:avLst/>
+          </a:prstGeom>
+        </p:spPr>
+      </p:sp>
+      <p:sp>
+        <p:nvSpPr>
+          <p:cNvPr id="617" name="PlaceHolder 2"/>
           <p:cNvSpPr>
             <a:spLocks noGrp="1"/>
           </p:cNvSpPr>
@@ -2949,7 +2985,7 @@
         <p:spPr>
           <a:xfrm>
             <a:off x="755640" y="5078520"/>
-            <a:ext cx="6045480" cy="4808880"/>
+            <a:ext cx="6045120" cy="4808520"/>
           </a:xfrm>
           <a:prstGeom prst="rect">
             <a:avLst/>
@@ -2960,7 +2996,7 @@
             <a:noAutofit/>
           </a:bodyPr>
           <a:p>
-            <a:pPr marL="216000" indent="-214560">
+            <a:pPr marL="216000" indent="-214200">
               <a:lnSpc>
                 <a:spcPct val="100000"/>
               </a:lnSpc>
@@ -2979,7 +3015,7 @@
             </a:endParaRPr>
           </a:p>
           <a:p>
-            <a:pPr marL="216000" indent="-214560">
+            <a:pPr marL="216000" indent="-214200">
               <a:lnSpc>
                 <a:spcPct val="100000"/>
               </a:lnSpc>
@@ -2998,7 +3034,7 @@
             </a:endParaRPr>
           </a:p>
           <a:p>
-            <a:pPr marL="216000" indent="-214560">
+            <a:pPr marL="216000" indent="-214200">
               <a:lnSpc>
                 <a:spcPct val="100000"/>
               </a:lnSpc>
@@ -3011,7 +3047,7 @@
             </a:endParaRPr>
           </a:p>
           <a:p>
-            <a:pPr marL="216000" indent="-214560">
+            <a:pPr marL="216000" indent="-214200">
               <a:lnSpc>
                 <a:spcPct val="100000"/>
               </a:lnSpc>
@@ -3030,7 +3066,7 @@
             </a:endParaRPr>
           </a:p>
           <a:p>
-            <a:pPr marL="216000" indent="-214560">
+            <a:pPr marL="216000" indent="-214200">
               <a:lnSpc>
                 <a:spcPct val="100000"/>
               </a:lnSpc>
@@ -3068,7 +3104,7 @@
       </p:grpSpPr>
       <p:sp>
         <p:nvSpPr>
-          <p:cNvPr id="580" name="PlaceHolder 1"/>
+          <p:cNvPr id="618" name="PlaceHolder 1"/>
           <p:cNvSpPr>
             <a:spLocks noGrp="1"/>
           </p:cNvSpPr>
@@ -3079,16 +3115,16 @@
         <p:spPr>
           <a:xfrm>
             <a:off x="216000" y="812520"/>
-            <a:ext cx="7126200" cy="4008240"/>
-          </a:xfrm>
-          <a:prstGeom prst="rect">
-            <a:avLst/>
-          </a:prstGeom>
-        </p:spPr>
-      </p:sp>
-      <p:sp>
-        <p:nvSpPr>
-          <p:cNvPr id="581" name="PlaceHolder 2"/>
+            <a:ext cx="7125840" cy="4007880"/>
+          </a:xfrm>
+          <a:prstGeom prst="rect">
+            <a:avLst/>
+          </a:prstGeom>
+        </p:spPr>
+      </p:sp>
+      <p:sp>
+        <p:nvSpPr>
+          <p:cNvPr id="619" name="PlaceHolder 2"/>
           <p:cNvSpPr>
             <a:spLocks noGrp="1"/>
           </p:cNvSpPr>
@@ -3099,7 +3135,7 @@
         <p:spPr>
           <a:xfrm>
             <a:off x="755640" y="5078520"/>
-            <a:ext cx="6046560" cy="4809960"/>
+            <a:ext cx="6046200" cy="4809600"/>
           </a:xfrm>
           <a:prstGeom prst="rect">
             <a:avLst/>
@@ -3110,7 +3146,7 @@
             <a:noAutofit/>
           </a:bodyPr>
           <a:p>
-            <a:pPr marL="216000" indent="-215640">
+            <a:pPr marL="216000" indent="-215280">
               <a:lnSpc>
                 <a:spcPct val="100000"/>
               </a:lnSpc>
@@ -3129,7 +3165,7 @@
             </a:endParaRPr>
           </a:p>
           <a:p>
-            <a:pPr marL="216000" indent="-215640">
+            <a:pPr marL="216000" indent="-215280">
               <a:lnSpc>
                 <a:spcPct val="100000"/>
               </a:lnSpc>
@@ -3142,7 +3178,7 @@
             </a:endParaRPr>
           </a:p>
           <a:p>
-            <a:pPr marL="216000" indent="-215640">
+            <a:pPr marL="216000" indent="-215280">
               <a:lnSpc>
                 <a:spcPct val="100000"/>
               </a:lnSpc>
@@ -3155,7 +3191,7 @@
             </a:endParaRPr>
           </a:p>
           <a:p>
-            <a:pPr marL="216000" indent="-215640">
+            <a:pPr marL="216000" indent="-215280">
               <a:lnSpc>
                 <a:spcPct val="100000"/>
               </a:lnSpc>
@@ -3193,7 +3229,7 @@
       </p:grpSpPr>
       <p:sp>
         <p:nvSpPr>
-          <p:cNvPr id="582" name="PlaceHolder 1"/>
+          <p:cNvPr id="620" name="PlaceHolder 1"/>
           <p:cNvSpPr>
             <a:spLocks noGrp="1"/>
           </p:cNvSpPr>
@@ -3204,16 +3240,16 @@
         <p:spPr>
           <a:xfrm>
             <a:off x="216000" y="812520"/>
-            <a:ext cx="7124040" cy="4006080"/>
-          </a:xfrm>
-          <a:prstGeom prst="rect">
-            <a:avLst/>
-          </a:prstGeom>
-        </p:spPr>
-      </p:sp>
-      <p:sp>
-        <p:nvSpPr>
-          <p:cNvPr id="583" name="PlaceHolder 2"/>
+            <a:ext cx="7123680" cy="4005720"/>
+          </a:xfrm>
+          <a:prstGeom prst="rect">
+            <a:avLst/>
+          </a:prstGeom>
+        </p:spPr>
+      </p:sp>
+      <p:sp>
+        <p:nvSpPr>
+          <p:cNvPr id="621" name="PlaceHolder 2"/>
           <p:cNvSpPr>
             <a:spLocks noGrp="1"/>
           </p:cNvSpPr>
@@ -3224,7 +3260,7 @@
         <p:spPr>
           <a:xfrm>
             <a:off x="755640" y="5078520"/>
-            <a:ext cx="6044400" cy="4807800"/>
+            <a:ext cx="6044040" cy="4807440"/>
           </a:xfrm>
           <a:prstGeom prst="rect">
             <a:avLst/>
@@ -3235,7 +3271,7 @@
             <a:noAutofit/>
           </a:bodyPr>
           <a:p>
-            <a:pPr marL="216000" indent="-213480">
+            <a:pPr marL="216000" indent="-213120">
               <a:lnSpc>
                 <a:spcPct val="100000"/>
               </a:lnSpc>
@@ -3254,7 +3290,7 @@
             </a:endParaRPr>
           </a:p>
           <a:p>
-            <a:pPr marL="216000" indent="-213480">
+            <a:pPr marL="216000" indent="-213120">
               <a:lnSpc>
                 <a:spcPct val="100000"/>
               </a:lnSpc>
@@ -3273,7 +3309,7 @@
             </a:endParaRPr>
           </a:p>
           <a:p>
-            <a:pPr marL="216000" indent="-213480">
+            <a:pPr marL="216000" indent="-213120">
               <a:lnSpc>
                 <a:spcPct val="100000"/>
               </a:lnSpc>
@@ -3292,7 +3328,7 @@
             </a:endParaRPr>
           </a:p>
           <a:p>
-            <a:pPr marL="216000" indent="-213480">
+            <a:pPr marL="216000" indent="-213120">
               <a:lnSpc>
                 <a:spcPct val="100000"/>
               </a:lnSpc>
@@ -3311,7 +3347,7 @@
             </a:endParaRPr>
           </a:p>
           <a:p>
-            <a:pPr marL="216000" indent="-213480">
+            <a:pPr marL="216000" indent="-213120">
               <a:lnSpc>
                 <a:spcPct val="100000"/>
               </a:lnSpc>
@@ -3349,7 +3385,7 @@
       </p:grpSpPr>
       <p:sp>
         <p:nvSpPr>
-          <p:cNvPr id="536" name="PlaceHolder 1"/>
+          <p:cNvPr id="574" name="PlaceHolder 1"/>
           <p:cNvSpPr>
             <a:spLocks noGrp="1"/>
           </p:cNvSpPr>
@@ -3360,16 +3396,16 @@
         <p:spPr>
           <a:xfrm>
             <a:off x="216360" y="812520"/>
-            <a:ext cx="7122240" cy="4004280"/>
-          </a:xfrm>
-          <a:prstGeom prst="rect">
-            <a:avLst/>
-          </a:prstGeom>
-        </p:spPr>
-      </p:sp>
-      <p:sp>
-        <p:nvSpPr>
-          <p:cNvPr id="537" name="PlaceHolder 2"/>
+            <a:ext cx="7121880" cy="4003920"/>
+          </a:xfrm>
+          <a:prstGeom prst="rect">
+            <a:avLst/>
+          </a:prstGeom>
+        </p:spPr>
+      </p:sp>
+      <p:sp>
+        <p:nvSpPr>
+          <p:cNvPr id="575" name="PlaceHolder 2"/>
           <p:cNvSpPr>
             <a:spLocks noGrp="1"/>
           </p:cNvSpPr>
@@ -3380,7 +3416,7 @@
         <p:spPr>
           <a:xfrm>
             <a:off x="756000" y="5078520"/>
-            <a:ext cx="6042960" cy="5095440"/>
+            <a:ext cx="6042600" cy="5095080"/>
           </a:xfrm>
           <a:prstGeom prst="rect">
             <a:avLst/>
@@ -3391,7 +3427,7 @@
             <a:noAutofit/>
           </a:bodyPr>
           <a:p>
-            <a:pPr marL="216000" indent="-211680">
+            <a:pPr marL="216000" indent="-211320">
               <a:lnSpc>
                 <a:spcPct val="100000"/>
               </a:lnSpc>
@@ -3410,7 +3446,7 @@
             </a:endParaRPr>
           </a:p>
           <a:p>
-            <a:pPr marL="216000" indent="-211680">
+            <a:pPr marL="216000" indent="-211320">
               <a:lnSpc>
                 <a:spcPct val="100000"/>
               </a:lnSpc>
@@ -3429,7 +3465,7 @@
             </a:endParaRPr>
           </a:p>
           <a:p>
-            <a:pPr marL="216000" indent="-211680">
+            <a:pPr marL="216000" indent="-211320">
               <a:lnSpc>
                 <a:spcPct val="100000"/>
               </a:lnSpc>
@@ -3448,7 +3484,7 @@
             </a:endParaRPr>
           </a:p>
           <a:p>
-            <a:pPr marL="216000" indent="-211680">
+            <a:pPr marL="216000" indent="-211320">
               <a:lnSpc>
                 <a:spcPct val="100000"/>
               </a:lnSpc>
@@ -3467,7 +3503,7 @@
             </a:endParaRPr>
           </a:p>
           <a:p>
-            <a:pPr marL="216000" indent="-211680">
+            <a:pPr marL="216000" indent="-211320">
               <a:lnSpc>
                 <a:spcPct val="100000"/>
               </a:lnSpc>
@@ -3486,7 +3522,7 @@
             </a:endParaRPr>
           </a:p>
           <a:p>
-            <a:pPr marL="216000" indent="-211680">
+            <a:pPr marL="216000" indent="-211320">
               <a:lnSpc>
                 <a:spcPct val="100000"/>
               </a:lnSpc>
@@ -3505,7 +3541,7 @@
             </a:endParaRPr>
           </a:p>
           <a:p>
-            <a:pPr marL="216000" indent="-211680">
+            <a:pPr marL="216000" indent="-211320">
               <a:lnSpc>
                 <a:spcPct val="100000"/>
               </a:lnSpc>
@@ -3524,7 +3560,7 @@
             </a:endParaRPr>
           </a:p>
           <a:p>
-            <a:pPr marL="216000" indent="-211680">
+            <a:pPr marL="216000" indent="-211320">
               <a:lnSpc>
                 <a:spcPct val="100000"/>
               </a:lnSpc>
@@ -3543,7 +3579,7 @@
             </a:endParaRPr>
           </a:p>
           <a:p>
-            <a:pPr marL="216000" indent="-211680">
+            <a:pPr marL="216000" indent="-211320">
               <a:lnSpc>
                 <a:spcPct val="100000"/>
               </a:lnSpc>
@@ -3562,7 +3598,7 @@
             </a:endParaRPr>
           </a:p>
           <a:p>
-            <a:pPr marL="216000" indent="-211680">
+            <a:pPr marL="216000" indent="-211320">
               <a:lnSpc>
                 <a:spcPct val="100000"/>
               </a:lnSpc>
@@ -3575,7 +3611,7 @@
             </a:endParaRPr>
           </a:p>
           <a:p>
-            <a:pPr marL="216000" indent="-211680">
+            <a:pPr marL="216000" indent="-211320">
               <a:lnSpc>
                 <a:spcPct val="100000"/>
               </a:lnSpc>
@@ -3588,7 +3624,7 @@
             </a:endParaRPr>
           </a:p>
           <a:p>
-            <a:pPr marL="216000" indent="-211680">
+            <a:pPr marL="216000" indent="-211320">
               <a:lnSpc>
                 <a:spcPct val="100000"/>
               </a:lnSpc>
@@ -3601,7 +3637,7 @@
             </a:endParaRPr>
           </a:p>
           <a:p>
-            <a:pPr marL="216000" indent="-211680">
+            <a:pPr marL="216000" indent="-211320">
               <a:lnSpc>
                 <a:spcPct val="100000"/>
               </a:lnSpc>
@@ -3639,7 +3675,7 @@
       </p:grpSpPr>
       <p:sp>
         <p:nvSpPr>
-          <p:cNvPr id="538" name="PlaceHolder 1"/>
+          <p:cNvPr id="576" name="PlaceHolder 1"/>
           <p:cNvSpPr>
             <a:spLocks noGrp="1"/>
           </p:cNvSpPr>
@@ -3650,16 +3686,16 @@
         <p:spPr>
           <a:xfrm>
             <a:off x="216360" y="812520"/>
-            <a:ext cx="7122240" cy="4004280"/>
-          </a:xfrm>
-          <a:prstGeom prst="rect">
-            <a:avLst/>
-          </a:prstGeom>
-        </p:spPr>
-      </p:sp>
-      <p:sp>
-        <p:nvSpPr>
-          <p:cNvPr id="539" name="PlaceHolder 2"/>
+            <a:ext cx="7121880" cy="4003920"/>
+          </a:xfrm>
+          <a:prstGeom prst="rect">
+            <a:avLst/>
+          </a:prstGeom>
+        </p:spPr>
+      </p:sp>
+      <p:sp>
+        <p:nvSpPr>
+          <p:cNvPr id="577" name="PlaceHolder 2"/>
           <p:cNvSpPr>
             <a:spLocks noGrp="1"/>
           </p:cNvSpPr>
@@ -3670,7 +3706,7 @@
         <p:spPr>
           <a:xfrm>
             <a:off x="756000" y="5078520"/>
-            <a:ext cx="6042960" cy="4806360"/>
+            <a:ext cx="6042600" cy="4806000"/>
           </a:xfrm>
           <a:prstGeom prst="rect">
             <a:avLst/>
@@ -3681,7 +3717,7 @@
             <a:noAutofit/>
           </a:bodyPr>
           <a:p>
-            <a:pPr marL="216000" indent="-211680">
+            <a:pPr marL="216000" indent="-211320">
               <a:lnSpc>
                 <a:spcPct val="100000"/>
               </a:lnSpc>
@@ -3700,7 +3736,7 @@
             </a:endParaRPr>
           </a:p>
           <a:p>
-            <a:pPr marL="216000" indent="-211680">
+            <a:pPr marL="216000" indent="-211320">
               <a:lnSpc>
                 <a:spcPct val="100000"/>
               </a:lnSpc>
@@ -3719,7 +3755,7 @@
             </a:endParaRPr>
           </a:p>
           <a:p>
-            <a:pPr marL="216000" indent="-211680">
+            <a:pPr marL="216000" indent="-211320">
               <a:lnSpc>
                 <a:spcPct val="100000"/>
               </a:lnSpc>
@@ -3738,7 +3774,7 @@
             </a:endParaRPr>
           </a:p>
           <a:p>
-            <a:pPr marL="216000" indent="-211680">
+            <a:pPr marL="216000" indent="-211320">
               <a:lnSpc>
                 <a:spcPct val="100000"/>
               </a:lnSpc>
@@ -3757,7 +3793,7 @@
             </a:endParaRPr>
           </a:p>
           <a:p>
-            <a:pPr marL="216000" indent="-211680">
+            <a:pPr marL="216000" indent="-211320">
               <a:lnSpc>
                 <a:spcPct val="100000"/>
               </a:lnSpc>
@@ -3795,7 +3831,7 @@
       </p:grpSpPr>
       <p:sp>
         <p:nvSpPr>
-          <p:cNvPr id="540" name="PlaceHolder 1"/>
+          <p:cNvPr id="578" name="PlaceHolder 1"/>
           <p:cNvSpPr>
             <a:spLocks noGrp="1"/>
           </p:cNvSpPr>
@@ -3806,16 +3842,16 @@
         <p:spPr>
           <a:xfrm>
             <a:off x="216000" y="812520"/>
-            <a:ext cx="7122600" cy="4004640"/>
-          </a:xfrm>
-          <a:prstGeom prst="rect">
-            <a:avLst/>
-          </a:prstGeom>
-        </p:spPr>
-      </p:sp>
-      <p:sp>
-        <p:nvSpPr>
-          <p:cNvPr id="541" name="PlaceHolder 2"/>
+            <a:ext cx="7122240" cy="4004280"/>
+          </a:xfrm>
+          <a:prstGeom prst="rect">
+            <a:avLst/>
+          </a:prstGeom>
+        </p:spPr>
+      </p:sp>
+      <p:sp>
+        <p:nvSpPr>
+          <p:cNvPr id="579" name="PlaceHolder 2"/>
           <p:cNvSpPr>
             <a:spLocks noGrp="1"/>
           </p:cNvSpPr>
@@ -3826,7 +3862,7 @@
         <p:spPr>
           <a:xfrm>
             <a:off x="755640" y="5078520"/>
-            <a:ext cx="6042960" cy="4806360"/>
+            <a:ext cx="6042600" cy="4806000"/>
           </a:xfrm>
           <a:prstGeom prst="rect">
             <a:avLst/>
@@ -3837,7 +3873,7 @@
             <a:noAutofit/>
           </a:bodyPr>
           <a:p>
-            <a:pPr marL="216000" indent="-212040">
+            <a:pPr marL="216000" indent="-211680">
               <a:lnSpc>
                 <a:spcPct val="100000"/>
               </a:lnSpc>
@@ -3856,7 +3892,7 @@
             </a:endParaRPr>
           </a:p>
           <a:p>
-            <a:pPr marL="216000" indent="-212040">
+            <a:pPr marL="216000" indent="-211680">
               <a:lnSpc>
                 <a:spcPct val="100000"/>
               </a:lnSpc>
@@ -3875,7 +3911,7 @@
             </a:endParaRPr>
           </a:p>
           <a:p>
-            <a:pPr marL="216000" indent="-212040">
+            <a:pPr marL="216000" indent="-211680">
               <a:lnSpc>
                 <a:spcPct val="100000"/>
               </a:lnSpc>
@@ -3894,7 +3930,7 @@
             </a:endParaRPr>
           </a:p>
           <a:p>
-            <a:pPr marL="216000" indent="-212040">
+            <a:pPr marL="216000" indent="-211680">
               <a:lnSpc>
                 <a:spcPct val="100000"/>
               </a:lnSpc>
@@ -3913,7 +3949,7 @@
             </a:endParaRPr>
           </a:p>
           <a:p>
-            <a:pPr marL="216000" indent="-212040">
+            <a:pPr marL="216000" indent="-211680">
               <a:lnSpc>
                 <a:spcPct val="100000"/>
               </a:lnSpc>
@@ -3932,7 +3968,7 @@
             </a:endParaRPr>
           </a:p>
           <a:p>
-            <a:pPr marL="216000" indent="-212040">
+            <a:pPr marL="216000" indent="-211680">
               <a:lnSpc>
                 <a:spcPct val="100000"/>
               </a:lnSpc>
@@ -3951,7 +3987,7 @@
             </a:endParaRPr>
           </a:p>
           <a:p>
-            <a:pPr marL="216000" indent="-212040">
+            <a:pPr marL="216000" indent="-211680">
               <a:lnSpc>
                 <a:spcPct val="100000"/>
               </a:lnSpc>
@@ -3964,7 +4000,7 @@
             </a:endParaRPr>
           </a:p>
           <a:p>
-            <a:pPr marL="216000" indent="-212040">
+            <a:pPr marL="216000" indent="-211680">
               <a:lnSpc>
                 <a:spcPct val="100000"/>
               </a:lnSpc>
@@ -4002,7 +4038,7 @@
       </p:grpSpPr>
       <p:sp>
         <p:nvSpPr>
-          <p:cNvPr id="542" name="PlaceHolder 1"/>
+          <p:cNvPr id="580" name="PlaceHolder 1"/>
           <p:cNvSpPr>
             <a:spLocks noGrp="1"/>
           </p:cNvSpPr>
@@ -4013,16 +4049,16 @@
         <p:spPr>
           <a:xfrm>
             <a:off x="216000" y="812520"/>
-            <a:ext cx="7124400" cy="4006440"/>
-          </a:xfrm>
-          <a:prstGeom prst="rect">
-            <a:avLst/>
-          </a:prstGeom>
-        </p:spPr>
-      </p:sp>
-      <p:sp>
-        <p:nvSpPr>
-          <p:cNvPr id="543" name="PlaceHolder 2"/>
+            <a:ext cx="7124040" cy="4006080"/>
+          </a:xfrm>
+          <a:prstGeom prst="rect">
+            <a:avLst/>
+          </a:prstGeom>
+        </p:spPr>
+      </p:sp>
+      <p:sp>
+        <p:nvSpPr>
+          <p:cNvPr id="581" name="PlaceHolder 2"/>
           <p:cNvSpPr>
             <a:spLocks noGrp="1"/>
           </p:cNvSpPr>
@@ -4033,7 +4069,7 @@
         <p:spPr>
           <a:xfrm>
             <a:off x="755640" y="5078520"/>
-            <a:ext cx="6044760" cy="4808160"/>
+            <a:ext cx="6044400" cy="4807800"/>
           </a:xfrm>
           <a:prstGeom prst="rect">
             <a:avLst/>
@@ -4044,7 +4080,7 @@
             <a:noAutofit/>
           </a:bodyPr>
           <a:p>
-            <a:pPr marL="216000" indent="-213840">
+            <a:pPr marL="216000" indent="-213480">
               <a:lnSpc>
                 <a:spcPct val="100000"/>
               </a:lnSpc>
@@ -4063,7 +4099,7 @@
             </a:endParaRPr>
           </a:p>
           <a:p>
-            <a:pPr marL="216000" indent="-213840">
+            <a:pPr marL="216000" indent="-213480">
               <a:lnSpc>
                 <a:spcPct val="100000"/>
               </a:lnSpc>
@@ -4082,7 +4118,7 @@
             </a:endParaRPr>
           </a:p>
           <a:p>
-            <a:pPr marL="216000" indent="-213840">
+            <a:pPr marL="216000" indent="-213480">
               <a:lnSpc>
                 <a:spcPct val="100000"/>
               </a:lnSpc>
@@ -4107,7 +4143,7 @@
             </a:endParaRPr>
           </a:p>
           <a:p>
-            <a:pPr marL="216000" indent="-213840">
+            <a:pPr marL="216000" indent="-213480">
               <a:lnSpc>
                 <a:spcPct val="100000"/>
               </a:lnSpc>
@@ -4132,7 +4168,7 @@
             </a:endParaRPr>
           </a:p>
           <a:p>
-            <a:pPr marL="216000" indent="-213840">
+            <a:pPr marL="216000" indent="-213480">
               <a:lnSpc>
                 <a:spcPct val="100000"/>
               </a:lnSpc>
@@ -4170,7 +4206,7 @@
       </p:grpSpPr>
       <p:sp>
         <p:nvSpPr>
-          <p:cNvPr id="544" name="PlaceHolder 1"/>
+          <p:cNvPr id="582" name="PlaceHolder 1"/>
           <p:cNvSpPr>
             <a:spLocks noGrp="1"/>
           </p:cNvSpPr>
@@ -4181,16 +4217,16 @@
         <p:spPr>
           <a:xfrm>
             <a:off x="216360" y="812520"/>
-            <a:ext cx="7122240" cy="4004280"/>
-          </a:xfrm>
-          <a:prstGeom prst="rect">
-            <a:avLst/>
-          </a:prstGeom>
-        </p:spPr>
-      </p:sp>
-      <p:sp>
-        <p:nvSpPr>
-          <p:cNvPr id="545" name="PlaceHolder 2"/>
+            <a:ext cx="7121880" cy="4003920"/>
+          </a:xfrm>
+          <a:prstGeom prst="rect">
+            <a:avLst/>
+          </a:prstGeom>
+        </p:spPr>
+      </p:sp>
+      <p:sp>
+        <p:nvSpPr>
+          <p:cNvPr id="583" name="PlaceHolder 2"/>
           <p:cNvSpPr>
             <a:spLocks noGrp="1"/>
           </p:cNvSpPr>
@@ -4201,7 +4237,7 @@
         <p:spPr>
           <a:xfrm>
             <a:off x="756000" y="5078520"/>
-            <a:ext cx="6042960" cy="4806360"/>
+            <a:ext cx="6042600" cy="4806000"/>
           </a:xfrm>
           <a:prstGeom prst="rect">
             <a:avLst/>
@@ -4212,7 +4248,7 @@
             <a:noAutofit/>
           </a:bodyPr>
           <a:p>
-            <a:pPr marL="216000" indent="-211680">
+            <a:pPr marL="216000" indent="-211320">
               <a:lnSpc>
                 <a:spcPct val="100000"/>
               </a:lnSpc>
@@ -4231,7 +4267,7 @@
             </a:endParaRPr>
           </a:p>
           <a:p>
-            <a:pPr marL="216000" indent="-211680">
+            <a:pPr marL="216000" indent="-211320">
               <a:lnSpc>
                 <a:spcPct val="100000"/>
               </a:lnSpc>
@@ -4250,7 +4286,7 @@
             </a:endParaRPr>
           </a:p>
           <a:p>
-            <a:pPr marL="216000" indent="-211680">
+            <a:pPr marL="216000" indent="-211320">
               <a:lnSpc>
                 <a:spcPct val="100000"/>
               </a:lnSpc>
@@ -4269,7 +4305,7 @@
             </a:endParaRPr>
           </a:p>
           <a:p>
-            <a:pPr marL="216000" indent="-211680">
+            <a:pPr marL="216000" indent="-211320">
               <a:lnSpc>
                 <a:spcPct val="100000"/>
               </a:lnSpc>
@@ -4288,7 +4324,7 @@
             </a:endParaRPr>
           </a:p>
           <a:p>
-            <a:pPr marL="216000" indent="-211680">
+            <a:pPr marL="216000" indent="-211320">
               <a:lnSpc>
                 <a:spcPct val="100000"/>
               </a:lnSpc>
@@ -4307,7 +4343,7 @@
             </a:endParaRPr>
           </a:p>
           <a:p>
-            <a:pPr marL="216000" indent="-211680">
+            <a:pPr marL="216000" indent="-211320">
               <a:lnSpc>
                 <a:spcPct val="100000"/>
               </a:lnSpc>
@@ -4326,7 +4362,7 @@
             </a:endParaRPr>
           </a:p>
           <a:p>
-            <a:pPr marL="216000" indent="-211680">
+            <a:pPr marL="216000" indent="-211320">
               <a:lnSpc>
                 <a:spcPct val="100000"/>
               </a:lnSpc>
@@ -4345,7 +4381,7 @@
             </a:endParaRPr>
           </a:p>
           <a:p>
-            <a:pPr marL="216000" indent="-211680">
+            <a:pPr marL="216000" indent="-211320">
               <a:lnSpc>
                 <a:spcPct val="100000"/>
               </a:lnSpc>
@@ -4358,7 +4394,7 @@
             </a:endParaRPr>
           </a:p>
           <a:p>
-            <a:pPr marL="216000" indent="-211680">
+            <a:pPr marL="216000" indent="-211320">
               <a:lnSpc>
                 <a:spcPct val="100000"/>
               </a:lnSpc>
@@ -4371,7 +4407,7 @@
             </a:endParaRPr>
           </a:p>
           <a:p>
-            <a:pPr marL="216000" indent="-211680">
+            <a:pPr marL="216000" indent="-211320">
               <a:lnSpc>
                 <a:spcPct val="100000"/>
               </a:lnSpc>
@@ -4409,7 +4445,7 @@
       </p:grpSpPr>
       <p:sp>
         <p:nvSpPr>
-          <p:cNvPr id="546" name="PlaceHolder 1"/>
+          <p:cNvPr id="584" name="PlaceHolder 1"/>
           <p:cNvSpPr>
             <a:spLocks noGrp="1"/>
           </p:cNvSpPr>
@@ -4420,16 +4456,16 @@
         <p:spPr>
           <a:xfrm>
             <a:off x="216360" y="812520"/>
-            <a:ext cx="7122240" cy="4004280"/>
-          </a:xfrm>
-          <a:prstGeom prst="rect">
-            <a:avLst/>
-          </a:prstGeom>
-        </p:spPr>
-      </p:sp>
-      <p:sp>
-        <p:nvSpPr>
-          <p:cNvPr id="547" name="PlaceHolder 2"/>
+            <a:ext cx="7121880" cy="4003920"/>
+          </a:xfrm>
+          <a:prstGeom prst="rect">
+            <a:avLst/>
+          </a:prstGeom>
+        </p:spPr>
+      </p:sp>
+      <p:sp>
+        <p:nvSpPr>
+          <p:cNvPr id="585" name="PlaceHolder 2"/>
           <p:cNvSpPr>
             <a:spLocks noGrp="1"/>
           </p:cNvSpPr>
@@ -4440,7 +4476,7 @@
         <p:spPr>
           <a:xfrm>
             <a:off x="756000" y="5078520"/>
-            <a:ext cx="6042960" cy="4806360"/>
+            <a:ext cx="6042600" cy="4806000"/>
           </a:xfrm>
           <a:prstGeom prst="rect">
             <a:avLst/>
@@ -4451,7 +4487,7 @@
             <a:noAutofit/>
           </a:bodyPr>
           <a:p>
-            <a:pPr marL="216000" indent="-211680">
+            <a:pPr marL="216000" indent="-211320">
               <a:lnSpc>
                 <a:spcPct val="100000"/>
               </a:lnSpc>
@@ -4470,7 +4506,7 @@
             </a:endParaRPr>
           </a:p>
           <a:p>
-            <a:pPr marL="216000" indent="-211680">
+            <a:pPr marL="216000" indent="-211320">
               <a:lnSpc>
                 <a:spcPct val="100000"/>
               </a:lnSpc>
@@ -4489,7 +4525,7 @@
             </a:endParaRPr>
           </a:p>
           <a:p>
-            <a:pPr marL="216000" indent="-211680">
+            <a:pPr marL="216000" indent="-211320">
               <a:lnSpc>
                 <a:spcPct val="100000"/>
               </a:lnSpc>
@@ -4508,7 +4544,7 @@
             </a:endParaRPr>
           </a:p>
           <a:p>
-            <a:pPr marL="216000" indent="-211680">
+            <a:pPr marL="216000" indent="-211320">
               <a:lnSpc>
                 <a:spcPct val="100000"/>
               </a:lnSpc>
@@ -4527,7 +4563,7 @@
             </a:endParaRPr>
           </a:p>
           <a:p>
-            <a:pPr marL="216000" indent="-211680">
+            <a:pPr marL="216000" indent="-211320">
               <a:lnSpc>
                 <a:spcPct val="100000"/>
               </a:lnSpc>
@@ -4546,7 +4582,7 @@
             </a:endParaRPr>
           </a:p>
           <a:p>
-            <a:pPr marL="216000" indent="-211680">
+            <a:pPr marL="216000" indent="-211320">
               <a:lnSpc>
                 <a:spcPct val="100000"/>
               </a:lnSpc>
@@ -4565,7 +4601,7 @@
             </a:endParaRPr>
           </a:p>
           <a:p>
-            <a:pPr marL="216000" indent="-211680">
+            <a:pPr marL="216000" indent="-211320">
               <a:lnSpc>
                 <a:spcPct val="100000"/>
               </a:lnSpc>
@@ -4578,7 +4614,7 @@
             </a:endParaRPr>
           </a:p>
           <a:p>
-            <a:pPr marL="216000" indent="-211680">
+            <a:pPr marL="216000" indent="-211320">
               <a:lnSpc>
                 <a:spcPct val="100000"/>
               </a:lnSpc>
@@ -10479,6 +10515,361 @@
 </p:sldLayout>
 </file>
 
+<file path=ppt/slideLayouts/slideLayout145.xml><?xml version="1.0" encoding="utf-8"?>
+<p:sldLayout xmlns:a="http://schemas.openxmlformats.org/drawingml/2006/main" xmlns:p="http://schemas.openxmlformats.org/presentationml/2006/main" xmlns:r="http://schemas.openxmlformats.org/officeDocument/2006/relationships" xmlns:p14="http://schemas.microsoft.com/office/powerpoint/2010/main" xmlns:p15="http://schemas.microsoft.com/office/powerpoint/2012/main" xmlns:mc="http://schemas.openxmlformats.org/markup-compatibility/2006" type="blank" preserve="1">
+  <p:cSld name="Blank Slide">
+    <p:spTree>
+      <p:nvGrpSpPr>
+        <p:cNvPr id="1" name=""/>
+        <p:cNvGrpSpPr/>
+        <p:nvPr/>
+      </p:nvGrpSpPr>
+      <p:grpSpPr>
+        <a:xfrm>
+          <a:off x="0" y="0"/>
+          <a:ext cx="0" cy="0"/>
+          <a:chOff x="0" y="0"/>
+          <a:chExt cx="0" cy="0"/>
+        </a:xfrm>
+      </p:grpSpPr>
+    </p:spTree>
+  </p:cSld>
+</p:sldLayout>
+</file>
+
+<file path=ppt/slideLayouts/slideLayout146.xml><?xml version="1.0" encoding="utf-8"?>
+<p:sldLayout xmlns:a="http://schemas.openxmlformats.org/drawingml/2006/main" xmlns:p="http://schemas.openxmlformats.org/presentationml/2006/main" xmlns:r="http://schemas.openxmlformats.org/officeDocument/2006/relationships" xmlns:p14="http://schemas.microsoft.com/office/powerpoint/2010/main" xmlns:p15="http://schemas.microsoft.com/office/powerpoint/2012/main" xmlns:mc="http://schemas.openxmlformats.org/markup-compatibility/2006" type="tx" preserve="1">
+  <p:cSld name="Title Slide">
+    <p:spTree>
+      <p:nvGrpSpPr>
+        <p:cNvPr id="1" name=""/>
+        <p:cNvGrpSpPr/>
+        <p:nvPr/>
+      </p:nvGrpSpPr>
+      <p:grpSpPr>
+        <a:xfrm>
+          <a:off x="0" y="0"/>
+          <a:ext cx="0" cy="0"/>
+          <a:chOff x="0" y="0"/>
+          <a:chExt cx="0" cy="0"/>
+        </a:xfrm>
+      </p:grpSpPr>
+      <p:sp>
+        <p:nvSpPr>
+          <p:cNvPr id="458" name="PlaceHolder 1"/>
+          <p:cNvSpPr>
+            <a:spLocks noGrp="1"/>
+          </p:cNvSpPr>
+          <p:nvPr>
+            <p:ph type="title"/>
+          </p:nvPr>
+        </p:nvSpPr>
+        <p:spPr>
+          <a:xfrm>
+            <a:off x="504000" y="226080"/>
+            <a:ext cx="9072000" cy="946440"/>
+          </a:xfrm>
+          <a:prstGeom prst="rect">
+            <a:avLst/>
+          </a:prstGeom>
+        </p:spPr>
+        <p:txBody>
+          <a:bodyPr lIns="0" rIns="0" tIns="0" bIns="0" anchor="ctr">
+            <a:noAutofit/>
+          </a:bodyPr>
+          <a:p>
+            <a:pPr algn="ctr"/>
+            <a:endParaRPr b="0" lang="en-GB" sz="4400" spc="-1" strike="noStrike">
+              <a:latin typeface="Arial"/>
+            </a:endParaRPr>
+          </a:p>
+        </p:txBody>
+      </p:sp>
+      <p:sp>
+        <p:nvSpPr>
+          <p:cNvPr id="459" name="PlaceHolder 2"/>
+          <p:cNvSpPr>
+            <a:spLocks noGrp="1"/>
+          </p:cNvSpPr>
+          <p:nvPr>
+            <p:ph type="subTitle"/>
+          </p:nvPr>
+        </p:nvSpPr>
+        <p:spPr>
+          <a:xfrm>
+            <a:off x="504000" y="1326600"/>
+            <a:ext cx="9072000" cy="3288600"/>
+          </a:xfrm>
+          <a:prstGeom prst="rect">
+            <a:avLst/>
+          </a:prstGeom>
+        </p:spPr>
+        <p:txBody>
+          <a:bodyPr lIns="0" rIns="0" tIns="0" bIns="0" anchor="ctr">
+            <a:noAutofit/>
+          </a:bodyPr>
+          <a:p>
+            <a:pPr algn="ctr"/>
+            <a:endParaRPr b="0" lang="en-GB" sz="3200" spc="-1" strike="noStrike">
+              <a:latin typeface="Arial"/>
+            </a:endParaRPr>
+          </a:p>
+        </p:txBody>
+      </p:sp>
+    </p:spTree>
+  </p:cSld>
+</p:sldLayout>
+</file>
+
+<file path=ppt/slideLayouts/slideLayout147.xml><?xml version="1.0" encoding="utf-8"?>
+<p:sldLayout xmlns:a="http://schemas.openxmlformats.org/drawingml/2006/main" xmlns:p="http://schemas.openxmlformats.org/presentationml/2006/main" xmlns:r="http://schemas.openxmlformats.org/officeDocument/2006/relationships" xmlns:p14="http://schemas.microsoft.com/office/powerpoint/2010/main" xmlns:p15="http://schemas.microsoft.com/office/powerpoint/2012/main" xmlns:mc="http://schemas.openxmlformats.org/markup-compatibility/2006" type="obj" preserve="1">
+  <p:cSld name="Title, Content">
+    <p:spTree>
+      <p:nvGrpSpPr>
+        <p:cNvPr id="1" name=""/>
+        <p:cNvGrpSpPr/>
+        <p:nvPr/>
+      </p:nvGrpSpPr>
+      <p:grpSpPr>
+        <a:xfrm>
+          <a:off x="0" y="0"/>
+          <a:ext cx="0" cy="0"/>
+          <a:chOff x="0" y="0"/>
+          <a:chExt cx="0" cy="0"/>
+        </a:xfrm>
+      </p:grpSpPr>
+      <p:sp>
+        <p:nvSpPr>
+          <p:cNvPr id="460" name="PlaceHolder 1"/>
+          <p:cNvSpPr>
+            <a:spLocks noGrp="1"/>
+          </p:cNvSpPr>
+          <p:nvPr>
+            <p:ph type="title"/>
+          </p:nvPr>
+        </p:nvSpPr>
+        <p:spPr>
+          <a:xfrm>
+            <a:off x="504000" y="226080"/>
+            <a:ext cx="9072000" cy="946440"/>
+          </a:xfrm>
+          <a:prstGeom prst="rect">
+            <a:avLst/>
+          </a:prstGeom>
+        </p:spPr>
+        <p:txBody>
+          <a:bodyPr lIns="0" rIns="0" tIns="0" bIns="0" anchor="ctr">
+            <a:noAutofit/>
+          </a:bodyPr>
+          <a:p>
+            <a:pPr algn="ctr"/>
+            <a:endParaRPr b="0" lang="en-GB" sz="4400" spc="-1" strike="noStrike">
+              <a:latin typeface="Arial"/>
+            </a:endParaRPr>
+          </a:p>
+        </p:txBody>
+      </p:sp>
+      <p:sp>
+        <p:nvSpPr>
+          <p:cNvPr id="461" name="PlaceHolder 2"/>
+          <p:cNvSpPr>
+            <a:spLocks noGrp="1"/>
+          </p:cNvSpPr>
+          <p:nvPr>
+            <p:ph type="body"/>
+          </p:nvPr>
+        </p:nvSpPr>
+        <p:spPr>
+          <a:xfrm>
+            <a:off x="504000" y="1326600"/>
+            <a:ext cx="9072000" cy="3288600"/>
+          </a:xfrm>
+          <a:prstGeom prst="rect">
+            <a:avLst/>
+          </a:prstGeom>
+        </p:spPr>
+        <p:txBody>
+          <a:bodyPr lIns="0" rIns="0" tIns="0" bIns="0">
+            <a:normAutofit/>
+          </a:bodyPr>
+          <a:p>
+            <a:endParaRPr b="0" lang="en-GB" sz="3200" spc="-1" strike="noStrike">
+              <a:latin typeface="Arial"/>
+            </a:endParaRPr>
+          </a:p>
+        </p:txBody>
+      </p:sp>
+    </p:spTree>
+  </p:cSld>
+</p:sldLayout>
+</file>
+
+<file path=ppt/slideLayouts/slideLayout148.xml><?xml version="1.0" encoding="utf-8"?>
+<p:sldLayout xmlns:a="http://schemas.openxmlformats.org/drawingml/2006/main" xmlns:p="http://schemas.openxmlformats.org/presentationml/2006/main" xmlns:r="http://schemas.openxmlformats.org/officeDocument/2006/relationships" xmlns:p14="http://schemas.microsoft.com/office/powerpoint/2010/main" xmlns:p15="http://schemas.microsoft.com/office/powerpoint/2012/main" xmlns:mc="http://schemas.openxmlformats.org/markup-compatibility/2006" type="twoObj" preserve="1">
+  <p:cSld name="Title, 2 Content">
+    <p:spTree>
+      <p:nvGrpSpPr>
+        <p:cNvPr id="1" name=""/>
+        <p:cNvGrpSpPr/>
+        <p:nvPr/>
+      </p:nvGrpSpPr>
+      <p:grpSpPr>
+        <a:xfrm>
+          <a:off x="0" y="0"/>
+          <a:ext cx="0" cy="0"/>
+          <a:chOff x="0" y="0"/>
+          <a:chExt cx="0" cy="0"/>
+        </a:xfrm>
+      </p:grpSpPr>
+      <p:sp>
+        <p:nvSpPr>
+          <p:cNvPr id="462" name="PlaceHolder 1"/>
+          <p:cNvSpPr>
+            <a:spLocks noGrp="1"/>
+          </p:cNvSpPr>
+          <p:nvPr>
+            <p:ph type="title"/>
+          </p:nvPr>
+        </p:nvSpPr>
+        <p:spPr>
+          <a:xfrm>
+            <a:off x="504000" y="226080"/>
+            <a:ext cx="9072000" cy="946440"/>
+          </a:xfrm>
+          <a:prstGeom prst="rect">
+            <a:avLst/>
+          </a:prstGeom>
+        </p:spPr>
+        <p:txBody>
+          <a:bodyPr lIns="0" rIns="0" tIns="0" bIns="0" anchor="ctr">
+            <a:noAutofit/>
+          </a:bodyPr>
+          <a:p>
+            <a:pPr algn="ctr"/>
+            <a:endParaRPr b="0" lang="en-GB" sz="4400" spc="-1" strike="noStrike">
+              <a:latin typeface="Arial"/>
+            </a:endParaRPr>
+          </a:p>
+        </p:txBody>
+      </p:sp>
+      <p:sp>
+        <p:nvSpPr>
+          <p:cNvPr id="463" name="PlaceHolder 2"/>
+          <p:cNvSpPr>
+            <a:spLocks noGrp="1"/>
+          </p:cNvSpPr>
+          <p:nvPr>
+            <p:ph type="body"/>
+          </p:nvPr>
+        </p:nvSpPr>
+        <p:spPr>
+          <a:xfrm>
+            <a:off x="504000" y="1326600"/>
+            <a:ext cx="4426920" cy="3288600"/>
+          </a:xfrm>
+          <a:prstGeom prst="rect">
+            <a:avLst/>
+          </a:prstGeom>
+        </p:spPr>
+        <p:txBody>
+          <a:bodyPr lIns="0" rIns="0" tIns="0" bIns="0">
+            <a:normAutofit/>
+          </a:bodyPr>
+          <a:p>
+            <a:endParaRPr b="0" lang="en-GB" sz="3200" spc="-1" strike="noStrike">
+              <a:latin typeface="Arial"/>
+            </a:endParaRPr>
+          </a:p>
+        </p:txBody>
+      </p:sp>
+      <p:sp>
+        <p:nvSpPr>
+          <p:cNvPr id="464" name="PlaceHolder 3"/>
+          <p:cNvSpPr>
+            <a:spLocks noGrp="1"/>
+          </p:cNvSpPr>
+          <p:nvPr>
+            <p:ph type="body"/>
+          </p:nvPr>
+        </p:nvSpPr>
+        <p:spPr>
+          <a:xfrm>
+            <a:off x="5152680" y="1326600"/>
+            <a:ext cx="4426920" cy="3288600"/>
+          </a:xfrm>
+          <a:prstGeom prst="rect">
+            <a:avLst/>
+          </a:prstGeom>
+        </p:spPr>
+        <p:txBody>
+          <a:bodyPr lIns="0" rIns="0" tIns="0" bIns="0">
+            <a:normAutofit/>
+          </a:bodyPr>
+          <a:p>
+            <a:endParaRPr b="0" lang="en-GB" sz="3200" spc="-1" strike="noStrike">
+              <a:latin typeface="Arial"/>
+            </a:endParaRPr>
+          </a:p>
+        </p:txBody>
+      </p:sp>
+    </p:spTree>
+  </p:cSld>
+</p:sldLayout>
+</file>
+
+<file path=ppt/slideLayouts/slideLayout149.xml><?xml version="1.0" encoding="utf-8"?>
+<p:sldLayout xmlns:a="http://schemas.openxmlformats.org/drawingml/2006/main" xmlns:p="http://schemas.openxmlformats.org/presentationml/2006/main" xmlns:r="http://schemas.openxmlformats.org/officeDocument/2006/relationships" xmlns:p14="http://schemas.microsoft.com/office/powerpoint/2010/main" xmlns:p15="http://schemas.microsoft.com/office/powerpoint/2012/main" xmlns:mc="http://schemas.openxmlformats.org/markup-compatibility/2006" type="titleOnly" preserve="1">
+  <p:cSld name="Title Only">
+    <p:spTree>
+      <p:nvGrpSpPr>
+        <p:cNvPr id="1" name=""/>
+        <p:cNvGrpSpPr/>
+        <p:nvPr/>
+      </p:nvGrpSpPr>
+      <p:grpSpPr>
+        <a:xfrm>
+          <a:off x="0" y="0"/>
+          <a:ext cx="0" cy="0"/>
+          <a:chOff x="0" y="0"/>
+          <a:chExt cx="0" cy="0"/>
+        </a:xfrm>
+      </p:grpSpPr>
+      <p:sp>
+        <p:nvSpPr>
+          <p:cNvPr id="465" name="PlaceHolder 1"/>
+          <p:cNvSpPr>
+            <a:spLocks noGrp="1"/>
+          </p:cNvSpPr>
+          <p:nvPr>
+            <p:ph type="title"/>
+          </p:nvPr>
+        </p:nvSpPr>
+        <p:spPr>
+          <a:xfrm>
+            <a:off x="504000" y="226080"/>
+            <a:ext cx="9072000" cy="946440"/>
+          </a:xfrm>
+          <a:prstGeom prst="rect">
+            <a:avLst/>
+          </a:prstGeom>
+        </p:spPr>
+        <p:txBody>
+          <a:bodyPr lIns="0" rIns="0" tIns="0" bIns="0" anchor="ctr">
+            <a:noAutofit/>
+          </a:bodyPr>
+          <a:p>
+            <a:pPr algn="ctr"/>
+            <a:endParaRPr b="0" lang="en-GB" sz="4400" spc="-1" strike="noStrike">
+              <a:latin typeface="Arial"/>
+            </a:endParaRPr>
+          </a:p>
+        </p:txBody>
+      </p:sp>
+    </p:spTree>
+  </p:cSld>
+</p:sldLayout>
+</file>
+
 <file path=ppt/slideLayouts/slideLayout15.xml><?xml version="1.0" encoding="utf-8"?>
 <p:sldLayout xmlns:a="http://schemas.openxmlformats.org/drawingml/2006/main" xmlns:p="http://schemas.openxmlformats.org/presentationml/2006/main" xmlns:r="http://schemas.openxmlformats.org/officeDocument/2006/relationships" xmlns:p14="http://schemas.microsoft.com/office/powerpoint/2010/main" xmlns:p15="http://schemas.microsoft.com/office/powerpoint/2012/main" xmlns:mc="http://schemas.openxmlformats.org/markup-compatibility/2006" type="obj" preserve="1">
   <p:cSld name="Title, Content">
@@ -10541,6 +10932,1007 @@
           <a:xfrm>
             <a:off x="504000" y="1326600"/>
             <a:ext cx="9072000" cy="3288600"/>
+          </a:xfrm>
+          <a:prstGeom prst="rect">
+            <a:avLst/>
+          </a:prstGeom>
+        </p:spPr>
+        <p:txBody>
+          <a:bodyPr lIns="0" rIns="0" tIns="0" bIns="0">
+            <a:normAutofit/>
+          </a:bodyPr>
+          <a:p>
+            <a:endParaRPr b="0" lang="en-GB" sz="3200" spc="-1" strike="noStrike">
+              <a:latin typeface="Arial"/>
+            </a:endParaRPr>
+          </a:p>
+        </p:txBody>
+      </p:sp>
+    </p:spTree>
+  </p:cSld>
+</p:sldLayout>
+</file>
+
+<file path=ppt/slideLayouts/slideLayout150.xml><?xml version="1.0" encoding="utf-8"?>
+<p:sldLayout xmlns:a="http://schemas.openxmlformats.org/drawingml/2006/main" xmlns:p="http://schemas.openxmlformats.org/presentationml/2006/main" xmlns:r="http://schemas.openxmlformats.org/officeDocument/2006/relationships" xmlns:p14="http://schemas.microsoft.com/office/powerpoint/2010/main" xmlns:p15="http://schemas.microsoft.com/office/powerpoint/2012/main" xmlns:mc="http://schemas.openxmlformats.org/markup-compatibility/2006" type="objOnly" preserve="1">
+  <p:cSld name="Centered Text">
+    <p:spTree>
+      <p:nvGrpSpPr>
+        <p:cNvPr id="1" name=""/>
+        <p:cNvGrpSpPr/>
+        <p:nvPr/>
+      </p:nvGrpSpPr>
+      <p:grpSpPr>
+        <a:xfrm>
+          <a:off x="0" y="0"/>
+          <a:ext cx="0" cy="0"/>
+          <a:chOff x="0" y="0"/>
+          <a:chExt cx="0" cy="0"/>
+        </a:xfrm>
+      </p:grpSpPr>
+      <p:sp>
+        <p:nvSpPr>
+          <p:cNvPr id="466" name="PlaceHolder 1"/>
+          <p:cNvSpPr>
+            <a:spLocks noGrp="1"/>
+          </p:cNvSpPr>
+          <p:nvPr>
+            <p:ph type="subTitle"/>
+          </p:nvPr>
+        </p:nvSpPr>
+        <p:spPr>
+          <a:xfrm>
+            <a:off x="504000" y="226080"/>
+            <a:ext cx="9072000" cy="4388400"/>
+          </a:xfrm>
+          <a:prstGeom prst="rect">
+            <a:avLst/>
+          </a:prstGeom>
+        </p:spPr>
+        <p:txBody>
+          <a:bodyPr lIns="0" rIns="0" tIns="0" bIns="0" anchor="ctr">
+            <a:noAutofit/>
+          </a:bodyPr>
+          <a:p>
+            <a:pPr algn="ctr"/>
+            <a:endParaRPr b="0" lang="en-GB" sz="3200" spc="-1" strike="noStrike">
+              <a:latin typeface="Arial"/>
+            </a:endParaRPr>
+          </a:p>
+        </p:txBody>
+      </p:sp>
+    </p:spTree>
+  </p:cSld>
+</p:sldLayout>
+</file>
+
+<file path=ppt/slideLayouts/slideLayout151.xml><?xml version="1.0" encoding="utf-8"?>
+<p:sldLayout xmlns:a="http://schemas.openxmlformats.org/drawingml/2006/main" xmlns:p="http://schemas.openxmlformats.org/presentationml/2006/main" xmlns:r="http://schemas.openxmlformats.org/officeDocument/2006/relationships" xmlns:p14="http://schemas.microsoft.com/office/powerpoint/2010/main" xmlns:p15="http://schemas.microsoft.com/office/powerpoint/2012/main" xmlns:mc="http://schemas.openxmlformats.org/markup-compatibility/2006" type="twoObjAndObj" preserve="1">
+  <p:cSld name="Title, 2 Content and Content">
+    <p:spTree>
+      <p:nvGrpSpPr>
+        <p:cNvPr id="1" name=""/>
+        <p:cNvGrpSpPr/>
+        <p:nvPr/>
+      </p:nvGrpSpPr>
+      <p:grpSpPr>
+        <a:xfrm>
+          <a:off x="0" y="0"/>
+          <a:ext cx="0" cy="0"/>
+          <a:chOff x="0" y="0"/>
+          <a:chExt cx="0" cy="0"/>
+        </a:xfrm>
+      </p:grpSpPr>
+      <p:sp>
+        <p:nvSpPr>
+          <p:cNvPr id="467" name="PlaceHolder 1"/>
+          <p:cNvSpPr>
+            <a:spLocks noGrp="1"/>
+          </p:cNvSpPr>
+          <p:nvPr>
+            <p:ph type="title"/>
+          </p:nvPr>
+        </p:nvSpPr>
+        <p:spPr>
+          <a:xfrm>
+            <a:off x="504000" y="226080"/>
+            <a:ext cx="9072000" cy="946440"/>
+          </a:xfrm>
+          <a:prstGeom prst="rect">
+            <a:avLst/>
+          </a:prstGeom>
+        </p:spPr>
+        <p:txBody>
+          <a:bodyPr lIns="0" rIns="0" tIns="0" bIns="0" anchor="ctr">
+            <a:noAutofit/>
+          </a:bodyPr>
+          <a:p>
+            <a:pPr algn="ctr"/>
+            <a:endParaRPr b="0" lang="en-GB" sz="4400" spc="-1" strike="noStrike">
+              <a:latin typeface="Arial"/>
+            </a:endParaRPr>
+          </a:p>
+        </p:txBody>
+      </p:sp>
+      <p:sp>
+        <p:nvSpPr>
+          <p:cNvPr id="468" name="PlaceHolder 2"/>
+          <p:cNvSpPr>
+            <a:spLocks noGrp="1"/>
+          </p:cNvSpPr>
+          <p:nvPr>
+            <p:ph type="body"/>
+          </p:nvPr>
+        </p:nvSpPr>
+        <p:spPr>
+          <a:xfrm>
+            <a:off x="504000" y="1326600"/>
+            <a:ext cx="4426920" cy="1568520"/>
+          </a:xfrm>
+          <a:prstGeom prst="rect">
+            <a:avLst/>
+          </a:prstGeom>
+        </p:spPr>
+        <p:txBody>
+          <a:bodyPr lIns="0" rIns="0" tIns="0" bIns="0">
+            <a:normAutofit/>
+          </a:bodyPr>
+          <a:p>
+            <a:endParaRPr b="0" lang="en-GB" sz="3200" spc="-1" strike="noStrike">
+              <a:latin typeface="Arial"/>
+            </a:endParaRPr>
+          </a:p>
+        </p:txBody>
+      </p:sp>
+      <p:sp>
+        <p:nvSpPr>
+          <p:cNvPr id="469" name="PlaceHolder 3"/>
+          <p:cNvSpPr>
+            <a:spLocks noGrp="1"/>
+          </p:cNvSpPr>
+          <p:nvPr>
+            <p:ph type="body"/>
+          </p:nvPr>
+        </p:nvSpPr>
+        <p:spPr>
+          <a:xfrm>
+            <a:off x="5152680" y="1326600"/>
+            <a:ext cx="4426920" cy="3288600"/>
+          </a:xfrm>
+          <a:prstGeom prst="rect">
+            <a:avLst/>
+          </a:prstGeom>
+        </p:spPr>
+        <p:txBody>
+          <a:bodyPr lIns="0" rIns="0" tIns="0" bIns="0">
+            <a:normAutofit/>
+          </a:bodyPr>
+          <a:p>
+            <a:endParaRPr b="0" lang="en-GB" sz="3200" spc="-1" strike="noStrike">
+              <a:latin typeface="Arial"/>
+            </a:endParaRPr>
+          </a:p>
+        </p:txBody>
+      </p:sp>
+      <p:sp>
+        <p:nvSpPr>
+          <p:cNvPr id="470" name="PlaceHolder 4"/>
+          <p:cNvSpPr>
+            <a:spLocks noGrp="1"/>
+          </p:cNvSpPr>
+          <p:nvPr>
+            <p:ph type="body"/>
+          </p:nvPr>
+        </p:nvSpPr>
+        <p:spPr>
+          <a:xfrm>
+            <a:off x="504000" y="3044520"/>
+            <a:ext cx="4426920" cy="1568520"/>
+          </a:xfrm>
+          <a:prstGeom prst="rect">
+            <a:avLst/>
+          </a:prstGeom>
+        </p:spPr>
+        <p:txBody>
+          <a:bodyPr lIns="0" rIns="0" tIns="0" bIns="0">
+            <a:normAutofit/>
+          </a:bodyPr>
+          <a:p>
+            <a:endParaRPr b="0" lang="en-GB" sz="3200" spc="-1" strike="noStrike">
+              <a:latin typeface="Arial"/>
+            </a:endParaRPr>
+          </a:p>
+        </p:txBody>
+      </p:sp>
+    </p:spTree>
+  </p:cSld>
+</p:sldLayout>
+</file>
+
+<file path=ppt/slideLayouts/slideLayout152.xml><?xml version="1.0" encoding="utf-8"?>
+<p:sldLayout xmlns:a="http://schemas.openxmlformats.org/drawingml/2006/main" xmlns:p="http://schemas.openxmlformats.org/presentationml/2006/main" xmlns:r="http://schemas.openxmlformats.org/officeDocument/2006/relationships" xmlns:p14="http://schemas.microsoft.com/office/powerpoint/2010/main" xmlns:p15="http://schemas.microsoft.com/office/powerpoint/2012/main" xmlns:mc="http://schemas.openxmlformats.org/markup-compatibility/2006" type="objAndTwoObj" preserve="1">
+  <p:cSld name="Title Content and 2 Content">
+    <p:spTree>
+      <p:nvGrpSpPr>
+        <p:cNvPr id="1" name=""/>
+        <p:cNvGrpSpPr/>
+        <p:nvPr/>
+      </p:nvGrpSpPr>
+      <p:grpSpPr>
+        <a:xfrm>
+          <a:off x="0" y="0"/>
+          <a:ext cx="0" cy="0"/>
+          <a:chOff x="0" y="0"/>
+          <a:chExt cx="0" cy="0"/>
+        </a:xfrm>
+      </p:grpSpPr>
+      <p:sp>
+        <p:nvSpPr>
+          <p:cNvPr id="471" name="PlaceHolder 1"/>
+          <p:cNvSpPr>
+            <a:spLocks noGrp="1"/>
+          </p:cNvSpPr>
+          <p:nvPr>
+            <p:ph type="title"/>
+          </p:nvPr>
+        </p:nvSpPr>
+        <p:spPr>
+          <a:xfrm>
+            <a:off x="504000" y="226080"/>
+            <a:ext cx="9072000" cy="946440"/>
+          </a:xfrm>
+          <a:prstGeom prst="rect">
+            <a:avLst/>
+          </a:prstGeom>
+        </p:spPr>
+        <p:txBody>
+          <a:bodyPr lIns="0" rIns="0" tIns="0" bIns="0" anchor="ctr">
+            <a:noAutofit/>
+          </a:bodyPr>
+          <a:p>
+            <a:pPr algn="ctr"/>
+            <a:endParaRPr b="0" lang="en-GB" sz="4400" spc="-1" strike="noStrike">
+              <a:latin typeface="Arial"/>
+            </a:endParaRPr>
+          </a:p>
+        </p:txBody>
+      </p:sp>
+      <p:sp>
+        <p:nvSpPr>
+          <p:cNvPr id="472" name="PlaceHolder 2"/>
+          <p:cNvSpPr>
+            <a:spLocks noGrp="1"/>
+          </p:cNvSpPr>
+          <p:nvPr>
+            <p:ph type="body"/>
+          </p:nvPr>
+        </p:nvSpPr>
+        <p:spPr>
+          <a:xfrm>
+            <a:off x="504000" y="1326600"/>
+            <a:ext cx="4426920" cy="3288600"/>
+          </a:xfrm>
+          <a:prstGeom prst="rect">
+            <a:avLst/>
+          </a:prstGeom>
+        </p:spPr>
+        <p:txBody>
+          <a:bodyPr lIns="0" rIns="0" tIns="0" bIns="0">
+            <a:normAutofit/>
+          </a:bodyPr>
+          <a:p>
+            <a:endParaRPr b="0" lang="en-GB" sz="3200" spc="-1" strike="noStrike">
+              <a:latin typeface="Arial"/>
+            </a:endParaRPr>
+          </a:p>
+        </p:txBody>
+      </p:sp>
+      <p:sp>
+        <p:nvSpPr>
+          <p:cNvPr id="473" name="PlaceHolder 3"/>
+          <p:cNvSpPr>
+            <a:spLocks noGrp="1"/>
+          </p:cNvSpPr>
+          <p:nvPr>
+            <p:ph type="body"/>
+          </p:nvPr>
+        </p:nvSpPr>
+        <p:spPr>
+          <a:xfrm>
+            <a:off x="5152680" y="1326600"/>
+            <a:ext cx="4426920" cy="1568520"/>
+          </a:xfrm>
+          <a:prstGeom prst="rect">
+            <a:avLst/>
+          </a:prstGeom>
+        </p:spPr>
+        <p:txBody>
+          <a:bodyPr lIns="0" rIns="0" tIns="0" bIns="0">
+            <a:normAutofit/>
+          </a:bodyPr>
+          <a:p>
+            <a:endParaRPr b="0" lang="en-GB" sz="3200" spc="-1" strike="noStrike">
+              <a:latin typeface="Arial"/>
+            </a:endParaRPr>
+          </a:p>
+        </p:txBody>
+      </p:sp>
+      <p:sp>
+        <p:nvSpPr>
+          <p:cNvPr id="474" name="PlaceHolder 4"/>
+          <p:cNvSpPr>
+            <a:spLocks noGrp="1"/>
+          </p:cNvSpPr>
+          <p:nvPr>
+            <p:ph type="body"/>
+          </p:nvPr>
+        </p:nvSpPr>
+        <p:spPr>
+          <a:xfrm>
+            <a:off x="5152680" y="3044520"/>
+            <a:ext cx="4426920" cy="1568520"/>
+          </a:xfrm>
+          <a:prstGeom prst="rect">
+            <a:avLst/>
+          </a:prstGeom>
+        </p:spPr>
+        <p:txBody>
+          <a:bodyPr lIns="0" rIns="0" tIns="0" bIns="0">
+            <a:normAutofit/>
+          </a:bodyPr>
+          <a:p>
+            <a:endParaRPr b="0" lang="en-GB" sz="3200" spc="-1" strike="noStrike">
+              <a:latin typeface="Arial"/>
+            </a:endParaRPr>
+          </a:p>
+        </p:txBody>
+      </p:sp>
+    </p:spTree>
+  </p:cSld>
+</p:sldLayout>
+</file>
+
+<file path=ppt/slideLayouts/slideLayout153.xml><?xml version="1.0" encoding="utf-8"?>
+<p:sldLayout xmlns:a="http://schemas.openxmlformats.org/drawingml/2006/main" xmlns:p="http://schemas.openxmlformats.org/presentationml/2006/main" xmlns:r="http://schemas.openxmlformats.org/officeDocument/2006/relationships" xmlns:p14="http://schemas.microsoft.com/office/powerpoint/2010/main" xmlns:p15="http://schemas.microsoft.com/office/powerpoint/2012/main" xmlns:mc="http://schemas.openxmlformats.org/markup-compatibility/2006" type="twoObjOverTx" preserve="1">
+  <p:cSld name="Title, 2 Content over Content">
+    <p:spTree>
+      <p:nvGrpSpPr>
+        <p:cNvPr id="1" name=""/>
+        <p:cNvGrpSpPr/>
+        <p:nvPr/>
+      </p:nvGrpSpPr>
+      <p:grpSpPr>
+        <a:xfrm>
+          <a:off x="0" y="0"/>
+          <a:ext cx="0" cy="0"/>
+          <a:chOff x="0" y="0"/>
+          <a:chExt cx="0" cy="0"/>
+        </a:xfrm>
+      </p:grpSpPr>
+      <p:sp>
+        <p:nvSpPr>
+          <p:cNvPr id="475" name="PlaceHolder 1"/>
+          <p:cNvSpPr>
+            <a:spLocks noGrp="1"/>
+          </p:cNvSpPr>
+          <p:nvPr>
+            <p:ph type="title"/>
+          </p:nvPr>
+        </p:nvSpPr>
+        <p:spPr>
+          <a:xfrm>
+            <a:off x="504000" y="226080"/>
+            <a:ext cx="9072000" cy="946440"/>
+          </a:xfrm>
+          <a:prstGeom prst="rect">
+            <a:avLst/>
+          </a:prstGeom>
+        </p:spPr>
+        <p:txBody>
+          <a:bodyPr lIns="0" rIns="0" tIns="0" bIns="0" anchor="ctr">
+            <a:noAutofit/>
+          </a:bodyPr>
+          <a:p>
+            <a:pPr algn="ctr"/>
+            <a:endParaRPr b="0" lang="en-GB" sz="4400" spc="-1" strike="noStrike">
+              <a:latin typeface="Arial"/>
+            </a:endParaRPr>
+          </a:p>
+        </p:txBody>
+      </p:sp>
+      <p:sp>
+        <p:nvSpPr>
+          <p:cNvPr id="476" name="PlaceHolder 2"/>
+          <p:cNvSpPr>
+            <a:spLocks noGrp="1"/>
+          </p:cNvSpPr>
+          <p:nvPr>
+            <p:ph type="body"/>
+          </p:nvPr>
+        </p:nvSpPr>
+        <p:spPr>
+          <a:xfrm>
+            <a:off x="504000" y="1326600"/>
+            <a:ext cx="4426920" cy="1568520"/>
+          </a:xfrm>
+          <a:prstGeom prst="rect">
+            <a:avLst/>
+          </a:prstGeom>
+        </p:spPr>
+        <p:txBody>
+          <a:bodyPr lIns="0" rIns="0" tIns="0" bIns="0">
+            <a:normAutofit/>
+          </a:bodyPr>
+          <a:p>
+            <a:endParaRPr b="0" lang="en-GB" sz="3200" spc="-1" strike="noStrike">
+              <a:latin typeface="Arial"/>
+            </a:endParaRPr>
+          </a:p>
+        </p:txBody>
+      </p:sp>
+      <p:sp>
+        <p:nvSpPr>
+          <p:cNvPr id="477" name="PlaceHolder 3"/>
+          <p:cNvSpPr>
+            <a:spLocks noGrp="1"/>
+          </p:cNvSpPr>
+          <p:nvPr>
+            <p:ph type="body"/>
+          </p:nvPr>
+        </p:nvSpPr>
+        <p:spPr>
+          <a:xfrm>
+            <a:off x="5152680" y="1326600"/>
+            <a:ext cx="4426920" cy="1568520"/>
+          </a:xfrm>
+          <a:prstGeom prst="rect">
+            <a:avLst/>
+          </a:prstGeom>
+        </p:spPr>
+        <p:txBody>
+          <a:bodyPr lIns="0" rIns="0" tIns="0" bIns="0">
+            <a:normAutofit/>
+          </a:bodyPr>
+          <a:p>
+            <a:endParaRPr b="0" lang="en-GB" sz="3200" spc="-1" strike="noStrike">
+              <a:latin typeface="Arial"/>
+            </a:endParaRPr>
+          </a:p>
+        </p:txBody>
+      </p:sp>
+      <p:sp>
+        <p:nvSpPr>
+          <p:cNvPr id="478" name="PlaceHolder 4"/>
+          <p:cNvSpPr>
+            <a:spLocks noGrp="1"/>
+          </p:cNvSpPr>
+          <p:nvPr>
+            <p:ph type="body"/>
+          </p:nvPr>
+        </p:nvSpPr>
+        <p:spPr>
+          <a:xfrm>
+            <a:off x="504000" y="3044520"/>
+            <a:ext cx="9072000" cy="1568520"/>
+          </a:xfrm>
+          <a:prstGeom prst="rect">
+            <a:avLst/>
+          </a:prstGeom>
+        </p:spPr>
+        <p:txBody>
+          <a:bodyPr lIns="0" rIns="0" tIns="0" bIns="0">
+            <a:normAutofit/>
+          </a:bodyPr>
+          <a:p>
+            <a:endParaRPr b="0" lang="en-GB" sz="3200" spc="-1" strike="noStrike">
+              <a:latin typeface="Arial"/>
+            </a:endParaRPr>
+          </a:p>
+        </p:txBody>
+      </p:sp>
+    </p:spTree>
+  </p:cSld>
+</p:sldLayout>
+</file>
+
+<file path=ppt/slideLayouts/slideLayout154.xml><?xml version="1.0" encoding="utf-8"?>
+<p:sldLayout xmlns:a="http://schemas.openxmlformats.org/drawingml/2006/main" xmlns:p="http://schemas.openxmlformats.org/presentationml/2006/main" xmlns:r="http://schemas.openxmlformats.org/officeDocument/2006/relationships" xmlns:p14="http://schemas.microsoft.com/office/powerpoint/2010/main" xmlns:p15="http://schemas.microsoft.com/office/powerpoint/2012/main" xmlns:mc="http://schemas.openxmlformats.org/markup-compatibility/2006" type="objOverTx" preserve="1">
+  <p:cSld name="Title, Content over Content">
+    <p:spTree>
+      <p:nvGrpSpPr>
+        <p:cNvPr id="1" name=""/>
+        <p:cNvGrpSpPr/>
+        <p:nvPr/>
+      </p:nvGrpSpPr>
+      <p:grpSpPr>
+        <a:xfrm>
+          <a:off x="0" y="0"/>
+          <a:ext cx="0" cy="0"/>
+          <a:chOff x="0" y="0"/>
+          <a:chExt cx="0" cy="0"/>
+        </a:xfrm>
+      </p:grpSpPr>
+      <p:sp>
+        <p:nvSpPr>
+          <p:cNvPr id="479" name="PlaceHolder 1"/>
+          <p:cNvSpPr>
+            <a:spLocks noGrp="1"/>
+          </p:cNvSpPr>
+          <p:nvPr>
+            <p:ph type="title"/>
+          </p:nvPr>
+        </p:nvSpPr>
+        <p:spPr>
+          <a:xfrm>
+            <a:off x="504000" y="226080"/>
+            <a:ext cx="9072000" cy="946440"/>
+          </a:xfrm>
+          <a:prstGeom prst="rect">
+            <a:avLst/>
+          </a:prstGeom>
+        </p:spPr>
+        <p:txBody>
+          <a:bodyPr lIns="0" rIns="0" tIns="0" bIns="0" anchor="ctr">
+            <a:noAutofit/>
+          </a:bodyPr>
+          <a:p>
+            <a:pPr algn="ctr"/>
+            <a:endParaRPr b="0" lang="en-GB" sz="4400" spc="-1" strike="noStrike">
+              <a:latin typeface="Arial"/>
+            </a:endParaRPr>
+          </a:p>
+        </p:txBody>
+      </p:sp>
+      <p:sp>
+        <p:nvSpPr>
+          <p:cNvPr id="480" name="PlaceHolder 2"/>
+          <p:cNvSpPr>
+            <a:spLocks noGrp="1"/>
+          </p:cNvSpPr>
+          <p:nvPr>
+            <p:ph type="body"/>
+          </p:nvPr>
+        </p:nvSpPr>
+        <p:spPr>
+          <a:xfrm>
+            <a:off x="504000" y="1326600"/>
+            <a:ext cx="9072000" cy="1568520"/>
+          </a:xfrm>
+          <a:prstGeom prst="rect">
+            <a:avLst/>
+          </a:prstGeom>
+        </p:spPr>
+        <p:txBody>
+          <a:bodyPr lIns="0" rIns="0" tIns="0" bIns="0">
+            <a:normAutofit/>
+          </a:bodyPr>
+          <a:p>
+            <a:endParaRPr b="0" lang="en-GB" sz="3200" spc="-1" strike="noStrike">
+              <a:latin typeface="Arial"/>
+            </a:endParaRPr>
+          </a:p>
+        </p:txBody>
+      </p:sp>
+      <p:sp>
+        <p:nvSpPr>
+          <p:cNvPr id="481" name="PlaceHolder 3"/>
+          <p:cNvSpPr>
+            <a:spLocks noGrp="1"/>
+          </p:cNvSpPr>
+          <p:nvPr>
+            <p:ph type="body"/>
+          </p:nvPr>
+        </p:nvSpPr>
+        <p:spPr>
+          <a:xfrm>
+            <a:off x="504000" y="3044520"/>
+            <a:ext cx="9072000" cy="1568520"/>
+          </a:xfrm>
+          <a:prstGeom prst="rect">
+            <a:avLst/>
+          </a:prstGeom>
+        </p:spPr>
+        <p:txBody>
+          <a:bodyPr lIns="0" rIns="0" tIns="0" bIns="0">
+            <a:normAutofit/>
+          </a:bodyPr>
+          <a:p>
+            <a:endParaRPr b="0" lang="en-GB" sz="3200" spc="-1" strike="noStrike">
+              <a:latin typeface="Arial"/>
+            </a:endParaRPr>
+          </a:p>
+        </p:txBody>
+      </p:sp>
+    </p:spTree>
+  </p:cSld>
+</p:sldLayout>
+</file>
+
+<file path=ppt/slideLayouts/slideLayout155.xml><?xml version="1.0" encoding="utf-8"?>
+<p:sldLayout xmlns:a="http://schemas.openxmlformats.org/drawingml/2006/main" xmlns:p="http://schemas.openxmlformats.org/presentationml/2006/main" xmlns:r="http://schemas.openxmlformats.org/officeDocument/2006/relationships" xmlns:p14="http://schemas.microsoft.com/office/powerpoint/2010/main" xmlns:p15="http://schemas.microsoft.com/office/powerpoint/2012/main" xmlns:mc="http://schemas.openxmlformats.org/markup-compatibility/2006" type="fourObj" preserve="1">
+  <p:cSld name="Title, 4 Content">
+    <p:spTree>
+      <p:nvGrpSpPr>
+        <p:cNvPr id="1" name=""/>
+        <p:cNvGrpSpPr/>
+        <p:nvPr/>
+      </p:nvGrpSpPr>
+      <p:grpSpPr>
+        <a:xfrm>
+          <a:off x="0" y="0"/>
+          <a:ext cx="0" cy="0"/>
+          <a:chOff x="0" y="0"/>
+          <a:chExt cx="0" cy="0"/>
+        </a:xfrm>
+      </p:grpSpPr>
+      <p:sp>
+        <p:nvSpPr>
+          <p:cNvPr id="482" name="PlaceHolder 1"/>
+          <p:cNvSpPr>
+            <a:spLocks noGrp="1"/>
+          </p:cNvSpPr>
+          <p:nvPr>
+            <p:ph type="title"/>
+          </p:nvPr>
+        </p:nvSpPr>
+        <p:spPr>
+          <a:xfrm>
+            <a:off x="504000" y="226080"/>
+            <a:ext cx="9072000" cy="946440"/>
+          </a:xfrm>
+          <a:prstGeom prst="rect">
+            <a:avLst/>
+          </a:prstGeom>
+        </p:spPr>
+        <p:txBody>
+          <a:bodyPr lIns="0" rIns="0" tIns="0" bIns="0" anchor="ctr">
+            <a:noAutofit/>
+          </a:bodyPr>
+          <a:p>
+            <a:pPr algn="ctr"/>
+            <a:endParaRPr b="0" lang="en-GB" sz="4400" spc="-1" strike="noStrike">
+              <a:latin typeface="Arial"/>
+            </a:endParaRPr>
+          </a:p>
+        </p:txBody>
+      </p:sp>
+      <p:sp>
+        <p:nvSpPr>
+          <p:cNvPr id="483" name="PlaceHolder 2"/>
+          <p:cNvSpPr>
+            <a:spLocks noGrp="1"/>
+          </p:cNvSpPr>
+          <p:nvPr>
+            <p:ph type="body"/>
+          </p:nvPr>
+        </p:nvSpPr>
+        <p:spPr>
+          <a:xfrm>
+            <a:off x="504000" y="1326600"/>
+            <a:ext cx="4426920" cy="1568520"/>
+          </a:xfrm>
+          <a:prstGeom prst="rect">
+            <a:avLst/>
+          </a:prstGeom>
+        </p:spPr>
+        <p:txBody>
+          <a:bodyPr lIns="0" rIns="0" tIns="0" bIns="0">
+            <a:normAutofit/>
+          </a:bodyPr>
+          <a:p>
+            <a:endParaRPr b="0" lang="en-GB" sz="3200" spc="-1" strike="noStrike">
+              <a:latin typeface="Arial"/>
+            </a:endParaRPr>
+          </a:p>
+        </p:txBody>
+      </p:sp>
+      <p:sp>
+        <p:nvSpPr>
+          <p:cNvPr id="484" name="PlaceHolder 3"/>
+          <p:cNvSpPr>
+            <a:spLocks noGrp="1"/>
+          </p:cNvSpPr>
+          <p:nvPr>
+            <p:ph type="body"/>
+          </p:nvPr>
+        </p:nvSpPr>
+        <p:spPr>
+          <a:xfrm>
+            <a:off x="5152680" y="1326600"/>
+            <a:ext cx="4426920" cy="1568520"/>
+          </a:xfrm>
+          <a:prstGeom prst="rect">
+            <a:avLst/>
+          </a:prstGeom>
+        </p:spPr>
+        <p:txBody>
+          <a:bodyPr lIns="0" rIns="0" tIns="0" bIns="0">
+            <a:normAutofit/>
+          </a:bodyPr>
+          <a:p>
+            <a:endParaRPr b="0" lang="en-GB" sz="3200" spc="-1" strike="noStrike">
+              <a:latin typeface="Arial"/>
+            </a:endParaRPr>
+          </a:p>
+        </p:txBody>
+      </p:sp>
+      <p:sp>
+        <p:nvSpPr>
+          <p:cNvPr id="485" name="PlaceHolder 4"/>
+          <p:cNvSpPr>
+            <a:spLocks noGrp="1"/>
+          </p:cNvSpPr>
+          <p:nvPr>
+            <p:ph type="body"/>
+          </p:nvPr>
+        </p:nvSpPr>
+        <p:spPr>
+          <a:xfrm>
+            <a:off x="504000" y="3044520"/>
+            <a:ext cx="4426920" cy="1568520"/>
+          </a:xfrm>
+          <a:prstGeom prst="rect">
+            <a:avLst/>
+          </a:prstGeom>
+        </p:spPr>
+        <p:txBody>
+          <a:bodyPr lIns="0" rIns="0" tIns="0" bIns="0">
+            <a:normAutofit/>
+          </a:bodyPr>
+          <a:p>
+            <a:endParaRPr b="0" lang="en-GB" sz="3200" spc="-1" strike="noStrike">
+              <a:latin typeface="Arial"/>
+            </a:endParaRPr>
+          </a:p>
+        </p:txBody>
+      </p:sp>
+      <p:sp>
+        <p:nvSpPr>
+          <p:cNvPr id="486" name="PlaceHolder 5"/>
+          <p:cNvSpPr>
+            <a:spLocks noGrp="1"/>
+          </p:cNvSpPr>
+          <p:nvPr>
+            <p:ph type="body"/>
+          </p:nvPr>
+        </p:nvSpPr>
+        <p:spPr>
+          <a:xfrm>
+            <a:off x="5152680" y="3044520"/>
+            <a:ext cx="4426920" cy="1568520"/>
+          </a:xfrm>
+          <a:prstGeom prst="rect">
+            <a:avLst/>
+          </a:prstGeom>
+        </p:spPr>
+        <p:txBody>
+          <a:bodyPr lIns="0" rIns="0" tIns="0" bIns="0">
+            <a:normAutofit/>
+          </a:bodyPr>
+          <a:p>
+            <a:endParaRPr b="0" lang="en-GB" sz="3200" spc="-1" strike="noStrike">
+              <a:latin typeface="Arial"/>
+            </a:endParaRPr>
+          </a:p>
+        </p:txBody>
+      </p:sp>
+    </p:spTree>
+  </p:cSld>
+</p:sldLayout>
+</file>
+
+<file path=ppt/slideLayouts/slideLayout156.xml><?xml version="1.0" encoding="utf-8"?>
+<p:sldLayout xmlns:a="http://schemas.openxmlformats.org/drawingml/2006/main" xmlns:p="http://schemas.openxmlformats.org/presentationml/2006/main" xmlns:r="http://schemas.openxmlformats.org/officeDocument/2006/relationships" xmlns:p14="http://schemas.microsoft.com/office/powerpoint/2010/main" xmlns:p15="http://schemas.microsoft.com/office/powerpoint/2012/main" xmlns:mc="http://schemas.openxmlformats.org/markup-compatibility/2006" type="blank" preserve="1">
+  <p:cSld name="Title, 6 Content">
+    <p:spTree>
+      <p:nvGrpSpPr>
+        <p:cNvPr id="1" name=""/>
+        <p:cNvGrpSpPr/>
+        <p:nvPr/>
+      </p:nvGrpSpPr>
+      <p:grpSpPr>
+        <a:xfrm>
+          <a:off x="0" y="0"/>
+          <a:ext cx="0" cy="0"/>
+          <a:chOff x="0" y="0"/>
+          <a:chExt cx="0" cy="0"/>
+        </a:xfrm>
+      </p:grpSpPr>
+      <p:sp>
+        <p:nvSpPr>
+          <p:cNvPr id="487" name="PlaceHolder 1"/>
+          <p:cNvSpPr>
+            <a:spLocks noGrp="1"/>
+          </p:cNvSpPr>
+          <p:nvPr>
+            <p:ph type="title"/>
+          </p:nvPr>
+        </p:nvSpPr>
+        <p:spPr>
+          <a:xfrm>
+            <a:off x="504000" y="226080"/>
+            <a:ext cx="9072000" cy="946440"/>
+          </a:xfrm>
+          <a:prstGeom prst="rect">
+            <a:avLst/>
+          </a:prstGeom>
+        </p:spPr>
+        <p:txBody>
+          <a:bodyPr lIns="0" rIns="0" tIns="0" bIns="0" anchor="ctr">
+            <a:noAutofit/>
+          </a:bodyPr>
+          <a:p>
+            <a:pPr algn="ctr"/>
+            <a:endParaRPr b="0" lang="en-GB" sz="4400" spc="-1" strike="noStrike">
+              <a:latin typeface="Arial"/>
+            </a:endParaRPr>
+          </a:p>
+        </p:txBody>
+      </p:sp>
+      <p:sp>
+        <p:nvSpPr>
+          <p:cNvPr id="488" name="PlaceHolder 2"/>
+          <p:cNvSpPr>
+            <a:spLocks noGrp="1"/>
+          </p:cNvSpPr>
+          <p:nvPr>
+            <p:ph type="body"/>
+          </p:nvPr>
+        </p:nvSpPr>
+        <p:spPr>
+          <a:xfrm>
+            <a:off x="504000" y="1326600"/>
+            <a:ext cx="2921040" cy="1568520"/>
+          </a:xfrm>
+          <a:prstGeom prst="rect">
+            <a:avLst/>
+          </a:prstGeom>
+        </p:spPr>
+        <p:txBody>
+          <a:bodyPr lIns="0" rIns="0" tIns="0" bIns="0">
+            <a:normAutofit/>
+          </a:bodyPr>
+          <a:p>
+            <a:endParaRPr b="0" lang="en-GB" sz="3200" spc="-1" strike="noStrike">
+              <a:latin typeface="Arial"/>
+            </a:endParaRPr>
+          </a:p>
+        </p:txBody>
+      </p:sp>
+      <p:sp>
+        <p:nvSpPr>
+          <p:cNvPr id="489" name="PlaceHolder 3"/>
+          <p:cNvSpPr>
+            <a:spLocks noGrp="1"/>
+          </p:cNvSpPr>
+          <p:nvPr>
+            <p:ph type="body"/>
+          </p:nvPr>
+        </p:nvSpPr>
+        <p:spPr>
+          <a:xfrm>
+            <a:off x="3571560" y="1326600"/>
+            <a:ext cx="2921040" cy="1568520"/>
+          </a:xfrm>
+          <a:prstGeom prst="rect">
+            <a:avLst/>
+          </a:prstGeom>
+        </p:spPr>
+        <p:txBody>
+          <a:bodyPr lIns="0" rIns="0" tIns="0" bIns="0">
+            <a:normAutofit/>
+          </a:bodyPr>
+          <a:p>
+            <a:endParaRPr b="0" lang="en-GB" sz="3200" spc="-1" strike="noStrike">
+              <a:latin typeface="Arial"/>
+            </a:endParaRPr>
+          </a:p>
+        </p:txBody>
+      </p:sp>
+      <p:sp>
+        <p:nvSpPr>
+          <p:cNvPr id="490" name="PlaceHolder 4"/>
+          <p:cNvSpPr>
+            <a:spLocks noGrp="1"/>
+          </p:cNvSpPr>
+          <p:nvPr>
+            <p:ph type="body"/>
+          </p:nvPr>
+        </p:nvSpPr>
+        <p:spPr>
+          <a:xfrm>
+            <a:off x="6639120" y="1326600"/>
+            <a:ext cx="2921040" cy="1568520"/>
+          </a:xfrm>
+          <a:prstGeom prst="rect">
+            <a:avLst/>
+          </a:prstGeom>
+        </p:spPr>
+        <p:txBody>
+          <a:bodyPr lIns="0" rIns="0" tIns="0" bIns="0">
+            <a:normAutofit/>
+          </a:bodyPr>
+          <a:p>
+            <a:endParaRPr b="0" lang="en-GB" sz="3200" spc="-1" strike="noStrike">
+              <a:latin typeface="Arial"/>
+            </a:endParaRPr>
+          </a:p>
+        </p:txBody>
+      </p:sp>
+      <p:sp>
+        <p:nvSpPr>
+          <p:cNvPr id="491" name="PlaceHolder 5"/>
+          <p:cNvSpPr>
+            <a:spLocks noGrp="1"/>
+          </p:cNvSpPr>
+          <p:nvPr>
+            <p:ph type="body"/>
+          </p:nvPr>
+        </p:nvSpPr>
+        <p:spPr>
+          <a:xfrm>
+            <a:off x="504000" y="3044520"/>
+            <a:ext cx="2921040" cy="1568520"/>
+          </a:xfrm>
+          <a:prstGeom prst="rect">
+            <a:avLst/>
+          </a:prstGeom>
+        </p:spPr>
+        <p:txBody>
+          <a:bodyPr lIns="0" rIns="0" tIns="0" bIns="0">
+            <a:normAutofit/>
+          </a:bodyPr>
+          <a:p>
+            <a:endParaRPr b="0" lang="en-GB" sz="3200" spc="-1" strike="noStrike">
+              <a:latin typeface="Arial"/>
+            </a:endParaRPr>
+          </a:p>
+        </p:txBody>
+      </p:sp>
+      <p:sp>
+        <p:nvSpPr>
+          <p:cNvPr id="492" name="PlaceHolder 6"/>
+          <p:cNvSpPr>
+            <a:spLocks noGrp="1"/>
+          </p:cNvSpPr>
+          <p:nvPr>
+            <p:ph type="body"/>
+          </p:nvPr>
+        </p:nvSpPr>
+        <p:spPr>
+          <a:xfrm>
+            <a:off x="3571560" y="3044520"/>
+            <a:ext cx="2921040" cy="1568520"/>
+          </a:xfrm>
+          <a:prstGeom prst="rect">
+            <a:avLst/>
+          </a:prstGeom>
+        </p:spPr>
+        <p:txBody>
+          <a:bodyPr lIns="0" rIns="0" tIns="0" bIns="0">
+            <a:normAutofit/>
+          </a:bodyPr>
+          <a:p>
+            <a:endParaRPr b="0" lang="en-GB" sz="3200" spc="-1" strike="noStrike">
+              <a:latin typeface="Arial"/>
+            </a:endParaRPr>
+          </a:p>
+        </p:txBody>
+      </p:sp>
+      <p:sp>
+        <p:nvSpPr>
+          <p:cNvPr id="493" name="PlaceHolder 7"/>
+          <p:cNvSpPr>
+            <a:spLocks noGrp="1"/>
+          </p:cNvSpPr>
+          <p:nvPr>
+            <p:ph type="body"/>
+          </p:nvPr>
+        </p:nvSpPr>
+        <p:spPr>
+          <a:xfrm>
+            <a:off x="6639120" y="3044520"/>
+            <a:ext cx="2921040" cy="1568520"/>
           </a:xfrm>
           <a:prstGeom prst="rect">
             <a:avLst/>
@@ -21405,7 +22797,7 @@
         <p:spPr>
           <a:xfrm>
             <a:off x="504000" y="226080"/>
-            <a:ext cx="9072000" cy="946440"/>
+            <a:ext cx="9071640" cy="946080"/>
           </a:xfrm>
           <a:prstGeom prst="rect">
             <a:avLst/>
@@ -21418,12 +22810,12 @@
           <a:p>
             <a:pPr algn="ctr"/>
             <a:r>
-              <a:rPr b="0" lang="en-GB" sz="4400" spc="-1" strike="noStrike">
+              <a:rPr b="0" lang="en-GB" sz="1800" spc="-1" strike="noStrike">
                 <a:latin typeface="Arial"/>
               </a:rPr>
               <a:t>Click to edit the title text format</a:t>
             </a:r>
-            <a:endParaRPr b="0" lang="en-GB" sz="4400" spc="-1" strike="noStrike">
+            <a:endParaRPr b="0" lang="en-GB" sz="1800" spc="-1" strike="noStrike">
               <a:latin typeface="Arial"/>
             </a:endParaRPr>
           </a:p>
@@ -21881,6 +23273,259 @@
 </p:sldMaster>
 </file>
 
+<file path=ppt/slideMasters/slideMaster13.xml><?xml version="1.0" encoding="utf-8"?>
+<p:sldMaster xmlns:a="http://schemas.openxmlformats.org/drawingml/2006/main" xmlns:p="http://schemas.openxmlformats.org/presentationml/2006/main" xmlns:r="http://schemas.openxmlformats.org/officeDocument/2006/relationships" xmlns:p14="http://schemas.microsoft.com/office/powerpoint/2010/main" xmlns:p15="http://schemas.microsoft.com/office/powerpoint/2012/main" xmlns:mc="http://schemas.openxmlformats.org/markup-compatibility/2006">
+  <p:cSld>
+    <p:spTree>
+      <p:nvGrpSpPr>
+        <p:cNvPr id="1" name=""/>
+        <p:cNvGrpSpPr/>
+        <p:nvPr/>
+      </p:nvGrpSpPr>
+      <p:grpSpPr>
+        <a:xfrm>
+          <a:off x="0" y="0"/>
+          <a:ext cx="0" cy="0"/>
+          <a:chOff x="0" y="0"/>
+          <a:chExt cx="0" cy="0"/>
+        </a:xfrm>
+      </p:grpSpPr>
+      <p:sp>
+        <p:nvSpPr>
+          <p:cNvPr id="456" name="PlaceHolder 1"/>
+          <p:cNvSpPr>
+            <a:spLocks noGrp="1"/>
+          </p:cNvSpPr>
+          <p:nvPr>
+            <p:ph type="title"/>
+          </p:nvPr>
+        </p:nvSpPr>
+        <p:spPr>
+          <a:xfrm>
+            <a:off x="504000" y="226080"/>
+            <a:ext cx="9072000" cy="946440"/>
+          </a:xfrm>
+          <a:prstGeom prst="rect">
+            <a:avLst/>
+          </a:prstGeom>
+        </p:spPr>
+        <p:txBody>
+          <a:bodyPr lIns="0" rIns="0" tIns="0" bIns="0" anchor="ctr">
+            <a:noAutofit/>
+          </a:bodyPr>
+          <a:p>
+            <a:pPr algn="ctr"/>
+            <a:r>
+              <a:rPr b="0" lang="en-GB" sz="4400" spc="-1" strike="noStrike">
+                <a:latin typeface="Arial"/>
+              </a:rPr>
+              <a:t>Click to edit the title text format</a:t>
+            </a:r>
+            <a:endParaRPr b="0" lang="en-GB" sz="4400" spc="-1" strike="noStrike">
+              <a:latin typeface="Arial"/>
+            </a:endParaRPr>
+          </a:p>
+        </p:txBody>
+      </p:sp>
+      <p:sp>
+        <p:nvSpPr>
+          <p:cNvPr id="457" name="PlaceHolder 2"/>
+          <p:cNvSpPr>
+            <a:spLocks noGrp="1"/>
+          </p:cNvSpPr>
+          <p:nvPr>
+            <p:ph type="body"/>
+          </p:nvPr>
+        </p:nvSpPr>
+        <p:spPr>
+          <a:xfrm>
+            <a:off x="504000" y="1326600"/>
+            <a:ext cx="9072000" cy="3288600"/>
+          </a:xfrm>
+          <a:prstGeom prst="rect">
+            <a:avLst/>
+          </a:prstGeom>
+        </p:spPr>
+        <p:txBody>
+          <a:bodyPr lIns="0" rIns="0" tIns="0" bIns="0">
+            <a:normAutofit/>
+          </a:bodyPr>
+          <a:p>
+            <a:pPr marL="432000" indent="-324000">
+              <a:spcBef>
+                <a:spcPts val="1417"/>
+              </a:spcBef>
+              <a:buClr>
+                <a:srgbClr val="000000"/>
+              </a:buClr>
+              <a:buSzPct val="45000"/>
+              <a:buFont typeface="Wingdings" charset="2"/>
+              <a:buChar char=""/>
+            </a:pPr>
+            <a:r>
+              <a:rPr b="0" lang="en-GB" sz="3200" spc="-1" strike="noStrike">
+                <a:latin typeface="Arial"/>
+              </a:rPr>
+              <a:t>Click to edit the outline text format</a:t>
+            </a:r>
+            <a:endParaRPr b="0" lang="en-GB" sz="3200" spc="-1" strike="noStrike">
+              <a:latin typeface="Arial"/>
+            </a:endParaRPr>
+          </a:p>
+          <a:p>
+            <a:pPr lvl="1" marL="864000" indent="-324000">
+              <a:spcBef>
+                <a:spcPts val="1134"/>
+              </a:spcBef>
+              <a:buClr>
+                <a:srgbClr val="000000"/>
+              </a:buClr>
+              <a:buSzPct val="75000"/>
+              <a:buFont typeface="Symbol" charset="2"/>
+              <a:buChar char=""/>
+            </a:pPr>
+            <a:r>
+              <a:rPr b="0" lang="en-GB" sz="2800" spc="-1" strike="noStrike">
+                <a:latin typeface="Arial"/>
+              </a:rPr>
+              <a:t>Second Outline Level</a:t>
+            </a:r>
+            <a:endParaRPr b="0" lang="en-GB" sz="2800" spc="-1" strike="noStrike">
+              <a:latin typeface="Arial"/>
+            </a:endParaRPr>
+          </a:p>
+          <a:p>
+            <a:pPr lvl="2" marL="1296000" indent="-288000">
+              <a:spcBef>
+                <a:spcPts val="850"/>
+              </a:spcBef>
+              <a:buClr>
+                <a:srgbClr val="000000"/>
+              </a:buClr>
+              <a:buSzPct val="45000"/>
+              <a:buFont typeface="Wingdings" charset="2"/>
+              <a:buChar char=""/>
+            </a:pPr>
+            <a:r>
+              <a:rPr b="0" lang="en-GB" sz="2400" spc="-1" strike="noStrike">
+                <a:latin typeface="Arial"/>
+              </a:rPr>
+              <a:t>Third Outline Level</a:t>
+            </a:r>
+            <a:endParaRPr b="0" lang="en-GB" sz="2400" spc="-1" strike="noStrike">
+              <a:latin typeface="Arial"/>
+            </a:endParaRPr>
+          </a:p>
+          <a:p>
+            <a:pPr lvl="3" marL="1728000" indent="-216000">
+              <a:spcBef>
+                <a:spcPts val="567"/>
+              </a:spcBef>
+              <a:buClr>
+                <a:srgbClr val="000000"/>
+              </a:buClr>
+              <a:buSzPct val="75000"/>
+              <a:buFont typeface="Symbol" charset="2"/>
+              <a:buChar char=""/>
+            </a:pPr>
+            <a:r>
+              <a:rPr b="0" lang="en-GB" sz="2000" spc="-1" strike="noStrike">
+                <a:latin typeface="Arial"/>
+              </a:rPr>
+              <a:t>Fourth Outline Level</a:t>
+            </a:r>
+            <a:endParaRPr b="0" lang="en-GB" sz="2000" spc="-1" strike="noStrike">
+              <a:latin typeface="Arial"/>
+            </a:endParaRPr>
+          </a:p>
+          <a:p>
+            <a:pPr lvl="4" marL="2160000" indent="-216000">
+              <a:spcBef>
+                <a:spcPts val="283"/>
+              </a:spcBef>
+              <a:buClr>
+                <a:srgbClr val="000000"/>
+              </a:buClr>
+              <a:buSzPct val="45000"/>
+              <a:buFont typeface="Wingdings" charset="2"/>
+              <a:buChar char=""/>
+            </a:pPr>
+            <a:r>
+              <a:rPr b="0" lang="en-GB" sz="2000" spc="-1" strike="noStrike">
+                <a:latin typeface="Arial"/>
+              </a:rPr>
+              <a:t>Fifth Outline Level</a:t>
+            </a:r>
+            <a:endParaRPr b="0" lang="en-GB" sz="2000" spc="-1" strike="noStrike">
+              <a:latin typeface="Arial"/>
+            </a:endParaRPr>
+          </a:p>
+          <a:p>
+            <a:pPr lvl="5" marL="2592000" indent="-216000">
+              <a:spcBef>
+                <a:spcPts val="283"/>
+              </a:spcBef>
+              <a:buClr>
+                <a:srgbClr val="000000"/>
+              </a:buClr>
+              <a:buSzPct val="45000"/>
+              <a:buFont typeface="Wingdings" charset="2"/>
+              <a:buChar char=""/>
+            </a:pPr>
+            <a:r>
+              <a:rPr b="0" lang="en-GB" sz="2000" spc="-1" strike="noStrike">
+                <a:latin typeface="Arial"/>
+              </a:rPr>
+              <a:t>Sixth Outline Level</a:t>
+            </a:r>
+            <a:endParaRPr b="0" lang="en-GB" sz="2000" spc="-1" strike="noStrike">
+              <a:latin typeface="Arial"/>
+            </a:endParaRPr>
+          </a:p>
+          <a:p>
+            <a:pPr lvl="6" marL="3024000" indent="-216000">
+              <a:spcBef>
+                <a:spcPts val="283"/>
+              </a:spcBef>
+              <a:buClr>
+                <a:srgbClr val="000000"/>
+              </a:buClr>
+              <a:buSzPct val="45000"/>
+              <a:buFont typeface="Wingdings" charset="2"/>
+              <a:buChar char=""/>
+            </a:pPr>
+            <a:r>
+              <a:rPr b="0" lang="en-GB" sz="2000" spc="-1" strike="noStrike">
+                <a:latin typeface="Arial"/>
+              </a:rPr>
+              <a:t>Seventh Outline Level</a:t>
+            </a:r>
+            <a:endParaRPr b="0" lang="en-GB" sz="2000" spc="-1" strike="noStrike">
+              <a:latin typeface="Arial"/>
+            </a:endParaRPr>
+          </a:p>
+        </p:txBody>
+      </p:sp>
+    </p:spTree>
+  </p:cSld>
+  <p:clrMap bg1="lt1" bg2="lt2" tx1="dk1" tx2="dk2" accent1="accent1" accent2="accent2" accent3="accent3" accent4="accent4" accent5="accent5" accent6="accent6" hlink="hlink" folHlink="folHlink"/>
+  <p:sldLayoutIdLst>
+    <p:sldLayoutId id="2147483805" r:id="rId2"/>
+    <p:sldLayoutId id="2147483806" r:id="rId3"/>
+    <p:sldLayoutId id="2147483807" r:id="rId4"/>
+    <p:sldLayoutId id="2147483808" r:id="rId5"/>
+    <p:sldLayoutId id="2147483809" r:id="rId6"/>
+    <p:sldLayoutId id="2147483810" r:id="rId7"/>
+    <p:sldLayoutId id="2147483811" r:id="rId8"/>
+    <p:sldLayoutId id="2147483812" r:id="rId9"/>
+    <p:sldLayoutId id="2147483813" r:id="rId10"/>
+    <p:sldLayoutId id="2147483814" r:id="rId11"/>
+    <p:sldLayoutId id="2147483815" r:id="rId12"/>
+    <p:sldLayoutId id="2147483816" r:id="rId13"/>
+  </p:sldLayoutIdLst>
+</p:sldMaster>
+</file>
+
 <file path=ppt/slideMasters/slideMaster2.xml><?xml version="1.0" encoding="utf-8"?>
 <p:sldMaster xmlns:a="http://schemas.openxmlformats.org/drawingml/2006/main" xmlns:p="http://schemas.openxmlformats.org/presentationml/2006/main" xmlns:r="http://schemas.openxmlformats.org/officeDocument/2006/relationships" xmlns:p14="http://schemas.microsoft.com/office/powerpoint/2010/main" xmlns:p15="http://schemas.microsoft.com/office/powerpoint/2012/main" xmlns:mc="http://schemas.openxmlformats.org/markup-compatibility/2006">
   <p:cSld>
@@ -22923,7 +24568,7 @@
         <p:spPr>
           <a:xfrm>
             <a:off x="504000" y="226080"/>
-            <a:ext cx="9072000" cy="946440"/>
+            <a:ext cx="9071640" cy="946080"/>
           </a:xfrm>
           <a:prstGeom prst="rect">
             <a:avLst/>
@@ -22936,12 +24581,12 @@
           <a:p>
             <a:pPr algn="ctr"/>
             <a:r>
-              <a:rPr b="0" lang="en-GB" sz="4400" spc="-1" strike="noStrike">
+              <a:rPr b="0" lang="en-GB" sz="1800" spc="-1" strike="noStrike">
                 <a:latin typeface="Arial"/>
               </a:rPr>
               <a:t>Click to edit the title text format</a:t>
             </a:r>
-            <a:endParaRPr b="0" lang="en-GB" sz="4400" spc="-1" strike="noStrike">
+            <a:endParaRPr b="0" lang="en-GB" sz="1800" spc="-1" strike="noStrike">
               <a:latin typeface="Arial"/>
             </a:endParaRPr>
           </a:p>
@@ -23429,7 +25074,7 @@
         <p:spPr>
           <a:xfrm>
             <a:off x="504000" y="226080"/>
-            <a:ext cx="9071640" cy="946080"/>
+            <a:ext cx="9072000" cy="946440"/>
           </a:xfrm>
           <a:prstGeom prst="rect">
             <a:avLst/>
@@ -23442,12 +25087,12 @@
           <a:p>
             <a:pPr algn="ctr"/>
             <a:r>
-              <a:rPr b="0" lang="en-GB" sz="1800" spc="-1" strike="noStrike">
+              <a:rPr b="0" lang="en-GB" sz="4400" spc="-1" strike="noStrike">
                 <a:latin typeface="Arial"/>
               </a:rPr>
               <a:t>Click to edit the title text format</a:t>
             </a:r>
-            <a:endParaRPr b="0" lang="en-GB" sz="1800" spc="-1" strike="noStrike">
+            <a:endParaRPr b="0" lang="en-GB" sz="4400" spc="-1" strike="noStrike">
               <a:latin typeface="Arial"/>
             </a:endParaRPr>
           </a:p>
@@ -23924,14 +25569,14 @@
       </p:grpSpPr>
       <p:sp>
         <p:nvSpPr>
-          <p:cNvPr id="462" name="CustomShape 1"/>
+          <p:cNvPr id="500" name="CustomShape 1"/>
           <p:cNvSpPr/>
           <p:nvPr/>
         </p:nvSpPr>
         <p:spPr>
           <a:xfrm>
             <a:off x="504000" y="226080"/>
-            <a:ext cx="9066600" cy="941400"/>
+            <a:ext cx="9066240" cy="941040"/>
           </a:xfrm>
           <a:prstGeom prst="rect">
             <a:avLst/>
@@ -23975,14 +25620,14 @@
       </p:sp>
       <p:sp>
         <p:nvSpPr>
-          <p:cNvPr id="463" name="CustomShape 2"/>
+          <p:cNvPr id="501" name="CustomShape 2"/>
           <p:cNvSpPr/>
           <p:nvPr/>
         </p:nvSpPr>
         <p:spPr>
           <a:xfrm>
             <a:off x="648000" y="4752000"/>
-            <a:ext cx="9066600" cy="858960"/>
+            <a:ext cx="9066240" cy="858600"/>
           </a:xfrm>
           <a:prstGeom prst="rect">
             <a:avLst/>
@@ -24026,7 +25671,7 @@
       </p:sp>
       <p:pic>
         <p:nvPicPr>
-          <p:cNvPr id="464" name="" descr=""/>
+          <p:cNvPr id="502" name="" descr=""/>
           <p:cNvPicPr/>
           <p:nvPr/>
         </p:nvPicPr>
@@ -24037,7 +25682,7 @@
         <p:spPr>
           <a:xfrm>
             <a:off x="1224000" y="1027080"/>
-            <a:ext cx="7338960" cy="3719880"/>
+            <a:ext cx="7338600" cy="3719520"/>
           </a:xfrm>
           <a:prstGeom prst="rect">
             <a:avLst/>
@@ -24079,14 +25724,14 @@
       </p:grpSpPr>
       <p:sp>
         <p:nvSpPr>
-          <p:cNvPr id="486" name="CustomShape 1"/>
+          <p:cNvPr id="524" name="CustomShape 1"/>
           <p:cNvSpPr/>
           <p:nvPr/>
         </p:nvSpPr>
         <p:spPr>
           <a:xfrm>
             <a:off x="504000" y="226080"/>
-            <a:ext cx="9066600" cy="941400"/>
+            <a:ext cx="9066240" cy="941040"/>
           </a:xfrm>
           <a:prstGeom prst="rect">
             <a:avLst/>
@@ -24130,14 +25775,14 @@
       </p:sp>
       <p:sp>
         <p:nvSpPr>
-          <p:cNvPr id="487" name="CustomShape 2"/>
+          <p:cNvPr id="525" name="CustomShape 2"/>
           <p:cNvSpPr/>
           <p:nvPr/>
         </p:nvSpPr>
         <p:spPr>
           <a:xfrm>
             <a:off x="648000" y="4896000"/>
-            <a:ext cx="9066600" cy="577800"/>
+            <a:ext cx="9066240" cy="577440"/>
           </a:xfrm>
           <a:prstGeom prst="rect">
             <a:avLst/>
@@ -24158,7 +25803,7 @@
             <a:normAutofit/>
           </a:bodyPr>
           <a:p>
-            <a:pPr marL="432000" indent="-318960">
+            <a:pPr marL="432000" indent="-318600">
               <a:lnSpc>
                 <a:spcPct val="100000"/>
               </a:lnSpc>
@@ -24190,7 +25835,7 @@
       </p:sp>
       <p:pic>
         <p:nvPicPr>
-          <p:cNvPr id="488" name="" descr=""/>
+          <p:cNvPr id="526" name="" descr=""/>
           <p:cNvPicPr/>
           <p:nvPr/>
         </p:nvPicPr>
@@ -24201,7 +25846,7 @@
         <p:spPr>
           <a:xfrm>
             <a:off x="1440000" y="952560"/>
-            <a:ext cx="7205760" cy="3938400"/>
+            <a:ext cx="7205400" cy="3938040"/>
           </a:xfrm>
           <a:prstGeom prst="rect">
             <a:avLst/>
@@ -24243,7 +25888,7 @@
       </p:grpSpPr>
       <p:pic>
         <p:nvPicPr>
-          <p:cNvPr id="489" name="" descr=""/>
+          <p:cNvPr id="527" name="" descr=""/>
           <p:cNvPicPr/>
           <p:nvPr/>
         </p:nvPicPr>
@@ -24254,7 +25899,7 @@
         <p:spPr>
           <a:xfrm>
             <a:off x="2160000" y="790200"/>
-            <a:ext cx="5250960" cy="4201920"/>
+            <a:ext cx="5250600" cy="4201560"/>
           </a:xfrm>
           <a:prstGeom prst="rect">
             <a:avLst/>
@@ -24266,14 +25911,14 @@
       </p:pic>
       <p:sp>
         <p:nvSpPr>
-          <p:cNvPr id="490" name="CustomShape 1"/>
+          <p:cNvPr id="528" name="CustomShape 1"/>
           <p:cNvSpPr/>
           <p:nvPr/>
         </p:nvSpPr>
         <p:spPr>
           <a:xfrm>
             <a:off x="504000" y="226080"/>
-            <a:ext cx="9066600" cy="941400"/>
+            <a:ext cx="9066240" cy="941040"/>
           </a:xfrm>
           <a:prstGeom prst="rect">
             <a:avLst/>
@@ -24317,14 +25962,14 @@
       </p:sp>
       <p:sp>
         <p:nvSpPr>
-          <p:cNvPr id="491" name="CustomShape 2"/>
+          <p:cNvPr id="529" name="CustomShape 2"/>
           <p:cNvSpPr/>
           <p:nvPr/>
         </p:nvSpPr>
         <p:spPr>
           <a:xfrm>
             <a:off x="504000" y="4961160"/>
-            <a:ext cx="9066600" cy="505800"/>
+            <a:ext cx="9066240" cy="505440"/>
           </a:xfrm>
           <a:prstGeom prst="rect">
             <a:avLst/>
@@ -24345,7 +25990,7 @@
             <a:normAutofit/>
           </a:bodyPr>
           <a:p>
-            <a:pPr marL="432000" indent="-318960">
+            <a:pPr marL="432000" indent="-318600">
               <a:lnSpc>
                 <a:spcPct val="100000"/>
               </a:lnSpc>
@@ -24407,14 +26052,14 @@
       </p:grpSpPr>
       <p:sp>
         <p:nvSpPr>
-          <p:cNvPr id="492" name="CustomShape 1"/>
+          <p:cNvPr id="530" name="CustomShape 1"/>
           <p:cNvSpPr/>
           <p:nvPr/>
         </p:nvSpPr>
         <p:spPr>
           <a:xfrm>
             <a:off x="504000" y="226080"/>
-            <a:ext cx="9066600" cy="941400"/>
+            <a:ext cx="9066240" cy="941040"/>
           </a:xfrm>
           <a:prstGeom prst="rect">
             <a:avLst/>
@@ -24458,14 +26103,14 @@
       </p:sp>
       <p:sp>
         <p:nvSpPr>
-          <p:cNvPr id="493" name="CustomShape 2"/>
+          <p:cNvPr id="531" name="CustomShape 2"/>
           <p:cNvSpPr/>
           <p:nvPr/>
         </p:nvSpPr>
         <p:spPr>
           <a:xfrm>
             <a:off x="504000" y="5040000"/>
-            <a:ext cx="9066600" cy="433800"/>
+            <a:ext cx="9066240" cy="433440"/>
           </a:xfrm>
           <a:prstGeom prst="rect">
             <a:avLst/>
@@ -24486,7 +26131,7 @@
             <a:normAutofit/>
           </a:bodyPr>
           <a:p>
-            <a:pPr marL="432000" indent="-318960">
+            <a:pPr marL="432000" indent="-318600">
               <a:lnSpc>
                 <a:spcPct val="100000"/>
               </a:lnSpc>
@@ -24518,7 +26163,7 @@
       </p:sp>
       <p:pic>
         <p:nvPicPr>
-          <p:cNvPr id="494" name="" descr=""/>
+          <p:cNvPr id="532" name="" descr=""/>
           <p:cNvPicPr/>
           <p:nvPr/>
         </p:nvPicPr>
@@ -24529,7 +26174,7 @@
         <p:spPr>
           <a:xfrm>
             <a:off x="2520000" y="1008000"/>
-            <a:ext cx="5250960" cy="3938040"/>
+            <a:ext cx="5250600" cy="3937680"/>
           </a:xfrm>
           <a:prstGeom prst="rect">
             <a:avLst/>
@@ -24571,14 +26216,14 @@
       </p:grpSpPr>
       <p:sp>
         <p:nvSpPr>
-          <p:cNvPr id="495" name="CustomShape 1"/>
+          <p:cNvPr id="533" name="CustomShape 1"/>
           <p:cNvSpPr/>
           <p:nvPr/>
         </p:nvSpPr>
         <p:spPr>
           <a:xfrm>
             <a:off x="504000" y="226080"/>
-            <a:ext cx="9066600" cy="941400"/>
+            <a:ext cx="9066240" cy="941040"/>
           </a:xfrm>
           <a:prstGeom prst="rect">
             <a:avLst/>
@@ -24622,14 +26267,14 @@
       </p:sp>
       <p:sp>
         <p:nvSpPr>
-          <p:cNvPr id="496" name="CustomShape 2"/>
+          <p:cNvPr id="534" name="CustomShape 2"/>
           <p:cNvSpPr/>
           <p:nvPr/>
         </p:nvSpPr>
         <p:spPr>
           <a:xfrm>
             <a:off x="432360" y="4968000"/>
-            <a:ext cx="9066600" cy="433800"/>
+            <a:ext cx="9066240" cy="433440"/>
           </a:xfrm>
           <a:prstGeom prst="rect">
             <a:avLst/>
@@ -24650,7 +26295,7 @@
             <a:normAutofit/>
           </a:bodyPr>
           <a:p>
-            <a:pPr marL="432000" indent="-318960">
+            <a:pPr marL="432000" indent="-318600">
               <a:lnSpc>
                 <a:spcPct val="100000"/>
               </a:lnSpc>
@@ -24682,7 +26327,7 @@
       </p:sp>
       <p:pic>
         <p:nvPicPr>
-          <p:cNvPr id="497" name="" descr=""/>
+          <p:cNvPr id="535" name="" descr=""/>
           <p:cNvPicPr/>
           <p:nvPr/>
         </p:nvPicPr>
@@ -24693,7 +26338,7 @@
         <p:spPr>
           <a:xfrm>
             <a:off x="1289880" y="1039680"/>
-            <a:ext cx="7669080" cy="3887280"/>
+            <a:ext cx="7668720" cy="3886920"/>
           </a:xfrm>
           <a:prstGeom prst="rect">
             <a:avLst/>
@@ -24735,14 +26380,14 @@
       </p:grpSpPr>
       <p:sp>
         <p:nvSpPr>
-          <p:cNvPr id="498" name="CustomShape 1"/>
+          <p:cNvPr id="536" name="CustomShape 1"/>
           <p:cNvSpPr/>
           <p:nvPr/>
         </p:nvSpPr>
         <p:spPr>
           <a:xfrm>
             <a:off x="504000" y="226080"/>
-            <a:ext cx="9068760" cy="943200"/>
+            <a:ext cx="9068400" cy="942840"/>
           </a:xfrm>
           <a:prstGeom prst="rect">
             <a:avLst/>
@@ -24786,14 +26431,14 @@
       </p:sp>
       <p:sp>
         <p:nvSpPr>
-          <p:cNvPr id="499" name="CustomShape 2"/>
+          <p:cNvPr id="537" name="CustomShape 2"/>
           <p:cNvSpPr/>
           <p:nvPr/>
         </p:nvSpPr>
         <p:spPr>
           <a:xfrm>
             <a:off x="504000" y="1326600"/>
-            <a:ext cx="9070200" cy="3286800"/>
+            <a:ext cx="9069840" cy="3286440"/>
           </a:xfrm>
           <a:prstGeom prst="rect">
             <a:avLst/>
@@ -24814,7 +26459,7 @@
             <a:normAutofit fontScale="91000"/>
           </a:bodyPr>
           <a:p>
-            <a:pPr marL="432000" indent="-322200">
+            <a:pPr marL="432000" indent="-321840">
               <a:lnSpc>
                 <a:spcPct val="100000"/>
               </a:lnSpc>
@@ -24843,7 +26488,7 @@
             </a:endParaRPr>
           </a:p>
           <a:p>
-            <a:pPr marL="432000" indent="-322200">
+            <a:pPr marL="432000" indent="-321840">
               <a:lnSpc>
                 <a:spcPct val="100000"/>
               </a:lnSpc>
@@ -24872,7 +26517,7 @@
             </a:endParaRPr>
           </a:p>
           <a:p>
-            <a:pPr marL="432000" indent="-322200">
+            <a:pPr marL="432000" indent="-321840">
               <a:lnSpc>
                 <a:spcPct val="100000"/>
               </a:lnSpc>
@@ -24941,7 +26586,7 @@
             </a:endParaRPr>
           </a:p>
           <a:p>
-            <a:pPr marL="432000" indent="-322200">
+            <a:pPr marL="432000" indent="-321840">
               <a:lnSpc>
                 <a:spcPct val="100000"/>
               </a:lnSpc>
@@ -24970,7 +26615,7 @@
             </a:endParaRPr>
           </a:p>
           <a:p>
-            <a:pPr marL="432000" indent="-322200">
+            <a:pPr marL="432000" indent="-321840">
               <a:lnSpc>
                 <a:spcPct val="100000"/>
               </a:lnSpc>
@@ -24999,7 +26644,7 @@
             </a:endParaRPr>
           </a:p>
           <a:p>
-            <a:pPr marL="432000" indent="-322200">
+            <a:pPr marL="432000" indent="-321840">
               <a:lnSpc>
                 <a:spcPct val="100000"/>
               </a:lnSpc>
@@ -25038,7 +26683,7 @@
             </a:endParaRPr>
           </a:p>
           <a:p>
-            <a:pPr marL="432000" indent="-322200">
+            <a:pPr marL="432000" indent="-321840">
               <a:lnSpc>
                 <a:spcPct val="100000"/>
               </a:lnSpc>
@@ -25067,7 +26712,7 @@
             </a:endParaRPr>
           </a:p>
           <a:p>
-            <a:pPr marL="432000" indent="-322200">
+            <a:pPr marL="432000" indent="-321840">
               <a:lnSpc>
                 <a:spcPct val="100000"/>
               </a:lnSpc>
@@ -25098,7 +26743,7 @@
             </a:endParaRPr>
           </a:p>
           <a:p>
-            <a:pPr marL="432000" indent="-322200">
+            <a:pPr marL="432000" indent="-321840">
               <a:lnSpc>
                 <a:spcPct val="100000"/>
               </a:lnSpc>
@@ -25160,14 +26805,14 @@
       </p:grpSpPr>
       <p:sp>
         <p:nvSpPr>
-          <p:cNvPr id="500" name="CustomShape 1"/>
+          <p:cNvPr id="538" name="CustomShape 1"/>
           <p:cNvSpPr/>
           <p:nvPr/>
         </p:nvSpPr>
         <p:spPr>
           <a:xfrm>
             <a:off x="504000" y="226080"/>
-            <a:ext cx="9069120" cy="943560"/>
+            <a:ext cx="9068760" cy="943200"/>
           </a:xfrm>
           <a:prstGeom prst="rect">
             <a:avLst/>
@@ -25211,14 +26856,14 @@
       </p:sp>
       <p:sp>
         <p:nvSpPr>
-          <p:cNvPr id="501" name="CustomShape 2"/>
+          <p:cNvPr id="539" name="CustomShape 2"/>
           <p:cNvSpPr/>
           <p:nvPr/>
         </p:nvSpPr>
         <p:spPr>
           <a:xfrm>
             <a:off x="504000" y="1326600"/>
-            <a:ext cx="9070200" cy="3286800"/>
+            <a:ext cx="9069840" cy="3286440"/>
           </a:xfrm>
           <a:prstGeom prst="rect">
             <a:avLst/>
@@ -25239,7 +26884,7 @@
             <a:normAutofit/>
           </a:bodyPr>
           <a:p>
-            <a:pPr marL="432000" indent="-322200">
+            <a:pPr marL="432000" indent="-321840">
               <a:lnSpc>
                 <a:spcPct val="100000"/>
               </a:lnSpc>
@@ -25268,7 +26913,7 @@
             </a:endParaRPr>
           </a:p>
           <a:p>
-            <a:pPr marL="432000" indent="-322200">
+            <a:pPr marL="432000" indent="-321840">
               <a:lnSpc>
                 <a:spcPct val="100000"/>
               </a:lnSpc>
@@ -25307,7 +26952,7 @@
             </a:endParaRPr>
           </a:p>
           <a:p>
-            <a:pPr marL="432000" indent="-322200">
+            <a:pPr marL="432000" indent="-321840">
               <a:lnSpc>
                 <a:spcPct val="100000"/>
               </a:lnSpc>
@@ -25336,7 +26981,7 @@
             </a:endParaRPr>
           </a:p>
           <a:p>
-            <a:pPr marL="432000" indent="-322200">
+            <a:pPr marL="432000" indent="-321840">
               <a:lnSpc>
                 <a:spcPct val="100000"/>
               </a:lnSpc>
@@ -25365,7 +27010,7 @@
             </a:endParaRPr>
           </a:p>
           <a:p>
-            <a:pPr marL="432000" indent="-322200">
+            <a:pPr marL="432000" indent="-321840">
               <a:lnSpc>
                 <a:spcPct val="100000"/>
               </a:lnSpc>
@@ -25394,7 +27039,7 @@
             </a:endParaRPr>
           </a:p>
           <a:p>
-            <a:pPr marL="432000" indent="-322200">
+            <a:pPr marL="432000" indent="-321840">
               <a:lnSpc>
                 <a:spcPct val="100000"/>
               </a:lnSpc>
@@ -25433,7 +27078,7 @@
             </a:endParaRPr>
           </a:p>
           <a:p>
-            <a:pPr marL="432000" indent="-322200">
+            <a:pPr marL="432000" indent="-321840">
               <a:lnSpc>
                 <a:spcPct val="100000"/>
               </a:lnSpc>
@@ -25462,7 +27107,7 @@
             </a:endParaRPr>
           </a:p>
           <a:p>
-            <a:pPr marL="432000" indent="-322200">
+            <a:pPr marL="432000" indent="-321840">
               <a:lnSpc>
                 <a:spcPct val="100000"/>
               </a:lnSpc>
@@ -25491,7 +27136,7 @@
             </a:endParaRPr>
           </a:p>
           <a:p>
-            <a:pPr marL="432000" indent="-322200">
+            <a:pPr marL="432000" indent="-321840">
               <a:lnSpc>
                 <a:spcPct val="100000"/>
               </a:lnSpc>
@@ -25553,14 +27198,14 @@
       </p:grpSpPr>
       <p:sp>
         <p:nvSpPr>
-          <p:cNvPr id="502" name="TextShape 1"/>
-          <p:cNvSpPr txBox="1"/>
+          <p:cNvPr id="540" name="CustomShape 1"/>
+          <p:cNvSpPr/>
           <p:nvPr/>
         </p:nvSpPr>
         <p:spPr>
           <a:xfrm>
             <a:off x="504000" y="226080"/>
-            <a:ext cx="9072000" cy="946440"/>
+            <a:ext cx="9071640" cy="946080"/>
           </a:xfrm>
           <a:prstGeom prst="rect">
             <a:avLst/>
@@ -25570,12 +27215,22 @@
             <a:noFill/>
           </a:ln>
         </p:spPr>
+        <p:style>
+          <a:lnRef idx="0"/>
+          <a:fillRef idx="0"/>
+          <a:effectRef idx="0"/>
+          <a:fontRef idx="minor"/>
+        </p:style>
         <p:txBody>
           <a:bodyPr lIns="0" rIns="0" tIns="0" bIns="0" anchor="ctr">
             <a:noAutofit/>
           </a:bodyPr>
           <a:p>
-            <a:pPr algn="ctr"/>
+            <a:pPr algn="ctr">
+              <a:lnSpc>
+                <a:spcPct val="100000"/>
+              </a:lnSpc>
+            </a:pPr>
             <a:r>
               <a:rPr b="0" lang="en-GB" sz="4400" spc="-1" strike="noStrike">
                 <a:latin typeface="Arial"/>
@@ -25590,7 +27245,7 @@
       </p:sp>
       <p:pic>
         <p:nvPicPr>
-          <p:cNvPr id="503" name="" descr=""/>
+          <p:cNvPr id="541" name="" descr=""/>
           <p:cNvPicPr/>
           <p:nvPr/>
         </p:nvPicPr>
@@ -25601,7 +27256,7 @@
         <p:spPr>
           <a:xfrm>
             <a:off x="892080" y="1247400"/>
-            <a:ext cx="2923920" cy="4152600"/>
+            <a:ext cx="2923560" cy="4152240"/>
           </a:xfrm>
           <a:prstGeom prst="rect">
             <a:avLst/>
@@ -25613,7 +27268,7 @@
       </p:pic>
       <p:pic>
         <p:nvPicPr>
-          <p:cNvPr id="504" name="" descr=""/>
+          <p:cNvPr id="542" name="" descr=""/>
           <p:cNvPicPr/>
           <p:nvPr/>
         </p:nvPicPr>
@@ -25624,7 +27279,7 @@
         <p:spPr>
           <a:xfrm>
             <a:off x="5904000" y="1225080"/>
-            <a:ext cx="2781000" cy="3952440"/>
+            <a:ext cx="2780640" cy="3952080"/>
           </a:xfrm>
           <a:prstGeom prst="rect">
             <a:avLst/>
@@ -25666,14 +27321,14 @@
       </p:grpSpPr>
       <p:sp>
         <p:nvSpPr>
-          <p:cNvPr id="505" name="CustomShape 1"/>
+          <p:cNvPr id="543" name="CustomShape 1"/>
           <p:cNvSpPr/>
           <p:nvPr/>
         </p:nvSpPr>
         <p:spPr>
           <a:xfrm>
             <a:off x="504000" y="226080"/>
-            <a:ext cx="9068760" cy="943200"/>
+            <a:ext cx="9068400" cy="942840"/>
           </a:xfrm>
           <a:prstGeom prst="rect">
             <a:avLst/>
@@ -25717,7 +27372,7 @@
       </p:sp>
       <p:pic>
         <p:nvPicPr>
-          <p:cNvPr id="506" name="" descr=""/>
+          <p:cNvPr id="544" name="" descr=""/>
           <p:cNvPicPr/>
           <p:nvPr/>
         </p:nvPicPr>
@@ -25728,7 +27383,7 @@
         <p:spPr>
           <a:xfrm>
             <a:off x="1224000" y="1008000"/>
-            <a:ext cx="7567200" cy="4331520"/>
+            <a:ext cx="7566840" cy="4331160"/>
           </a:xfrm>
           <a:prstGeom prst="rect">
             <a:avLst/>
@@ -25770,7 +27425,7 @@
       </p:grpSpPr>
       <p:pic>
         <p:nvPicPr>
-          <p:cNvPr id="507" name="" descr=""/>
+          <p:cNvPr id="545" name="" descr=""/>
           <p:cNvPicPr/>
           <p:nvPr/>
         </p:nvPicPr>
@@ -25781,7 +27436,7 @@
         <p:spPr>
           <a:xfrm>
             <a:off x="2664000" y="2987640"/>
-            <a:ext cx="7198200" cy="2319840"/>
+            <a:ext cx="7197840" cy="2319480"/>
           </a:xfrm>
           <a:prstGeom prst="rect">
             <a:avLst/>
@@ -25793,14 +27448,14 @@
       </p:pic>
       <p:sp>
         <p:nvSpPr>
-          <p:cNvPr id="508" name="CustomShape 1"/>
+          <p:cNvPr id="546" name="CustomShape 1"/>
           <p:cNvSpPr/>
           <p:nvPr/>
         </p:nvSpPr>
         <p:spPr>
           <a:xfrm>
             <a:off x="504000" y="226080"/>
-            <a:ext cx="9070200" cy="944640"/>
+            <a:ext cx="9069840" cy="944280"/>
           </a:xfrm>
           <a:prstGeom prst="rect">
             <a:avLst/>
@@ -25844,14 +27499,14 @@
       </p:sp>
       <p:sp>
         <p:nvSpPr>
-          <p:cNvPr id="509" name="CustomShape 2"/>
+          <p:cNvPr id="547" name="CustomShape 2"/>
           <p:cNvSpPr/>
           <p:nvPr/>
         </p:nvSpPr>
         <p:spPr>
           <a:xfrm>
             <a:off x="504000" y="1326600"/>
-            <a:ext cx="7054200" cy="2631600"/>
+            <a:ext cx="7053840" cy="2631240"/>
           </a:xfrm>
           <a:prstGeom prst="rect">
             <a:avLst/>
@@ -25872,7 +27527,7 @@
             <a:normAutofit/>
           </a:bodyPr>
           <a:p>
-            <a:pPr marL="432000" indent="-322200">
+            <a:pPr marL="432000" indent="-321840">
               <a:lnSpc>
                 <a:spcPct val="100000"/>
               </a:lnSpc>
@@ -25911,7 +27566,7 @@
             </a:endParaRPr>
           </a:p>
           <a:p>
-            <a:pPr marL="432000" indent="-322200">
+            <a:pPr marL="432000" indent="-321840">
               <a:lnSpc>
                 <a:spcPct val="100000"/>
               </a:lnSpc>
@@ -25940,7 +27595,7 @@
             </a:endParaRPr>
           </a:p>
           <a:p>
-            <a:pPr marL="432000" indent="-322200">
+            <a:pPr marL="432000" indent="-321840">
               <a:lnSpc>
                 <a:spcPct val="100000"/>
               </a:lnSpc>
@@ -25969,7 +27624,7 @@
             </a:endParaRPr>
           </a:p>
           <a:p>
-            <a:pPr marL="432000" indent="-322200">
+            <a:pPr marL="432000" indent="-321840">
               <a:lnSpc>
                 <a:spcPct val="100000"/>
               </a:lnSpc>
@@ -25998,7 +27653,7 @@
             </a:endParaRPr>
           </a:p>
           <a:p>
-            <a:pPr marL="432000" indent="-322200">
+            <a:pPr marL="432000" indent="-321840">
               <a:lnSpc>
                 <a:spcPct val="100000"/>
               </a:lnSpc>
@@ -26030,7 +27685,7 @@
       </p:sp>
       <p:pic>
         <p:nvPicPr>
-          <p:cNvPr id="510" name="" descr=""/>
+          <p:cNvPr id="548" name="" descr=""/>
           <p:cNvPicPr/>
           <p:nvPr/>
         </p:nvPicPr>
@@ -26041,7 +27696,7 @@
         <p:spPr>
           <a:xfrm>
             <a:off x="144000" y="4248000"/>
-            <a:ext cx="1300320" cy="1294200"/>
+            <a:ext cx="1299960" cy="1293840"/>
           </a:xfrm>
           <a:prstGeom prst="rect">
             <a:avLst/>
@@ -26053,7 +27708,7 @@
       </p:pic>
       <p:pic>
         <p:nvPicPr>
-          <p:cNvPr id="511" name="" descr=""/>
+          <p:cNvPr id="549" name="" descr=""/>
           <p:cNvPicPr/>
           <p:nvPr/>
         </p:nvPicPr>
@@ -26064,7 +27719,7 @@
         <p:spPr>
           <a:xfrm>
             <a:off x="6120000" y="264240"/>
-            <a:ext cx="3756960" cy="1893960"/>
+            <a:ext cx="3756600" cy="1893600"/>
           </a:xfrm>
           <a:prstGeom prst="rect">
             <a:avLst/>
@@ -26106,14 +27761,14 @@
       </p:grpSpPr>
       <p:sp>
         <p:nvSpPr>
-          <p:cNvPr id="512" name="CustomShape 1"/>
+          <p:cNvPr id="550" name="CustomShape 1"/>
           <p:cNvSpPr/>
           <p:nvPr/>
         </p:nvSpPr>
         <p:spPr>
           <a:xfrm>
             <a:off x="504000" y="226080"/>
-            <a:ext cx="9068040" cy="942480"/>
+            <a:ext cx="9067680" cy="942120"/>
           </a:xfrm>
           <a:prstGeom prst="rect">
             <a:avLst/>
@@ -26157,7 +27812,7 @@
       </p:sp>
       <p:pic>
         <p:nvPicPr>
-          <p:cNvPr id="513" name="" descr=""/>
+          <p:cNvPr id="551" name="" descr=""/>
           <p:cNvPicPr/>
           <p:nvPr/>
         </p:nvPicPr>
@@ -26168,7 +27823,7 @@
         <p:spPr>
           <a:xfrm>
             <a:off x="2088000" y="991440"/>
-            <a:ext cx="5180040" cy="4548600"/>
+            <a:ext cx="5179680" cy="4548240"/>
           </a:xfrm>
           <a:prstGeom prst="rect">
             <a:avLst/>
@@ -26210,14 +27865,14 @@
       </p:grpSpPr>
       <p:sp>
         <p:nvSpPr>
-          <p:cNvPr id="465" name="CustomShape 1"/>
+          <p:cNvPr id="503" name="CustomShape 1"/>
           <p:cNvSpPr/>
           <p:nvPr/>
         </p:nvSpPr>
         <p:spPr>
           <a:xfrm>
             <a:off x="504000" y="226080"/>
-            <a:ext cx="9066600" cy="941400"/>
+            <a:ext cx="9066240" cy="941040"/>
           </a:xfrm>
           <a:prstGeom prst="rect">
             <a:avLst/>
@@ -26261,14 +27916,14 @@
       </p:sp>
       <p:sp>
         <p:nvSpPr>
-          <p:cNvPr id="466" name="CustomShape 2"/>
+          <p:cNvPr id="504" name="CustomShape 2"/>
           <p:cNvSpPr/>
           <p:nvPr/>
         </p:nvSpPr>
         <p:spPr>
           <a:xfrm>
             <a:off x="576360" y="4500000"/>
-            <a:ext cx="9066600" cy="714960"/>
+            <a:ext cx="9066240" cy="714600"/>
           </a:xfrm>
           <a:prstGeom prst="rect">
             <a:avLst/>
@@ -26289,7 +27944,7 @@
             <a:normAutofit/>
           </a:bodyPr>
           <a:p>
-            <a:pPr marL="432000" indent="-318960">
+            <a:pPr marL="432000" indent="-318600">
               <a:lnSpc>
                 <a:spcPct val="100000"/>
               </a:lnSpc>
@@ -26321,7 +27976,7 @@
       </p:sp>
       <p:pic>
         <p:nvPicPr>
-          <p:cNvPr id="467" name="" descr=""/>
+          <p:cNvPr id="505" name="" descr=""/>
           <p:cNvPicPr/>
           <p:nvPr/>
         </p:nvPicPr>
@@ -26332,7 +27987,7 @@
         <p:spPr>
           <a:xfrm>
             <a:off x="2476800" y="1069560"/>
-            <a:ext cx="5006160" cy="3047040"/>
+            <a:ext cx="5005800" cy="3046680"/>
           </a:xfrm>
           <a:prstGeom prst="rect">
             <a:avLst/>
@@ -26374,14 +28029,14 @@
       </p:grpSpPr>
       <p:sp>
         <p:nvSpPr>
-          <p:cNvPr id="514" name="CustomShape 1"/>
+          <p:cNvPr id="552" name="CustomShape 1"/>
           <p:cNvSpPr/>
           <p:nvPr/>
         </p:nvSpPr>
         <p:spPr>
           <a:xfrm>
             <a:off x="504000" y="226080"/>
-            <a:ext cx="9068040" cy="942480"/>
+            <a:ext cx="9067680" cy="942120"/>
           </a:xfrm>
           <a:prstGeom prst="rect">
             <a:avLst/>
@@ -26425,7 +28080,7 @@
       </p:sp>
       <p:pic>
         <p:nvPicPr>
-          <p:cNvPr id="515" name="" descr=""/>
+          <p:cNvPr id="553" name="" descr=""/>
           <p:cNvPicPr/>
           <p:nvPr/>
         </p:nvPicPr>
@@ -26436,7 +28091,7 @@
         <p:spPr>
           <a:xfrm>
             <a:off x="1368000" y="1008000"/>
-            <a:ext cx="6984360" cy="4347360"/>
+            <a:ext cx="6984000" cy="4347000"/>
           </a:xfrm>
           <a:prstGeom prst="rect">
             <a:avLst/>
@@ -26478,14 +28133,14 @@
       </p:grpSpPr>
       <p:sp>
         <p:nvSpPr>
-          <p:cNvPr id="516" name="CustomShape 1"/>
+          <p:cNvPr id="554" name="CustomShape 1"/>
           <p:cNvSpPr/>
           <p:nvPr/>
         </p:nvSpPr>
         <p:spPr>
           <a:xfrm>
             <a:off x="504000" y="226080"/>
-            <a:ext cx="9068040" cy="942480"/>
+            <a:ext cx="9067680" cy="942120"/>
           </a:xfrm>
           <a:prstGeom prst="rect">
             <a:avLst/>
@@ -26529,14 +28184,14 @@
       </p:sp>
       <p:sp>
         <p:nvSpPr>
-          <p:cNvPr id="517" name="CustomShape 2"/>
+          <p:cNvPr id="555" name="CustomShape 2"/>
           <p:cNvSpPr/>
           <p:nvPr/>
         </p:nvSpPr>
         <p:spPr>
           <a:xfrm>
             <a:off x="1440000" y="1080000"/>
-            <a:ext cx="7124400" cy="3751200"/>
+            <a:ext cx="7124040" cy="3750840"/>
           </a:xfrm>
           <a:prstGeom prst="rect">
             <a:avLst/>
@@ -27410,14 +29065,14 @@
       </p:grpSpPr>
       <p:sp>
         <p:nvSpPr>
-          <p:cNvPr id="518" name="CustomShape 1"/>
+          <p:cNvPr id="556" name="CustomShape 1"/>
           <p:cNvSpPr/>
           <p:nvPr/>
         </p:nvSpPr>
         <p:spPr>
           <a:xfrm>
             <a:off x="504000" y="226080"/>
-            <a:ext cx="9068040" cy="942480"/>
+            <a:ext cx="9067680" cy="942120"/>
           </a:xfrm>
           <a:prstGeom prst="rect">
             <a:avLst/>
@@ -27461,7 +29116,7 @@
       </p:sp>
       <p:pic>
         <p:nvPicPr>
-          <p:cNvPr id="519" name="" descr=""/>
+          <p:cNvPr id="557" name="" descr=""/>
           <p:cNvPicPr/>
           <p:nvPr/>
         </p:nvPicPr>
@@ -27472,7 +29127,7 @@
         <p:spPr>
           <a:xfrm>
             <a:off x="986400" y="936000"/>
-            <a:ext cx="8226000" cy="4561920"/>
+            <a:ext cx="8225640" cy="4561560"/>
           </a:xfrm>
           <a:prstGeom prst="rect">
             <a:avLst/>
@@ -27514,14 +29169,14 @@
       </p:grpSpPr>
       <p:sp>
         <p:nvSpPr>
-          <p:cNvPr id="520" name="CustomShape 1"/>
+          <p:cNvPr id="558" name="CustomShape 1"/>
           <p:cNvSpPr/>
           <p:nvPr/>
         </p:nvSpPr>
         <p:spPr>
           <a:xfrm>
             <a:off x="504000" y="226080"/>
-            <a:ext cx="9068040" cy="942480"/>
+            <a:ext cx="9067680" cy="942120"/>
           </a:xfrm>
           <a:prstGeom prst="rect">
             <a:avLst/>
@@ -27565,7 +29220,7 @@
       </p:sp>
       <p:pic>
         <p:nvPicPr>
-          <p:cNvPr id="521" name="" descr=""/>
+          <p:cNvPr id="559" name="" descr=""/>
           <p:cNvPicPr/>
           <p:nvPr/>
         </p:nvPicPr>
@@ -27576,7 +29231,7 @@
         <p:spPr>
           <a:xfrm>
             <a:off x="2033640" y="1584000"/>
-            <a:ext cx="6026760" cy="2496240"/>
+            <a:ext cx="6026400" cy="2495880"/>
           </a:xfrm>
           <a:prstGeom prst="rect">
             <a:avLst/>
@@ -27618,14 +29273,14 @@
       </p:grpSpPr>
       <p:sp>
         <p:nvSpPr>
-          <p:cNvPr id="522" name="CustomShape 1"/>
+          <p:cNvPr id="560" name="CustomShape 1"/>
           <p:cNvSpPr/>
           <p:nvPr/>
         </p:nvSpPr>
         <p:spPr>
           <a:xfrm>
             <a:off x="504000" y="226080"/>
-            <a:ext cx="9068040" cy="942480"/>
+            <a:ext cx="9067680" cy="942120"/>
           </a:xfrm>
           <a:prstGeom prst="rect">
             <a:avLst/>
@@ -27669,7 +29324,7 @@
       </p:sp>
       <p:pic>
         <p:nvPicPr>
-          <p:cNvPr id="523" name="" descr=""/>
+          <p:cNvPr id="561" name="" descr=""/>
           <p:cNvPicPr/>
           <p:nvPr/>
         </p:nvPicPr>
@@ -27680,7 +29335,7 @@
         <p:spPr>
           <a:xfrm>
             <a:off x="2736000" y="1008000"/>
-            <a:ext cx="4614840" cy="4532400"/>
+            <a:ext cx="4614480" cy="4532040"/>
           </a:xfrm>
           <a:prstGeom prst="rect">
             <a:avLst/>
@@ -27722,14 +29377,14 @@
       </p:grpSpPr>
       <p:sp>
         <p:nvSpPr>
-          <p:cNvPr id="524" name="CustomShape 1"/>
+          <p:cNvPr id="562" name="CustomShape 1"/>
           <p:cNvSpPr/>
           <p:nvPr/>
         </p:nvSpPr>
         <p:spPr>
           <a:xfrm>
             <a:off x="504000" y="226080"/>
-            <a:ext cx="9069120" cy="636120"/>
+            <a:ext cx="9068760" cy="635760"/>
           </a:xfrm>
           <a:prstGeom prst="rect">
             <a:avLst/>
@@ -27773,7 +29428,7 @@
       </p:sp>
       <p:pic>
         <p:nvPicPr>
-          <p:cNvPr id="525" name="" descr=""/>
+          <p:cNvPr id="563" name="" descr=""/>
           <p:cNvPicPr/>
           <p:nvPr/>
         </p:nvPicPr>
@@ -27784,7 +29439,7 @@
         <p:spPr>
           <a:xfrm>
             <a:off x="1800000" y="864000"/>
-            <a:ext cx="6622200" cy="4667760"/>
+            <a:ext cx="6621840" cy="4667400"/>
           </a:xfrm>
           <a:prstGeom prst="rect">
             <a:avLst/>
@@ -27826,14 +29481,14 @@
       </p:grpSpPr>
       <p:sp>
         <p:nvSpPr>
-          <p:cNvPr id="526" name="CustomShape 1"/>
+          <p:cNvPr id="564" name="CustomShape 1"/>
           <p:cNvSpPr/>
           <p:nvPr/>
         </p:nvSpPr>
         <p:spPr>
           <a:xfrm>
             <a:off x="504000" y="226080"/>
-            <a:ext cx="9071280" cy="945720"/>
+            <a:ext cx="9070920" cy="945360"/>
           </a:xfrm>
           <a:prstGeom prst="rect">
             <a:avLst/>
@@ -27877,7 +29532,7 @@
       </p:sp>
       <p:pic>
         <p:nvPicPr>
-          <p:cNvPr id="527" name="" descr=""/>
+          <p:cNvPr id="565" name="" descr=""/>
           <p:cNvPicPr/>
           <p:nvPr/>
         </p:nvPicPr>
@@ -27888,7 +29543,7 @@
         <p:spPr>
           <a:xfrm>
             <a:off x="1008000" y="1099440"/>
-            <a:ext cx="7848720" cy="4155840"/>
+            <a:ext cx="7848360" cy="4155480"/>
           </a:xfrm>
           <a:prstGeom prst="rect">
             <a:avLst/>
@@ -27930,14 +29585,14 @@
       </p:grpSpPr>
       <p:sp>
         <p:nvSpPr>
-          <p:cNvPr id="528" name="CustomShape 1"/>
+          <p:cNvPr id="566" name="CustomShape 1"/>
           <p:cNvSpPr/>
           <p:nvPr/>
         </p:nvSpPr>
         <p:spPr>
           <a:xfrm>
             <a:off x="504000" y="226080"/>
-            <a:ext cx="9069120" cy="943560"/>
+            <a:ext cx="9068760" cy="943200"/>
           </a:xfrm>
           <a:prstGeom prst="rect">
             <a:avLst/>
@@ -27981,14 +29636,14 @@
       </p:sp>
       <p:sp>
         <p:nvSpPr>
-          <p:cNvPr id="529" name="CustomShape 2"/>
+          <p:cNvPr id="567" name="CustomShape 2"/>
           <p:cNvSpPr/>
           <p:nvPr/>
         </p:nvSpPr>
         <p:spPr>
           <a:xfrm>
             <a:off x="504000" y="1326600"/>
-            <a:ext cx="9069120" cy="3285720"/>
+            <a:ext cx="9068760" cy="3285360"/>
           </a:xfrm>
           <a:prstGeom prst="rect">
             <a:avLst/>
@@ -28009,7 +29664,7 @@
             <a:normAutofit/>
           </a:bodyPr>
           <a:p>
-            <a:pPr marL="432000" indent="-321120">
+            <a:pPr marL="432000" indent="-320760">
               <a:lnSpc>
                 <a:spcPct val="100000"/>
               </a:lnSpc>
@@ -28023,21 +29678,21 @@
               <a:buAutoNum type="arabicParenR"/>
             </a:pPr>
             <a:r>
-              <a:rPr b="0" lang="en-GB" sz="2600" spc="-1" strike="noStrike">
+              <a:rPr b="0" lang="en-GB" sz="2000" spc="-1" strike="noStrike">
                 <a:solidFill>
                   <a:srgbClr val="000000"/>
                 </a:solidFill>
                 <a:latin typeface="Arial"/>
                 <a:ea typeface="DejaVu Sans"/>
               </a:rPr>
-              <a:t>Raspberry Pi API and Google (OAuth) authentication</a:t>
-            </a:r>
-            <a:endParaRPr b="0" lang="en-GB" sz="2600" spc="-1" strike="noStrike">
-              <a:latin typeface="Arial"/>
-            </a:endParaRPr>
-          </a:p>
-          <a:p>
-            <a:pPr marL="432000" indent="-321120">
+              <a:t>Raspberry Pi API and Google (OAuth) authentication (federated login)</a:t>
+            </a:r>
+            <a:endParaRPr b="0" lang="en-GB" sz="2000" spc="-1" strike="noStrike">
+              <a:latin typeface="Arial"/>
+            </a:endParaRPr>
+          </a:p>
+          <a:p>
+            <a:pPr marL="432000" indent="-320760">
               <a:lnSpc>
                 <a:spcPct val="100000"/>
               </a:lnSpc>
@@ -28051,7 +29706,7 @@
               <a:buAutoNum type="arabicParenR"/>
             </a:pPr>
             <a:r>
-              <a:rPr b="0" lang="en-GB" sz="2600" spc="-1" strike="noStrike">
+              <a:rPr b="0" lang="en-GB" sz="2000" spc="-1" strike="noStrike">
                 <a:solidFill>
                   <a:srgbClr val="000000"/>
                 </a:solidFill>
@@ -28060,12 +29715,12 @@
               </a:rPr>
               <a:t>ESP32 board</a:t>
             </a:r>
-            <a:endParaRPr b="0" lang="en-GB" sz="2600" spc="-1" strike="noStrike">
-              <a:latin typeface="Arial"/>
-            </a:endParaRPr>
-          </a:p>
-          <a:p>
-            <a:pPr marL="432000" indent="-321120">
+            <a:endParaRPr b="0" lang="en-GB" sz="2000" spc="-1" strike="noStrike">
+              <a:latin typeface="Arial"/>
+            </a:endParaRPr>
+          </a:p>
+          <a:p>
+            <a:pPr marL="432000" indent="-320760">
               <a:lnSpc>
                 <a:spcPct val="100000"/>
               </a:lnSpc>
@@ -28079,7 +29734,7 @@
               <a:buAutoNum type="arabicParenR"/>
             </a:pPr>
             <a:r>
-              <a:rPr b="0" lang="en-GB" sz="2600" spc="-1" strike="noStrike">
+              <a:rPr b="0" lang="en-GB" sz="2000" spc="-1" strike="noStrike">
                 <a:solidFill>
                   <a:srgbClr val="000000"/>
                 </a:solidFill>
@@ -28088,12 +29743,12 @@
               </a:rPr>
               <a:t>Create a tunnel for Alexa (localhost.run?)</a:t>
             </a:r>
-            <a:endParaRPr b="0" lang="en-GB" sz="2600" spc="-1" strike="noStrike">
-              <a:latin typeface="Arial"/>
-            </a:endParaRPr>
-          </a:p>
-          <a:p>
-            <a:pPr marL="432000" indent="-321120">
+            <a:endParaRPr b="0" lang="en-GB" sz="2000" spc="-1" strike="noStrike">
+              <a:latin typeface="Arial"/>
+            </a:endParaRPr>
+          </a:p>
+          <a:p>
+            <a:pPr marL="432000" indent="-320760">
               <a:lnSpc>
                 <a:spcPct val="100000"/>
               </a:lnSpc>
@@ -28107,7 +29762,7 @@
               <a:buAutoNum type="arabicParenR"/>
             </a:pPr>
             <a:r>
-              <a:rPr b="0" lang="en-GB" sz="2600" spc="-1" strike="noStrike">
+              <a:rPr b="0" lang="en-GB" sz="2000" spc="-1" strike="noStrike">
                 <a:solidFill>
                   <a:srgbClr val="000000"/>
                 </a:solidFill>
@@ -28116,12 +29771,12 @@
               </a:rPr>
               <a:t>Current monitoring</a:t>
             </a:r>
-            <a:endParaRPr b="0" lang="en-GB" sz="2600" spc="-1" strike="noStrike">
-              <a:latin typeface="Arial"/>
-            </a:endParaRPr>
-          </a:p>
-          <a:p>
-            <a:pPr marL="432000" indent="-321120">
+            <a:endParaRPr b="0" lang="en-GB" sz="2000" spc="-1" strike="noStrike">
+              <a:latin typeface="Arial"/>
+            </a:endParaRPr>
+          </a:p>
+          <a:p>
+            <a:pPr marL="432000" indent="-320760">
               <a:lnSpc>
                 <a:spcPct val="100000"/>
               </a:lnSpc>
@@ -28135,7 +29790,7 @@
               <a:buAutoNum type="arabicParenR"/>
             </a:pPr>
             <a:r>
-              <a:rPr b="0" lang="en-GB" sz="2600" spc="-1" strike="noStrike">
+              <a:rPr b="0" lang="en-GB" sz="2000" spc="-1" strike="noStrike">
                 <a:solidFill>
                   <a:srgbClr val="000000"/>
                 </a:solidFill>
@@ -28144,12 +29799,12 @@
               </a:rPr>
               <a:t>Temperature sensor for P channel MOSFET</a:t>
             </a:r>
-            <a:endParaRPr b="0" lang="en-GB" sz="2600" spc="-1" strike="noStrike">
-              <a:latin typeface="Arial"/>
-            </a:endParaRPr>
-          </a:p>
-          <a:p>
-            <a:pPr marL="432000" indent="-321120">
+            <a:endParaRPr b="0" lang="en-GB" sz="2000" spc="-1" strike="noStrike">
+              <a:latin typeface="Arial"/>
+            </a:endParaRPr>
+          </a:p>
+          <a:p>
+            <a:pPr marL="432000" indent="-320760">
               <a:lnSpc>
                 <a:spcPct val="100000"/>
               </a:lnSpc>
@@ -28163,7 +29818,7 @@
               <a:buAutoNum type="arabicParenR"/>
             </a:pPr>
             <a:r>
-              <a:rPr b="0" lang="en-GB" sz="2600" spc="-1" strike="noStrike">
+              <a:rPr b="0" lang="en-GB" sz="2000" spc="-1" strike="noStrike">
                 <a:solidFill>
                   <a:srgbClr val="000000"/>
                 </a:solidFill>
@@ -28172,7 +29827,7 @@
               </a:rPr>
               <a:t>PIR (and other) sensors</a:t>
             </a:r>
-            <a:endParaRPr b="0" lang="en-GB" sz="2600" spc="-1" strike="noStrike">
+            <a:endParaRPr b="0" lang="en-GB" sz="2000" spc="-1" strike="noStrike">
               <a:latin typeface="Arial"/>
             </a:endParaRPr>
           </a:p>
@@ -28210,14 +29865,14 @@
       </p:grpSpPr>
       <p:sp>
         <p:nvSpPr>
-          <p:cNvPr id="530" name="CustomShape 1"/>
+          <p:cNvPr id="568" name="CustomShape 1"/>
           <p:cNvSpPr/>
           <p:nvPr/>
         </p:nvSpPr>
         <p:spPr>
           <a:xfrm>
             <a:off x="504000" y="226080"/>
-            <a:ext cx="9069120" cy="943560"/>
+            <a:ext cx="9068760" cy="943200"/>
           </a:xfrm>
           <a:prstGeom prst="rect">
             <a:avLst/>
@@ -28261,14 +29916,14 @@
       </p:sp>
       <p:sp>
         <p:nvSpPr>
-          <p:cNvPr id="531" name="CustomShape 2"/>
+          <p:cNvPr id="569" name="CustomShape 2"/>
           <p:cNvSpPr/>
           <p:nvPr/>
         </p:nvSpPr>
         <p:spPr>
           <a:xfrm>
             <a:off x="504000" y="3240000"/>
-            <a:ext cx="9069120" cy="1372320"/>
+            <a:ext cx="9068760" cy="1371960"/>
           </a:xfrm>
           <a:prstGeom prst="rect">
             <a:avLst/>
@@ -28289,7 +29944,7 @@
             <a:normAutofit fontScale="70000"/>
           </a:bodyPr>
           <a:p>
-            <a:pPr marL="432000" indent="-321480">
+            <a:pPr marL="432000" indent="-321120">
               <a:lnSpc>
                 <a:spcPct val="100000"/>
               </a:lnSpc>
@@ -28315,7 +29970,7 @@
             </a:endParaRPr>
           </a:p>
           <a:p>
-            <a:pPr marL="432000" indent="-321480">
+            <a:pPr marL="432000" indent="-321120">
               <a:lnSpc>
                 <a:spcPct val="100000"/>
               </a:lnSpc>
@@ -28343,7 +29998,7 @@
             </a:endParaRPr>
           </a:p>
           <a:p>
-            <a:pPr marL="432000" indent="-321480">
+            <a:pPr marL="432000" indent="-321120">
               <a:lnSpc>
                 <a:spcPct val="100000"/>
               </a:lnSpc>
@@ -28402,14 +30057,14 @@
       </p:grpSpPr>
       <p:sp>
         <p:nvSpPr>
-          <p:cNvPr id="468" name="CustomShape 1"/>
+          <p:cNvPr id="506" name="CustomShape 1"/>
           <p:cNvSpPr/>
           <p:nvPr/>
         </p:nvSpPr>
         <p:spPr>
           <a:xfrm>
             <a:off x="504000" y="226080"/>
-            <a:ext cx="9066600" cy="941400"/>
+            <a:ext cx="9066240" cy="941040"/>
           </a:xfrm>
           <a:prstGeom prst="rect">
             <a:avLst/>
@@ -28453,14 +30108,14 @@
       </p:sp>
       <p:sp>
         <p:nvSpPr>
-          <p:cNvPr id="469" name="CustomShape 2"/>
+          <p:cNvPr id="507" name="CustomShape 2"/>
           <p:cNvSpPr/>
           <p:nvPr/>
         </p:nvSpPr>
         <p:spPr>
           <a:xfrm>
             <a:off x="432360" y="5112000"/>
-            <a:ext cx="9066600" cy="361800"/>
+            <a:ext cx="9066240" cy="361440"/>
           </a:xfrm>
           <a:prstGeom prst="rect">
             <a:avLst/>
@@ -28481,7 +30136,7 @@
             <a:normAutofit/>
           </a:bodyPr>
           <a:p>
-            <a:pPr marL="432000" indent="-318960">
+            <a:pPr marL="432000" indent="-318600">
               <a:lnSpc>
                 <a:spcPct val="100000"/>
               </a:lnSpc>
@@ -28513,7 +30168,7 @@
       </p:sp>
       <p:pic>
         <p:nvPicPr>
-          <p:cNvPr id="470" name="" descr=""/>
+          <p:cNvPr id="508" name="" descr=""/>
           <p:cNvPicPr/>
           <p:nvPr/>
         </p:nvPicPr>
@@ -28524,7 +30179,7 @@
         <p:spPr>
           <a:xfrm>
             <a:off x="2304000" y="1032480"/>
-            <a:ext cx="5466960" cy="4002480"/>
+            <a:ext cx="5466600" cy="4002120"/>
           </a:xfrm>
           <a:prstGeom prst="rect">
             <a:avLst/>
@@ -28566,14 +30221,14 @@
       </p:grpSpPr>
       <p:sp>
         <p:nvSpPr>
-          <p:cNvPr id="471" name="CustomShape 1"/>
+          <p:cNvPr id="509" name="CustomShape 1"/>
           <p:cNvSpPr/>
           <p:nvPr/>
         </p:nvSpPr>
         <p:spPr>
           <a:xfrm>
             <a:off x="504000" y="226080"/>
-            <a:ext cx="9066600" cy="941400"/>
+            <a:ext cx="9066240" cy="941040"/>
           </a:xfrm>
           <a:prstGeom prst="rect">
             <a:avLst/>
@@ -28617,14 +30272,14 @@
       </p:sp>
       <p:sp>
         <p:nvSpPr>
-          <p:cNvPr id="472" name="CustomShape 2"/>
+          <p:cNvPr id="510" name="CustomShape 2"/>
           <p:cNvSpPr/>
           <p:nvPr/>
         </p:nvSpPr>
         <p:spPr>
           <a:xfrm>
             <a:off x="576360" y="4998600"/>
-            <a:ext cx="9066600" cy="468360"/>
+            <a:ext cx="9066240" cy="468000"/>
           </a:xfrm>
           <a:prstGeom prst="rect">
             <a:avLst/>
@@ -28645,7 +30300,7 @@
             <a:normAutofit/>
           </a:bodyPr>
           <a:p>
-            <a:pPr marL="432000" indent="-318960">
+            <a:pPr marL="432000" indent="-318600">
               <a:lnSpc>
                 <a:spcPct val="100000"/>
               </a:lnSpc>
@@ -28677,7 +30332,7 @@
       </p:sp>
       <p:pic>
         <p:nvPicPr>
-          <p:cNvPr id="473" name="" descr=""/>
+          <p:cNvPr id="511" name="" descr=""/>
           <p:cNvPicPr/>
           <p:nvPr/>
         </p:nvPicPr>
@@ -28688,7 +30343,7 @@
         <p:spPr>
           <a:xfrm>
             <a:off x="1224000" y="1008000"/>
-            <a:ext cx="7266960" cy="3923280"/>
+            <a:ext cx="7266600" cy="3922920"/>
           </a:xfrm>
           <a:prstGeom prst="rect">
             <a:avLst/>
@@ -28730,14 +30385,14 @@
       </p:grpSpPr>
       <p:sp>
         <p:nvSpPr>
-          <p:cNvPr id="474" name="CustomShape 1"/>
+          <p:cNvPr id="512" name="CustomShape 1"/>
           <p:cNvSpPr/>
           <p:nvPr/>
         </p:nvSpPr>
         <p:spPr>
           <a:xfrm>
             <a:off x="504000" y="226080"/>
-            <a:ext cx="9066600" cy="941400"/>
+            <a:ext cx="9066240" cy="941040"/>
           </a:xfrm>
           <a:prstGeom prst="rect">
             <a:avLst/>
@@ -28781,14 +30436,14 @@
       </p:sp>
       <p:sp>
         <p:nvSpPr>
-          <p:cNvPr id="475" name="CustomShape 2"/>
+          <p:cNvPr id="513" name="CustomShape 2"/>
           <p:cNvSpPr/>
           <p:nvPr/>
         </p:nvSpPr>
         <p:spPr>
           <a:xfrm>
             <a:off x="504000" y="1326600"/>
-            <a:ext cx="9066600" cy="3283200"/>
+            <a:ext cx="9066240" cy="3282840"/>
           </a:xfrm>
           <a:prstGeom prst="rect">
             <a:avLst/>
@@ -28809,7 +30464,7 @@
             <a:normAutofit/>
           </a:bodyPr>
           <a:p>
-            <a:pPr marL="432000" indent="-318960">
+            <a:pPr marL="432000" indent="-318600">
               <a:lnSpc>
                 <a:spcPct val="100000"/>
               </a:lnSpc>
@@ -28838,7 +30493,7 @@
             </a:endParaRPr>
           </a:p>
           <a:p>
-            <a:pPr marL="432000" indent="-318960">
+            <a:pPr marL="432000" indent="-318600">
               <a:lnSpc>
                 <a:spcPct val="100000"/>
               </a:lnSpc>
@@ -28867,7 +30522,7 @@
             </a:endParaRPr>
           </a:p>
           <a:p>
-            <a:pPr marL="432000" indent="-318960">
+            <a:pPr marL="432000" indent="-318600">
               <a:lnSpc>
                 <a:spcPct val="100000"/>
               </a:lnSpc>
@@ -28896,7 +30551,7 @@
             </a:endParaRPr>
           </a:p>
           <a:p>
-            <a:pPr marL="432000" indent="-318960">
+            <a:pPr marL="432000" indent="-318600">
               <a:lnSpc>
                 <a:spcPct val="100000"/>
               </a:lnSpc>
@@ -28925,7 +30580,7 @@
             </a:endParaRPr>
           </a:p>
           <a:p>
-            <a:pPr marL="432000" indent="-318960">
+            <a:pPr marL="432000" indent="-318600">
               <a:lnSpc>
                 <a:spcPct val="100000"/>
               </a:lnSpc>
@@ -28954,7 +30609,7 @@
             </a:endParaRPr>
           </a:p>
           <a:p>
-            <a:pPr marL="432000" indent="-318960">
+            <a:pPr marL="432000" indent="-318600">
               <a:lnSpc>
                 <a:spcPct val="100000"/>
               </a:lnSpc>
@@ -29016,14 +30671,14 @@
       </p:grpSpPr>
       <p:sp>
         <p:nvSpPr>
-          <p:cNvPr id="476" name="CustomShape 1"/>
+          <p:cNvPr id="514" name="CustomShape 1"/>
           <p:cNvSpPr/>
           <p:nvPr/>
         </p:nvSpPr>
         <p:spPr>
           <a:xfrm>
             <a:off x="1440000" y="216000"/>
-            <a:ext cx="7128360" cy="711360"/>
+            <a:ext cx="7128000" cy="711000"/>
           </a:xfrm>
           <a:prstGeom prst="rect">
             <a:avLst/>
@@ -29067,7 +30722,7 @@
       </p:sp>
       <p:pic>
         <p:nvPicPr>
-          <p:cNvPr id="477" name="" descr=""/>
+          <p:cNvPr id="515" name="" descr=""/>
           <p:cNvPicPr/>
           <p:nvPr/>
         </p:nvPicPr>
@@ -29078,7 +30733,7 @@
         <p:spPr>
           <a:xfrm>
             <a:off x="653040" y="936000"/>
-            <a:ext cx="8126640" cy="4301280"/>
+            <a:ext cx="8126280" cy="4300920"/>
           </a:xfrm>
           <a:prstGeom prst="rect">
             <a:avLst/>
@@ -29120,14 +30775,14 @@
       </p:grpSpPr>
       <p:sp>
         <p:nvSpPr>
-          <p:cNvPr id="478" name="CustomShape 1"/>
+          <p:cNvPr id="516" name="CustomShape 1"/>
           <p:cNvSpPr/>
           <p:nvPr/>
         </p:nvSpPr>
         <p:spPr>
           <a:xfrm>
             <a:off x="504000" y="226080"/>
-            <a:ext cx="9069480" cy="943920"/>
+            <a:ext cx="9069120" cy="943560"/>
           </a:xfrm>
           <a:prstGeom prst="rect">
             <a:avLst/>
@@ -29171,7 +30826,7 @@
       </p:sp>
       <p:pic>
         <p:nvPicPr>
-          <p:cNvPr id="479" name="" descr=""/>
+          <p:cNvPr id="517" name="" descr=""/>
           <p:cNvPicPr/>
           <p:nvPr/>
         </p:nvPicPr>
@@ -29182,7 +30837,7 @@
         <p:spPr>
           <a:xfrm>
             <a:off x="850680" y="1080000"/>
-            <a:ext cx="8292240" cy="4389480"/>
+            <a:ext cx="8291880" cy="4389120"/>
           </a:xfrm>
           <a:prstGeom prst="rect">
             <a:avLst/>
@@ -29224,14 +30879,14 @@
       </p:grpSpPr>
       <p:sp>
         <p:nvSpPr>
-          <p:cNvPr id="480" name="CustomShape 1"/>
+          <p:cNvPr id="518" name="CustomShape 1"/>
           <p:cNvSpPr/>
           <p:nvPr/>
         </p:nvSpPr>
         <p:spPr>
           <a:xfrm>
             <a:off x="504000" y="226080"/>
-            <a:ext cx="9066600" cy="941400"/>
+            <a:ext cx="9066240" cy="941040"/>
           </a:xfrm>
           <a:prstGeom prst="rect">
             <a:avLst/>
@@ -29275,14 +30930,14 @@
       </p:sp>
       <p:sp>
         <p:nvSpPr>
-          <p:cNvPr id="481" name="CustomShape 2"/>
+          <p:cNvPr id="519" name="CustomShape 2"/>
           <p:cNvSpPr/>
           <p:nvPr/>
         </p:nvSpPr>
         <p:spPr>
           <a:xfrm>
             <a:off x="648360" y="4968000"/>
-            <a:ext cx="9066600" cy="540360"/>
+            <a:ext cx="9066240" cy="540000"/>
           </a:xfrm>
           <a:prstGeom prst="rect">
             <a:avLst/>
@@ -29303,7 +30958,7 @@
             <a:normAutofit/>
           </a:bodyPr>
           <a:p>
-            <a:pPr marL="432000" indent="-318960">
+            <a:pPr marL="432000" indent="-318600">
               <a:lnSpc>
                 <a:spcPct val="100000"/>
               </a:lnSpc>
@@ -29335,7 +30990,7 @@
       </p:sp>
       <p:pic>
         <p:nvPicPr>
-          <p:cNvPr id="482" name="" descr=""/>
+          <p:cNvPr id="520" name="" descr=""/>
           <p:cNvPicPr/>
           <p:nvPr/>
         </p:nvPicPr>
@@ -29346,7 +31001,7 @@
         <p:spPr>
           <a:xfrm>
             <a:off x="360000" y="1172520"/>
-            <a:ext cx="9426960" cy="3202200"/>
+            <a:ext cx="9426600" cy="3201840"/>
           </a:xfrm>
           <a:prstGeom prst="rect">
             <a:avLst/>
@@ -29388,14 +31043,14 @@
       </p:grpSpPr>
       <p:sp>
         <p:nvSpPr>
-          <p:cNvPr id="483" name="CustomShape 1"/>
+          <p:cNvPr id="521" name="CustomShape 1"/>
           <p:cNvSpPr/>
           <p:nvPr/>
         </p:nvSpPr>
         <p:spPr>
           <a:xfrm>
             <a:off x="504000" y="226080"/>
-            <a:ext cx="9066600" cy="941400"/>
+            <a:ext cx="9066240" cy="941040"/>
           </a:xfrm>
           <a:prstGeom prst="rect">
             <a:avLst/>
@@ -29439,14 +31094,14 @@
       </p:sp>
       <p:sp>
         <p:nvSpPr>
-          <p:cNvPr id="484" name="CustomShape 2"/>
+          <p:cNvPr id="522" name="CustomShape 2"/>
           <p:cNvSpPr/>
           <p:nvPr/>
         </p:nvSpPr>
         <p:spPr>
           <a:xfrm>
             <a:off x="576000" y="5040000"/>
-            <a:ext cx="9066600" cy="468360"/>
+            <a:ext cx="9066240" cy="468000"/>
           </a:xfrm>
           <a:prstGeom prst="rect">
             <a:avLst/>
@@ -29467,7 +31122,7 @@
             <a:normAutofit/>
           </a:bodyPr>
           <a:p>
-            <a:pPr marL="432000" indent="-318960">
+            <a:pPr marL="432000" indent="-318600">
               <a:lnSpc>
                 <a:spcPct val="100000"/>
               </a:lnSpc>
@@ -29499,7 +31154,7 @@
       </p:sp>
       <p:pic>
         <p:nvPicPr>
-          <p:cNvPr id="485" name="" descr=""/>
+          <p:cNvPr id="523" name="" descr=""/>
           <p:cNvPicPr/>
           <p:nvPr/>
         </p:nvPicPr>
@@ -29510,7 +31165,7 @@
         <p:spPr>
           <a:xfrm>
             <a:off x="2444760" y="1080000"/>
-            <a:ext cx="5182200" cy="3882960"/>
+            <a:ext cx="5181840" cy="3882600"/>
           </a:xfrm>
           <a:prstGeom prst="rect">
             <a:avLst/>
@@ -30438,6 +32093,232 @@
 </file>
 
 <file path=ppt/theme/theme13.xml><?xml version="1.0" encoding="utf-8"?>
+<a:theme xmlns:a="http://schemas.openxmlformats.org/drawingml/2006/main" name="Office Theme">
+  <a:themeElements>
+    <a:clrScheme name="Office">
+      <a:dk1>
+        <a:sysClr val="windowText" lastClr="000000"/>
+      </a:dk1>
+      <a:lt1>
+        <a:sysClr val="window" lastClr="FFFFFF"/>
+      </a:lt1>
+      <a:dk2>
+        <a:srgbClr val="1f497d"/>
+      </a:dk2>
+      <a:lt2>
+        <a:srgbClr val="eeece1"/>
+      </a:lt2>
+      <a:accent1>
+        <a:srgbClr val="4f81bd"/>
+      </a:accent1>
+      <a:accent2>
+        <a:srgbClr val="c0504d"/>
+      </a:accent2>
+      <a:accent3>
+        <a:srgbClr val="9bbb59"/>
+      </a:accent3>
+      <a:accent4>
+        <a:srgbClr val="8064a2"/>
+      </a:accent4>
+      <a:accent5>
+        <a:srgbClr val="4bacc6"/>
+      </a:accent5>
+      <a:accent6>
+        <a:srgbClr val="f79646"/>
+      </a:accent6>
+      <a:hlink>
+        <a:srgbClr val="0000ff"/>
+      </a:hlink>
+      <a:folHlink>
+        <a:srgbClr val="800080"/>
+      </a:folHlink>
+    </a:clrScheme>
+    <a:fontScheme name="Office">
+      <a:majorFont>
+        <a:latin typeface="Arial"/>
+        <a:ea typeface="DejaVu Sans"/>
+        <a:cs typeface="DejaVu Sans"/>
+      </a:majorFont>
+      <a:minorFont>
+        <a:latin typeface="Arial"/>
+        <a:ea typeface="DejaVu Sans"/>
+        <a:cs typeface="DejaVu Sans"/>
+      </a:minorFont>
+    </a:fontScheme>
+    <a:fmtScheme name="Office">
+      <a:fillStyleLst>
+        <a:solidFill>
+          <a:schemeClr val="phClr"/>
+        </a:solidFill>
+        <a:gradFill rotWithShape="1">
+          <a:gsLst>
+            <a:gs pos="0">
+              <a:schemeClr val="phClr">
+                <a:tint val="50000"/>
+                <a:satMod val="300000"/>
+              </a:schemeClr>
+            </a:gs>
+            <a:gs pos="35000">
+              <a:schemeClr val="phClr">
+                <a:tint val="37000"/>
+                <a:satMod val="300000"/>
+              </a:schemeClr>
+            </a:gs>
+            <a:gs pos="100000">
+              <a:schemeClr val="phClr">
+                <a:tint val="15000"/>
+                <a:satMod val="350000"/>
+              </a:schemeClr>
+            </a:gs>
+          </a:gsLst>
+          <a:lin ang="16200000" scaled="1"/>
+        </a:gradFill>
+        <a:gradFill rotWithShape="1">
+          <a:gsLst>
+            <a:gs pos="0">
+              <a:schemeClr val="phClr">
+                <a:shade val="51000"/>
+                <a:satMod val="130000"/>
+              </a:schemeClr>
+            </a:gs>
+            <a:gs pos="80000">
+              <a:schemeClr val="phClr">
+                <a:shade val="93000"/>
+                <a:satMod val="130000"/>
+              </a:schemeClr>
+            </a:gs>
+            <a:gs pos="100000">
+              <a:schemeClr val="phClr">
+                <a:shade val="94000"/>
+                <a:satMod val="135000"/>
+              </a:schemeClr>
+            </a:gs>
+          </a:gsLst>
+          <a:lin ang="16200000" scaled="0"/>
+        </a:gradFill>
+      </a:fillStyleLst>
+      <a:lnStyleLst>
+        <a:ln w="9525" cap="flat" cmpd="sng" algn="ctr">
+          <a:solidFill>
+            <a:schemeClr val="phClr">
+              <a:shade val="95000"/>
+              <a:satMod val="105000"/>
+            </a:schemeClr>
+          </a:solidFill>
+          <a:prstDash val="solid"/>
+          <a:miter/>
+        </a:ln>
+        <a:ln w="25400" cap="flat" cmpd="sng" algn="ctr">
+          <a:solidFill>
+            <a:schemeClr val="phClr"/>
+          </a:solidFill>
+          <a:prstDash val="solid"/>
+          <a:miter/>
+        </a:ln>
+        <a:ln w="38100" cap="flat" cmpd="sng" algn="ctr">
+          <a:solidFill>
+            <a:schemeClr val="phClr"/>
+          </a:solidFill>
+          <a:prstDash val="solid"/>
+          <a:miter/>
+        </a:ln>
+      </a:lnStyleLst>
+      <a:effectStyleLst>
+        <a:effectStyle>
+          <a:effectLst>
+            <a:outerShdw blurRad="40000" dist="20000" dir="5400000" rotWithShape="0">
+              <a:srgbClr val="000000">
+                <a:alpha val="38000"/>
+              </a:srgbClr>
+            </a:outerShdw>
+          </a:effectLst>
+        </a:effectStyle>
+        <a:effectStyle>
+          <a:effectLst>
+            <a:outerShdw blurRad="40000" dist="23000" dir="5400000" rotWithShape="0">
+              <a:srgbClr val="000000">
+                <a:alpha val="35000"/>
+              </a:srgbClr>
+            </a:outerShdw>
+          </a:effectLst>
+        </a:effectStyle>
+        <a:effectStyle>
+          <a:effectLst>
+            <a:outerShdw blurRad="40000" dist="23000" dir="5400000" rotWithShape="0">
+              <a:srgbClr val="000000">
+                <a:alpha val="35000"/>
+              </a:srgbClr>
+            </a:outerShdw>
+          </a:effectLst>
+          <a:scene3d>
+            <a:camera prst="orthographicFront">
+              <a:rot lat="0" lon="0" rev="0"/>
+            </a:camera>
+            <a:lightRig rig="threePt" dir="t">
+              <a:rot lat="0" lon="0" rev="1200000"/>
+            </a:lightRig>
+          </a:scene3d>
+          <a:sp3d>
+            <a:bevelT w="63500" h="25400"/>
+          </a:sp3d>
+        </a:effectStyle>
+      </a:effectStyleLst>
+      <a:bgFillStyleLst>
+        <a:solidFill>
+          <a:schemeClr val="phClr"/>
+        </a:solidFill>
+        <a:gradFill rotWithShape="1">
+          <a:gsLst>
+            <a:gs pos="0">
+              <a:schemeClr val="phClr">
+                <a:tint val="40000"/>
+                <a:satMod val="350000"/>
+              </a:schemeClr>
+            </a:gs>
+            <a:gs pos="40000">
+              <a:schemeClr val="phClr">
+                <a:tint val="45000"/>
+                <a:shade val="99000"/>
+                <a:satMod val="350000"/>
+              </a:schemeClr>
+            </a:gs>
+            <a:gs pos="100000">
+              <a:schemeClr val="phClr">
+                <a:shade val="20000"/>
+                <a:satMod val="255000"/>
+              </a:schemeClr>
+            </a:gs>
+          </a:gsLst>
+          <a:path path="circle">
+            <a:fillToRect l="50000" t="-80000" r="50000" b="180000"/>
+          </a:path>
+        </a:gradFill>
+        <a:gradFill rotWithShape="1">
+          <a:gsLst>
+            <a:gs pos="0">
+              <a:schemeClr val="phClr">
+                <a:tint val="80000"/>
+                <a:satMod val="300000"/>
+              </a:schemeClr>
+            </a:gs>
+            <a:gs pos="100000">
+              <a:schemeClr val="phClr">
+                <a:shade val="30000"/>
+                <a:satMod val="200000"/>
+              </a:schemeClr>
+            </a:gs>
+          </a:gsLst>
+          <a:path path="circle">
+            <a:fillToRect l="50000" t="50000" r="50000" b="50000"/>
+          </a:path>
+        </a:gradFill>
+      </a:bgFillStyleLst>
+    </a:fmtScheme>
+  </a:themeElements>
+</a:theme>
+</file>
+
+<file path=ppt/theme/theme14.xml><?xml version="1.0" encoding="utf-8"?>
 <a:theme xmlns:a="http://schemas.openxmlformats.org/drawingml/2006/main" name="Office Theme">
   <a:themeElements>
     <a:clrScheme name="Office">
